--- a/QCBio luncheon 2020/Presentation1.pptx
+++ b/QCBio luncheon 2020/Presentation1.pptx
@@ -4,10 +4,22 @@
   <p:sldMasterIdLst>
     <p:sldMasterId id="2147483730" r:id="rId1"/>
   </p:sldMasterIdLst>
+  <p:notesMasterIdLst>
+    <p:notesMasterId r:id="rId14"/>
+  </p:notesMasterIdLst>
   <p:sldIdLst>
     <p:sldId id="256" r:id="rId2"/>
     <p:sldId id="259" r:id="rId3"/>
     <p:sldId id="257" r:id="rId4"/>
+    <p:sldId id="262" r:id="rId5"/>
+    <p:sldId id="263" r:id="rId6"/>
+    <p:sldId id="261" r:id="rId7"/>
+    <p:sldId id="264" r:id="rId8"/>
+    <p:sldId id="265" r:id="rId9"/>
+    <p:sldId id="269" r:id="rId10"/>
+    <p:sldId id="268" r:id="rId11"/>
+    <p:sldId id="270" r:id="rId12"/>
+    <p:sldId id="271" r:id="rId13"/>
   </p:sldIdLst>
   <p:sldSz cx="9144000" cy="6858000" type="screen4x3"/>
   <p:notesSz cx="6858000" cy="9144000"/>
@@ -107,6 +119,484 @@
     </a:lvl9pPr>
   </p:defaultTextStyle>
 </p:presentation>
+</file>
+
+<file path=ppt/notesMasters/notesMaster1.xml><?xml version="1.0" encoding="utf-8"?>
+<p:notesMaster xmlns:a="http://schemas.openxmlformats.org/drawingml/2006/main" xmlns:r="http://schemas.openxmlformats.org/officeDocument/2006/relationships" xmlns:p="http://schemas.openxmlformats.org/presentationml/2006/main">
+  <p:cSld>
+    <p:bg>
+      <p:bgRef idx="1001">
+        <a:schemeClr val="bg1"/>
+      </p:bgRef>
+    </p:bg>
+    <p:spTree>
+      <p:nvGrpSpPr>
+        <p:cNvPr id="1" name=""/>
+        <p:cNvGrpSpPr/>
+        <p:nvPr/>
+      </p:nvGrpSpPr>
+      <p:grpSpPr>
+        <a:xfrm>
+          <a:off x="0" y="0"/>
+          <a:ext cx="0" cy="0"/>
+          <a:chOff x="0" y="0"/>
+          <a:chExt cx="0" cy="0"/>
+        </a:xfrm>
+      </p:grpSpPr>
+      <p:sp>
+        <p:nvSpPr>
+          <p:cNvPr id="2" name="Header Placeholder 1"/>
+          <p:cNvSpPr>
+            <a:spLocks noGrp="1"/>
+          </p:cNvSpPr>
+          <p:nvPr>
+            <p:ph type="hdr" sz="quarter"/>
+          </p:nvPr>
+        </p:nvSpPr>
+        <p:spPr>
+          <a:xfrm>
+            <a:off x="0" y="0"/>
+            <a:ext cx="2971800" cy="457200"/>
+          </a:xfrm>
+          <a:prstGeom prst="rect">
+            <a:avLst/>
+          </a:prstGeom>
+        </p:spPr>
+        <p:txBody>
+          <a:bodyPr vert="horz" lIns="91440" tIns="45720" rIns="91440" bIns="45720" rtlCol="0"/>
+          <a:lstStyle>
+            <a:lvl1pPr algn="l">
+              <a:defRPr sz="1200"/>
+            </a:lvl1pPr>
+          </a:lstStyle>
+          <a:p>
+            <a:endParaRPr lang="en-US"/>
+          </a:p>
+        </p:txBody>
+      </p:sp>
+      <p:sp>
+        <p:nvSpPr>
+          <p:cNvPr id="3" name="Date Placeholder 2"/>
+          <p:cNvSpPr>
+            <a:spLocks noGrp="1"/>
+          </p:cNvSpPr>
+          <p:nvPr>
+            <p:ph type="dt" idx="1"/>
+          </p:nvPr>
+        </p:nvSpPr>
+        <p:spPr>
+          <a:xfrm>
+            <a:off x="3884613" y="0"/>
+            <a:ext cx="2971800" cy="457200"/>
+          </a:xfrm>
+          <a:prstGeom prst="rect">
+            <a:avLst/>
+          </a:prstGeom>
+        </p:spPr>
+        <p:txBody>
+          <a:bodyPr vert="horz" lIns="91440" tIns="45720" rIns="91440" bIns="45720" rtlCol="0"/>
+          <a:lstStyle>
+            <a:lvl1pPr algn="r">
+              <a:defRPr sz="1200"/>
+            </a:lvl1pPr>
+          </a:lstStyle>
+          <a:p>
+            <a:fld id="{C0637069-2E57-EC48-AEE9-D9084A574C9B}" type="datetimeFigureOut">
+              <a:rPr lang="en-US" smtClean="0"/>
+              <a:t>20/1/28</a:t>
+            </a:fld>
+            <a:endParaRPr lang="en-US"/>
+          </a:p>
+        </p:txBody>
+      </p:sp>
+      <p:sp>
+        <p:nvSpPr>
+          <p:cNvPr id="4" name="Slide Image Placeholder 3"/>
+          <p:cNvSpPr>
+            <a:spLocks noGrp="1" noRot="1" noChangeAspect="1"/>
+          </p:cNvSpPr>
+          <p:nvPr>
+            <p:ph type="sldImg" idx="2"/>
+          </p:nvPr>
+        </p:nvSpPr>
+        <p:spPr>
+          <a:xfrm>
+            <a:off x="1143000" y="685800"/>
+            <a:ext cx="4572000" cy="3429000"/>
+          </a:xfrm>
+          <a:prstGeom prst="rect">
+            <a:avLst/>
+          </a:prstGeom>
+          <a:noFill/>
+          <a:ln w="12700">
+            <a:solidFill>
+              <a:prstClr val="black"/>
+            </a:solidFill>
+          </a:ln>
+        </p:spPr>
+        <p:txBody>
+          <a:bodyPr vert="horz" lIns="91440" tIns="45720" rIns="91440" bIns="45720" rtlCol="0" anchor="ctr"/>
+          <a:lstStyle/>
+          <a:p>
+            <a:endParaRPr lang="en-US"/>
+          </a:p>
+        </p:txBody>
+      </p:sp>
+      <p:sp>
+        <p:nvSpPr>
+          <p:cNvPr id="5" name="Notes Placeholder 4"/>
+          <p:cNvSpPr>
+            <a:spLocks noGrp="1"/>
+          </p:cNvSpPr>
+          <p:nvPr>
+            <p:ph type="body" sz="quarter" idx="3"/>
+          </p:nvPr>
+        </p:nvSpPr>
+        <p:spPr>
+          <a:xfrm>
+            <a:off x="685800" y="4343400"/>
+            <a:ext cx="5486400" cy="4114800"/>
+          </a:xfrm>
+          <a:prstGeom prst="rect">
+            <a:avLst/>
+          </a:prstGeom>
+        </p:spPr>
+        <p:txBody>
+          <a:bodyPr vert="horz" lIns="91440" tIns="45720" rIns="91440" bIns="45720" rtlCol="0"/>
+          <a:lstStyle/>
+          <a:p>
+            <a:pPr lvl="0"/>
+            <a:r>
+              <a:rPr lang="x-none" smtClean="0"/>
+              <a:t>Click to edit Master text styles</a:t>
+            </a:r>
+          </a:p>
+          <a:p>
+            <a:pPr lvl="1"/>
+            <a:r>
+              <a:rPr lang="x-none" smtClean="0"/>
+              <a:t>Second level</a:t>
+            </a:r>
+          </a:p>
+          <a:p>
+            <a:pPr lvl="2"/>
+            <a:r>
+              <a:rPr lang="x-none" smtClean="0"/>
+              <a:t>Third level</a:t>
+            </a:r>
+          </a:p>
+          <a:p>
+            <a:pPr lvl="3"/>
+            <a:r>
+              <a:rPr lang="x-none" smtClean="0"/>
+              <a:t>Fourth level</a:t>
+            </a:r>
+          </a:p>
+          <a:p>
+            <a:pPr lvl="4"/>
+            <a:r>
+              <a:rPr lang="x-none" smtClean="0"/>
+              <a:t>Fifth level</a:t>
+            </a:r>
+            <a:endParaRPr lang="en-US"/>
+          </a:p>
+        </p:txBody>
+      </p:sp>
+      <p:sp>
+        <p:nvSpPr>
+          <p:cNvPr id="6" name="Footer Placeholder 5"/>
+          <p:cNvSpPr>
+            <a:spLocks noGrp="1"/>
+          </p:cNvSpPr>
+          <p:nvPr>
+            <p:ph type="ftr" sz="quarter" idx="4"/>
+          </p:nvPr>
+        </p:nvSpPr>
+        <p:spPr>
+          <a:xfrm>
+            <a:off x="0" y="8685213"/>
+            <a:ext cx="2971800" cy="457200"/>
+          </a:xfrm>
+          <a:prstGeom prst="rect">
+            <a:avLst/>
+          </a:prstGeom>
+        </p:spPr>
+        <p:txBody>
+          <a:bodyPr vert="horz" lIns="91440" tIns="45720" rIns="91440" bIns="45720" rtlCol="0" anchor="b"/>
+          <a:lstStyle>
+            <a:lvl1pPr algn="l">
+              <a:defRPr sz="1200"/>
+            </a:lvl1pPr>
+          </a:lstStyle>
+          <a:p>
+            <a:endParaRPr lang="en-US"/>
+          </a:p>
+        </p:txBody>
+      </p:sp>
+      <p:sp>
+        <p:nvSpPr>
+          <p:cNvPr id="7" name="Slide Number Placeholder 6"/>
+          <p:cNvSpPr>
+            <a:spLocks noGrp="1"/>
+          </p:cNvSpPr>
+          <p:nvPr>
+            <p:ph type="sldNum" sz="quarter" idx="5"/>
+          </p:nvPr>
+        </p:nvSpPr>
+        <p:spPr>
+          <a:xfrm>
+            <a:off x="3884613" y="8685213"/>
+            <a:ext cx="2971800" cy="457200"/>
+          </a:xfrm>
+          <a:prstGeom prst="rect">
+            <a:avLst/>
+          </a:prstGeom>
+        </p:spPr>
+        <p:txBody>
+          <a:bodyPr vert="horz" lIns="91440" tIns="45720" rIns="91440" bIns="45720" rtlCol="0" anchor="b"/>
+          <a:lstStyle>
+            <a:lvl1pPr algn="r">
+              <a:defRPr sz="1200"/>
+            </a:lvl1pPr>
+          </a:lstStyle>
+          <a:p>
+            <a:fld id="{DE36F243-0DEF-C842-90D8-D1B872A828E9}" type="slidenum">
+              <a:rPr lang="en-US" smtClean="0"/>
+              <a:t>‹#›</a:t>
+            </a:fld>
+            <a:endParaRPr lang="en-US"/>
+          </a:p>
+        </p:txBody>
+      </p:sp>
+    </p:spTree>
+    <p:extLst>
+      <p:ext uri="{BB962C8B-B14F-4D97-AF65-F5344CB8AC3E}">
+        <p14:creationId xmlns:p14="http://schemas.microsoft.com/office/powerpoint/2010/main" val="1908535597"/>
+      </p:ext>
+    </p:extLst>
+  </p:cSld>
+  <p:clrMap bg1="lt1" tx1="dk1" bg2="lt2" tx2="dk2" accent1="accent1" accent2="accent2" accent3="accent3" accent4="accent4" accent5="accent5" accent6="accent6" hlink="hlink" folHlink="folHlink"/>
+  <p:notesStyle>
+    <a:lvl1pPr marL="0" algn="l" defTabSz="457200" rtl="0" eaLnBrk="1" latinLnBrk="0" hangingPunct="1">
+      <a:defRPr sz="1200" kern="1200">
+        <a:solidFill>
+          <a:schemeClr val="tx1"/>
+        </a:solidFill>
+        <a:latin typeface="+mn-lt"/>
+        <a:ea typeface="+mn-ea"/>
+        <a:cs typeface="+mn-cs"/>
+      </a:defRPr>
+    </a:lvl1pPr>
+    <a:lvl2pPr marL="457200" algn="l" defTabSz="457200" rtl="0" eaLnBrk="1" latinLnBrk="0" hangingPunct="1">
+      <a:defRPr sz="1200" kern="1200">
+        <a:solidFill>
+          <a:schemeClr val="tx1"/>
+        </a:solidFill>
+        <a:latin typeface="+mn-lt"/>
+        <a:ea typeface="+mn-ea"/>
+        <a:cs typeface="+mn-cs"/>
+      </a:defRPr>
+    </a:lvl2pPr>
+    <a:lvl3pPr marL="914400" algn="l" defTabSz="457200" rtl="0" eaLnBrk="1" latinLnBrk="0" hangingPunct="1">
+      <a:defRPr sz="1200" kern="1200">
+        <a:solidFill>
+          <a:schemeClr val="tx1"/>
+        </a:solidFill>
+        <a:latin typeface="+mn-lt"/>
+        <a:ea typeface="+mn-ea"/>
+        <a:cs typeface="+mn-cs"/>
+      </a:defRPr>
+    </a:lvl3pPr>
+    <a:lvl4pPr marL="1371600" algn="l" defTabSz="457200" rtl="0" eaLnBrk="1" latinLnBrk="0" hangingPunct="1">
+      <a:defRPr sz="1200" kern="1200">
+        <a:solidFill>
+          <a:schemeClr val="tx1"/>
+        </a:solidFill>
+        <a:latin typeface="+mn-lt"/>
+        <a:ea typeface="+mn-ea"/>
+        <a:cs typeface="+mn-cs"/>
+      </a:defRPr>
+    </a:lvl4pPr>
+    <a:lvl5pPr marL="1828800" algn="l" defTabSz="457200" rtl="0" eaLnBrk="1" latinLnBrk="0" hangingPunct="1">
+      <a:defRPr sz="1200" kern="1200">
+        <a:solidFill>
+          <a:schemeClr val="tx1"/>
+        </a:solidFill>
+        <a:latin typeface="+mn-lt"/>
+        <a:ea typeface="+mn-ea"/>
+        <a:cs typeface="+mn-cs"/>
+      </a:defRPr>
+    </a:lvl5pPr>
+    <a:lvl6pPr marL="2286000" algn="l" defTabSz="457200" rtl="0" eaLnBrk="1" latinLnBrk="0" hangingPunct="1">
+      <a:defRPr sz="1200" kern="1200">
+        <a:solidFill>
+          <a:schemeClr val="tx1"/>
+        </a:solidFill>
+        <a:latin typeface="+mn-lt"/>
+        <a:ea typeface="+mn-ea"/>
+        <a:cs typeface="+mn-cs"/>
+      </a:defRPr>
+    </a:lvl6pPr>
+    <a:lvl7pPr marL="2743200" algn="l" defTabSz="457200" rtl="0" eaLnBrk="1" latinLnBrk="0" hangingPunct="1">
+      <a:defRPr sz="1200" kern="1200">
+        <a:solidFill>
+          <a:schemeClr val="tx1"/>
+        </a:solidFill>
+        <a:latin typeface="+mn-lt"/>
+        <a:ea typeface="+mn-ea"/>
+        <a:cs typeface="+mn-cs"/>
+      </a:defRPr>
+    </a:lvl7pPr>
+    <a:lvl8pPr marL="3200400" algn="l" defTabSz="457200" rtl="0" eaLnBrk="1" latinLnBrk="0" hangingPunct="1">
+      <a:defRPr sz="1200" kern="1200">
+        <a:solidFill>
+          <a:schemeClr val="tx1"/>
+        </a:solidFill>
+        <a:latin typeface="+mn-lt"/>
+        <a:ea typeface="+mn-ea"/>
+        <a:cs typeface="+mn-cs"/>
+      </a:defRPr>
+    </a:lvl8pPr>
+    <a:lvl9pPr marL="3657600" algn="l" defTabSz="457200" rtl="0" eaLnBrk="1" latinLnBrk="0" hangingPunct="1">
+      <a:defRPr sz="1200" kern="1200">
+        <a:solidFill>
+          <a:schemeClr val="tx1"/>
+        </a:solidFill>
+        <a:latin typeface="+mn-lt"/>
+        <a:ea typeface="+mn-ea"/>
+        <a:cs typeface="+mn-cs"/>
+      </a:defRPr>
+    </a:lvl9pPr>
+  </p:notesStyle>
+</p:notesMaster>
+</file>
+
+<file path=ppt/notesSlides/notesSlide1.xml><?xml version="1.0" encoding="utf-8"?>
+<p:notes xmlns:a="http://schemas.openxmlformats.org/drawingml/2006/main" xmlns:r="http://schemas.openxmlformats.org/officeDocument/2006/relationships" xmlns:p="http://schemas.openxmlformats.org/presentationml/2006/main">
+  <p:cSld>
+    <p:spTree>
+      <p:nvGrpSpPr>
+        <p:cNvPr id="1" name=""/>
+        <p:cNvGrpSpPr/>
+        <p:nvPr/>
+      </p:nvGrpSpPr>
+      <p:grpSpPr>
+        <a:xfrm>
+          <a:off x="0" y="0"/>
+          <a:ext cx="0" cy="0"/>
+          <a:chOff x="0" y="0"/>
+          <a:chExt cx="0" cy="0"/>
+        </a:xfrm>
+      </p:grpSpPr>
+      <p:sp>
+        <p:nvSpPr>
+          <p:cNvPr id="2" name="Slide Image Placeholder 1"/>
+          <p:cNvSpPr>
+            <a:spLocks noGrp="1" noRot="1" noChangeAspect="1"/>
+          </p:cNvSpPr>
+          <p:nvPr>
+            <p:ph type="sldImg"/>
+          </p:nvPr>
+        </p:nvSpPr>
+        <p:spPr/>
+      </p:sp>
+      <p:sp>
+        <p:nvSpPr>
+          <p:cNvPr id="3" name="Notes Placeholder 2"/>
+          <p:cNvSpPr>
+            <a:spLocks noGrp="1"/>
+          </p:cNvSpPr>
+          <p:nvPr>
+            <p:ph type="body" idx="1"/>
+          </p:nvPr>
+        </p:nvSpPr>
+        <p:spPr/>
+        <p:txBody>
+          <a:bodyPr/>
+          <a:lstStyle/>
+          <a:p>
+            <a:pPr marL="0" marR="0" indent="0" algn="l" defTabSz="457200" rtl="0" eaLnBrk="1" fontAlgn="auto" latinLnBrk="0" hangingPunct="1">
+              <a:lnSpc>
+                <a:spcPct val="100000"/>
+              </a:lnSpc>
+              <a:spcBef>
+                <a:spcPts val="0"/>
+              </a:spcBef>
+              <a:spcAft>
+                <a:spcPts val="0"/>
+              </a:spcAft>
+              <a:buClrTx/>
+              <a:buSzTx/>
+              <a:buFontTx/>
+              <a:buNone/>
+              <a:tabLst/>
+              <a:defRPr/>
+            </a:pPr>
+            <a:r>
+              <a:rPr lang="en-US" dirty="0" smtClean="0"/>
+              <a:t>In model 1, we are assuming every individual is</a:t>
+            </a:r>
+            <a:r>
+              <a:rPr lang="en-US" baseline="0" dirty="0" smtClean="0"/>
+              <a:t> completely identical except at the covariate. If this was true, then </a:t>
+            </a:r>
+            <a:r>
+              <a:rPr lang="en-US" baseline="0" dirty="0" err="1" smtClean="0"/>
+              <a:t>univariate</a:t>
+            </a:r>
+            <a:r>
+              <a:rPr lang="en-US" baseline="0" dirty="0" smtClean="0"/>
+              <a:t> models are good. </a:t>
+            </a:r>
+            <a:r>
+              <a:rPr lang="en-US" dirty="0" smtClean="0"/>
+              <a:t>In model 2, blood pressure determined by 2 explanatory</a:t>
+            </a:r>
+            <a:r>
+              <a:rPr lang="en-US" baseline="0" dirty="0" smtClean="0"/>
+              <a:t> variables, x1 and x2. Because model 2 contains x2 explicitly, we can measure the effect of x1 on blood pressure, keeping the effect of x2 fixed. In model 1, which puts x2 in the error term, we would have to assume x1 is uncorrelated with x2.</a:t>
+            </a:r>
+            <a:endParaRPr lang="en-US" dirty="0" smtClean="0"/>
+          </a:p>
+          <a:p>
+            <a:endParaRPr lang="en-US" dirty="0"/>
+          </a:p>
+        </p:txBody>
+      </p:sp>
+      <p:sp>
+        <p:nvSpPr>
+          <p:cNvPr id="4" name="Slide Number Placeholder 3"/>
+          <p:cNvSpPr>
+            <a:spLocks noGrp="1"/>
+          </p:cNvSpPr>
+          <p:nvPr>
+            <p:ph type="sldNum" sz="quarter" idx="10"/>
+          </p:nvPr>
+        </p:nvSpPr>
+        <p:spPr/>
+        <p:txBody>
+          <a:bodyPr/>
+          <a:lstStyle/>
+          <a:p>
+            <a:fld id="{DE36F243-0DEF-C842-90D8-D1B872A828E9}" type="slidenum">
+              <a:rPr lang="en-US" smtClean="0"/>
+              <a:t>10</a:t>
+            </a:fld>
+            <a:endParaRPr lang="en-US"/>
+          </a:p>
+        </p:txBody>
+      </p:sp>
+    </p:spTree>
+    <p:extLst>
+      <p:ext uri="{BB962C8B-B14F-4D97-AF65-F5344CB8AC3E}">
+        <p14:creationId xmlns:p14="http://schemas.microsoft.com/office/powerpoint/2010/main" val="1741378495"/>
+      </p:ext>
+    </p:extLst>
+  </p:cSld>
+  <p:clrMapOvr>
+    <a:masterClrMapping/>
+  </p:clrMapOvr>
+</p:notes>
 </file>
 
 <file path=ppt/slideLayouts/slideLayout1.xml><?xml version="1.0" encoding="utf-8"?>
@@ -3470,6 +3960,695 @@
 </p:sld>
 </file>
 
+<file path=ppt/slides/slide10.xml><?xml version="1.0" encoding="utf-8"?>
+<p:sld xmlns:a="http://schemas.openxmlformats.org/drawingml/2006/main" xmlns:r="http://schemas.openxmlformats.org/officeDocument/2006/relationships" xmlns:p="http://schemas.openxmlformats.org/presentationml/2006/main">
+  <p:cSld>
+    <p:spTree>
+      <p:nvGrpSpPr>
+        <p:cNvPr id="1" name=""/>
+        <p:cNvGrpSpPr/>
+        <p:nvPr/>
+      </p:nvGrpSpPr>
+      <p:grpSpPr>
+        <a:xfrm>
+          <a:off x="0" y="0"/>
+          <a:ext cx="0" cy="0"/>
+          <a:chOff x="0" y="0"/>
+          <a:chExt cx="0" cy="0"/>
+        </a:xfrm>
+      </p:grpSpPr>
+      <p:sp>
+        <p:nvSpPr>
+          <p:cNvPr id="3" name="Content Placeholder 2"/>
+          <p:cNvSpPr>
+            <a:spLocks noGrp="1"/>
+          </p:cNvSpPr>
+          <p:nvPr>
+            <p:ph idx="1"/>
+          </p:nvPr>
+        </p:nvSpPr>
+        <p:spPr>
+          <a:xfrm>
+            <a:off x="457200" y="2110505"/>
+            <a:ext cx="8229600" cy="688746"/>
+          </a:xfrm>
+        </p:spPr>
+        <p:txBody>
+          <a:bodyPr/>
+          <a:lstStyle/>
+          <a:p>
+            <a:r>
+              <a:rPr lang="en-US" dirty="0" smtClean="0"/>
+              <a:t>Ideally, every individual is </a:t>
+            </a:r>
+            <a:r>
+              <a:rPr lang="en-US" b="1" dirty="0" smtClean="0"/>
+              <a:t>identical </a:t>
+            </a:r>
+            <a:r>
+              <a:rPr lang="en-US" dirty="0" smtClean="0"/>
+              <a:t>except 1 thing:</a:t>
+            </a:r>
+          </a:p>
+          <a:p>
+            <a:endParaRPr lang="en-US" dirty="0"/>
+          </a:p>
+          <a:p>
+            <a:endParaRPr lang="en-US" dirty="0" smtClean="0"/>
+          </a:p>
+          <a:p>
+            <a:endParaRPr lang="en-US" dirty="0"/>
+          </a:p>
+        </p:txBody>
+      </p:sp>
+      <p:sp>
+        <p:nvSpPr>
+          <p:cNvPr id="4" name="Title 1"/>
+          <p:cNvSpPr>
+            <a:spLocks noGrp="1"/>
+          </p:cNvSpPr>
+          <p:nvPr>
+            <p:ph type="title"/>
+          </p:nvPr>
+        </p:nvSpPr>
+        <p:spPr/>
+        <p:txBody>
+          <a:bodyPr>
+            <a:noAutofit/>
+          </a:bodyPr>
+          <a:lstStyle/>
+          <a:p>
+            <a:r>
+              <a:rPr lang="en-US" sz="3500" dirty="0"/>
+              <a:t>Easy to be mislead when one </a:t>
+            </a:r>
+            <a:r>
+              <a:rPr lang="en-US" sz="3500" dirty="0" smtClean="0"/>
+              <a:t>does not </a:t>
+            </a:r>
+            <a:r>
+              <a:rPr lang="en-US" sz="3500" dirty="0"/>
+              <a:t>control for confounding</a:t>
+            </a:r>
+            <a:endParaRPr lang="en-US" sz="3500" dirty="0"/>
+          </a:p>
+        </p:txBody>
+      </p:sp>
+      <p:pic>
+        <p:nvPicPr>
+          <p:cNvPr id="5" name="Picture 4"/>
+          <p:cNvPicPr>
+            <a:picLocks noChangeAspect="1"/>
+          </p:cNvPicPr>
+          <p:nvPr/>
+        </p:nvPicPr>
+        <p:blipFill>
+          <a:blip r:embed="rId3"/>
+          <a:stretch>
+            <a:fillRect/>
+          </a:stretch>
+        </p:blipFill>
+        <p:spPr>
+          <a:xfrm flipH="1">
+            <a:off x="7844763" y="1873429"/>
+            <a:ext cx="191549" cy="925821"/>
+          </a:xfrm>
+          <a:prstGeom prst="rect">
+            <a:avLst/>
+          </a:prstGeom>
+        </p:spPr>
+      </p:pic>
+      <p:sp>
+        <p:nvSpPr>
+          <p:cNvPr id="6" name="TextBox 5"/>
+          <p:cNvSpPr txBox="1"/>
+          <p:nvPr/>
+        </p:nvSpPr>
+        <p:spPr>
+          <a:xfrm>
+            <a:off x="310691" y="3164662"/>
+            <a:ext cx="1070012" cy="369332"/>
+          </a:xfrm>
+          <a:prstGeom prst="rect">
+            <a:avLst/>
+          </a:prstGeom>
+          <a:noFill/>
+        </p:spPr>
+        <p:txBody>
+          <a:bodyPr wrap="none" rtlCol="0">
+            <a:spAutoFit/>
+          </a:bodyPr>
+          <a:lstStyle/>
+          <a:p>
+            <a:r>
+              <a:rPr lang="en-US" dirty="0" smtClean="0"/>
+              <a:t>Model 1:</a:t>
+            </a:r>
+            <a:endParaRPr lang="en-US" dirty="0"/>
+          </a:p>
+        </p:txBody>
+      </p:sp>
+      <p:sp>
+        <p:nvSpPr>
+          <p:cNvPr id="7" name="TextBox 6"/>
+          <p:cNvSpPr txBox="1"/>
+          <p:nvPr/>
+        </p:nvSpPr>
+        <p:spPr>
+          <a:xfrm>
+            <a:off x="310691" y="3747721"/>
+            <a:ext cx="1070012" cy="369332"/>
+          </a:xfrm>
+          <a:prstGeom prst="rect">
+            <a:avLst/>
+          </a:prstGeom>
+          <a:noFill/>
+        </p:spPr>
+        <p:txBody>
+          <a:bodyPr wrap="none" rtlCol="0">
+            <a:spAutoFit/>
+          </a:bodyPr>
+          <a:lstStyle/>
+          <a:p>
+            <a:r>
+              <a:rPr lang="en-US" dirty="0" smtClean="0"/>
+              <a:t>Model 2:</a:t>
+            </a:r>
+            <a:endParaRPr lang="en-US" dirty="0"/>
+          </a:p>
+        </p:txBody>
+      </p:sp>
+      <p:sp>
+        <p:nvSpPr>
+          <p:cNvPr id="8" name="TextBox 7"/>
+          <p:cNvSpPr txBox="1"/>
+          <p:nvPr/>
+        </p:nvSpPr>
+        <p:spPr>
+          <a:xfrm>
+            <a:off x="801440" y="4858839"/>
+            <a:ext cx="184666" cy="369332"/>
+          </a:xfrm>
+          <a:prstGeom prst="rect">
+            <a:avLst/>
+          </a:prstGeom>
+          <a:noFill/>
+        </p:spPr>
+        <p:txBody>
+          <a:bodyPr wrap="none" rtlCol="0">
+            <a:spAutoFit/>
+          </a:bodyPr>
+          <a:lstStyle/>
+          <a:p>
+            <a:endParaRPr lang="en-US" dirty="0"/>
+          </a:p>
+        </p:txBody>
+      </p:sp>
+      <p:pic>
+        <p:nvPicPr>
+          <p:cNvPr id="9" name="Picture 8" descr="text_blood_press.pdf"/>
+          <p:cNvPicPr>
+            <a:picLocks noChangeAspect="1"/>
+          </p:cNvPicPr>
+          <p:nvPr/>
+        </p:nvPicPr>
+        <p:blipFill>
+          <a:blip r:embed="rId4">
+            <a:extLst>
+              <a:ext uri="{28A0092B-C50C-407E-A947-70E740481C1C}">
+                <a14:useLocalDpi xmlns:a14="http://schemas.microsoft.com/office/drawing/2010/main" val="0"/>
+              </a:ext>
+            </a:extLst>
+          </a:blip>
+          <a:stretch>
+            <a:fillRect/>
+          </a:stretch>
+        </p:blipFill>
+        <p:spPr>
+          <a:xfrm>
+            <a:off x="1508595" y="3127578"/>
+            <a:ext cx="6197600" cy="419100"/>
+          </a:xfrm>
+          <a:prstGeom prst="rect">
+            <a:avLst/>
+          </a:prstGeom>
+        </p:spPr>
+      </p:pic>
+      <p:pic>
+        <p:nvPicPr>
+          <p:cNvPr id="10" name="Picture 9" descr="text_blood_press.pdf"/>
+          <p:cNvPicPr>
+            <a:picLocks noChangeAspect="1"/>
+          </p:cNvPicPr>
+          <p:nvPr/>
+        </p:nvPicPr>
+        <p:blipFill>
+          <a:blip r:embed="rId5">
+            <a:extLst>
+              <a:ext uri="{28A0092B-C50C-407E-A947-70E740481C1C}">
+                <a14:useLocalDpi xmlns:a14="http://schemas.microsoft.com/office/drawing/2010/main" val="0"/>
+              </a:ext>
+            </a:extLst>
+          </a:blip>
+          <a:stretch>
+            <a:fillRect/>
+          </a:stretch>
+        </p:blipFill>
+        <p:spPr>
+          <a:xfrm>
+            <a:off x="1527212" y="3747721"/>
+            <a:ext cx="7530316" cy="410745"/>
+          </a:xfrm>
+          <a:prstGeom prst="rect">
+            <a:avLst/>
+          </a:prstGeom>
+        </p:spPr>
+      </p:pic>
+      <p:sp>
+        <p:nvSpPr>
+          <p:cNvPr id="14" name="TextBox 13"/>
+          <p:cNvSpPr txBox="1"/>
+          <p:nvPr/>
+        </p:nvSpPr>
+        <p:spPr>
+          <a:xfrm>
+            <a:off x="457200" y="4878830"/>
+            <a:ext cx="8023316" cy="1477328"/>
+          </a:xfrm>
+          <a:prstGeom prst="rect">
+            <a:avLst/>
+          </a:prstGeom>
+          <a:noFill/>
+        </p:spPr>
+        <p:txBody>
+          <a:bodyPr wrap="square" rtlCol="0">
+            <a:spAutoFit/>
+          </a:bodyPr>
+          <a:lstStyle/>
+          <a:p>
+            <a:pPr algn="ctr"/>
+            <a:r>
+              <a:rPr lang="en-US" sz="3000" b="1" dirty="0" smtClean="0"/>
+              <a:t>Message of the talk</a:t>
+            </a:r>
+            <a:r>
+              <a:rPr lang="en-US" sz="3000" dirty="0" smtClean="0"/>
+              <a:t>: Multiple regressions measure covariate effects, </a:t>
+            </a:r>
+            <a:r>
+              <a:rPr lang="en-US" sz="3000" b="1" dirty="0" smtClean="0">
+                <a:solidFill>
+                  <a:srgbClr val="FF0000"/>
+                </a:solidFill>
+              </a:rPr>
+              <a:t>as if other covariate effects are fixed</a:t>
+            </a:r>
+            <a:r>
+              <a:rPr lang="en-US" sz="3000" dirty="0" smtClean="0"/>
+              <a:t>.</a:t>
+            </a:r>
+          </a:p>
+        </p:txBody>
+      </p:sp>
+      <p:sp>
+        <p:nvSpPr>
+          <p:cNvPr id="15" name="Frame 14"/>
+          <p:cNvSpPr/>
+          <p:nvPr/>
+        </p:nvSpPr>
+        <p:spPr>
+          <a:xfrm>
+            <a:off x="584029" y="4792951"/>
+            <a:ext cx="7963195" cy="1724351"/>
+          </a:xfrm>
+          <a:prstGeom prst="frame">
+            <a:avLst>
+              <a:gd name="adj1" fmla="val 675"/>
+            </a:avLst>
+          </a:prstGeom>
+          <a:solidFill>
+            <a:srgbClr val="FF0000"/>
+          </a:solidFill>
+          <a:ln>
+            <a:solidFill>
+              <a:srgbClr val="FF0000"/>
+            </a:solidFill>
+          </a:ln>
+        </p:spPr>
+        <p:style>
+          <a:lnRef idx="1">
+            <a:schemeClr val="accent1"/>
+          </a:lnRef>
+          <a:fillRef idx="3">
+            <a:schemeClr val="accent1"/>
+          </a:fillRef>
+          <a:effectRef idx="2">
+            <a:schemeClr val="accent1"/>
+          </a:effectRef>
+          <a:fontRef idx="minor">
+            <a:schemeClr val="lt1"/>
+          </a:fontRef>
+        </p:style>
+        <p:txBody>
+          <a:bodyPr rtlCol="0" anchor="ctr"/>
+          <a:lstStyle/>
+          <a:p>
+            <a:pPr algn="ctr"/>
+            <a:endParaRPr lang="en-US">
+              <a:solidFill>
+                <a:srgbClr val="FF0000"/>
+              </a:solidFill>
+            </a:endParaRPr>
+          </a:p>
+        </p:txBody>
+      </p:sp>
+    </p:spTree>
+    <p:extLst>
+      <p:ext uri="{BB962C8B-B14F-4D97-AF65-F5344CB8AC3E}">
+        <p14:creationId xmlns:p14="http://schemas.microsoft.com/office/powerpoint/2010/main" val="1066526959"/>
+      </p:ext>
+    </p:extLst>
+  </p:cSld>
+  <p:clrMapOvr>
+    <a:masterClrMapping/>
+  </p:clrMapOvr>
+  <p:timing>
+    <p:tnLst>
+      <p:par>
+        <p:cTn xmlns:p14="http://schemas.microsoft.com/office/powerpoint/2010/main" id="1" dur="indefinite" restart="never" nodeType="tmRoot">
+          <p:childTnLst>
+            <p:seq concurrent="1" nextAc="seek">
+              <p:cTn id="2" dur="indefinite" nodeType="mainSeq">
+                <p:childTnLst>
+                  <p:par>
+                    <p:cTn id="3" fill="hold">
+                      <p:stCondLst>
+                        <p:cond delay="indefinite"/>
+                      </p:stCondLst>
+                      <p:childTnLst>
+                        <p:par>
+                          <p:cTn id="4" fill="hold">
+                            <p:stCondLst>
+                              <p:cond delay="0"/>
+                            </p:stCondLst>
+                            <p:childTnLst>
+                              <p:par>
+                                <p:cTn id="5" presetID="1" presetClass="entr" presetSubtype="0" fill="hold" grpId="0" nodeType="clickEffect">
+                                  <p:stCondLst>
+                                    <p:cond delay="0"/>
+                                  </p:stCondLst>
+                                  <p:childTnLst>
+                                    <p:set>
+                                      <p:cBhvr>
+                                        <p:cTn id="6" dur="1" fill="hold">
+                                          <p:stCondLst>
+                                            <p:cond delay="0"/>
+                                          </p:stCondLst>
+                                        </p:cTn>
+                                        <p:tgtEl>
+                                          <p:spTgt spid="14"/>
+                                        </p:tgtEl>
+                                        <p:attrNameLst>
+                                          <p:attrName>style.visibility</p:attrName>
+                                        </p:attrNameLst>
+                                      </p:cBhvr>
+                                      <p:to>
+                                        <p:strVal val="visible"/>
+                                      </p:to>
+                                    </p:set>
+                                  </p:childTnLst>
+                                </p:cTn>
+                              </p:par>
+                              <p:par>
+                                <p:cTn id="7" presetID="1" presetClass="entr" presetSubtype="0" fill="hold" grpId="0" nodeType="withEffect">
+                                  <p:stCondLst>
+                                    <p:cond delay="0"/>
+                                  </p:stCondLst>
+                                  <p:childTnLst>
+                                    <p:set>
+                                      <p:cBhvr>
+                                        <p:cTn id="8" dur="1" fill="hold">
+                                          <p:stCondLst>
+                                            <p:cond delay="0"/>
+                                          </p:stCondLst>
+                                        </p:cTn>
+                                        <p:tgtEl>
+                                          <p:spTgt spid="15"/>
+                                        </p:tgtEl>
+                                        <p:attrNameLst>
+                                          <p:attrName>style.visibility</p:attrName>
+                                        </p:attrNameLst>
+                                      </p:cBhvr>
+                                      <p:to>
+                                        <p:strVal val="visible"/>
+                                      </p:to>
+                                    </p:set>
+                                  </p:childTnLst>
+                                </p:cTn>
+                              </p:par>
+                            </p:childTnLst>
+                          </p:cTn>
+                        </p:par>
+                      </p:childTnLst>
+                    </p:cTn>
+                  </p:par>
+                </p:childTnLst>
+              </p:cTn>
+              <p:prevCondLst>
+                <p:cond evt="onPrev" delay="0">
+                  <p:tgtEl>
+                    <p:sldTgt/>
+                  </p:tgtEl>
+                </p:cond>
+              </p:prevCondLst>
+              <p:nextCondLst>
+                <p:cond evt="onNext" delay="0">
+                  <p:tgtEl>
+                    <p:sldTgt/>
+                  </p:tgtEl>
+                </p:cond>
+              </p:nextCondLst>
+            </p:seq>
+          </p:childTnLst>
+        </p:cTn>
+      </p:par>
+    </p:tnLst>
+    <p:bldLst>
+      <p:bldP spid="14" grpId="0"/>
+      <p:bldP spid="15" grpId="0" animBg="1"/>
+    </p:bldLst>
+  </p:timing>
+</p:sld>
+</file>
+
+<file path=ppt/slides/slide11.xml><?xml version="1.0" encoding="utf-8"?>
+<p:sld xmlns:a="http://schemas.openxmlformats.org/drawingml/2006/main" xmlns:r="http://schemas.openxmlformats.org/officeDocument/2006/relationships" xmlns:p="http://schemas.openxmlformats.org/presentationml/2006/main">
+  <p:cSld>
+    <p:spTree>
+      <p:nvGrpSpPr>
+        <p:cNvPr id="1" name=""/>
+        <p:cNvGrpSpPr/>
+        <p:nvPr/>
+      </p:nvGrpSpPr>
+      <p:grpSpPr>
+        <a:xfrm>
+          <a:off x="0" y="0"/>
+          <a:ext cx="0" cy="0"/>
+          <a:chOff x="0" y="0"/>
+          <a:chExt cx="0" cy="0"/>
+        </a:xfrm>
+      </p:grpSpPr>
+      <p:sp>
+        <p:nvSpPr>
+          <p:cNvPr id="2" name="Title 1"/>
+          <p:cNvSpPr>
+            <a:spLocks noGrp="1"/>
+          </p:cNvSpPr>
+          <p:nvPr>
+            <p:ph type="title"/>
+          </p:nvPr>
+        </p:nvSpPr>
+        <p:spPr/>
+        <p:txBody>
+          <a:bodyPr>
+            <a:normAutofit fontScale="90000"/>
+          </a:bodyPr>
+          <a:lstStyle/>
+          <a:p>
+            <a:r>
+              <a:rPr lang="en-US" dirty="0" smtClean="0"/>
+              <a:t>What are some multiple regression methods and do they work in GWAS?</a:t>
+            </a:r>
+            <a:endParaRPr lang="en-US" dirty="0"/>
+          </a:p>
+        </p:txBody>
+      </p:sp>
+      <p:pic>
+        <p:nvPicPr>
+          <p:cNvPr id="11" name="Picture 10"/>
+          <p:cNvPicPr>
+            <a:picLocks noChangeAspect="1"/>
+          </p:cNvPicPr>
+          <p:nvPr/>
+        </p:nvPicPr>
+        <p:blipFill>
+          <a:blip r:embed="rId2"/>
+          <a:stretch>
+            <a:fillRect/>
+          </a:stretch>
+        </p:blipFill>
+        <p:spPr>
+          <a:xfrm>
+            <a:off x="742868" y="2003579"/>
+            <a:ext cx="8401132" cy="1111377"/>
+          </a:xfrm>
+          <a:prstGeom prst="rect">
+            <a:avLst/>
+          </a:prstGeom>
+        </p:spPr>
+      </p:pic>
+      <p:pic>
+        <p:nvPicPr>
+          <p:cNvPr id="12" name="Picture 11"/>
+          <p:cNvPicPr>
+            <a:picLocks noChangeAspect="1"/>
+          </p:cNvPicPr>
+          <p:nvPr/>
+        </p:nvPicPr>
+        <p:blipFill>
+          <a:blip r:embed="rId3"/>
+          <a:stretch>
+            <a:fillRect/>
+          </a:stretch>
+        </p:blipFill>
+        <p:spPr>
+          <a:xfrm>
+            <a:off x="837804" y="5358465"/>
+            <a:ext cx="8025132" cy="1221216"/>
+          </a:xfrm>
+          <a:prstGeom prst="rect">
+            <a:avLst/>
+          </a:prstGeom>
+        </p:spPr>
+      </p:pic>
+      <p:pic>
+        <p:nvPicPr>
+          <p:cNvPr id="13" name="Picture 12"/>
+          <p:cNvPicPr>
+            <a:picLocks noChangeAspect="1"/>
+          </p:cNvPicPr>
+          <p:nvPr/>
+        </p:nvPicPr>
+        <p:blipFill>
+          <a:blip r:embed="rId4"/>
+          <a:stretch>
+            <a:fillRect/>
+          </a:stretch>
+        </p:blipFill>
+        <p:spPr>
+          <a:xfrm>
+            <a:off x="661668" y="3357028"/>
+            <a:ext cx="7685085" cy="1573182"/>
+          </a:xfrm>
+          <a:prstGeom prst="rect">
+            <a:avLst/>
+          </a:prstGeom>
+        </p:spPr>
+      </p:pic>
+    </p:spTree>
+    <p:extLst>
+      <p:ext uri="{BB962C8B-B14F-4D97-AF65-F5344CB8AC3E}">
+        <p14:creationId xmlns:p14="http://schemas.microsoft.com/office/powerpoint/2010/main" val="3542922913"/>
+      </p:ext>
+    </p:extLst>
+  </p:cSld>
+  <p:clrMapOvr>
+    <a:masterClrMapping/>
+  </p:clrMapOvr>
+  <p:timing>
+    <p:tnLst>
+      <p:par>
+        <p:cTn xmlns:p14="http://schemas.microsoft.com/office/powerpoint/2010/main" id="1" dur="indefinite" restart="never" nodeType="tmRoot"/>
+      </p:par>
+    </p:tnLst>
+  </p:timing>
+</p:sld>
+</file>
+
+<file path=ppt/slides/slide12.xml><?xml version="1.0" encoding="utf-8"?>
+<p:sld xmlns:a="http://schemas.openxmlformats.org/drawingml/2006/main" xmlns:r="http://schemas.openxmlformats.org/officeDocument/2006/relationships" xmlns:p="http://schemas.openxmlformats.org/presentationml/2006/main">
+  <p:cSld>
+    <p:spTree>
+      <p:nvGrpSpPr>
+        <p:cNvPr id="1" name=""/>
+        <p:cNvGrpSpPr/>
+        <p:nvPr/>
+      </p:nvGrpSpPr>
+      <p:grpSpPr>
+        <a:xfrm>
+          <a:off x="0" y="0"/>
+          <a:ext cx="0" cy="0"/>
+          <a:chOff x="0" y="0"/>
+          <a:chExt cx="0" cy="0"/>
+        </a:xfrm>
+      </p:grpSpPr>
+      <p:sp>
+        <p:nvSpPr>
+          <p:cNvPr id="2" name="Title 1"/>
+          <p:cNvSpPr>
+            <a:spLocks noGrp="1"/>
+          </p:cNvSpPr>
+          <p:nvPr>
+            <p:ph type="title"/>
+          </p:nvPr>
+        </p:nvSpPr>
+        <p:spPr/>
+        <p:txBody>
+          <a:bodyPr>
+            <a:normAutofit fontScale="90000"/>
+          </a:bodyPr>
+          <a:lstStyle/>
+          <a:p>
+            <a:r>
+              <a:rPr lang="en-US" dirty="0" smtClean="0"/>
+              <a:t>Lasso finds too many false positives because of shrinkage</a:t>
+            </a:r>
+            <a:endParaRPr lang="en-US" dirty="0"/>
+          </a:p>
+        </p:txBody>
+      </p:sp>
+      <p:sp>
+        <p:nvSpPr>
+          <p:cNvPr id="3" name="Content Placeholder 2"/>
+          <p:cNvSpPr>
+            <a:spLocks noGrp="1"/>
+          </p:cNvSpPr>
+          <p:nvPr>
+            <p:ph idx="1"/>
+          </p:nvPr>
+        </p:nvSpPr>
+        <p:spPr/>
+        <p:txBody>
+          <a:bodyPr/>
+          <a:lstStyle/>
+          <a:p>
+            <a:endParaRPr lang="en-US" dirty="0"/>
+          </a:p>
+        </p:txBody>
+      </p:sp>
+    </p:spTree>
+    <p:extLst>
+      <p:ext uri="{BB962C8B-B14F-4D97-AF65-F5344CB8AC3E}">
+        <p14:creationId xmlns:p14="http://schemas.microsoft.com/office/powerpoint/2010/main" val="1470597195"/>
+      </p:ext>
+    </p:extLst>
+  </p:cSld>
+  <p:clrMapOvr>
+    <a:masterClrMapping/>
+  </p:clrMapOvr>
+</p:sld>
+</file>
+
 <file path=ppt/slides/slide2.xml><?xml version="1.0" encoding="utf-8"?>
 <p:sld xmlns:a="http://schemas.openxmlformats.org/drawingml/2006/main" xmlns:r="http://schemas.openxmlformats.org/officeDocument/2006/relationships" xmlns:p="http://schemas.openxmlformats.org/presentationml/2006/main">
   <p:cSld>
@@ -3497,50 +4676,6 @@
           <a:xfrm>
             <a:off x="1909664" y="3435281"/>
             <a:ext cx="5948283" cy="274092"/>
-          </a:xfrm>
-          <a:prstGeom prst="rect">
-            <a:avLst/>
-          </a:prstGeom>
-          <a:solidFill>
-            <a:schemeClr val="tx2">
-              <a:lumMod val="60000"/>
-              <a:lumOff val="40000"/>
-            </a:schemeClr>
-          </a:solidFill>
-        </p:spPr>
-        <p:style>
-          <a:lnRef idx="1">
-            <a:schemeClr val="accent1"/>
-          </a:lnRef>
-          <a:fillRef idx="3">
-            <a:schemeClr val="accent1"/>
-          </a:fillRef>
-          <a:effectRef idx="2">
-            <a:schemeClr val="accent1"/>
-          </a:effectRef>
-          <a:fontRef idx="minor">
-            <a:schemeClr val="lt1"/>
-          </a:fontRef>
-        </p:style>
-        <p:txBody>
-          <a:bodyPr rtlCol="0" anchor="ctr"/>
-          <a:lstStyle/>
-          <a:p>
-            <a:pPr algn="ctr"/>
-            <a:endParaRPr lang="en-US"/>
-          </a:p>
-        </p:txBody>
-      </p:sp>
-      <p:sp>
-        <p:nvSpPr>
-          <p:cNvPr id="10" name="Rectangle 9"/>
-          <p:cNvSpPr/>
-          <p:nvPr/>
-        </p:nvSpPr>
-        <p:spPr>
-          <a:xfrm>
-            <a:off x="1973624" y="5628014"/>
-            <a:ext cx="6336050" cy="255819"/>
           </a:xfrm>
           <a:prstGeom prst="rect">
             <a:avLst/>
@@ -3637,19 +4772,7 @@
             </a:r>
             <a:r>
               <a:rPr lang="en-US" sz="3500" dirty="0" smtClean="0"/>
-              <a:t>platform for</a:t>
-            </a:r>
-            <a:r>
-              <a:rPr lang="en-US" sz="3500" dirty="0" smtClean="0"/>
-              <a:t> </a:t>
-            </a:r>
-            <a:r>
-              <a:rPr lang="en-US" sz="3500" dirty="0" smtClean="0"/>
-              <a:t>Statistical </a:t>
-            </a:r>
-            <a:r>
-              <a:rPr lang="en-US" sz="3500" dirty="0" smtClean="0"/>
-              <a:t>Genetics</a:t>
+              <a:t>platform for Statistical Genetics</a:t>
             </a:r>
             <a:endParaRPr lang="en-US" sz="3500" dirty="0"/>
           </a:p>
@@ -3682,15 +4805,7 @@
             </a:r>
             <a:r>
               <a:rPr lang="nb-NO" sz="1600" dirty="0" smtClean="0"/>
-              <a:t>(</a:t>
-            </a:r>
-            <a:r>
-              <a:rPr lang="nb-NO" sz="1600" dirty="0" smtClean="0"/>
-              <a:t>2019)</a:t>
-            </a:r>
-            <a:r>
-              <a:rPr lang="nb-NO" sz="1600" dirty="0" smtClean="0"/>
-              <a:t>: </a:t>
+              <a:t>(2019): </a:t>
             </a:r>
             <a:r>
               <a:rPr lang="nb-NO" sz="1600" dirty="0" err="1" smtClean="0"/>
@@ -3796,8 +4911,8 @@
         </p:nvSpPr>
         <p:spPr>
           <a:xfrm>
-            <a:off x="730972" y="4230147"/>
-            <a:ext cx="7346266" cy="813138"/>
+            <a:off x="383760" y="4284965"/>
+            <a:ext cx="7925914" cy="758320"/>
           </a:xfrm>
           <a:prstGeom prst="rect">
             <a:avLst/>
@@ -3880,42 +4995,6 @@
         <p:spPr>
           <a:xfrm flipH="1">
             <a:off x="8077238" y="2960189"/>
-            <a:ext cx="822343" cy="475092"/>
-          </a:xfrm>
-          <a:prstGeom prst="straightConnector1">
-            <a:avLst/>
-          </a:prstGeom>
-          <a:ln>
-            <a:solidFill>
-              <a:srgbClr val="FF0000"/>
-            </a:solidFill>
-            <a:tailEnd type="arrow"/>
-          </a:ln>
-        </p:spPr>
-        <p:style>
-          <a:lnRef idx="2">
-            <a:schemeClr val="accent1"/>
-          </a:lnRef>
-          <a:fillRef idx="0">
-            <a:schemeClr val="accent1"/>
-          </a:fillRef>
-          <a:effectRef idx="1">
-            <a:schemeClr val="accent1"/>
-          </a:effectRef>
-          <a:fontRef idx="minor">
-            <a:schemeClr val="tx1"/>
-          </a:fontRef>
-        </p:style>
-      </p:cxnSp>
-      <p:cxnSp>
-        <p:nvCxnSpPr>
-          <p:cNvPr id="13" name="Straight Arrow Connector 12"/>
-          <p:cNvCxnSpPr/>
-          <p:nvPr/>
-        </p:nvCxnSpPr>
-        <p:spPr>
-          <a:xfrm flipH="1">
-            <a:off x="7982935" y="5043285"/>
             <a:ext cx="822343" cy="475092"/>
           </a:xfrm>
           <a:prstGeom prst="straightConnector1">
@@ -3981,42 +5060,6 @@
       </p:cxnSp>
       <p:cxnSp>
         <p:nvCxnSpPr>
-          <p:cNvPr id="16" name="Straight Arrow Connector 15"/>
-          <p:cNvCxnSpPr/>
-          <p:nvPr/>
-        </p:nvCxnSpPr>
-        <p:spPr>
-          <a:xfrm>
-            <a:off x="730973" y="5390468"/>
-            <a:ext cx="1014221" cy="392865"/>
-          </a:xfrm>
-          <a:prstGeom prst="straightConnector1">
-            <a:avLst/>
-          </a:prstGeom>
-          <a:ln>
-            <a:solidFill>
-              <a:srgbClr val="FF0000"/>
-            </a:solidFill>
-            <a:tailEnd type="arrow"/>
-          </a:ln>
-        </p:spPr>
-        <p:style>
-          <a:lnRef idx="2">
-            <a:schemeClr val="accent1"/>
-          </a:lnRef>
-          <a:fillRef idx="0">
-            <a:schemeClr val="accent1"/>
-          </a:fillRef>
-          <a:effectRef idx="1">
-            <a:schemeClr val="accent1"/>
-          </a:effectRef>
-          <a:fontRef idx="minor">
-            <a:schemeClr val="tx1"/>
-          </a:fontRef>
-        </p:style>
-      </p:cxnSp>
-      <p:cxnSp>
-        <p:nvCxnSpPr>
           <p:cNvPr id="18" name="Straight Arrow Connector 17"/>
           <p:cNvCxnSpPr/>
           <p:nvPr/>
@@ -4025,42 +5068,6 @@
           <a:xfrm flipH="1" flipV="1">
             <a:off x="8077239" y="3599736"/>
             <a:ext cx="822342" cy="237546"/>
-          </a:xfrm>
-          <a:prstGeom prst="straightConnector1">
-            <a:avLst/>
-          </a:prstGeom>
-          <a:ln>
-            <a:solidFill>
-              <a:srgbClr val="FF0000"/>
-            </a:solidFill>
-            <a:tailEnd type="arrow"/>
-          </a:ln>
-        </p:spPr>
-        <p:style>
-          <a:lnRef idx="2">
-            <a:schemeClr val="accent1"/>
-          </a:lnRef>
-          <a:fillRef idx="0">
-            <a:schemeClr val="accent1"/>
-          </a:fillRef>
-          <a:effectRef idx="1">
-            <a:schemeClr val="accent1"/>
-          </a:effectRef>
-          <a:fontRef idx="minor">
-            <a:schemeClr val="tx1"/>
-          </a:fontRef>
-        </p:style>
-      </p:cxnSp>
-      <p:cxnSp>
-        <p:nvCxnSpPr>
-          <p:cNvPr id="21" name="Straight Arrow Connector 20"/>
-          <p:cNvCxnSpPr/>
-          <p:nvPr/>
-        </p:nvCxnSpPr>
-        <p:spPr>
-          <a:xfrm flipH="1" flipV="1">
-            <a:off x="8077239" y="5755923"/>
-            <a:ext cx="822342" cy="292365"/>
           </a:xfrm>
           <a:prstGeom prst="straightConnector1">
             <a:avLst/>
@@ -4097,42 +5104,6 @@
           <a:xfrm flipV="1">
             <a:off x="730972" y="3651635"/>
             <a:ext cx="890597" cy="249602"/>
-          </a:xfrm>
-          <a:prstGeom prst="straightConnector1">
-            <a:avLst/>
-          </a:prstGeom>
-          <a:ln>
-            <a:solidFill>
-              <a:srgbClr val="FF0000"/>
-            </a:solidFill>
-            <a:tailEnd type="arrow"/>
-          </a:ln>
-        </p:spPr>
-        <p:style>
-          <a:lnRef idx="2">
-            <a:schemeClr val="accent1"/>
-          </a:lnRef>
-          <a:fillRef idx="0">
-            <a:schemeClr val="accent1"/>
-          </a:fillRef>
-          <a:effectRef idx="1">
-            <a:schemeClr val="accent1"/>
-          </a:effectRef>
-          <a:fontRef idx="minor">
-            <a:schemeClr val="tx1"/>
-          </a:fontRef>
-        </p:style>
-      </p:cxnSp>
-      <p:cxnSp>
-        <p:nvCxnSpPr>
-          <p:cNvPr id="26" name="Straight Arrow Connector 25"/>
-          <p:cNvCxnSpPr/>
-          <p:nvPr/>
-        </p:nvCxnSpPr>
-        <p:spPr>
-          <a:xfrm flipV="1">
-            <a:off x="364740" y="5856425"/>
-            <a:ext cx="1256829" cy="402000"/>
           </a:xfrm>
           <a:prstGeom prst="straightConnector1">
             <a:avLst/>
@@ -4257,7 +5228,7 @@
                                           </p:stCondLst>
                                         </p:cTn>
                                         <p:tgtEl>
-                                          <p:spTgt spid="16"/>
+                                          <p:spTgt spid="23"/>
                                         </p:tgtEl>
                                         <p:attrNameLst>
                                           <p:attrName>style.visibility</p:attrName>
@@ -4284,7 +5255,7 @@
                                           </p:stCondLst>
                                         </p:cTn>
                                         <p:tgtEl>
-                                          <p:spTgt spid="26"/>
+                                          <p:spTgt spid="14"/>
                                         </p:tgtEl>
                                         <p:attrNameLst>
                                           <p:attrName>style.visibility</p:attrName>
@@ -4311,7 +5282,7 @@
                                           </p:stCondLst>
                                         </p:cTn>
                                         <p:tgtEl>
-                                          <p:spTgt spid="23"/>
+                                          <p:spTgt spid="12"/>
                                         </p:tgtEl>
                                         <p:attrNameLst>
                                           <p:attrName>style.visibility</p:attrName>
@@ -4338,60 +5309,6 @@
                                           </p:stCondLst>
                                         </p:cTn>
                                         <p:tgtEl>
-                                          <p:spTgt spid="14"/>
-                                        </p:tgtEl>
-                                        <p:attrNameLst>
-                                          <p:attrName>style.visibility</p:attrName>
-                                        </p:attrNameLst>
-                                      </p:cBhvr>
-                                      <p:to>
-                                        <p:strVal val="visible"/>
-                                      </p:to>
-                                    </p:set>
-                                  </p:childTnLst>
-                                </p:cTn>
-                              </p:par>
-                              <p:par>
-                                <p:cTn id="17" presetID="1" presetClass="entr" presetSubtype="0" fill="hold" nodeType="withEffect">
-                                  <p:stCondLst>
-                                    <p:cond delay="0"/>
-                                  </p:stCondLst>
-                                  <p:childTnLst>
-                                    <p:set>
-                                      <p:cBhvr>
-                                        <p:cTn id="18" dur="1" fill="hold">
-                                          <p:stCondLst>
-                                            <p:cond delay="0"/>
-                                          </p:stCondLst>
-                                        </p:cTn>
-                                        <p:tgtEl>
-                                          <p:spTgt spid="12"/>
-                                        </p:tgtEl>
-                                        <p:attrNameLst>
-                                          <p:attrName>style.visibility</p:attrName>
-                                        </p:attrNameLst>
-                                      </p:cBhvr>
-                                      <p:to>
-                                        <p:strVal val="visible"/>
-                                      </p:to>
-                                    </p:set>
-                                  </p:childTnLst>
-                                </p:cTn>
-                              </p:par>
-                              <p:par>
-                                <p:cTn id="19" presetID="1" presetClass="entr" presetSubtype="0" fill="hold" nodeType="withEffect">
-                                  <p:stCondLst>
-                                    <p:cond delay="0"/>
-                                  </p:stCondLst>
-                                  <p:childTnLst>
-                                    <p:set>
-                                      <p:cBhvr>
-                                        <p:cTn id="20" dur="1" fill="hold">
-                                          <p:stCondLst>
-                                            <p:cond delay="0"/>
-                                          </p:stCondLst>
-                                        </p:cTn>
-                                        <p:tgtEl>
                                           <p:spTgt spid="18"/>
                                         </p:tgtEl>
                                         <p:attrNameLst>
@@ -4406,95 +5323,14 @@
                                 </p:cTn>
                               </p:par>
                               <p:par>
-                                <p:cTn id="21" presetID="1" presetClass="entr" presetSubtype="0" fill="hold" nodeType="withEffect">
+                                <p:cTn id="17" presetID="1" presetClass="entr" presetSubtype="0" fill="hold" grpId="0" nodeType="withEffect">
                                   <p:stCondLst>
                                     <p:cond delay="0"/>
                                   </p:stCondLst>
                                   <p:childTnLst>
                                     <p:set>
                                       <p:cBhvr>
-                                        <p:cTn id="22" dur="1" fill="hold">
-                                          <p:stCondLst>
-                                            <p:cond delay="0"/>
-                                          </p:stCondLst>
-                                        </p:cTn>
-                                        <p:tgtEl>
-                                          <p:spTgt spid="13"/>
-                                        </p:tgtEl>
-                                        <p:attrNameLst>
-                                          <p:attrName>style.visibility</p:attrName>
-                                        </p:attrNameLst>
-                                      </p:cBhvr>
-                                      <p:to>
-                                        <p:strVal val="visible"/>
-                                      </p:to>
-                                    </p:set>
-                                  </p:childTnLst>
-                                </p:cTn>
-                              </p:par>
-                              <p:par>
-                                <p:cTn id="23" presetID="1" presetClass="entr" presetSubtype="0" fill="hold" nodeType="withEffect">
-                                  <p:stCondLst>
-                                    <p:cond delay="0"/>
-                                  </p:stCondLst>
-                                  <p:childTnLst>
-                                    <p:set>
-                                      <p:cBhvr>
-                                        <p:cTn id="24" dur="1" fill="hold">
-                                          <p:stCondLst>
-                                            <p:cond delay="0"/>
-                                          </p:stCondLst>
-                                        </p:cTn>
-                                        <p:tgtEl>
-                                          <p:spTgt spid="21"/>
-                                        </p:tgtEl>
-                                        <p:attrNameLst>
-                                          <p:attrName>style.visibility</p:attrName>
-                                        </p:attrNameLst>
-                                      </p:cBhvr>
-                                      <p:to>
-                                        <p:strVal val="visible"/>
-                                      </p:to>
-                                    </p:set>
-                                  </p:childTnLst>
-                                </p:cTn>
-                              </p:par>
-                              <p:par>
-                                <p:cTn id="25" presetID="1" presetClass="entr" presetSubtype="0" fill="hold" grpId="0" nodeType="withEffect">
-                                  <p:stCondLst>
-                                    <p:cond delay="0"/>
-                                  </p:stCondLst>
-                                  <p:childTnLst>
-                                    <p:set>
-                                      <p:cBhvr>
-                                        <p:cTn id="26" dur="1" fill="hold">
-                                          <p:stCondLst>
-                                            <p:cond delay="0"/>
-                                          </p:stCondLst>
-                                        </p:cTn>
-                                        <p:tgtEl>
-                                          <p:spTgt spid="10"/>
-                                        </p:tgtEl>
-                                        <p:attrNameLst>
-                                          <p:attrName>style.visibility</p:attrName>
-                                        </p:attrNameLst>
-                                      </p:cBhvr>
-                                      <p:to>
-                                        <p:strVal val="visible"/>
-                                      </p:to>
-                                    </p:set>
-                                  </p:childTnLst>
-                                </p:cTn>
-                              </p:par>
-                              <p:par>
-                                <p:cTn id="27" presetID="1" presetClass="entr" presetSubtype="0" fill="hold" grpId="0" nodeType="withEffect">
-                                  <p:stCondLst>
-                                    <p:cond delay="0"/>
-                                  </p:stCondLst>
-                                  <p:childTnLst>
-                                    <p:set>
-                                      <p:cBhvr>
-                                        <p:cTn id="28" dur="1" fill="hold">
+                                        <p:cTn id="18" dur="1" fill="hold">
                                           <p:stCondLst>
                                             <p:cond delay="0"/>
                                           </p:stCondLst>
@@ -4542,7 +5378,6 @@
     </p:tnLst>
     <p:bldLst>
       <p:bldP spid="7" grpId="0" animBg="1"/>
-      <p:bldP spid="10" grpId="0" animBg="1"/>
       <p:bldP spid="9" grpId="0" animBg="1"/>
       <p:bldP spid="8" grpId="0"/>
     </p:bldLst>
@@ -4603,7 +5438,7 @@
         <p:spPr>
           <a:xfrm>
             <a:off x="457200" y="1600201"/>
-            <a:ext cx="8229600" cy="3114174"/>
+            <a:ext cx="8229600" cy="3342584"/>
           </a:xfrm>
         </p:spPr>
         <p:txBody>
@@ -4614,26 +5449,47 @@
           <a:p>
             <a:r>
               <a:rPr lang="en-US" dirty="0" smtClean="0"/>
-              <a:t>Methods for analyzing </a:t>
+              <a:t>How simple scientific questions lead to a “</a:t>
             </a:r>
             <a:r>
               <a:rPr lang="en-US" dirty="0"/>
-              <a:t>high dimensional data</a:t>
+              <a:t>high dimensional” data </a:t>
             </a:r>
             <a:endParaRPr lang="en-US" dirty="0" smtClean="0"/>
           </a:p>
           <a:p>
-            <a:pPr lvl="1"/>
+            <a:endParaRPr lang="en-US" dirty="0"/>
+          </a:p>
+          <a:p>
             <a:r>
               <a:rPr lang="en-US" dirty="0" smtClean="0"/>
-              <a:t>“p-value” methods</a:t>
-            </a:r>
-          </a:p>
-          <a:p>
-            <a:pPr lvl="1"/>
+              <a:t>Pros and cons of “</a:t>
+            </a:r>
             <a:r>
               <a:rPr lang="en-US" dirty="0" smtClean="0"/>
-              <a:t>Multiple regression methods (lasso, ridge, iterative hard </a:t>
+              <a:t>p-value methods” </a:t>
+            </a:r>
+            <a:r>
+              <a:rPr lang="en-US" dirty="0" err="1" smtClean="0"/>
+              <a:t>vs</a:t>
+            </a:r>
+            <a:r>
+              <a:rPr lang="en-US" dirty="0" smtClean="0"/>
+              <a:t> multiple regression methods. </a:t>
+            </a:r>
+            <a:endParaRPr lang="en-US" dirty="0"/>
+          </a:p>
+          <a:p>
+            <a:endParaRPr lang="en-US" dirty="0" smtClean="0"/>
+          </a:p>
+          <a:p>
+            <a:r>
+              <a:rPr lang="en-US" dirty="0" smtClean="0"/>
+              <a:t>Maybe convince you to use </a:t>
+            </a:r>
+            <a:r>
+              <a:rPr lang="en-US" dirty="0" smtClean="0"/>
+              <a:t>Iterative hard </a:t>
             </a:r>
             <a:r>
               <a:rPr lang="en-US" dirty="0" err="1" smtClean="0"/>
@@ -4641,16 +5497,15 @@
             </a:r>
             <a:r>
               <a:rPr lang="en-US" dirty="0" smtClean="0"/>
-              <a:t>)</a:t>
-            </a:r>
-          </a:p>
-          <a:p>
-            <a:endParaRPr lang="en-US" dirty="0"/>
-          </a:p>
-          <a:p>
+              <a:t> </a:t>
+            </a:r>
             <a:r>
               <a:rPr lang="en-US" dirty="0" smtClean="0"/>
-              <a:t>Why “p-value methods” dominated the past 20 years and it’s time to change this</a:t>
+              <a:t>for your high dimensional </a:t>
+            </a:r>
+            <a:r>
+              <a:rPr lang="en-US" dirty="0" smtClean="0"/>
+              <a:t>data</a:t>
             </a:r>
           </a:p>
         </p:txBody>
@@ -4663,8 +5518,8 @@
         </p:nvSpPr>
         <p:spPr>
           <a:xfrm>
-            <a:off x="749351" y="5133830"/>
-            <a:ext cx="8317245" cy="1631216"/>
+            <a:off x="1434875" y="5723451"/>
+            <a:ext cx="7341335" cy="1446550"/>
           </a:xfrm>
           <a:prstGeom prst="rect">
             <a:avLst/>
@@ -4677,61 +5532,61 @@
           <a:lstStyle/>
           <a:p>
             <a:r>
-              <a:rPr lang="en-US" sz="2500" b="1" dirty="0"/>
+              <a:rPr lang="en-US" sz="2200" b="1" dirty="0"/>
               <a:t>Package: </a:t>
             </a:r>
             <a:r>
-              <a:rPr lang="en-US" sz="2500" dirty="0" err="1"/>
+              <a:rPr lang="en-US" sz="2200" dirty="0" err="1"/>
               <a:t>github.com</a:t>
             </a:r>
             <a:r>
-              <a:rPr lang="en-US" sz="2500" dirty="0"/>
+              <a:rPr lang="en-US" sz="2200" dirty="0"/>
               <a:t>/biona001/</a:t>
             </a:r>
             <a:r>
-              <a:rPr lang="en-US" sz="2500" dirty="0" err="1" smtClean="0"/>
+              <a:rPr lang="en-US" sz="2200" dirty="0" err="1" smtClean="0"/>
               <a:t>MendelIHT.jl</a:t>
             </a:r>
-            <a:endParaRPr lang="en-US" sz="2500" dirty="0" smtClean="0"/>
-          </a:p>
-          <a:p>
-            <a:r>
-              <a:rPr lang="en-US" sz="2500" b="1" dirty="0" smtClean="0"/>
+            <a:endParaRPr lang="en-US" sz="2200" dirty="0" smtClean="0"/>
+          </a:p>
+          <a:p>
+            <a:r>
+              <a:rPr lang="en-US" sz="2200" b="1" dirty="0" smtClean="0"/>
               <a:t>Slides: </a:t>
             </a:r>
             <a:r>
-              <a:rPr lang="en-US" sz="2500" dirty="0" err="1" smtClean="0"/>
+              <a:rPr lang="en-US" sz="2200" dirty="0" err="1" smtClean="0"/>
               <a:t>github.com</a:t>
             </a:r>
             <a:r>
-              <a:rPr lang="en-US" sz="2500" dirty="0"/>
+              <a:rPr lang="en-US" sz="2200" dirty="0"/>
               <a:t>/biona001/public-</a:t>
             </a:r>
             <a:r>
-              <a:rPr lang="en-US" sz="2500" dirty="0" smtClean="0"/>
+              <a:rPr lang="en-US" sz="2200" dirty="0" smtClean="0"/>
               <a:t>talks</a:t>
             </a:r>
           </a:p>
           <a:p>
             <a:r>
-              <a:rPr lang="en-US" sz="2500" b="1" dirty="0" smtClean="0"/>
+              <a:rPr lang="en-US" sz="2200" b="1" dirty="0" smtClean="0"/>
               <a:t>Paper: </a:t>
             </a:r>
             <a:r>
-              <a:rPr lang="en-US" sz="2500" dirty="0" smtClean="0"/>
+              <a:rPr lang="en-US" sz="2200" dirty="0" smtClean="0"/>
               <a:t>https://</a:t>
             </a:r>
             <a:r>
-              <a:rPr lang="en-US" sz="2500" dirty="0" err="1" smtClean="0"/>
+              <a:rPr lang="en-US" sz="2200" dirty="0" err="1" smtClean="0"/>
               <a:t>www.biorxiv.org</a:t>
             </a:r>
             <a:r>
-              <a:rPr lang="en-US" sz="2500" dirty="0" smtClean="0"/>
+              <a:rPr lang="en-US" sz="2200" dirty="0" smtClean="0"/>
               <a:t>/content/10.1101/697755v2</a:t>
             </a:r>
           </a:p>
           <a:p>
-            <a:endParaRPr lang="en-US" sz="2500" b="1" dirty="0"/>
+            <a:endParaRPr lang="en-US" sz="2200" b="1" dirty="0"/>
           </a:p>
         </p:txBody>
       </p:sp>
@@ -4739,6 +5594,3072 @@
     <p:extLst>
       <p:ext uri="{BB962C8B-B14F-4D97-AF65-F5344CB8AC3E}">
         <p14:creationId xmlns:p14="http://schemas.microsoft.com/office/powerpoint/2010/main" val="2335922838"/>
+      </p:ext>
+    </p:extLst>
+  </p:cSld>
+  <p:clrMapOvr>
+    <a:masterClrMapping/>
+  </p:clrMapOvr>
+  <p:timing>
+    <p:tnLst>
+      <p:par>
+        <p:cTn xmlns:p14="http://schemas.microsoft.com/office/powerpoint/2010/main" id="1" dur="indefinite" restart="never" nodeType="tmRoot"/>
+      </p:par>
+    </p:tnLst>
+  </p:timing>
+</p:sld>
+</file>
+
+<file path=ppt/slides/slide4.xml><?xml version="1.0" encoding="utf-8"?>
+<p:sld xmlns:a="http://schemas.openxmlformats.org/drawingml/2006/main" xmlns:r="http://schemas.openxmlformats.org/officeDocument/2006/relationships" xmlns:p="http://schemas.openxmlformats.org/presentationml/2006/main">
+  <p:cSld>
+    <p:spTree>
+      <p:nvGrpSpPr>
+        <p:cNvPr id="1" name=""/>
+        <p:cNvGrpSpPr/>
+        <p:nvPr/>
+      </p:nvGrpSpPr>
+      <p:grpSpPr>
+        <a:xfrm>
+          <a:off x="0" y="0"/>
+          <a:ext cx="0" cy="0"/>
+          <a:chOff x="0" y="0"/>
+          <a:chExt cx="0" cy="0"/>
+        </a:xfrm>
+      </p:grpSpPr>
+      <p:sp>
+        <p:nvSpPr>
+          <p:cNvPr id="2" name="Title 1"/>
+          <p:cNvSpPr>
+            <a:spLocks noGrp="1"/>
+          </p:cNvSpPr>
+          <p:nvPr>
+            <p:ph type="title"/>
+          </p:nvPr>
+        </p:nvSpPr>
+        <p:spPr/>
+        <p:txBody>
+          <a:bodyPr/>
+          <a:lstStyle/>
+          <a:p>
+            <a:r>
+              <a:rPr lang="en-US" dirty="0" smtClean="0"/>
+              <a:t>What is high dimensional data?</a:t>
+            </a:r>
+            <a:endParaRPr lang="en-US" dirty="0"/>
+          </a:p>
+        </p:txBody>
+      </p:sp>
+      <p:sp>
+        <p:nvSpPr>
+          <p:cNvPr id="3" name="Content Placeholder 2"/>
+          <p:cNvSpPr>
+            <a:spLocks noGrp="1"/>
+          </p:cNvSpPr>
+          <p:nvPr>
+            <p:ph idx="1"/>
+          </p:nvPr>
+        </p:nvSpPr>
+        <p:spPr>
+          <a:xfrm>
+            <a:off x="457200" y="1600200"/>
+            <a:ext cx="8229600" cy="957943"/>
+          </a:xfrm>
+        </p:spPr>
+        <p:txBody>
+          <a:bodyPr>
+            <a:normAutofit/>
+          </a:bodyPr>
+          <a:lstStyle/>
+          <a:p>
+            <a:r>
+              <a:rPr lang="en-US" dirty="0" smtClean="0"/>
+              <a:t>Dataset with more </a:t>
+            </a:r>
+            <a:r>
+              <a:rPr lang="en-US" b="1" dirty="0" smtClean="0"/>
+              <a:t>covariates</a:t>
+            </a:r>
+            <a:r>
+              <a:rPr lang="en-US" dirty="0" smtClean="0"/>
+              <a:t> than samples.</a:t>
+            </a:r>
+          </a:p>
+          <a:p>
+            <a:pPr lvl="2"/>
+            <a:r>
+              <a:rPr lang="en-US" dirty="0" smtClean="0"/>
+              <a:t>Covariates = independent </a:t>
+            </a:r>
+            <a:r>
+              <a:rPr lang="en-US" dirty="0"/>
+              <a:t>variables, features, </a:t>
+            </a:r>
+            <a:r>
+              <a:rPr lang="en-US" dirty="0" smtClean="0"/>
+              <a:t>predictors</a:t>
+            </a:r>
+            <a:r>
+              <a:rPr lang="en-US" dirty="0"/>
+              <a:t>, </a:t>
+            </a:r>
+            <a:r>
+              <a:rPr lang="en-US" dirty="0" err="1"/>
+              <a:t>regressors</a:t>
+            </a:r>
+            <a:r>
+              <a:rPr lang="mr-IN" dirty="0"/>
+              <a:t>…</a:t>
+            </a:r>
+            <a:endParaRPr lang="en-US" dirty="0" smtClean="0"/>
+          </a:p>
+          <a:p>
+            <a:pPr marL="0" indent="0">
+              <a:buNone/>
+            </a:pPr>
+            <a:endParaRPr lang="en-US" dirty="0" smtClean="0"/>
+          </a:p>
+        </p:txBody>
+      </p:sp>
+      <p:sp>
+        <p:nvSpPr>
+          <p:cNvPr id="6" name="Rectangle 5"/>
+          <p:cNvSpPr/>
+          <p:nvPr/>
+        </p:nvSpPr>
+        <p:spPr>
+          <a:xfrm>
+            <a:off x="0" y="6607617"/>
+            <a:ext cx="7234606" cy="276999"/>
+          </a:xfrm>
+          <a:prstGeom prst="rect">
+            <a:avLst/>
+          </a:prstGeom>
+        </p:spPr>
+        <p:txBody>
+          <a:bodyPr wrap="square">
+            <a:spAutoFit/>
+          </a:bodyPr>
+          <a:lstStyle/>
+          <a:p>
+            <a:r>
+              <a:rPr lang="en-US" sz="1200" dirty="0" smtClean="0"/>
+              <a:t>Figure: https://</a:t>
+            </a:r>
+            <a:r>
+              <a:rPr lang="en-US" sz="1200" dirty="0" err="1" smtClean="0"/>
+              <a:t>www.cs.cmu.edu</a:t>
+            </a:r>
+            <a:r>
+              <a:rPr lang="en-US" sz="1200" dirty="0" smtClean="0"/>
+              <a:t>/~</a:t>
+            </a:r>
+            <a:r>
+              <a:rPr lang="en-US" sz="1200" dirty="0" err="1" smtClean="0"/>
+              <a:t>ggordon</a:t>
+            </a:r>
+            <a:r>
+              <a:rPr lang="en-US" sz="1200" dirty="0" smtClean="0"/>
+              <a:t>/10725-F12/scribes/10725_Lecture2.pdf</a:t>
+            </a:r>
+            <a:endParaRPr lang="en-US" sz="1200" dirty="0"/>
+          </a:p>
+        </p:txBody>
+      </p:sp>
+      <p:sp>
+        <p:nvSpPr>
+          <p:cNvPr id="9" name="TextBox 8"/>
+          <p:cNvSpPr txBox="1"/>
+          <p:nvPr/>
+        </p:nvSpPr>
+        <p:spPr>
+          <a:xfrm>
+            <a:off x="818255" y="2769474"/>
+            <a:ext cx="1610149" cy="477054"/>
+          </a:xfrm>
+          <a:prstGeom prst="rect">
+            <a:avLst/>
+          </a:prstGeom>
+          <a:noFill/>
+        </p:spPr>
+        <p:txBody>
+          <a:bodyPr wrap="none" rtlCol="0">
+            <a:spAutoFit/>
+          </a:bodyPr>
+          <a:lstStyle/>
+          <a:p>
+            <a:r>
+              <a:rPr lang="en-US" sz="2500" b="1" dirty="0" smtClean="0"/>
+              <a:t>response</a:t>
+            </a:r>
+            <a:endParaRPr lang="en-US" sz="2500" b="1" dirty="0"/>
+          </a:p>
+        </p:txBody>
+      </p:sp>
+      <p:sp>
+        <p:nvSpPr>
+          <p:cNvPr id="11" name="TextBox 10"/>
+          <p:cNvSpPr txBox="1"/>
+          <p:nvPr/>
+        </p:nvSpPr>
+        <p:spPr>
+          <a:xfrm>
+            <a:off x="4968690" y="2758188"/>
+            <a:ext cx="1770919" cy="477054"/>
+          </a:xfrm>
+          <a:prstGeom prst="rect">
+            <a:avLst/>
+          </a:prstGeom>
+          <a:noFill/>
+        </p:spPr>
+        <p:txBody>
+          <a:bodyPr wrap="none" rtlCol="0">
+            <a:spAutoFit/>
+          </a:bodyPr>
+          <a:lstStyle/>
+          <a:p>
+            <a:r>
+              <a:rPr lang="en-US" sz="2500" b="1" dirty="0" smtClean="0"/>
+              <a:t>covariates</a:t>
+            </a:r>
+            <a:endParaRPr lang="en-US" sz="2500" b="1" dirty="0"/>
+          </a:p>
+        </p:txBody>
+      </p:sp>
+      <p:sp>
+        <p:nvSpPr>
+          <p:cNvPr id="12" name="TextBox 11"/>
+          <p:cNvSpPr txBox="1"/>
+          <p:nvPr/>
+        </p:nvSpPr>
+        <p:spPr>
+          <a:xfrm>
+            <a:off x="3014010" y="5815049"/>
+            <a:ext cx="993030" cy="369332"/>
+          </a:xfrm>
+          <a:prstGeom prst="rect">
+            <a:avLst/>
+          </a:prstGeom>
+          <a:noFill/>
+        </p:spPr>
+        <p:txBody>
+          <a:bodyPr wrap="none" rtlCol="0">
+            <a:spAutoFit/>
+          </a:bodyPr>
+          <a:lstStyle/>
+          <a:p>
+            <a:r>
+              <a:rPr lang="en-US" dirty="0" smtClean="0"/>
+              <a:t>e.g. sex</a:t>
+            </a:r>
+            <a:endParaRPr lang="en-US" dirty="0"/>
+          </a:p>
+        </p:txBody>
+      </p:sp>
+      <p:sp>
+        <p:nvSpPr>
+          <p:cNvPr id="13" name="TextBox 12"/>
+          <p:cNvSpPr txBox="1"/>
+          <p:nvPr/>
+        </p:nvSpPr>
+        <p:spPr>
+          <a:xfrm>
+            <a:off x="423445" y="5454550"/>
+            <a:ext cx="2186416" cy="369332"/>
+          </a:xfrm>
+          <a:prstGeom prst="rect">
+            <a:avLst/>
+          </a:prstGeom>
+          <a:noFill/>
+        </p:spPr>
+        <p:txBody>
+          <a:bodyPr wrap="none" rtlCol="0">
+            <a:spAutoFit/>
+          </a:bodyPr>
+          <a:lstStyle/>
+          <a:p>
+            <a:r>
+              <a:rPr lang="en-US" dirty="0" smtClean="0"/>
+              <a:t>e.g. Blood pressure   </a:t>
+            </a:r>
+            <a:endParaRPr lang="en-US" dirty="0"/>
+          </a:p>
+        </p:txBody>
+      </p:sp>
+      <p:sp>
+        <p:nvSpPr>
+          <p:cNvPr id="4" name="TextBox 3"/>
+          <p:cNvSpPr txBox="1"/>
+          <p:nvPr/>
+        </p:nvSpPr>
+        <p:spPr>
+          <a:xfrm>
+            <a:off x="356810" y="3336769"/>
+            <a:ext cx="1159843" cy="369332"/>
+          </a:xfrm>
+          <a:prstGeom prst="rect">
+            <a:avLst/>
+          </a:prstGeom>
+          <a:noFill/>
+        </p:spPr>
+        <p:txBody>
+          <a:bodyPr wrap="none" rtlCol="0">
+            <a:spAutoFit/>
+          </a:bodyPr>
+          <a:lstStyle/>
+          <a:p>
+            <a:r>
+              <a:rPr lang="en-US" dirty="0" smtClean="0"/>
+              <a:t>Sample 1</a:t>
+            </a:r>
+            <a:endParaRPr lang="en-US" dirty="0"/>
+          </a:p>
+        </p:txBody>
+      </p:sp>
+      <p:sp>
+        <p:nvSpPr>
+          <p:cNvPr id="5" name="TextBox 4"/>
+          <p:cNvSpPr txBox="1"/>
+          <p:nvPr/>
+        </p:nvSpPr>
+        <p:spPr>
+          <a:xfrm>
+            <a:off x="356810" y="3621434"/>
+            <a:ext cx="1159843" cy="369332"/>
+          </a:xfrm>
+          <a:prstGeom prst="rect">
+            <a:avLst/>
+          </a:prstGeom>
+          <a:noFill/>
+        </p:spPr>
+        <p:txBody>
+          <a:bodyPr wrap="none" rtlCol="0">
+            <a:spAutoFit/>
+          </a:bodyPr>
+          <a:lstStyle/>
+          <a:p>
+            <a:r>
+              <a:rPr lang="en-US" dirty="0" smtClean="0"/>
+              <a:t>Sample 2</a:t>
+            </a:r>
+            <a:endParaRPr lang="en-US" dirty="0"/>
+          </a:p>
+        </p:txBody>
+      </p:sp>
+      <p:sp>
+        <p:nvSpPr>
+          <p:cNvPr id="10" name="TextBox 9"/>
+          <p:cNvSpPr txBox="1"/>
+          <p:nvPr/>
+        </p:nvSpPr>
+        <p:spPr>
+          <a:xfrm rot="5400000">
+            <a:off x="806588" y="4124477"/>
+            <a:ext cx="458430" cy="369332"/>
+          </a:xfrm>
+          <a:prstGeom prst="rect">
+            <a:avLst/>
+          </a:prstGeom>
+          <a:noFill/>
+        </p:spPr>
+        <p:txBody>
+          <a:bodyPr wrap="none" rtlCol="0">
+            <a:spAutoFit/>
+          </a:bodyPr>
+          <a:lstStyle/>
+          <a:p>
+            <a:r>
+              <a:rPr lang="mr-IN" dirty="0" smtClean="0"/>
+              <a:t>….</a:t>
+            </a:r>
+            <a:endParaRPr lang="en-US" dirty="0"/>
+          </a:p>
+        </p:txBody>
+      </p:sp>
+      <p:sp>
+        <p:nvSpPr>
+          <p:cNvPr id="14" name="TextBox 13"/>
+          <p:cNvSpPr txBox="1"/>
+          <p:nvPr/>
+        </p:nvSpPr>
+        <p:spPr>
+          <a:xfrm>
+            <a:off x="356810" y="4587765"/>
+            <a:ext cx="1159843" cy="369332"/>
+          </a:xfrm>
+          <a:prstGeom prst="rect">
+            <a:avLst/>
+          </a:prstGeom>
+          <a:noFill/>
+        </p:spPr>
+        <p:txBody>
+          <a:bodyPr wrap="none" rtlCol="0">
+            <a:spAutoFit/>
+          </a:bodyPr>
+          <a:lstStyle/>
+          <a:p>
+            <a:r>
+              <a:rPr lang="en-US" dirty="0" smtClean="0"/>
+              <a:t>Sample 5</a:t>
+            </a:r>
+            <a:endParaRPr lang="en-US" dirty="0"/>
+          </a:p>
+        </p:txBody>
+      </p:sp>
+      <p:cxnSp>
+        <p:nvCxnSpPr>
+          <p:cNvPr id="18" name="Straight Arrow Connector 17"/>
+          <p:cNvCxnSpPr/>
+          <p:nvPr/>
+        </p:nvCxnSpPr>
+        <p:spPr>
+          <a:xfrm flipH="1" flipV="1">
+            <a:off x="2957287" y="4957097"/>
+            <a:ext cx="647094" cy="915141"/>
+          </a:xfrm>
+          <a:prstGeom prst="straightConnector1">
+            <a:avLst/>
+          </a:prstGeom>
+          <a:ln>
+            <a:solidFill>
+              <a:srgbClr val="FF0000"/>
+            </a:solidFill>
+            <a:tailEnd type="arrow"/>
+          </a:ln>
+        </p:spPr>
+        <p:style>
+          <a:lnRef idx="2">
+            <a:schemeClr val="accent1"/>
+          </a:lnRef>
+          <a:fillRef idx="0">
+            <a:schemeClr val="accent1"/>
+          </a:fillRef>
+          <a:effectRef idx="1">
+            <a:schemeClr val="accent1"/>
+          </a:effectRef>
+          <a:fontRef idx="minor">
+            <a:schemeClr val="tx1"/>
+          </a:fontRef>
+        </p:style>
+      </p:cxnSp>
+      <p:cxnSp>
+        <p:nvCxnSpPr>
+          <p:cNvPr id="22" name="Straight Arrow Connector 21"/>
+          <p:cNvCxnSpPr/>
+          <p:nvPr/>
+        </p:nvCxnSpPr>
+        <p:spPr>
+          <a:xfrm flipH="1" flipV="1">
+            <a:off x="3224593" y="4957097"/>
+            <a:ext cx="1196217" cy="866785"/>
+          </a:xfrm>
+          <a:prstGeom prst="straightConnector1">
+            <a:avLst/>
+          </a:prstGeom>
+          <a:ln>
+            <a:solidFill>
+              <a:srgbClr val="FF0000"/>
+            </a:solidFill>
+            <a:tailEnd type="arrow"/>
+          </a:ln>
+        </p:spPr>
+        <p:style>
+          <a:lnRef idx="2">
+            <a:schemeClr val="accent1"/>
+          </a:lnRef>
+          <a:fillRef idx="0">
+            <a:schemeClr val="accent1"/>
+          </a:fillRef>
+          <a:effectRef idx="1">
+            <a:schemeClr val="accent1"/>
+          </a:effectRef>
+          <a:fontRef idx="minor">
+            <a:schemeClr val="tx1"/>
+          </a:fontRef>
+        </p:style>
+      </p:cxnSp>
+      <p:sp>
+        <p:nvSpPr>
+          <p:cNvPr id="25" name="Left Brace 24"/>
+          <p:cNvSpPr/>
+          <p:nvPr/>
+        </p:nvSpPr>
+        <p:spPr>
+          <a:xfrm rot="16200000">
+            <a:off x="6119944" y="2297255"/>
+            <a:ext cx="322474" cy="5626947"/>
+          </a:xfrm>
+          <a:prstGeom prst="leftBrace">
+            <a:avLst>
+              <a:gd name="adj1" fmla="val 175242"/>
+              <a:gd name="adj2" fmla="val 46938"/>
+            </a:avLst>
+          </a:prstGeom>
+          <a:ln>
+            <a:solidFill>
+              <a:srgbClr val="FF0000"/>
+            </a:solidFill>
+          </a:ln>
+        </p:spPr>
+        <p:style>
+          <a:lnRef idx="2">
+            <a:schemeClr val="accent1"/>
+          </a:lnRef>
+          <a:fillRef idx="0">
+            <a:schemeClr val="accent1"/>
+          </a:fillRef>
+          <a:effectRef idx="1">
+            <a:schemeClr val="accent1"/>
+          </a:effectRef>
+          <a:fontRef idx="minor">
+            <a:schemeClr val="tx1"/>
+          </a:fontRef>
+        </p:style>
+        <p:txBody>
+          <a:bodyPr rtlCol="0" anchor="ctr"/>
+          <a:lstStyle/>
+          <a:p>
+            <a:pPr algn="ctr"/>
+            <a:endParaRPr lang="en-US"/>
+          </a:p>
+        </p:txBody>
+      </p:sp>
+      <p:cxnSp>
+        <p:nvCxnSpPr>
+          <p:cNvPr id="30" name="Straight Arrow Connector 29"/>
+          <p:cNvCxnSpPr/>
+          <p:nvPr/>
+        </p:nvCxnSpPr>
+        <p:spPr>
+          <a:xfrm flipV="1">
+            <a:off x="6102046" y="5327952"/>
+            <a:ext cx="0" cy="586619"/>
+          </a:xfrm>
+          <a:prstGeom prst="straightConnector1">
+            <a:avLst/>
+          </a:prstGeom>
+          <a:ln>
+            <a:solidFill>
+              <a:srgbClr val="FF0000"/>
+            </a:solidFill>
+            <a:tailEnd type="arrow"/>
+          </a:ln>
+        </p:spPr>
+        <p:style>
+          <a:lnRef idx="2">
+            <a:schemeClr val="accent1"/>
+          </a:lnRef>
+          <a:fillRef idx="0">
+            <a:schemeClr val="accent1"/>
+          </a:fillRef>
+          <a:effectRef idx="1">
+            <a:schemeClr val="accent1"/>
+          </a:effectRef>
+          <a:fontRef idx="minor">
+            <a:schemeClr val="tx1"/>
+          </a:fontRef>
+        </p:style>
+      </p:cxnSp>
+      <p:pic>
+        <p:nvPicPr>
+          <p:cNvPr id="34" name="Picture 33"/>
+          <p:cNvPicPr>
+            <a:picLocks noChangeAspect="1"/>
+          </p:cNvPicPr>
+          <p:nvPr/>
+        </p:nvPicPr>
+        <p:blipFill>
+          <a:blip r:embed="rId2"/>
+          <a:stretch>
+            <a:fillRect/>
+          </a:stretch>
+        </p:blipFill>
+        <p:spPr>
+          <a:xfrm flipH="1">
+            <a:off x="2794990" y="3380620"/>
+            <a:ext cx="324594" cy="1568872"/>
+          </a:xfrm>
+          <a:prstGeom prst="rect">
+            <a:avLst/>
+          </a:prstGeom>
+        </p:spPr>
+      </p:pic>
+      <p:pic>
+        <p:nvPicPr>
+          <p:cNvPr id="35" name="Picture 34"/>
+          <p:cNvPicPr>
+            <a:picLocks noChangeAspect="1"/>
+          </p:cNvPicPr>
+          <p:nvPr/>
+        </p:nvPicPr>
+        <p:blipFill>
+          <a:blip r:embed="rId3"/>
+          <a:stretch>
+            <a:fillRect/>
+          </a:stretch>
+        </p:blipFill>
+        <p:spPr>
+          <a:xfrm>
+            <a:off x="3107487" y="3386264"/>
+            <a:ext cx="319665" cy="1557179"/>
+          </a:xfrm>
+          <a:prstGeom prst="rect">
+            <a:avLst/>
+          </a:prstGeom>
+        </p:spPr>
+      </p:pic>
+      <p:pic>
+        <p:nvPicPr>
+          <p:cNvPr id="36" name="Picture 35"/>
+          <p:cNvPicPr>
+            <a:picLocks noChangeAspect="1"/>
+          </p:cNvPicPr>
+          <p:nvPr/>
+        </p:nvPicPr>
+        <p:blipFill>
+          <a:blip r:embed="rId4"/>
+          <a:stretch>
+            <a:fillRect/>
+          </a:stretch>
+        </p:blipFill>
+        <p:spPr>
+          <a:xfrm>
+            <a:off x="3421104" y="3380620"/>
+            <a:ext cx="5673550" cy="1568871"/>
+          </a:xfrm>
+          <a:prstGeom prst="rect">
+            <a:avLst/>
+          </a:prstGeom>
+        </p:spPr>
+      </p:pic>
+      <p:sp>
+        <p:nvSpPr>
+          <p:cNvPr id="37" name="Rectangle 36"/>
+          <p:cNvSpPr/>
+          <p:nvPr/>
+        </p:nvSpPr>
+        <p:spPr>
+          <a:xfrm>
+            <a:off x="3845343" y="5815049"/>
+            <a:ext cx="1852453" cy="369332"/>
+          </a:xfrm>
+          <a:prstGeom prst="rect">
+            <a:avLst/>
+          </a:prstGeom>
+        </p:spPr>
+        <p:txBody>
+          <a:bodyPr wrap="none">
+            <a:spAutoFit/>
+          </a:bodyPr>
+          <a:lstStyle/>
+          <a:p>
+            <a:r>
+              <a:rPr lang="en-US" dirty="0"/>
+              <a:t>, smoking status</a:t>
+            </a:r>
+          </a:p>
+        </p:txBody>
+      </p:sp>
+      <p:sp>
+        <p:nvSpPr>
+          <p:cNvPr id="38" name="Rectangle 37"/>
+          <p:cNvSpPr/>
+          <p:nvPr/>
+        </p:nvSpPr>
+        <p:spPr>
+          <a:xfrm>
+            <a:off x="5508305" y="5815049"/>
+            <a:ext cx="1249448" cy="369332"/>
+          </a:xfrm>
+          <a:prstGeom prst="rect">
+            <a:avLst/>
+          </a:prstGeom>
+        </p:spPr>
+        <p:txBody>
+          <a:bodyPr wrap="none">
+            <a:spAutoFit/>
+          </a:bodyPr>
+          <a:lstStyle/>
+          <a:p>
+            <a:r>
+              <a:rPr lang="en-US" dirty="0"/>
+              <a:t>, </a:t>
+            </a:r>
+            <a:r>
+              <a:rPr lang="en-US" b="1" dirty="0"/>
+              <a:t>genetics</a:t>
+            </a:r>
+            <a:endParaRPr lang="en-US" dirty="0"/>
+          </a:p>
+        </p:txBody>
+      </p:sp>
+      <p:pic>
+        <p:nvPicPr>
+          <p:cNvPr id="40" name="Picture 39"/>
+          <p:cNvPicPr>
+            <a:picLocks noChangeAspect="1"/>
+          </p:cNvPicPr>
+          <p:nvPr/>
+        </p:nvPicPr>
+        <p:blipFill>
+          <a:blip r:embed="rId5"/>
+          <a:stretch>
+            <a:fillRect/>
+          </a:stretch>
+        </p:blipFill>
+        <p:spPr>
+          <a:xfrm>
+            <a:off x="1516652" y="3374168"/>
+            <a:ext cx="327871" cy="1606571"/>
+          </a:xfrm>
+          <a:prstGeom prst="rect">
+            <a:avLst/>
+          </a:prstGeom>
+        </p:spPr>
+      </p:pic>
+    </p:spTree>
+    <p:extLst>
+      <p:ext uri="{BB962C8B-B14F-4D97-AF65-F5344CB8AC3E}">
+        <p14:creationId xmlns:p14="http://schemas.microsoft.com/office/powerpoint/2010/main" val="3139424952"/>
+      </p:ext>
+    </p:extLst>
+  </p:cSld>
+  <p:clrMapOvr>
+    <a:masterClrMapping/>
+  </p:clrMapOvr>
+  <p:timing>
+    <p:tnLst>
+      <p:par>
+        <p:cTn xmlns:p14="http://schemas.microsoft.com/office/powerpoint/2010/main" id="1" dur="indefinite" restart="never" nodeType="tmRoot">
+          <p:childTnLst>
+            <p:seq concurrent="1" nextAc="seek">
+              <p:cTn id="2" dur="indefinite" nodeType="mainSeq">
+                <p:childTnLst>
+                  <p:par>
+                    <p:cTn id="3" fill="hold">
+                      <p:stCondLst>
+                        <p:cond delay="indefinite"/>
+                      </p:stCondLst>
+                      <p:childTnLst>
+                        <p:par>
+                          <p:cTn id="4" fill="hold">
+                            <p:stCondLst>
+                              <p:cond delay="0"/>
+                            </p:stCondLst>
+                            <p:childTnLst>
+                              <p:par>
+                                <p:cTn id="5" presetID="1" presetClass="entr" presetSubtype="0" fill="hold" grpId="0" nodeType="clickEffect">
+                                  <p:stCondLst>
+                                    <p:cond delay="0"/>
+                                  </p:stCondLst>
+                                  <p:childTnLst>
+                                    <p:set>
+                                      <p:cBhvr>
+                                        <p:cTn id="6" dur="1" fill="hold">
+                                          <p:stCondLst>
+                                            <p:cond delay="0"/>
+                                          </p:stCondLst>
+                                        </p:cTn>
+                                        <p:tgtEl>
+                                          <p:spTgt spid="9"/>
+                                        </p:tgtEl>
+                                        <p:attrNameLst>
+                                          <p:attrName>style.visibility</p:attrName>
+                                        </p:attrNameLst>
+                                      </p:cBhvr>
+                                      <p:to>
+                                        <p:strVal val="visible"/>
+                                      </p:to>
+                                    </p:set>
+                                  </p:childTnLst>
+                                </p:cTn>
+                              </p:par>
+                              <p:par>
+                                <p:cTn id="7" presetID="1" presetClass="entr" presetSubtype="0" fill="hold" nodeType="withEffect">
+                                  <p:stCondLst>
+                                    <p:cond delay="0"/>
+                                  </p:stCondLst>
+                                  <p:childTnLst>
+                                    <p:set>
+                                      <p:cBhvr>
+                                        <p:cTn id="8" dur="1" fill="hold">
+                                          <p:stCondLst>
+                                            <p:cond delay="0"/>
+                                          </p:stCondLst>
+                                        </p:cTn>
+                                        <p:tgtEl>
+                                          <p:spTgt spid="40"/>
+                                        </p:tgtEl>
+                                        <p:attrNameLst>
+                                          <p:attrName>style.visibility</p:attrName>
+                                        </p:attrNameLst>
+                                      </p:cBhvr>
+                                      <p:to>
+                                        <p:strVal val="visible"/>
+                                      </p:to>
+                                    </p:set>
+                                  </p:childTnLst>
+                                </p:cTn>
+                              </p:par>
+                              <p:par>
+                                <p:cTn id="9" presetID="1" presetClass="entr" presetSubtype="0" fill="hold" grpId="0" nodeType="withEffect">
+                                  <p:stCondLst>
+                                    <p:cond delay="0"/>
+                                  </p:stCondLst>
+                                  <p:childTnLst>
+                                    <p:set>
+                                      <p:cBhvr>
+                                        <p:cTn id="10" dur="1" fill="hold">
+                                          <p:stCondLst>
+                                            <p:cond delay="0"/>
+                                          </p:stCondLst>
+                                        </p:cTn>
+                                        <p:tgtEl>
+                                          <p:spTgt spid="4"/>
+                                        </p:tgtEl>
+                                        <p:attrNameLst>
+                                          <p:attrName>style.visibility</p:attrName>
+                                        </p:attrNameLst>
+                                      </p:cBhvr>
+                                      <p:to>
+                                        <p:strVal val="visible"/>
+                                      </p:to>
+                                    </p:set>
+                                  </p:childTnLst>
+                                </p:cTn>
+                              </p:par>
+                              <p:par>
+                                <p:cTn id="11" presetID="1" presetClass="entr" presetSubtype="0" fill="hold" grpId="0" nodeType="withEffect">
+                                  <p:stCondLst>
+                                    <p:cond delay="0"/>
+                                  </p:stCondLst>
+                                  <p:childTnLst>
+                                    <p:set>
+                                      <p:cBhvr>
+                                        <p:cTn id="12" dur="1" fill="hold">
+                                          <p:stCondLst>
+                                            <p:cond delay="0"/>
+                                          </p:stCondLst>
+                                        </p:cTn>
+                                        <p:tgtEl>
+                                          <p:spTgt spid="5"/>
+                                        </p:tgtEl>
+                                        <p:attrNameLst>
+                                          <p:attrName>style.visibility</p:attrName>
+                                        </p:attrNameLst>
+                                      </p:cBhvr>
+                                      <p:to>
+                                        <p:strVal val="visible"/>
+                                      </p:to>
+                                    </p:set>
+                                  </p:childTnLst>
+                                </p:cTn>
+                              </p:par>
+                              <p:par>
+                                <p:cTn id="13" presetID="1" presetClass="entr" presetSubtype="0" fill="hold" grpId="0" nodeType="withEffect">
+                                  <p:stCondLst>
+                                    <p:cond delay="0"/>
+                                  </p:stCondLst>
+                                  <p:childTnLst>
+                                    <p:set>
+                                      <p:cBhvr>
+                                        <p:cTn id="14" dur="1" fill="hold">
+                                          <p:stCondLst>
+                                            <p:cond delay="0"/>
+                                          </p:stCondLst>
+                                        </p:cTn>
+                                        <p:tgtEl>
+                                          <p:spTgt spid="10"/>
+                                        </p:tgtEl>
+                                        <p:attrNameLst>
+                                          <p:attrName>style.visibility</p:attrName>
+                                        </p:attrNameLst>
+                                      </p:cBhvr>
+                                      <p:to>
+                                        <p:strVal val="visible"/>
+                                      </p:to>
+                                    </p:set>
+                                  </p:childTnLst>
+                                </p:cTn>
+                              </p:par>
+                              <p:par>
+                                <p:cTn id="15" presetID="1" presetClass="entr" presetSubtype="0" fill="hold" grpId="0" nodeType="withEffect">
+                                  <p:stCondLst>
+                                    <p:cond delay="0"/>
+                                  </p:stCondLst>
+                                  <p:childTnLst>
+                                    <p:set>
+                                      <p:cBhvr>
+                                        <p:cTn id="16" dur="1" fill="hold">
+                                          <p:stCondLst>
+                                            <p:cond delay="0"/>
+                                          </p:stCondLst>
+                                        </p:cTn>
+                                        <p:tgtEl>
+                                          <p:spTgt spid="14"/>
+                                        </p:tgtEl>
+                                        <p:attrNameLst>
+                                          <p:attrName>style.visibility</p:attrName>
+                                        </p:attrNameLst>
+                                      </p:cBhvr>
+                                      <p:to>
+                                        <p:strVal val="visible"/>
+                                      </p:to>
+                                    </p:set>
+                                  </p:childTnLst>
+                                </p:cTn>
+                              </p:par>
+                              <p:par>
+                                <p:cTn id="17" presetID="1" presetClass="entr" presetSubtype="0" fill="hold" grpId="0" nodeType="withEffect">
+                                  <p:stCondLst>
+                                    <p:cond delay="0"/>
+                                  </p:stCondLst>
+                                  <p:childTnLst>
+                                    <p:set>
+                                      <p:cBhvr>
+                                        <p:cTn id="18" dur="1" fill="hold">
+                                          <p:stCondLst>
+                                            <p:cond delay="0"/>
+                                          </p:stCondLst>
+                                        </p:cTn>
+                                        <p:tgtEl>
+                                          <p:spTgt spid="13"/>
+                                        </p:tgtEl>
+                                        <p:attrNameLst>
+                                          <p:attrName>style.visibility</p:attrName>
+                                        </p:attrNameLst>
+                                      </p:cBhvr>
+                                      <p:to>
+                                        <p:strVal val="visible"/>
+                                      </p:to>
+                                    </p:set>
+                                  </p:childTnLst>
+                                </p:cTn>
+                              </p:par>
+                            </p:childTnLst>
+                          </p:cTn>
+                        </p:par>
+                      </p:childTnLst>
+                    </p:cTn>
+                  </p:par>
+                  <p:par>
+                    <p:cTn id="19" fill="hold">
+                      <p:stCondLst>
+                        <p:cond delay="indefinite"/>
+                      </p:stCondLst>
+                      <p:childTnLst>
+                        <p:par>
+                          <p:cTn id="20" fill="hold">
+                            <p:stCondLst>
+                              <p:cond delay="0"/>
+                            </p:stCondLst>
+                            <p:childTnLst>
+                              <p:par>
+                                <p:cTn id="21" presetID="1" presetClass="entr" presetSubtype="0" fill="hold" grpId="0" nodeType="clickEffect">
+                                  <p:stCondLst>
+                                    <p:cond delay="0"/>
+                                  </p:stCondLst>
+                                  <p:childTnLst>
+                                    <p:set>
+                                      <p:cBhvr>
+                                        <p:cTn id="22" dur="1" fill="hold">
+                                          <p:stCondLst>
+                                            <p:cond delay="0"/>
+                                          </p:stCondLst>
+                                        </p:cTn>
+                                        <p:tgtEl>
+                                          <p:spTgt spid="11"/>
+                                        </p:tgtEl>
+                                        <p:attrNameLst>
+                                          <p:attrName>style.visibility</p:attrName>
+                                        </p:attrNameLst>
+                                      </p:cBhvr>
+                                      <p:to>
+                                        <p:strVal val="visible"/>
+                                      </p:to>
+                                    </p:set>
+                                  </p:childTnLst>
+                                </p:cTn>
+                              </p:par>
+                              <p:par>
+                                <p:cTn id="23" presetID="1" presetClass="entr" presetSubtype="0" fill="hold" nodeType="withEffect">
+                                  <p:stCondLst>
+                                    <p:cond delay="0"/>
+                                  </p:stCondLst>
+                                  <p:childTnLst>
+                                    <p:set>
+                                      <p:cBhvr>
+                                        <p:cTn id="24" dur="1" fill="hold">
+                                          <p:stCondLst>
+                                            <p:cond delay="0"/>
+                                          </p:stCondLst>
+                                        </p:cTn>
+                                        <p:tgtEl>
+                                          <p:spTgt spid="34"/>
+                                        </p:tgtEl>
+                                        <p:attrNameLst>
+                                          <p:attrName>style.visibility</p:attrName>
+                                        </p:attrNameLst>
+                                      </p:cBhvr>
+                                      <p:to>
+                                        <p:strVal val="visible"/>
+                                      </p:to>
+                                    </p:set>
+                                  </p:childTnLst>
+                                </p:cTn>
+                              </p:par>
+                              <p:par>
+                                <p:cTn id="25" presetID="1" presetClass="entr" presetSubtype="0" fill="hold" nodeType="withEffect">
+                                  <p:stCondLst>
+                                    <p:cond delay="0"/>
+                                  </p:stCondLst>
+                                  <p:childTnLst>
+                                    <p:set>
+                                      <p:cBhvr>
+                                        <p:cTn id="26" dur="1" fill="hold">
+                                          <p:stCondLst>
+                                            <p:cond delay="0"/>
+                                          </p:stCondLst>
+                                        </p:cTn>
+                                        <p:tgtEl>
+                                          <p:spTgt spid="18"/>
+                                        </p:tgtEl>
+                                        <p:attrNameLst>
+                                          <p:attrName>style.visibility</p:attrName>
+                                        </p:attrNameLst>
+                                      </p:cBhvr>
+                                      <p:to>
+                                        <p:strVal val="visible"/>
+                                      </p:to>
+                                    </p:set>
+                                  </p:childTnLst>
+                                </p:cTn>
+                              </p:par>
+                              <p:par>
+                                <p:cTn id="27" presetID="1" presetClass="entr" presetSubtype="0" fill="hold" grpId="0" nodeType="withEffect">
+                                  <p:stCondLst>
+                                    <p:cond delay="0"/>
+                                  </p:stCondLst>
+                                  <p:childTnLst>
+                                    <p:set>
+                                      <p:cBhvr>
+                                        <p:cTn id="28" dur="1" fill="hold">
+                                          <p:stCondLst>
+                                            <p:cond delay="0"/>
+                                          </p:stCondLst>
+                                        </p:cTn>
+                                        <p:tgtEl>
+                                          <p:spTgt spid="12"/>
+                                        </p:tgtEl>
+                                        <p:attrNameLst>
+                                          <p:attrName>style.visibility</p:attrName>
+                                        </p:attrNameLst>
+                                      </p:cBhvr>
+                                      <p:to>
+                                        <p:strVal val="visible"/>
+                                      </p:to>
+                                    </p:set>
+                                  </p:childTnLst>
+                                </p:cTn>
+                              </p:par>
+                            </p:childTnLst>
+                          </p:cTn>
+                        </p:par>
+                      </p:childTnLst>
+                    </p:cTn>
+                  </p:par>
+                  <p:par>
+                    <p:cTn id="29" fill="hold">
+                      <p:stCondLst>
+                        <p:cond delay="indefinite"/>
+                      </p:stCondLst>
+                      <p:childTnLst>
+                        <p:par>
+                          <p:cTn id="30" fill="hold">
+                            <p:stCondLst>
+                              <p:cond delay="0"/>
+                            </p:stCondLst>
+                            <p:childTnLst>
+                              <p:par>
+                                <p:cTn id="31" presetID="1" presetClass="entr" presetSubtype="0" fill="hold" grpId="0" nodeType="clickEffect">
+                                  <p:stCondLst>
+                                    <p:cond delay="0"/>
+                                  </p:stCondLst>
+                                  <p:childTnLst>
+                                    <p:set>
+                                      <p:cBhvr>
+                                        <p:cTn id="32" dur="1" fill="hold">
+                                          <p:stCondLst>
+                                            <p:cond delay="0"/>
+                                          </p:stCondLst>
+                                        </p:cTn>
+                                        <p:tgtEl>
+                                          <p:spTgt spid="37"/>
+                                        </p:tgtEl>
+                                        <p:attrNameLst>
+                                          <p:attrName>style.visibility</p:attrName>
+                                        </p:attrNameLst>
+                                      </p:cBhvr>
+                                      <p:to>
+                                        <p:strVal val="visible"/>
+                                      </p:to>
+                                    </p:set>
+                                  </p:childTnLst>
+                                </p:cTn>
+                              </p:par>
+                              <p:par>
+                                <p:cTn id="33" presetID="1" presetClass="entr" presetSubtype="0" fill="hold" nodeType="withEffect">
+                                  <p:stCondLst>
+                                    <p:cond delay="0"/>
+                                  </p:stCondLst>
+                                  <p:childTnLst>
+                                    <p:set>
+                                      <p:cBhvr>
+                                        <p:cTn id="34" dur="1" fill="hold">
+                                          <p:stCondLst>
+                                            <p:cond delay="0"/>
+                                          </p:stCondLst>
+                                        </p:cTn>
+                                        <p:tgtEl>
+                                          <p:spTgt spid="22"/>
+                                        </p:tgtEl>
+                                        <p:attrNameLst>
+                                          <p:attrName>style.visibility</p:attrName>
+                                        </p:attrNameLst>
+                                      </p:cBhvr>
+                                      <p:to>
+                                        <p:strVal val="visible"/>
+                                      </p:to>
+                                    </p:set>
+                                  </p:childTnLst>
+                                </p:cTn>
+                              </p:par>
+                              <p:par>
+                                <p:cTn id="35" presetID="1" presetClass="entr" presetSubtype="0" fill="hold" nodeType="withEffect">
+                                  <p:stCondLst>
+                                    <p:cond delay="0"/>
+                                  </p:stCondLst>
+                                  <p:childTnLst>
+                                    <p:set>
+                                      <p:cBhvr>
+                                        <p:cTn id="36" dur="1" fill="hold">
+                                          <p:stCondLst>
+                                            <p:cond delay="0"/>
+                                          </p:stCondLst>
+                                        </p:cTn>
+                                        <p:tgtEl>
+                                          <p:spTgt spid="35"/>
+                                        </p:tgtEl>
+                                        <p:attrNameLst>
+                                          <p:attrName>style.visibility</p:attrName>
+                                        </p:attrNameLst>
+                                      </p:cBhvr>
+                                      <p:to>
+                                        <p:strVal val="visible"/>
+                                      </p:to>
+                                    </p:set>
+                                  </p:childTnLst>
+                                </p:cTn>
+                              </p:par>
+                            </p:childTnLst>
+                          </p:cTn>
+                        </p:par>
+                      </p:childTnLst>
+                    </p:cTn>
+                  </p:par>
+                  <p:par>
+                    <p:cTn id="37" fill="hold">
+                      <p:stCondLst>
+                        <p:cond delay="indefinite"/>
+                      </p:stCondLst>
+                      <p:childTnLst>
+                        <p:par>
+                          <p:cTn id="38" fill="hold">
+                            <p:stCondLst>
+                              <p:cond delay="0"/>
+                            </p:stCondLst>
+                            <p:childTnLst>
+                              <p:par>
+                                <p:cTn id="39" presetID="1" presetClass="entr" presetSubtype="0" fill="hold" grpId="0" nodeType="clickEffect">
+                                  <p:stCondLst>
+                                    <p:cond delay="0"/>
+                                  </p:stCondLst>
+                                  <p:childTnLst>
+                                    <p:set>
+                                      <p:cBhvr>
+                                        <p:cTn id="40" dur="1" fill="hold">
+                                          <p:stCondLst>
+                                            <p:cond delay="0"/>
+                                          </p:stCondLst>
+                                        </p:cTn>
+                                        <p:tgtEl>
+                                          <p:spTgt spid="38"/>
+                                        </p:tgtEl>
+                                        <p:attrNameLst>
+                                          <p:attrName>style.visibility</p:attrName>
+                                        </p:attrNameLst>
+                                      </p:cBhvr>
+                                      <p:to>
+                                        <p:strVal val="visible"/>
+                                      </p:to>
+                                    </p:set>
+                                  </p:childTnLst>
+                                </p:cTn>
+                              </p:par>
+                              <p:par>
+                                <p:cTn id="41" presetID="1" presetClass="entr" presetSubtype="0" fill="hold" nodeType="withEffect">
+                                  <p:stCondLst>
+                                    <p:cond delay="0"/>
+                                  </p:stCondLst>
+                                  <p:childTnLst>
+                                    <p:set>
+                                      <p:cBhvr>
+                                        <p:cTn id="42" dur="1" fill="hold">
+                                          <p:stCondLst>
+                                            <p:cond delay="0"/>
+                                          </p:stCondLst>
+                                        </p:cTn>
+                                        <p:tgtEl>
+                                          <p:spTgt spid="30"/>
+                                        </p:tgtEl>
+                                        <p:attrNameLst>
+                                          <p:attrName>style.visibility</p:attrName>
+                                        </p:attrNameLst>
+                                      </p:cBhvr>
+                                      <p:to>
+                                        <p:strVal val="visible"/>
+                                      </p:to>
+                                    </p:set>
+                                  </p:childTnLst>
+                                </p:cTn>
+                              </p:par>
+                              <p:par>
+                                <p:cTn id="43" presetID="1" presetClass="entr" presetSubtype="0" fill="hold" grpId="0" nodeType="withEffect">
+                                  <p:stCondLst>
+                                    <p:cond delay="0"/>
+                                  </p:stCondLst>
+                                  <p:childTnLst>
+                                    <p:set>
+                                      <p:cBhvr>
+                                        <p:cTn id="44" dur="1" fill="hold">
+                                          <p:stCondLst>
+                                            <p:cond delay="0"/>
+                                          </p:stCondLst>
+                                        </p:cTn>
+                                        <p:tgtEl>
+                                          <p:spTgt spid="25"/>
+                                        </p:tgtEl>
+                                        <p:attrNameLst>
+                                          <p:attrName>style.visibility</p:attrName>
+                                        </p:attrNameLst>
+                                      </p:cBhvr>
+                                      <p:to>
+                                        <p:strVal val="visible"/>
+                                      </p:to>
+                                    </p:set>
+                                  </p:childTnLst>
+                                </p:cTn>
+                              </p:par>
+                              <p:par>
+                                <p:cTn id="45" presetID="1" presetClass="entr" presetSubtype="0" fill="hold" nodeType="withEffect">
+                                  <p:stCondLst>
+                                    <p:cond delay="0"/>
+                                  </p:stCondLst>
+                                  <p:childTnLst>
+                                    <p:set>
+                                      <p:cBhvr>
+                                        <p:cTn id="46" dur="1" fill="hold">
+                                          <p:stCondLst>
+                                            <p:cond delay="0"/>
+                                          </p:stCondLst>
+                                        </p:cTn>
+                                        <p:tgtEl>
+                                          <p:spTgt spid="36"/>
+                                        </p:tgtEl>
+                                        <p:attrNameLst>
+                                          <p:attrName>style.visibility</p:attrName>
+                                        </p:attrNameLst>
+                                      </p:cBhvr>
+                                      <p:to>
+                                        <p:strVal val="visible"/>
+                                      </p:to>
+                                    </p:set>
+                                  </p:childTnLst>
+                                </p:cTn>
+                              </p:par>
+                            </p:childTnLst>
+                          </p:cTn>
+                        </p:par>
+                      </p:childTnLst>
+                    </p:cTn>
+                  </p:par>
+                </p:childTnLst>
+              </p:cTn>
+              <p:prevCondLst>
+                <p:cond evt="onPrev" delay="0">
+                  <p:tgtEl>
+                    <p:sldTgt/>
+                  </p:tgtEl>
+                </p:cond>
+              </p:prevCondLst>
+              <p:nextCondLst>
+                <p:cond evt="onNext" delay="0">
+                  <p:tgtEl>
+                    <p:sldTgt/>
+                  </p:tgtEl>
+                </p:cond>
+              </p:nextCondLst>
+            </p:seq>
+          </p:childTnLst>
+        </p:cTn>
+      </p:par>
+    </p:tnLst>
+    <p:bldLst>
+      <p:bldP spid="9" grpId="0"/>
+      <p:bldP spid="11" grpId="0"/>
+      <p:bldP spid="12" grpId="0"/>
+      <p:bldP spid="13" grpId="0"/>
+      <p:bldP spid="4" grpId="0"/>
+      <p:bldP spid="5" grpId="0"/>
+      <p:bldP spid="10" grpId="0"/>
+      <p:bldP spid="14" grpId="0"/>
+      <p:bldP spid="25" grpId="0" animBg="1"/>
+      <p:bldP spid="37" grpId="0"/>
+      <p:bldP spid="38" grpId="0"/>
+    </p:bldLst>
+  </p:timing>
+</p:sld>
+</file>
+
+<file path=ppt/slides/slide5.xml><?xml version="1.0" encoding="utf-8"?>
+<p:sld xmlns:a="http://schemas.openxmlformats.org/drawingml/2006/main" xmlns:r="http://schemas.openxmlformats.org/officeDocument/2006/relationships" xmlns:p="http://schemas.openxmlformats.org/presentationml/2006/main">
+  <p:cSld>
+    <p:spTree>
+      <p:nvGrpSpPr>
+        <p:cNvPr id="1" name=""/>
+        <p:cNvGrpSpPr/>
+        <p:nvPr/>
+      </p:nvGrpSpPr>
+      <p:grpSpPr>
+        <a:xfrm>
+          <a:off x="0" y="0"/>
+          <a:ext cx="0" cy="0"/>
+          <a:chOff x="0" y="0"/>
+          <a:chExt cx="0" cy="0"/>
+        </a:xfrm>
+      </p:grpSpPr>
+      <p:sp>
+        <p:nvSpPr>
+          <p:cNvPr id="2" name="Title 1"/>
+          <p:cNvSpPr>
+            <a:spLocks noGrp="1"/>
+          </p:cNvSpPr>
+          <p:nvPr>
+            <p:ph type="title"/>
+          </p:nvPr>
+        </p:nvSpPr>
+        <p:spPr/>
+        <p:txBody>
+          <a:bodyPr/>
+          <a:lstStyle/>
+          <a:p>
+            <a:r>
+              <a:rPr lang="en-US" dirty="0" smtClean="0"/>
+              <a:t>Examples </a:t>
+            </a:r>
+            <a:endParaRPr lang="en-US" dirty="0"/>
+          </a:p>
+        </p:txBody>
+      </p:sp>
+      <p:sp>
+        <p:nvSpPr>
+          <p:cNvPr id="3" name="Content Placeholder 2"/>
+          <p:cNvSpPr>
+            <a:spLocks noGrp="1"/>
+          </p:cNvSpPr>
+          <p:nvPr>
+            <p:ph idx="1"/>
+          </p:nvPr>
+        </p:nvSpPr>
+        <p:spPr>
+          <a:xfrm>
+            <a:off x="457199" y="1600200"/>
+            <a:ext cx="8777515" cy="2017809"/>
+          </a:xfrm>
+        </p:spPr>
+        <p:txBody>
+          <a:bodyPr>
+            <a:normAutofit/>
+          </a:bodyPr>
+          <a:lstStyle/>
+          <a:p>
+            <a:r>
+              <a:rPr lang="en-US" sz="2300" b="1" dirty="0" smtClean="0"/>
+              <a:t>Imaging</a:t>
+            </a:r>
+            <a:r>
+              <a:rPr lang="en-US" sz="2300" dirty="0" smtClean="0"/>
+              <a:t>: 1000 images, each with 1 million </a:t>
+            </a:r>
+            <a:r>
+              <a:rPr lang="en-US" sz="2300" dirty="0" smtClean="0"/>
+              <a:t>pixel</a:t>
+            </a:r>
+            <a:endParaRPr lang="en-US" sz="2300" dirty="0" smtClean="0"/>
+          </a:p>
+          <a:p>
+            <a:r>
+              <a:rPr lang="en-US" sz="2300" b="1" dirty="0" smtClean="0"/>
+              <a:t>Netflix</a:t>
+            </a:r>
+            <a:r>
+              <a:rPr lang="en-US" sz="2300" dirty="0" smtClean="0"/>
+              <a:t>: 200,000 users and ~500,000 movies (as of 2010)</a:t>
+            </a:r>
+            <a:endParaRPr lang="en-US" sz="2300" dirty="0"/>
+          </a:p>
+          <a:p>
+            <a:r>
+              <a:rPr lang="en-US" sz="2300" b="1" dirty="0" smtClean="0"/>
+              <a:t>Genome wide association </a:t>
+            </a:r>
+            <a:r>
+              <a:rPr lang="en-US" sz="2300" b="1" dirty="0" smtClean="0"/>
+              <a:t>study (GWAS)</a:t>
+            </a:r>
+            <a:r>
+              <a:rPr lang="en-US" sz="2300" dirty="0" smtClean="0"/>
+              <a:t>: </a:t>
+            </a:r>
+            <a:r>
+              <a:rPr lang="en-US" sz="2300" dirty="0" smtClean="0"/>
+              <a:t>500,000 </a:t>
+            </a:r>
+            <a:r>
+              <a:rPr lang="en-US" sz="2300" dirty="0" smtClean="0"/>
+              <a:t>samples and </a:t>
+            </a:r>
+            <a:r>
+              <a:rPr lang="en-US" sz="2300" dirty="0" smtClean="0"/>
+              <a:t>10+ million single nucleotide </a:t>
+            </a:r>
+            <a:r>
+              <a:rPr lang="en-US" sz="2300" dirty="0" smtClean="0"/>
+              <a:t>polymorphisms (</a:t>
+            </a:r>
+            <a:r>
+              <a:rPr lang="en-US" sz="2300" dirty="0" smtClean="0"/>
+              <a:t>SNPs</a:t>
+            </a:r>
+            <a:r>
+              <a:rPr lang="en-US" sz="2300" dirty="0" smtClean="0"/>
+              <a:t>)</a:t>
+            </a:r>
+            <a:endParaRPr lang="en-US" sz="2300" dirty="0" smtClean="0"/>
+          </a:p>
+        </p:txBody>
+      </p:sp>
+      <p:sp>
+        <p:nvSpPr>
+          <p:cNvPr id="4" name="TextBox 3"/>
+          <p:cNvSpPr txBox="1"/>
+          <p:nvPr/>
+        </p:nvSpPr>
+        <p:spPr>
+          <a:xfrm>
+            <a:off x="532189" y="3931053"/>
+            <a:ext cx="7867953" cy="1585049"/>
+          </a:xfrm>
+          <a:prstGeom prst="rect">
+            <a:avLst/>
+          </a:prstGeom>
+          <a:noFill/>
+        </p:spPr>
+        <p:txBody>
+          <a:bodyPr wrap="square" rtlCol="0">
+            <a:spAutoFit/>
+          </a:bodyPr>
+          <a:lstStyle/>
+          <a:p>
+            <a:pPr algn="ctr"/>
+            <a:r>
+              <a:rPr lang="en-US" sz="2500" b="1" dirty="0" smtClean="0">
+                <a:solidFill>
+                  <a:srgbClr val="FF0000"/>
+                </a:solidFill>
+              </a:rPr>
+              <a:t>To learn anything from these data, we need to:</a:t>
+            </a:r>
+          </a:p>
+          <a:p>
+            <a:pPr algn="ctr"/>
+            <a:endParaRPr lang="en-US" dirty="0" smtClean="0"/>
+          </a:p>
+          <a:p>
+            <a:pPr marL="342900" indent="-342900">
+              <a:buFont typeface="+mj-lt"/>
+              <a:buAutoNum type="arabicPeriod"/>
+            </a:pPr>
+            <a:r>
+              <a:rPr lang="en-US" dirty="0" smtClean="0"/>
+              <a:t>Identify which covariates are causal</a:t>
+            </a:r>
+          </a:p>
+          <a:p>
+            <a:endParaRPr lang="en-US" dirty="0" smtClean="0"/>
+          </a:p>
+          <a:p>
+            <a:pPr marL="342900" indent="-342900">
+              <a:buFont typeface="+mj-lt"/>
+              <a:buAutoNum type="arabicPeriod"/>
+            </a:pPr>
+            <a:r>
+              <a:rPr lang="en-US" dirty="0" smtClean="0"/>
+              <a:t>Figure out </a:t>
+            </a:r>
+            <a:r>
+              <a:rPr lang="en-US" i="1" dirty="0" smtClean="0"/>
+              <a:t>how much </a:t>
+            </a:r>
+            <a:r>
+              <a:rPr lang="en-US" dirty="0" smtClean="0"/>
+              <a:t>of an effect they exert</a:t>
+            </a:r>
+            <a:endParaRPr lang="en-US" dirty="0"/>
+          </a:p>
+        </p:txBody>
+      </p:sp>
+    </p:spTree>
+    <p:extLst>
+      <p:ext uri="{BB962C8B-B14F-4D97-AF65-F5344CB8AC3E}">
+        <p14:creationId xmlns:p14="http://schemas.microsoft.com/office/powerpoint/2010/main" val="1958155974"/>
+      </p:ext>
+    </p:extLst>
+  </p:cSld>
+  <p:clrMapOvr>
+    <a:masterClrMapping/>
+  </p:clrMapOvr>
+  <p:timing>
+    <p:tnLst>
+      <p:par>
+        <p:cTn xmlns:p14="http://schemas.microsoft.com/office/powerpoint/2010/main" id="1" dur="indefinite" restart="never" nodeType="tmRoot"/>
+      </p:par>
+    </p:tnLst>
+  </p:timing>
+</p:sld>
+</file>
+
+<file path=ppt/slides/slide6.xml><?xml version="1.0" encoding="utf-8"?>
+<p:sld xmlns:a="http://schemas.openxmlformats.org/drawingml/2006/main" xmlns:r="http://schemas.openxmlformats.org/officeDocument/2006/relationships" xmlns:p="http://schemas.openxmlformats.org/presentationml/2006/main">
+  <p:cSld>
+    <p:spTree>
+      <p:nvGrpSpPr>
+        <p:cNvPr id="1" name=""/>
+        <p:cNvGrpSpPr/>
+        <p:nvPr/>
+      </p:nvGrpSpPr>
+      <p:grpSpPr>
+        <a:xfrm>
+          <a:off x="0" y="0"/>
+          <a:ext cx="0" cy="0"/>
+          <a:chOff x="0" y="0"/>
+          <a:chExt cx="0" cy="0"/>
+        </a:xfrm>
+      </p:grpSpPr>
+      <p:pic>
+        <p:nvPicPr>
+          <p:cNvPr id="7" name="Picture 6" descr="plot1.pdf"/>
+          <p:cNvPicPr>
+            <a:picLocks noChangeAspect="1"/>
+          </p:cNvPicPr>
+          <p:nvPr/>
+        </p:nvPicPr>
+        <p:blipFill>
+          <a:blip r:embed="rId2">
+            <a:extLst>
+              <a:ext uri="{28A0092B-C50C-407E-A947-70E740481C1C}">
+                <a14:useLocalDpi xmlns:a14="http://schemas.microsoft.com/office/drawing/2010/main" val="0"/>
+              </a:ext>
+            </a:extLst>
+          </a:blip>
+          <a:stretch>
+            <a:fillRect/>
+          </a:stretch>
+        </p:blipFill>
+        <p:spPr>
+          <a:xfrm>
+            <a:off x="1390957" y="2582331"/>
+            <a:ext cx="6102047" cy="4068031"/>
+          </a:xfrm>
+          <a:prstGeom prst="rect">
+            <a:avLst/>
+          </a:prstGeom>
+        </p:spPr>
+      </p:pic>
+      <p:sp>
+        <p:nvSpPr>
+          <p:cNvPr id="2" name="Title 1"/>
+          <p:cNvSpPr>
+            <a:spLocks noGrp="1"/>
+          </p:cNvSpPr>
+          <p:nvPr>
+            <p:ph type="title"/>
+          </p:nvPr>
+        </p:nvSpPr>
+        <p:spPr>
+          <a:xfrm>
+            <a:off x="457199" y="533400"/>
+            <a:ext cx="8577943" cy="990600"/>
+          </a:xfrm>
+        </p:spPr>
+        <p:txBody>
+          <a:bodyPr>
+            <a:noAutofit/>
+          </a:bodyPr>
+          <a:lstStyle/>
+          <a:p>
+            <a:r>
+              <a:rPr lang="en-US" sz="3000" dirty="0" smtClean="0"/>
+              <a:t>Find causal covariates by p-values</a:t>
+            </a:r>
+            <a:endParaRPr lang="en-US" sz="3000" dirty="0"/>
+          </a:p>
+        </p:txBody>
+      </p:sp>
+      <p:sp>
+        <p:nvSpPr>
+          <p:cNvPr id="3" name="Content Placeholder 2"/>
+          <p:cNvSpPr>
+            <a:spLocks noGrp="1"/>
+          </p:cNvSpPr>
+          <p:nvPr>
+            <p:ph idx="1"/>
+          </p:nvPr>
+        </p:nvSpPr>
+        <p:spPr>
+          <a:xfrm>
+            <a:off x="457198" y="1805819"/>
+            <a:ext cx="8402563" cy="933752"/>
+          </a:xfrm>
+        </p:spPr>
+        <p:txBody>
+          <a:bodyPr>
+            <a:normAutofit/>
+          </a:bodyPr>
+          <a:lstStyle/>
+          <a:p>
+            <a:pPr marL="0" indent="0">
+              <a:buNone/>
+            </a:pPr>
+            <a:r>
+              <a:rPr lang="en-US" dirty="0" smtClean="0"/>
+              <a:t>Given                  , fit a (separate) linear regression </a:t>
+            </a:r>
+            <a:r>
+              <a:rPr lang="en-US" b="1" dirty="0" smtClean="0"/>
+              <a:t>for each </a:t>
+            </a:r>
+            <a:r>
+              <a:rPr lang="en-US" dirty="0" smtClean="0"/>
+              <a:t>covariate </a:t>
+            </a:r>
+          </a:p>
+        </p:txBody>
+      </p:sp>
+      <p:pic>
+        <p:nvPicPr>
+          <p:cNvPr id="4" name="Picture 3"/>
+          <p:cNvPicPr>
+            <a:picLocks noChangeAspect="1"/>
+          </p:cNvPicPr>
+          <p:nvPr/>
+        </p:nvPicPr>
+        <p:blipFill>
+          <a:blip r:embed="rId3"/>
+          <a:stretch>
+            <a:fillRect/>
+          </a:stretch>
+        </p:blipFill>
+        <p:spPr>
+          <a:xfrm>
+            <a:off x="1390957" y="1823963"/>
+            <a:ext cx="1465303" cy="405191"/>
+          </a:xfrm>
+          <a:prstGeom prst="rect">
+            <a:avLst/>
+          </a:prstGeom>
+        </p:spPr>
+      </p:pic>
+      <p:cxnSp>
+        <p:nvCxnSpPr>
+          <p:cNvPr id="9" name="Straight Connector 8"/>
+          <p:cNvCxnSpPr/>
+          <p:nvPr/>
+        </p:nvCxnSpPr>
+        <p:spPr>
+          <a:xfrm flipV="1">
+            <a:off x="1959429" y="4396619"/>
+            <a:ext cx="5334000" cy="84668"/>
+          </a:xfrm>
+          <a:prstGeom prst="line">
+            <a:avLst/>
+          </a:prstGeom>
+          <a:ln w="38100" cmpd="sng">
+            <a:solidFill>
+              <a:srgbClr val="0000FF"/>
+            </a:solidFill>
+          </a:ln>
+        </p:spPr>
+        <p:style>
+          <a:lnRef idx="2">
+            <a:schemeClr val="accent1"/>
+          </a:lnRef>
+          <a:fillRef idx="0">
+            <a:schemeClr val="accent1"/>
+          </a:fillRef>
+          <a:effectRef idx="1">
+            <a:schemeClr val="accent1"/>
+          </a:effectRef>
+          <a:fontRef idx="minor">
+            <a:schemeClr val="tx1"/>
+          </a:fontRef>
+        </p:style>
+      </p:cxnSp>
+      <p:sp>
+        <p:nvSpPr>
+          <p:cNvPr id="16" name="Donut 15"/>
+          <p:cNvSpPr/>
+          <p:nvPr/>
+        </p:nvSpPr>
+        <p:spPr>
+          <a:xfrm>
+            <a:off x="1306295" y="1663095"/>
+            <a:ext cx="241900" cy="683381"/>
+          </a:xfrm>
+          <a:prstGeom prst="donut">
+            <a:avLst>
+              <a:gd name="adj" fmla="val 9616"/>
+            </a:avLst>
+          </a:prstGeom>
+          <a:solidFill>
+            <a:srgbClr val="FF0000"/>
+          </a:solidFill>
+          <a:ln>
+            <a:solidFill>
+              <a:srgbClr val="FF0000"/>
+            </a:solidFill>
+          </a:ln>
+        </p:spPr>
+        <p:style>
+          <a:lnRef idx="1">
+            <a:schemeClr val="accent1"/>
+          </a:lnRef>
+          <a:fillRef idx="3">
+            <a:schemeClr val="accent1"/>
+          </a:fillRef>
+          <a:effectRef idx="2">
+            <a:schemeClr val="accent1"/>
+          </a:effectRef>
+          <a:fontRef idx="minor">
+            <a:schemeClr val="lt1"/>
+          </a:fontRef>
+        </p:style>
+        <p:txBody>
+          <a:bodyPr rtlCol="0" anchor="ctr"/>
+          <a:lstStyle/>
+          <a:p>
+            <a:pPr algn="ctr"/>
+            <a:endParaRPr lang="en-US">
+              <a:solidFill>
+                <a:schemeClr val="tx1"/>
+              </a:solidFill>
+            </a:endParaRPr>
+          </a:p>
+        </p:txBody>
+      </p:sp>
+      <p:sp>
+        <p:nvSpPr>
+          <p:cNvPr id="17" name="Donut 16"/>
+          <p:cNvSpPr/>
+          <p:nvPr/>
+        </p:nvSpPr>
+        <p:spPr>
+          <a:xfrm rot="5400000">
+            <a:off x="4431587" y="5094809"/>
+            <a:ext cx="451549" cy="2780512"/>
+          </a:xfrm>
+          <a:prstGeom prst="donut">
+            <a:avLst>
+              <a:gd name="adj" fmla="val 2543"/>
+            </a:avLst>
+          </a:prstGeom>
+          <a:solidFill>
+            <a:srgbClr val="FF0000"/>
+          </a:solidFill>
+          <a:ln>
+            <a:solidFill>
+              <a:srgbClr val="FF0000"/>
+            </a:solidFill>
+          </a:ln>
+        </p:spPr>
+        <p:style>
+          <a:lnRef idx="1">
+            <a:schemeClr val="accent1"/>
+          </a:lnRef>
+          <a:fillRef idx="3">
+            <a:schemeClr val="accent1"/>
+          </a:fillRef>
+          <a:effectRef idx="2">
+            <a:schemeClr val="accent1"/>
+          </a:effectRef>
+          <a:fontRef idx="minor">
+            <a:schemeClr val="lt1"/>
+          </a:fontRef>
+        </p:style>
+        <p:txBody>
+          <a:bodyPr rtlCol="0" anchor="ctr"/>
+          <a:lstStyle/>
+          <a:p>
+            <a:pPr algn="ctr"/>
+            <a:endParaRPr lang="en-US">
+              <a:solidFill>
+                <a:schemeClr val="tx1"/>
+              </a:solidFill>
+            </a:endParaRPr>
+          </a:p>
+        </p:txBody>
+      </p:sp>
+      <p:cxnSp>
+        <p:nvCxnSpPr>
+          <p:cNvPr id="19" name="Straight Arrow Connector 18"/>
+          <p:cNvCxnSpPr>
+            <a:stCxn id="16" idx="5"/>
+            <a:endCxn id="17" idx="3"/>
+          </p:cNvCxnSpPr>
+          <p:nvPr/>
+        </p:nvCxnSpPr>
+        <p:spPr>
+          <a:xfrm>
+            <a:off x="1512770" y="2246397"/>
+            <a:ext cx="2161533" cy="4079022"/>
+          </a:xfrm>
+          <a:prstGeom prst="straightConnector1">
+            <a:avLst/>
+          </a:prstGeom>
+          <a:ln>
+            <a:solidFill>
+              <a:srgbClr val="FF0000"/>
+            </a:solidFill>
+            <a:tailEnd type="arrow"/>
+          </a:ln>
+        </p:spPr>
+        <p:style>
+          <a:lnRef idx="2">
+            <a:schemeClr val="accent1"/>
+          </a:lnRef>
+          <a:fillRef idx="0">
+            <a:schemeClr val="accent1"/>
+          </a:fillRef>
+          <a:effectRef idx="1">
+            <a:schemeClr val="accent1"/>
+          </a:effectRef>
+          <a:fontRef idx="minor">
+            <a:schemeClr val="tx1"/>
+          </a:fontRef>
+        </p:style>
+      </p:cxnSp>
+      <p:sp>
+        <p:nvSpPr>
+          <p:cNvPr id="20" name="TextBox 19"/>
+          <p:cNvSpPr txBox="1"/>
+          <p:nvPr/>
+        </p:nvSpPr>
+        <p:spPr>
+          <a:xfrm>
+            <a:off x="7359952" y="4296621"/>
+            <a:ext cx="1678878" cy="369332"/>
+          </a:xfrm>
+          <a:prstGeom prst="rect">
+            <a:avLst/>
+          </a:prstGeom>
+          <a:noFill/>
+        </p:spPr>
+        <p:txBody>
+          <a:bodyPr wrap="none" rtlCol="0">
+            <a:spAutoFit/>
+          </a:bodyPr>
+          <a:lstStyle/>
+          <a:p>
+            <a:r>
+              <a:rPr lang="en-US" b="1" dirty="0"/>
+              <a:t>p</a:t>
+            </a:r>
+            <a:r>
+              <a:rPr lang="en-US" b="1" dirty="0" smtClean="0"/>
+              <a:t> = 0.36 (boo)</a:t>
+            </a:r>
+            <a:endParaRPr lang="en-US" b="1" dirty="0"/>
+          </a:p>
+        </p:txBody>
+      </p:sp>
+    </p:spTree>
+    <p:extLst>
+      <p:ext uri="{BB962C8B-B14F-4D97-AF65-F5344CB8AC3E}">
+        <p14:creationId xmlns:p14="http://schemas.microsoft.com/office/powerpoint/2010/main" val="964490064"/>
+      </p:ext>
+    </p:extLst>
+  </p:cSld>
+  <p:clrMapOvr>
+    <a:masterClrMapping/>
+  </p:clrMapOvr>
+  <p:timing>
+    <p:tnLst>
+      <p:par>
+        <p:cTn xmlns:p14="http://schemas.microsoft.com/office/powerpoint/2010/main" id="1" dur="indefinite" restart="never" nodeType="tmRoot">
+          <p:childTnLst>
+            <p:seq concurrent="1" nextAc="seek">
+              <p:cTn id="2" dur="indefinite" nodeType="mainSeq">
+                <p:childTnLst>
+                  <p:par>
+                    <p:cTn id="3" fill="hold">
+                      <p:stCondLst>
+                        <p:cond delay="indefinite"/>
+                      </p:stCondLst>
+                      <p:childTnLst>
+                        <p:par>
+                          <p:cTn id="4" fill="hold">
+                            <p:stCondLst>
+                              <p:cond delay="0"/>
+                            </p:stCondLst>
+                            <p:childTnLst>
+                              <p:par>
+                                <p:cTn id="5" presetID="1" presetClass="entr" presetSubtype="0" fill="hold" nodeType="clickEffect">
+                                  <p:stCondLst>
+                                    <p:cond delay="0"/>
+                                  </p:stCondLst>
+                                  <p:childTnLst>
+                                    <p:set>
+                                      <p:cBhvr>
+                                        <p:cTn id="6" dur="1" fill="hold">
+                                          <p:stCondLst>
+                                            <p:cond delay="0"/>
+                                          </p:stCondLst>
+                                        </p:cTn>
+                                        <p:tgtEl>
+                                          <p:spTgt spid="7"/>
+                                        </p:tgtEl>
+                                        <p:attrNameLst>
+                                          <p:attrName>style.visibility</p:attrName>
+                                        </p:attrNameLst>
+                                      </p:cBhvr>
+                                      <p:to>
+                                        <p:strVal val="visible"/>
+                                      </p:to>
+                                    </p:set>
+                                  </p:childTnLst>
+                                </p:cTn>
+                              </p:par>
+                            </p:childTnLst>
+                          </p:cTn>
+                        </p:par>
+                      </p:childTnLst>
+                    </p:cTn>
+                  </p:par>
+                  <p:par>
+                    <p:cTn id="7" fill="hold">
+                      <p:stCondLst>
+                        <p:cond delay="indefinite"/>
+                      </p:stCondLst>
+                      <p:childTnLst>
+                        <p:par>
+                          <p:cTn id="8" fill="hold">
+                            <p:stCondLst>
+                              <p:cond delay="0"/>
+                            </p:stCondLst>
+                            <p:childTnLst>
+                              <p:par>
+                                <p:cTn id="9" presetID="1" presetClass="entr" presetSubtype="0" fill="hold" grpId="0" nodeType="clickEffect">
+                                  <p:stCondLst>
+                                    <p:cond delay="0"/>
+                                  </p:stCondLst>
+                                  <p:childTnLst>
+                                    <p:set>
+                                      <p:cBhvr>
+                                        <p:cTn id="10" dur="1" fill="hold">
+                                          <p:stCondLst>
+                                            <p:cond delay="0"/>
+                                          </p:stCondLst>
+                                        </p:cTn>
+                                        <p:tgtEl>
+                                          <p:spTgt spid="16"/>
+                                        </p:tgtEl>
+                                        <p:attrNameLst>
+                                          <p:attrName>style.visibility</p:attrName>
+                                        </p:attrNameLst>
+                                      </p:cBhvr>
+                                      <p:to>
+                                        <p:strVal val="visible"/>
+                                      </p:to>
+                                    </p:set>
+                                  </p:childTnLst>
+                                </p:cTn>
+                              </p:par>
+                              <p:par>
+                                <p:cTn id="11" presetID="1" presetClass="entr" presetSubtype="0" fill="hold" nodeType="withEffect">
+                                  <p:stCondLst>
+                                    <p:cond delay="0"/>
+                                  </p:stCondLst>
+                                  <p:childTnLst>
+                                    <p:set>
+                                      <p:cBhvr>
+                                        <p:cTn id="12" dur="1" fill="hold">
+                                          <p:stCondLst>
+                                            <p:cond delay="0"/>
+                                          </p:stCondLst>
+                                        </p:cTn>
+                                        <p:tgtEl>
+                                          <p:spTgt spid="19"/>
+                                        </p:tgtEl>
+                                        <p:attrNameLst>
+                                          <p:attrName>style.visibility</p:attrName>
+                                        </p:attrNameLst>
+                                      </p:cBhvr>
+                                      <p:to>
+                                        <p:strVal val="visible"/>
+                                      </p:to>
+                                    </p:set>
+                                  </p:childTnLst>
+                                </p:cTn>
+                              </p:par>
+                              <p:par>
+                                <p:cTn id="13" presetID="1" presetClass="entr" presetSubtype="0" fill="hold" grpId="0" nodeType="withEffect">
+                                  <p:stCondLst>
+                                    <p:cond delay="0"/>
+                                  </p:stCondLst>
+                                  <p:childTnLst>
+                                    <p:set>
+                                      <p:cBhvr>
+                                        <p:cTn id="14" dur="1" fill="hold">
+                                          <p:stCondLst>
+                                            <p:cond delay="0"/>
+                                          </p:stCondLst>
+                                        </p:cTn>
+                                        <p:tgtEl>
+                                          <p:spTgt spid="17"/>
+                                        </p:tgtEl>
+                                        <p:attrNameLst>
+                                          <p:attrName>style.visibility</p:attrName>
+                                        </p:attrNameLst>
+                                      </p:cBhvr>
+                                      <p:to>
+                                        <p:strVal val="visible"/>
+                                      </p:to>
+                                    </p:set>
+                                  </p:childTnLst>
+                                </p:cTn>
+                              </p:par>
+                            </p:childTnLst>
+                          </p:cTn>
+                        </p:par>
+                      </p:childTnLst>
+                    </p:cTn>
+                  </p:par>
+                  <p:par>
+                    <p:cTn id="15" fill="hold">
+                      <p:stCondLst>
+                        <p:cond delay="indefinite"/>
+                      </p:stCondLst>
+                      <p:childTnLst>
+                        <p:par>
+                          <p:cTn id="16" fill="hold">
+                            <p:stCondLst>
+                              <p:cond delay="0"/>
+                            </p:stCondLst>
+                            <p:childTnLst>
+                              <p:par>
+                                <p:cTn id="17" presetID="1" presetClass="exit" presetSubtype="0" fill="hold" grpId="1" nodeType="clickEffect">
+                                  <p:stCondLst>
+                                    <p:cond delay="0"/>
+                                  </p:stCondLst>
+                                  <p:childTnLst>
+                                    <p:set>
+                                      <p:cBhvr>
+                                        <p:cTn id="18" dur="1" fill="hold">
+                                          <p:stCondLst>
+                                            <p:cond delay="0"/>
+                                          </p:stCondLst>
+                                        </p:cTn>
+                                        <p:tgtEl>
+                                          <p:spTgt spid="16"/>
+                                        </p:tgtEl>
+                                        <p:attrNameLst>
+                                          <p:attrName>style.visibility</p:attrName>
+                                        </p:attrNameLst>
+                                      </p:cBhvr>
+                                      <p:to>
+                                        <p:strVal val="hidden"/>
+                                      </p:to>
+                                    </p:set>
+                                  </p:childTnLst>
+                                </p:cTn>
+                              </p:par>
+                              <p:par>
+                                <p:cTn id="19" presetID="1" presetClass="exit" presetSubtype="0" fill="hold" nodeType="withEffect">
+                                  <p:stCondLst>
+                                    <p:cond delay="0"/>
+                                  </p:stCondLst>
+                                  <p:childTnLst>
+                                    <p:set>
+                                      <p:cBhvr>
+                                        <p:cTn id="20" dur="1" fill="hold">
+                                          <p:stCondLst>
+                                            <p:cond delay="0"/>
+                                          </p:stCondLst>
+                                        </p:cTn>
+                                        <p:tgtEl>
+                                          <p:spTgt spid="19"/>
+                                        </p:tgtEl>
+                                        <p:attrNameLst>
+                                          <p:attrName>style.visibility</p:attrName>
+                                        </p:attrNameLst>
+                                      </p:cBhvr>
+                                      <p:to>
+                                        <p:strVal val="hidden"/>
+                                      </p:to>
+                                    </p:set>
+                                  </p:childTnLst>
+                                </p:cTn>
+                              </p:par>
+                              <p:par>
+                                <p:cTn id="21" presetID="1" presetClass="exit" presetSubtype="0" fill="hold" grpId="1" nodeType="withEffect">
+                                  <p:stCondLst>
+                                    <p:cond delay="0"/>
+                                  </p:stCondLst>
+                                  <p:childTnLst>
+                                    <p:set>
+                                      <p:cBhvr>
+                                        <p:cTn id="22" dur="1" fill="hold">
+                                          <p:stCondLst>
+                                            <p:cond delay="0"/>
+                                          </p:stCondLst>
+                                        </p:cTn>
+                                        <p:tgtEl>
+                                          <p:spTgt spid="17"/>
+                                        </p:tgtEl>
+                                        <p:attrNameLst>
+                                          <p:attrName>style.visibility</p:attrName>
+                                        </p:attrNameLst>
+                                      </p:cBhvr>
+                                      <p:to>
+                                        <p:strVal val="hidden"/>
+                                      </p:to>
+                                    </p:set>
+                                  </p:childTnLst>
+                                </p:cTn>
+                              </p:par>
+                            </p:childTnLst>
+                          </p:cTn>
+                        </p:par>
+                      </p:childTnLst>
+                    </p:cTn>
+                  </p:par>
+                  <p:par>
+                    <p:cTn id="23" fill="hold">
+                      <p:stCondLst>
+                        <p:cond delay="indefinite"/>
+                      </p:stCondLst>
+                      <p:childTnLst>
+                        <p:par>
+                          <p:cTn id="24" fill="hold">
+                            <p:stCondLst>
+                              <p:cond delay="0"/>
+                            </p:stCondLst>
+                            <p:childTnLst>
+                              <p:par>
+                                <p:cTn id="25" presetID="1" presetClass="entr" presetSubtype="0" fill="hold" nodeType="clickEffect">
+                                  <p:stCondLst>
+                                    <p:cond delay="0"/>
+                                  </p:stCondLst>
+                                  <p:childTnLst>
+                                    <p:set>
+                                      <p:cBhvr>
+                                        <p:cTn id="26" dur="1" fill="hold">
+                                          <p:stCondLst>
+                                            <p:cond delay="0"/>
+                                          </p:stCondLst>
+                                        </p:cTn>
+                                        <p:tgtEl>
+                                          <p:spTgt spid="9"/>
+                                        </p:tgtEl>
+                                        <p:attrNameLst>
+                                          <p:attrName>style.visibility</p:attrName>
+                                        </p:attrNameLst>
+                                      </p:cBhvr>
+                                      <p:to>
+                                        <p:strVal val="visible"/>
+                                      </p:to>
+                                    </p:set>
+                                  </p:childTnLst>
+                                </p:cTn>
+                              </p:par>
+                            </p:childTnLst>
+                          </p:cTn>
+                        </p:par>
+                      </p:childTnLst>
+                    </p:cTn>
+                  </p:par>
+                  <p:par>
+                    <p:cTn id="27" fill="hold">
+                      <p:stCondLst>
+                        <p:cond delay="indefinite"/>
+                      </p:stCondLst>
+                      <p:childTnLst>
+                        <p:par>
+                          <p:cTn id="28" fill="hold">
+                            <p:stCondLst>
+                              <p:cond delay="0"/>
+                            </p:stCondLst>
+                            <p:childTnLst>
+                              <p:par>
+                                <p:cTn id="29" presetID="1" presetClass="entr" presetSubtype="0" fill="hold" nodeType="clickEffect">
+                                  <p:stCondLst>
+                                    <p:cond delay="0"/>
+                                  </p:stCondLst>
+                                  <p:childTnLst>
+                                    <p:set>
+                                      <p:cBhvr>
+                                        <p:cTn id="30" dur="1" fill="hold">
+                                          <p:stCondLst>
+                                            <p:cond delay="0"/>
+                                          </p:stCondLst>
+                                        </p:cTn>
+                                        <p:tgtEl>
+                                          <p:spTgt spid="20">
+                                            <p:txEl>
+                                              <p:pRg st="0" end="0"/>
+                                            </p:txEl>
+                                          </p:spTgt>
+                                        </p:tgtEl>
+                                        <p:attrNameLst>
+                                          <p:attrName>style.visibility</p:attrName>
+                                        </p:attrNameLst>
+                                      </p:cBhvr>
+                                      <p:to>
+                                        <p:strVal val="visible"/>
+                                      </p:to>
+                                    </p:set>
+                                  </p:childTnLst>
+                                </p:cTn>
+                              </p:par>
+                            </p:childTnLst>
+                          </p:cTn>
+                        </p:par>
+                      </p:childTnLst>
+                    </p:cTn>
+                  </p:par>
+                </p:childTnLst>
+              </p:cTn>
+              <p:prevCondLst>
+                <p:cond evt="onPrev" delay="0">
+                  <p:tgtEl>
+                    <p:sldTgt/>
+                  </p:tgtEl>
+                </p:cond>
+              </p:prevCondLst>
+              <p:nextCondLst>
+                <p:cond evt="onNext" delay="0">
+                  <p:tgtEl>
+                    <p:sldTgt/>
+                  </p:tgtEl>
+                </p:cond>
+              </p:nextCondLst>
+            </p:seq>
+          </p:childTnLst>
+        </p:cTn>
+      </p:par>
+    </p:tnLst>
+    <p:bldLst>
+      <p:bldP spid="16" grpId="0" animBg="1"/>
+      <p:bldP spid="16" grpId="1" animBg="1"/>
+      <p:bldP spid="17" grpId="0" animBg="1"/>
+      <p:bldP spid="17" grpId="1" animBg="1"/>
+    </p:bldLst>
+  </p:timing>
+</p:sld>
+</file>
+
+<file path=ppt/slides/slide7.xml><?xml version="1.0" encoding="utf-8"?>
+<p:sld xmlns:a="http://schemas.openxmlformats.org/drawingml/2006/main" xmlns:r="http://schemas.openxmlformats.org/officeDocument/2006/relationships" xmlns:p="http://schemas.openxmlformats.org/presentationml/2006/main">
+  <p:cSld>
+    <p:spTree>
+      <p:nvGrpSpPr>
+        <p:cNvPr id="1" name=""/>
+        <p:cNvGrpSpPr/>
+        <p:nvPr/>
+      </p:nvGrpSpPr>
+      <p:grpSpPr>
+        <a:xfrm>
+          <a:off x="0" y="0"/>
+          <a:ext cx="0" cy="0"/>
+          <a:chOff x="0" y="0"/>
+          <a:chExt cx="0" cy="0"/>
+        </a:xfrm>
+      </p:grpSpPr>
+      <p:sp>
+        <p:nvSpPr>
+          <p:cNvPr id="2" name="Title 1"/>
+          <p:cNvSpPr>
+            <a:spLocks noGrp="1"/>
+          </p:cNvSpPr>
+          <p:nvPr>
+            <p:ph type="title"/>
+          </p:nvPr>
+        </p:nvSpPr>
+        <p:spPr>
+          <a:xfrm>
+            <a:off x="457199" y="533400"/>
+            <a:ext cx="8577943" cy="990600"/>
+          </a:xfrm>
+        </p:spPr>
+        <p:txBody>
+          <a:bodyPr>
+            <a:noAutofit/>
+          </a:bodyPr>
+          <a:lstStyle/>
+          <a:p>
+            <a:r>
+              <a:rPr lang="en-US" sz="3000" dirty="0" smtClean="0"/>
+              <a:t>Find causal covariates by p-values (cont.)</a:t>
+            </a:r>
+            <a:endParaRPr lang="en-US" sz="3000" dirty="0"/>
+          </a:p>
+        </p:txBody>
+      </p:sp>
+      <p:sp>
+        <p:nvSpPr>
+          <p:cNvPr id="3" name="Content Placeholder 2"/>
+          <p:cNvSpPr>
+            <a:spLocks noGrp="1"/>
+          </p:cNvSpPr>
+          <p:nvPr>
+            <p:ph idx="1"/>
+          </p:nvPr>
+        </p:nvSpPr>
+        <p:spPr>
+          <a:xfrm>
+            <a:off x="457198" y="1805819"/>
+            <a:ext cx="8402563" cy="933752"/>
+          </a:xfrm>
+        </p:spPr>
+        <p:txBody>
+          <a:bodyPr>
+            <a:normAutofit/>
+          </a:bodyPr>
+          <a:lstStyle/>
+          <a:p>
+            <a:pPr marL="0" indent="0">
+              <a:buNone/>
+            </a:pPr>
+            <a:r>
+              <a:rPr lang="en-US" dirty="0" smtClean="0"/>
+              <a:t>Given                  , fit a (separate) linear regression </a:t>
+            </a:r>
+            <a:r>
+              <a:rPr lang="en-US" b="1" dirty="0" smtClean="0"/>
+              <a:t>for each </a:t>
+            </a:r>
+            <a:r>
+              <a:rPr lang="en-US" dirty="0" smtClean="0"/>
+              <a:t>covariate </a:t>
+            </a:r>
+          </a:p>
+        </p:txBody>
+      </p:sp>
+      <p:pic>
+        <p:nvPicPr>
+          <p:cNvPr id="4" name="Picture 3"/>
+          <p:cNvPicPr>
+            <a:picLocks noChangeAspect="1"/>
+          </p:cNvPicPr>
+          <p:nvPr/>
+        </p:nvPicPr>
+        <p:blipFill>
+          <a:blip r:embed="rId2"/>
+          <a:stretch>
+            <a:fillRect/>
+          </a:stretch>
+        </p:blipFill>
+        <p:spPr>
+          <a:xfrm>
+            <a:off x="1390957" y="1823963"/>
+            <a:ext cx="1465303" cy="405191"/>
+          </a:xfrm>
+          <a:prstGeom prst="rect">
+            <a:avLst/>
+          </a:prstGeom>
+        </p:spPr>
+      </p:pic>
+      <p:sp>
+        <p:nvSpPr>
+          <p:cNvPr id="16" name="Donut 15"/>
+          <p:cNvSpPr/>
+          <p:nvPr/>
+        </p:nvSpPr>
+        <p:spPr>
+          <a:xfrm>
+            <a:off x="1390957" y="1663095"/>
+            <a:ext cx="241900" cy="683381"/>
+          </a:xfrm>
+          <a:prstGeom prst="donut">
+            <a:avLst>
+              <a:gd name="adj" fmla="val 9616"/>
+            </a:avLst>
+          </a:prstGeom>
+          <a:solidFill>
+            <a:srgbClr val="FF0000"/>
+          </a:solidFill>
+          <a:ln>
+            <a:solidFill>
+              <a:srgbClr val="FF0000"/>
+            </a:solidFill>
+          </a:ln>
+        </p:spPr>
+        <p:style>
+          <a:lnRef idx="1">
+            <a:schemeClr val="accent1"/>
+          </a:lnRef>
+          <a:fillRef idx="3">
+            <a:schemeClr val="accent1"/>
+          </a:fillRef>
+          <a:effectRef idx="2">
+            <a:schemeClr val="accent1"/>
+          </a:effectRef>
+          <a:fontRef idx="minor">
+            <a:schemeClr val="lt1"/>
+          </a:fontRef>
+        </p:style>
+        <p:txBody>
+          <a:bodyPr rtlCol="0" anchor="ctr"/>
+          <a:lstStyle/>
+          <a:p>
+            <a:pPr algn="ctr"/>
+            <a:endParaRPr lang="en-US">
+              <a:solidFill>
+                <a:schemeClr val="tx1"/>
+              </a:solidFill>
+            </a:endParaRPr>
+          </a:p>
+        </p:txBody>
+      </p:sp>
+      <p:pic>
+        <p:nvPicPr>
+          <p:cNvPr id="5" name="Picture 4" descr="plot2.pdf"/>
+          <p:cNvPicPr>
+            <a:picLocks noChangeAspect="1"/>
+          </p:cNvPicPr>
+          <p:nvPr/>
+        </p:nvPicPr>
+        <p:blipFill>
+          <a:blip r:embed="rId3">
+            <a:extLst>
+              <a:ext uri="{28A0092B-C50C-407E-A947-70E740481C1C}">
+                <a14:useLocalDpi xmlns:a14="http://schemas.microsoft.com/office/drawing/2010/main" val="0"/>
+              </a:ext>
+            </a:extLst>
+          </a:blip>
+          <a:stretch>
+            <a:fillRect/>
+          </a:stretch>
+        </p:blipFill>
+        <p:spPr>
+          <a:xfrm>
+            <a:off x="991205" y="2582333"/>
+            <a:ext cx="6096604" cy="4064402"/>
+          </a:xfrm>
+          <a:prstGeom prst="rect">
+            <a:avLst/>
+          </a:prstGeom>
+        </p:spPr>
+      </p:pic>
+      <p:cxnSp>
+        <p:nvCxnSpPr>
+          <p:cNvPr id="12" name="Straight Connector 11"/>
+          <p:cNvCxnSpPr/>
+          <p:nvPr/>
+        </p:nvCxnSpPr>
+        <p:spPr>
+          <a:xfrm flipV="1">
+            <a:off x="1578429" y="3289905"/>
+            <a:ext cx="5388428" cy="2146906"/>
+          </a:xfrm>
+          <a:prstGeom prst="line">
+            <a:avLst/>
+          </a:prstGeom>
+          <a:ln w="38100" cmpd="sng">
+            <a:solidFill>
+              <a:srgbClr val="0000FF"/>
+            </a:solidFill>
+          </a:ln>
+        </p:spPr>
+        <p:style>
+          <a:lnRef idx="2">
+            <a:schemeClr val="accent1"/>
+          </a:lnRef>
+          <a:fillRef idx="0">
+            <a:schemeClr val="accent1"/>
+          </a:fillRef>
+          <a:effectRef idx="1">
+            <a:schemeClr val="accent1"/>
+          </a:effectRef>
+          <a:fontRef idx="minor">
+            <a:schemeClr val="tx1"/>
+          </a:fontRef>
+        </p:style>
+      </p:cxnSp>
+      <p:sp>
+        <p:nvSpPr>
+          <p:cNvPr id="10" name="TextBox 9"/>
+          <p:cNvSpPr txBox="1"/>
+          <p:nvPr/>
+        </p:nvSpPr>
+        <p:spPr>
+          <a:xfrm>
+            <a:off x="5854095" y="4578047"/>
+            <a:ext cx="2744900" cy="369332"/>
+          </a:xfrm>
+          <a:prstGeom prst="rect">
+            <a:avLst/>
+          </a:prstGeom>
+          <a:noFill/>
+        </p:spPr>
+        <p:txBody>
+          <a:bodyPr wrap="none" rtlCol="0">
+            <a:spAutoFit/>
+          </a:bodyPr>
+          <a:lstStyle/>
+          <a:p>
+            <a:r>
+              <a:rPr lang="en-US" b="1" dirty="0">
+                <a:solidFill>
+                  <a:srgbClr val="FF0000"/>
+                </a:solidFill>
+              </a:rPr>
+              <a:t>p</a:t>
+            </a:r>
+            <a:r>
+              <a:rPr lang="en-US" b="1" dirty="0" smtClean="0">
+                <a:solidFill>
+                  <a:srgbClr val="FF0000"/>
+                </a:solidFill>
+              </a:rPr>
+              <a:t> = 0.0000000097 (yay!)</a:t>
+            </a:r>
+            <a:endParaRPr lang="en-US" b="1" dirty="0">
+              <a:solidFill>
+                <a:srgbClr val="FF0000"/>
+              </a:solidFill>
+            </a:endParaRPr>
+          </a:p>
+        </p:txBody>
+      </p:sp>
+    </p:spTree>
+    <p:extLst>
+      <p:ext uri="{BB962C8B-B14F-4D97-AF65-F5344CB8AC3E}">
+        <p14:creationId xmlns:p14="http://schemas.microsoft.com/office/powerpoint/2010/main" val="3544281867"/>
+      </p:ext>
+    </p:extLst>
+  </p:cSld>
+  <p:clrMapOvr>
+    <a:masterClrMapping/>
+  </p:clrMapOvr>
+  <p:timing>
+    <p:tnLst>
+      <p:par>
+        <p:cTn xmlns:p14="http://schemas.microsoft.com/office/powerpoint/2010/main" id="1" dur="indefinite" restart="never" nodeType="tmRoot">
+          <p:childTnLst>
+            <p:seq concurrent="1" nextAc="seek">
+              <p:cTn id="2" dur="indefinite" nodeType="mainSeq">
+                <p:childTnLst>
+                  <p:par>
+                    <p:cTn id="3" fill="hold">
+                      <p:stCondLst>
+                        <p:cond delay="indefinite"/>
+                      </p:stCondLst>
+                      <p:childTnLst>
+                        <p:par>
+                          <p:cTn id="4" fill="hold">
+                            <p:stCondLst>
+                              <p:cond delay="0"/>
+                            </p:stCondLst>
+                            <p:childTnLst>
+                              <p:par>
+                                <p:cTn id="5" presetID="1" presetClass="entr" presetSubtype="0" fill="hold" grpId="0" nodeType="clickEffect">
+                                  <p:stCondLst>
+                                    <p:cond delay="0"/>
+                                  </p:stCondLst>
+                                  <p:childTnLst>
+                                    <p:set>
+                                      <p:cBhvr>
+                                        <p:cTn id="6" dur="1" fill="hold">
+                                          <p:stCondLst>
+                                            <p:cond delay="0"/>
+                                          </p:stCondLst>
+                                        </p:cTn>
+                                        <p:tgtEl>
+                                          <p:spTgt spid="16"/>
+                                        </p:tgtEl>
+                                        <p:attrNameLst>
+                                          <p:attrName>style.visibility</p:attrName>
+                                        </p:attrNameLst>
+                                      </p:cBhvr>
+                                      <p:to>
+                                        <p:strVal val="visible"/>
+                                      </p:to>
+                                    </p:set>
+                                  </p:childTnLst>
+                                </p:cTn>
+                              </p:par>
+                            </p:childTnLst>
+                          </p:cTn>
+                        </p:par>
+                      </p:childTnLst>
+                    </p:cTn>
+                  </p:par>
+                  <p:par>
+                    <p:cTn id="7" fill="hold">
+                      <p:stCondLst>
+                        <p:cond delay="indefinite"/>
+                      </p:stCondLst>
+                      <p:childTnLst>
+                        <p:par>
+                          <p:cTn id="8" fill="hold">
+                            <p:stCondLst>
+                              <p:cond delay="0"/>
+                            </p:stCondLst>
+                            <p:childTnLst>
+                              <p:par>
+                                <p:cTn id="9" presetID="1" presetClass="entr" presetSubtype="0" fill="hold" nodeType="clickEffect">
+                                  <p:stCondLst>
+                                    <p:cond delay="0"/>
+                                  </p:stCondLst>
+                                  <p:childTnLst>
+                                    <p:set>
+                                      <p:cBhvr>
+                                        <p:cTn id="10" dur="1" fill="hold">
+                                          <p:stCondLst>
+                                            <p:cond delay="0"/>
+                                          </p:stCondLst>
+                                        </p:cTn>
+                                        <p:tgtEl>
+                                          <p:spTgt spid="12"/>
+                                        </p:tgtEl>
+                                        <p:attrNameLst>
+                                          <p:attrName>style.visibility</p:attrName>
+                                        </p:attrNameLst>
+                                      </p:cBhvr>
+                                      <p:to>
+                                        <p:strVal val="visible"/>
+                                      </p:to>
+                                    </p:set>
+                                  </p:childTnLst>
+                                </p:cTn>
+                              </p:par>
+                            </p:childTnLst>
+                          </p:cTn>
+                        </p:par>
+                      </p:childTnLst>
+                    </p:cTn>
+                  </p:par>
+                  <p:par>
+                    <p:cTn id="11" fill="hold">
+                      <p:stCondLst>
+                        <p:cond delay="indefinite"/>
+                      </p:stCondLst>
+                      <p:childTnLst>
+                        <p:par>
+                          <p:cTn id="12" fill="hold">
+                            <p:stCondLst>
+                              <p:cond delay="0"/>
+                            </p:stCondLst>
+                            <p:childTnLst>
+                              <p:par>
+                                <p:cTn id="13" presetID="1" presetClass="entr" presetSubtype="0" fill="hold" grpId="0" nodeType="clickEffect">
+                                  <p:stCondLst>
+                                    <p:cond delay="0"/>
+                                  </p:stCondLst>
+                                  <p:childTnLst>
+                                    <p:set>
+                                      <p:cBhvr>
+                                        <p:cTn id="14" dur="1" fill="hold">
+                                          <p:stCondLst>
+                                            <p:cond delay="0"/>
+                                          </p:stCondLst>
+                                        </p:cTn>
+                                        <p:tgtEl>
+                                          <p:spTgt spid="10"/>
+                                        </p:tgtEl>
+                                        <p:attrNameLst>
+                                          <p:attrName>style.visibility</p:attrName>
+                                        </p:attrNameLst>
+                                      </p:cBhvr>
+                                      <p:to>
+                                        <p:strVal val="visible"/>
+                                      </p:to>
+                                    </p:set>
+                                  </p:childTnLst>
+                                </p:cTn>
+                              </p:par>
+                              <p:par>
+                                <p:cTn id="15" presetID="1" presetClass="entr" presetSubtype="0" fill="hold" nodeType="withEffect">
+                                  <p:stCondLst>
+                                    <p:cond delay="0"/>
+                                  </p:stCondLst>
+                                  <p:childTnLst>
+                                    <p:set>
+                                      <p:cBhvr>
+                                        <p:cTn id="16" dur="1" fill="hold">
+                                          <p:stCondLst>
+                                            <p:cond delay="0"/>
+                                          </p:stCondLst>
+                                        </p:cTn>
+                                        <p:tgtEl>
+                                          <p:spTgt spid="12"/>
+                                        </p:tgtEl>
+                                        <p:attrNameLst>
+                                          <p:attrName>style.visibility</p:attrName>
+                                        </p:attrNameLst>
+                                      </p:cBhvr>
+                                      <p:to>
+                                        <p:strVal val="visible"/>
+                                      </p:to>
+                                    </p:set>
+                                  </p:childTnLst>
+                                </p:cTn>
+                              </p:par>
+                            </p:childTnLst>
+                          </p:cTn>
+                        </p:par>
+                      </p:childTnLst>
+                    </p:cTn>
+                  </p:par>
+                </p:childTnLst>
+              </p:cTn>
+              <p:prevCondLst>
+                <p:cond evt="onPrev" delay="0">
+                  <p:tgtEl>
+                    <p:sldTgt/>
+                  </p:tgtEl>
+                </p:cond>
+              </p:prevCondLst>
+              <p:nextCondLst>
+                <p:cond evt="onNext" delay="0">
+                  <p:tgtEl>
+                    <p:sldTgt/>
+                  </p:tgtEl>
+                </p:cond>
+              </p:nextCondLst>
+            </p:seq>
+          </p:childTnLst>
+        </p:cTn>
+      </p:par>
+    </p:tnLst>
+    <p:bldLst>
+      <p:bldP spid="16" grpId="0" animBg="1"/>
+      <p:bldP spid="10" grpId="0"/>
+    </p:bldLst>
+  </p:timing>
+</p:sld>
+</file>
+
+<file path=ppt/slides/slide8.xml><?xml version="1.0" encoding="utf-8"?>
+<p:sld xmlns:a="http://schemas.openxmlformats.org/drawingml/2006/main" xmlns:r="http://schemas.openxmlformats.org/officeDocument/2006/relationships" xmlns:p="http://schemas.openxmlformats.org/presentationml/2006/main">
+  <p:cSld>
+    <p:spTree>
+      <p:nvGrpSpPr>
+        <p:cNvPr id="1" name=""/>
+        <p:cNvGrpSpPr/>
+        <p:nvPr/>
+      </p:nvGrpSpPr>
+      <p:grpSpPr>
+        <a:xfrm>
+          <a:off x="0" y="0"/>
+          <a:ext cx="0" cy="0"/>
+          <a:chOff x="0" y="0"/>
+          <a:chExt cx="0" cy="0"/>
+        </a:xfrm>
+      </p:grpSpPr>
+      <p:sp>
+        <p:nvSpPr>
+          <p:cNvPr id="2" name="Title 1"/>
+          <p:cNvSpPr>
+            <a:spLocks noGrp="1"/>
+          </p:cNvSpPr>
+          <p:nvPr>
+            <p:ph type="title"/>
+          </p:nvPr>
+        </p:nvSpPr>
+        <p:spPr/>
+        <p:txBody>
+          <a:bodyPr>
+            <a:normAutofit/>
+          </a:bodyPr>
+          <a:lstStyle/>
+          <a:p>
+            <a:r>
+              <a:rPr lang="en-US" dirty="0" smtClean="0"/>
+              <a:t>Pros and cons of p-values </a:t>
+            </a:r>
+            <a:r>
+              <a:rPr lang="en-US" dirty="0" smtClean="0"/>
+              <a:t>for GWAS</a:t>
+            </a:r>
+            <a:endParaRPr lang="en-US" dirty="0"/>
+          </a:p>
+        </p:txBody>
+      </p:sp>
+      <p:sp>
+        <p:nvSpPr>
+          <p:cNvPr id="3" name="Content Placeholder 2"/>
+          <p:cNvSpPr>
+            <a:spLocks noGrp="1"/>
+          </p:cNvSpPr>
+          <p:nvPr>
+            <p:ph idx="1"/>
+          </p:nvPr>
+        </p:nvSpPr>
+        <p:spPr>
+          <a:xfrm>
+            <a:off x="457200" y="1600200"/>
+            <a:ext cx="8229600" cy="4237951"/>
+          </a:xfrm>
+        </p:spPr>
+        <p:txBody>
+          <a:bodyPr>
+            <a:normAutofit/>
+          </a:bodyPr>
+          <a:lstStyle/>
+          <a:p>
+            <a:r>
+              <a:rPr lang="en-US" dirty="0" smtClean="0"/>
+              <a:t>Pros </a:t>
+            </a:r>
+          </a:p>
+          <a:p>
+            <a:pPr lvl="1"/>
+            <a:r>
+              <a:rPr lang="en-US" dirty="0" smtClean="0"/>
+              <a:t>Simple to compute (fitting least squares is easy)</a:t>
+            </a:r>
+          </a:p>
+          <a:p>
+            <a:pPr lvl="1"/>
+            <a:r>
+              <a:rPr lang="en-US" dirty="0" smtClean="0"/>
+              <a:t>Easy to interpret (low p value = good)</a:t>
+            </a:r>
+          </a:p>
+          <a:p>
+            <a:pPr lvl="1"/>
+            <a:r>
+              <a:rPr lang="en-US" dirty="0" smtClean="0"/>
+              <a:t>Low computational complexity (1 pass for each SNP)</a:t>
+            </a:r>
+          </a:p>
+          <a:p>
+            <a:pPr lvl="1"/>
+            <a:r>
+              <a:rPr lang="en-US" dirty="0" smtClean="0"/>
+              <a:t>Low memory requirement (since only genotype vectors can be loaded one by one)</a:t>
+            </a:r>
+          </a:p>
+          <a:p>
+            <a:pPr marL="0" indent="0">
+              <a:buNone/>
+            </a:pPr>
+            <a:endParaRPr lang="en-US" dirty="0" smtClean="0"/>
+          </a:p>
+          <a:p>
+            <a:r>
+              <a:rPr lang="en-US" dirty="0" smtClean="0"/>
+              <a:t>Cons: </a:t>
+            </a:r>
+          </a:p>
+          <a:p>
+            <a:pPr lvl="1"/>
+            <a:r>
+              <a:rPr lang="en-US" dirty="0" smtClean="0"/>
+              <a:t>Assumes all covariates have </a:t>
+            </a:r>
+            <a:r>
+              <a:rPr lang="en-US" b="1" dirty="0" smtClean="0"/>
+              <a:t>independent </a:t>
+            </a:r>
+            <a:r>
+              <a:rPr lang="en-US" b="1" dirty="0" smtClean="0"/>
+              <a:t>effects. </a:t>
+            </a:r>
+            <a:r>
+              <a:rPr lang="en-US" b="1" dirty="0" smtClean="0">
+                <a:solidFill>
+                  <a:srgbClr val="FF0000"/>
+                </a:solidFill>
+              </a:rPr>
+              <a:t>Thus does not </a:t>
+            </a:r>
+            <a:r>
+              <a:rPr lang="en-US" b="1" dirty="0" smtClean="0">
+                <a:solidFill>
+                  <a:srgbClr val="FF0000"/>
+                </a:solidFill>
+              </a:rPr>
+              <a:t>c</a:t>
+            </a:r>
+            <a:r>
+              <a:rPr lang="en-US" b="1" dirty="0" smtClean="0">
+                <a:solidFill>
+                  <a:srgbClr val="FF0000"/>
+                </a:solidFill>
+              </a:rPr>
+              <a:t>ontrol for confounders.</a:t>
+            </a:r>
+            <a:endParaRPr lang="en-US" b="1" dirty="0" smtClean="0">
+              <a:solidFill>
+                <a:srgbClr val="FF0000"/>
+              </a:solidFill>
+            </a:endParaRPr>
+          </a:p>
+        </p:txBody>
+      </p:sp>
+    </p:spTree>
+    <p:extLst>
+      <p:ext uri="{BB962C8B-B14F-4D97-AF65-F5344CB8AC3E}">
+        <p14:creationId xmlns:p14="http://schemas.microsoft.com/office/powerpoint/2010/main" val="1051982063"/>
+      </p:ext>
+    </p:extLst>
+  </p:cSld>
+  <p:clrMapOvr>
+    <a:masterClrMapping/>
+  </p:clrMapOvr>
+  <p:timing>
+    <p:tnLst>
+      <p:par>
+        <p:cTn xmlns:p14="http://schemas.microsoft.com/office/powerpoint/2010/main" id="1" dur="indefinite" restart="never" nodeType="tmRoot"/>
+      </p:par>
+    </p:tnLst>
+  </p:timing>
+</p:sld>
+</file>
+
+<file path=ppt/slides/slide9.xml><?xml version="1.0" encoding="utf-8"?>
+<p:sld xmlns:a="http://schemas.openxmlformats.org/drawingml/2006/main" xmlns:r="http://schemas.openxmlformats.org/officeDocument/2006/relationships" xmlns:p="http://schemas.openxmlformats.org/presentationml/2006/main">
+  <p:cSld>
+    <p:spTree>
+      <p:nvGrpSpPr>
+        <p:cNvPr id="1" name=""/>
+        <p:cNvGrpSpPr/>
+        <p:nvPr/>
+      </p:nvGrpSpPr>
+      <p:grpSpPr>
+        <a:xfrm>
+          <a:off x="0" y="0"/>
+          <a:ext cx="0" cy="0"/>
+          <a:chOff x="0" y="0"/>
+          <a:chExt cx="0" cy="0"/>
+        </a:xfrm>
+      </p:grpSpPr>
+      <p:sp>
+        <p:nvSpPr>
+          <p:cNvPr id="2" name="Title 1"/>
+          <p:cNvSpPr>
+            <a:spLocks noGrp="1"/>
+          </p:cNvSpPr>
+          <p:nvPr>
+            <p:ph type="title"/>
+          </p:nvPr>
+        </p:nvSpPr>
+        <p:spPr/>
+        <p:txBody>
+          <a:bodyPr>
+            <a:normAutofit fontScale="90000"/>
+          </a:bodyPr>
+          <a:lstStyle/>
+          <a:p>
+            <a:r>
+              <a:rPr lang="en-US" dirty="0" smtClean="0"/>
+              <a:t>What if you don’t control for confounders?</a:t>
+            </a:r>
+            <a:endParaRPr lang="en-US" dirty="0"/>
+          </a:p>
+        </p:txBody>
+      </p:sp>
+      <p:pic>
+        <p:nvPicPr>
+          <p:cNvPr id="4" name="Picture 3"/>
+          <p:cNvPicPr>
+            <a:picLocks noChangeAspect="1"/>
+          </p:cNvPicPr>
+          <p:nvPr/>
+        </p:nvPicPr>
+        <p:blipFill>
+          <a:blip r:embed="rId2"/>
+          <a:stretch>
+            <a:fillRect/>
+          </a:stretch>
+        </p:blipFill>
+        <p:spPr>
+          <a:xfrm>
+            <a:off x="1270064" y="1781595"/>
+            <a:ext cx="6516001" cy="4654287"/>
+          </a:xfrm>
+          <a:prstGeom prst="rect">
+            <a:avLst/>
+          </a:prstGeom>
+        </p:spPr>
+      </p:pic>
+      <p:sp>
+        <p:nvSpPr>
+          <p:cNvPr id="6" name="Rectangle 5"/>
+          <p:cNvSpPr/>
+          <p:nvPr/>
+        </p:nvSpPr>
+        <p:spPr>
+          <a:xfrm>
+            <a:off x="0" y="6592076"/>
+            <a:ext cx="8104650" cy="276999"/>
+          </a:xfrm>
+          <a:prstGeom prst="rect">
+            <a:avLst/>
+          </a:prstGeom>
+        </p:spPr>
+        <p:txBody>
+          <a:bodyPr wrap="square">
+            <a:spAutoFit/>
+          </a:bodyPr>
+          <a:lstStyle/>
+          <a:p>
+            <a:r>
+              <a:rPr lang="en-US" sz="1200" dirty="0" smtClean="0"/>
+              <a:t>Figure: https</a:t>
+            </a:r>
+            <a:r>
+              <a:rPr lang="en-US" sz="1200" dirty="0"/>
+              <a:t>://</a:t>
+            </a:r>
+            <a:r>
+              <a:rPr lang="en-US" sz="1200" dirty="0" err="1"/>
+              <a:t>www.r-bloggers.com</a:t>
+            </a:r>
+            <a:r>
+              <a:rPr lang="en-US" sz="1200" dirty="0"/>
+              <a:t>/confounders-and-colliders-modeling-spurious-correlations-in-r/</a:t>
+            </a:r>
+          </a:p>
+        </p:txBody>
+      </p:sp>
+    </p:spTree>
+    <p:extLst>
+      <p:ext uri="{BB962C8B-B14F-4D97-AF65-F5344CB8AC3E}">
+        <p14:creationId xmlns:p14="http://schemas.microsoft.com/office/powerpoint/2010/main" val="1455177262"/>
       </p:ext>
     </p:extLst>
   </p:cSld>
@@ -5041,4 +8962,324 @@
   <a:objectDefaults/>
   <a:extraClrSchemeLst/>
 </a:theme>
+</file>
+
+<file path=ppt/theme/theme2.xml><?xml version="1.0" encoding="utf-8"?>
+<a:theme xmlns:a="http://schemas.openxmlformats.org/drawingml/2006/main" name="Office Theme">
+  <a:themeElements>
+    <a:clrScheme name="Office">
+      <a:dk1>
+        <a:sysClr val="windowText" lastClr="000000"/>
+      </a:dk1>
+      <a:lt1>
+        <a:sysClr val="window" lastClr="FFFFFF"/>
+      </a:lt1>
+      <a:dk2>
+        <a:srgbClr val="1F497D"/>
+      </a:dk2>
+      <a:lt2>
+        <a:srgbClr val="EEECE1"/>
+      </a:lt2>
+      <a:accent1>
+        <a:srgbClr val="4F81BD"/>
+      </a:accent1>
+      <a:accent2>
+        <a:srgbClr val="C0504D"/>
+      </a:accent2>
+      <a:accent3>
+        <a:srgbClr val="9BBB59"/>
+      </a:accent3>
+      <a:accent4>
+        <a:srgbClr val="8064A2"/>
+      </a:accent4>
+      <a:accent5>
+        <a:srgbClr val="4BACC6"/>
+      </a:accent5>
+      <a:accent6>
+        <a:srgbClr val="F79646"/>
+      </a:accent6>
+      <a:hlink>
+        <a:srgbClr val="0000FF"/>
+      </a:hlink>
+      <a:folHlink>
+        <a:srgbClr val="800080"/>
+      </a:folHlink>
+    </a:clrScheme>
+    <a:fontScheme name="Office">
+      <a:majorFont>
+        <a:latin typeface="Calibri"/>
+        <a:ea typeface=""/>
+        <a:cs typeface=""/>
+        <a:font script="Jpan" typeface="ＭＳ Ｐゴシック"/>
+        <a:font script="Hang" typeface="맑은 고딕"/>
+        <a:font script="Hans" typeface="宋体"/>
+        <a:font script="Hant" typeface="新細明體"/>
+        <a:font script="Arab" typeface="Times New Roman"/>
+        <a:font script="Hebr" typeface="Times New Roman"/>
+        <a:font script="Thai" typeface="Angsana New"/>
+        <a:font script="Ethi" typeface="Nyala"/>
+        <a:font script="Beng" typeface="Vrinda"/>
+        <a:font script="Gujr" typeface="Shruti"/>
+        <a:font script="Khmr" typeface="MoolBoran"/>
+        <a:font script="Knda" typeface="Tunga"/>
+        <a:font script="Guru" typeface="Raavi"/>
+        <a:font script="Cans" typeface="Euphemia"/>
+        <a:font script="Cher" typeface="Plantagenet Cherokee"/>
+        <a:font script="Yiii" typeface="Microsoft Yi Baiti"/>
+        <a:font script="Tibt" typeface="Microsoft Himalaya"/>
+        <a:font script="Thaa" typeface="MV Boli"/>
+        <a:font script="Deva" typeface="Mangal"/>
+        <a:font script="Telu" typeface="Gautami"/>
+        <a:font script="Taml" typeface="Latha"/>
+        <a:font script="Syrc" typeface="Estrangelo Edessa"/>
+        <a:font script="Orya" typeface="Kalinga"/>
+        <a:font script="Mlym" typeface="Kartika"/>
+        <a:font script="Laoo" typeface="DokChampa"/>
+        <a:font script="Sinh" typeface="Iskoola Pota"/>
+        <a:font script="Mong" typeface="Mongolian Baiti"/>
+        <a:font script="Viet" typeface="Times New Roman"/>
+        <a:font script="Uigh" typeface="Microsoft Uighur"/>
+        <a:font script="Geor" typeface="Sylfaen"/>
+      </a:majorFont>
+      <a:minorFont>
+        <a:latin typeface="Calibri"/>
+        <a:ea typeface=""/>
+        <a:cs typeface=""/>
+        <a:font script="Jpan" typeface="ＭＳ Ｐゴシック"/>
+        <a:font script="Hang" typeface="맑은 고딕"/>
+        <a:font script="Hans" typeface="宋体"/>
+        <a:font script="Hant" typeface="新細明體"/>
+        <a:font script="Arab" typeface="Arial"/>
+        <a:font script="Hebr" typeface="Arial"/>
+        <a:font script="Thai" typeface="Cordia New"/>
+        <a:font script="Ethi" typeface="Nyala"/>
+        <a:font script="Beng" typeface="Vrinda"/>
+        <a:font script="Gujr" typeface="Shruti"/>
+        <a:font script="Khmr" typeface="DaunPenh"/>
+        <a:font script="Knda" typeface="Tunga"/>
+        <a:font script="Guru" typeface="Raavi"/>
+        <a:font script="Cans" typeface="Euphemia"/>
+        <a:font script="Cher" typeface="Plantagenet Cherokee"/>
+        <a:font script="Yiii" typeface="Microsoft Yi Baiti"/>
+        <a:font script="Tibt" typeface="Microsoft Himalaya"/>
+        <a:font script="Thaa" typeface="MV Boli"/>
+        <a:font script="Deva" typeface="Mangal"/>
+        <a:font script="Telu" typeface="Gautami"/>
+        <a:font script="Taml" typeface="Latha"/>
+        <a:font script="Syrc" typeface="Estrangelo Edessa"/>
+        <a:font script="Orya" typeface="Kalinga"/>
+        <a:font script="Mlym" typeface="Kartika"/>
+        <a:font script="Laoo" typeface="DokChampa"/>
+        <a:font script="Sinh" typeface="Iskoola Pota"/>
+        <a:font script="Mong" typeface="Mongolian Baiti"/>
+        <a:font script="Viet" typeface="Arial"/>
+        <a:font script="Uigh" typeface="Microsoft Uighur"/>
+        <a:font script="Geor" typeface="Sylfaen"/>
+      </a:minorFont>
+    </a:fontScheme>
+    <a:fmtScheme name="Office">
+      <a:fillStyleLst>
+        <a:solidFill>
+          <a:schemeClr val="phClr"/>
+        </a:solidFill>
+        <a:gradFill rotWithShape="1">
+          <a:gsLst>
+            <a:gs pos="0">
+              <a:schemeClr val="phClr">
+                <a:tint val="50000"/>
+                <a:satMod val="300000"/>
+              </a:schemeClr>
+            </a:gs>
+            <a:gs pos="35000">
+              <a:schemeClr val="phClr">
+                <a:tint val="37000"/>
+                <a:satMod val="300000"/>
+              </a:schemeClr>
+            </a:gs>
+            <a:gs pos="100000">
+              <a:schemeClr val="phClr">
+                <a:tint val="15000"/>
+                <a:satMod val="350000"/>
+              </a:schemeClr>
+            </a:gs>
+          </a:gsLst>
+          <a:lin ang="16200000" scaled="1"/>
+        </a:gradFill>
+        <a:gradFill rotWithShape="1">
+          <a:gsLst>
+            <a:gs pos="0">
+              <a:schemeClr val="phClr">
+                <a:tint val="100000"/>
+                <a:shade val="100000"/>
+                <a:satMod val="130000"/>
+              </a:schemeClr>
+            </a:gs>
+            <a:gs pos="100000">
+              <a:schemeClr val="phClr">
+                <a:tint val="50000"/>
+                <a:shade val="100000"/>
+                <a:satMod val="350000"/>
+              </a:schemeClr>
+            </a:gs>
+          </a:gsLst>
+          <a:lin ang="16200000" scaled="0"/>
+        </a:gradFill>
+      </a:fillStyleLst>
+      <a:lnStyleLst>
+        <a:ln w="9525" cap="flat" cmpd="sng" algn="ctr">
+          <a:solidFill>
+            <a:schemeClr val="phClr">
+              <a:shade val="95000"/>
+              <a:satMod val="105000"/>
+            </a:schemeClr>
+          </a:solidFill>
+          <a:prstDash val="solid"/>
+        </a:ln>
+        <a:ln w="25400" cap="flat" cmpd="sng" algn="ctr">
+          <a:solidFill>
+            <a:schemeClr val="phClr"/>
+          </a:solidFill>
+          <a:prstDash val="solid"/>
+        </a:ln>
+        <a:ln w="38100" cap="flat" cmpd="sng" algn="ctr">
+          <a:solidFill>
+            <a:schemeClr val="phClr"/>
+          </a:solidFill>
+          <a:prstDash val="solid"/>
+        </a:ln>
+      </a:lnStyleLst>
+      <a:effectStyleLst>
+        <a:effectStyle>
+          <a:effectLst>
+            <a:outerShdw blurRad="40000" dist="20000" dir="5400000" rotWithShape="0">
+              <a:srgbClr val="000000">
+                <a:alpha val="38000"/>
+              </a:srgbClr>
+            </a:outerShdw>
+          </a:effectLst>
+        </a:effectStyle>
+        <a:effectStyle>
+          <a:effectLst>
+            <a:outerShdw blurRad="40000" dist="23000" dir="5400000" rotWithShape="0">
+              <a:srgbClr val="000000">
+                <a:alpha val="35000"/>
+              </a:srgbClr>
+            </a:outerShdw>
+          </a:effectLst>
+        </a:effectStyle>
+        <a:effectStyle>
+          <a:effectLst>
+            <a:outerShdw blurRad="40000" dist="23000" dir="5400000" rotWithShape="0">
+              <a:srgbClr val="000000">
+                <a:alpha val="35000"/>
+              </a:srgbClr>
+            </a:outerShdw>
+          </a:effectLst>
+          <a:scene3d>
+            <a:camera prst="orthographicFront">
+              <a:rot lat="0" lon="0" rev="0"/>
+            </a:camera>
+            <a:lightRig rig="threePt" dir="t">
+              <a:rot lat="0" lon="0" rev="1200000"/>
+            </a:lightRig>
+          </a:scene3d>
+          <a:sp3d>
+            <a:bevelT w="63500" h="25400"/>
+          </a:sp3d>
+        </a:effectStyle>
+      </a:effectStyleLst>
+      <a:bgFillStyleLst>
+        <a:solidFill>
+          <a:schemeClr val="phClr"/>
+        </a:solidFill>
+        <a:gradFill rotWithShape="1">
+          <a:gsLst>
+            <a:gs pos="0">
+              <a:schemeClr val="phClr">
+                <a:tint val="40000"/>
+                <a:satMod val="350000"/>
+              </a:schemeClr>
+            </a:gs>
+            <a:gs pos="40000">
+              <a:schemeClr val="phClr">
+                <a:tint val="45000"/>
+                <a:shade val="99000"/>
+                <a:satMod val="350000"/>
+              </a:schemeClr>
+            </a:gs>
+            <a:gs pos="100000">
+              <a:schemeClr val="phClr">
+                <a:shade val="20000"/>
+                <a:satMod val="255000"/>
+              </a:schemeClr>
+            </a:gs>
+          </a:gsLst>
+          <a:path path="circle">
+            <a:fillToRect l="50000" t="-80000" r="50000" b="180000"/>
+          </a:path>
+        </a:gradFill>
+        <a:gradFill rotWithShape="1">
+          <a:gsLst>
+            <a:gs pos="0">
+              <a:schemeClr val="phClr">
+                <a:tint val="80000"/>
+                <a:satMod val="300000"/>
+              </a:schemeClr>
+            </a:gs>
+            <a:gs pos="100000">
+              <a:schemeClr val="phClr">
+                <a:shade val="30000"/>
+                <a:satMod val="200000"/>
+              </a:schemeClr>
+            </a:gs>
+          </a:gsLst>
+          <a:path path="circle">
+            <a:fillToRect l="50000" t="50000" r="50000" b="50000"/>
+          </a:path>
+        </a:gradFill>
+      </a:bgFillStyleLst>
+    </a:fmtScheme>
+  </a:themeElements>
+  <a:objectDefaults>
+    <a:spDef>
+      <a:spPr/>
+      <a:bodyPr/>
+      <a:lstStyle/>
+      <a:style>
+        <a:lnRef idx="1">
+          <a:schemeClr val="accent1"/>
+        </a:lnRef>
+        <a:fillRef idx="3">
+          <a:schemeClr val="accent1"/>
+        </a:fillRef>
+        <a:effectRef idx="2">
+          <a:schemeClr val="accent1"/>
+        </a:effectRef>
+        <a:fontRef idx="minor">
+          <a:schemeClr val="lt1"/>
+        </a:fontRef>
+      </a:style>
+    </a:spDef>
+    <a:lnDef>
+      <a:spPr/>
+      <a:bodyPr/>
+      <a:lstStyle/>
+      <a:style>
+        <a:lnRef idx="2">
+          <a:schemeClr val="accent1"/>
+        </a:lnRef>
+        <a:fillRef idx="0">
+          <a:schemeClr val="accent1"/>
+        </a:fillRef>
+        <a:effectRef idx="1">
+          <a:schemeClr val="accent1"/>
+        </a:effectRef>
+        <a:fontRef idx="minor">
+          <a:schemeClr val="tx1"/>
+        </a:fontRef>
+      </a:style>
+    </a:lnDef>
+  </a:objectDefaults>
+  <a:extraClrSchemeLst/>
+</a:theme>
 </file>
--- a/QCBio luncheon 2020/Presentation1.pptx
+++ b/QCBio luncheon 2020/Presentation1.pptx
@@ -5,7 +5,7 @@
     <p:sldMasterId id="2147483730" r:id="rId1"/>
   </p:sldMasterIdLst>
   <p:notesMasterIdLst>
-    <p:notesMasterId r:id="rId14"/>
+    <p:notesMasterId r:id="rId19"/>
   </p:notesMasterIdLst>
   <p:sldIdLst>
     <p:sldId id="256" r:id="rId2"/>
@@ -19,7 +19,12 @@
     <p:sldId id="269" r:id="rId10"/>
     <p:sldId id="268" r:id="rId11"/>
     <p:sldId id="270" r:id="rId12"/>
-    <p:sldId id="271" r:id="rId13"/>
+    <p:sldId id="272" r:id="rId13"/>
+    <p:sldId id="271" r:id="rId14"/>
+    <p:sldId id="274" r:id="rId15"/>
+    <p:sldId id="273" r:id="rId16"/>
+    <p:sldId id="275" r:id="rId17"/>
+    <p:sldId id="276" r:id="rId18"/>
   </p:sldIdLst>
   <p:sldSz cx="9144000" cy="6858000" type="screen4x3"/>
   <p:notesSz cx="6858000" cy="9144000"/>
@@ -203,7 +208,7 @@
           <a:p>
             <a:fld id="{C0637069-2E57-EC48-AEE9-D9084A574C9B}" type="datetimeFigureOut">
               <a:rPr lang="en-US" smtClean="0"/>
-              <a:t>20/1/28</a:t>
+              <a:t>20/1/29</a:t>
             </a:fld>
             <a:endParaRPr lang="en-US"/>
           </a:p>
@@ -787,7 +792,7 @@
           <a:p>
             <a:fld id="{51A6E329-1FAF-DA41-AFB6-CE80DCBD6FF0}" type="datetimeFigureOut">
               <a:rPr lang="en-US" smtClean="0"/>
-              <a:t>20/1/28</a:t>
+              <a:t>20/1/29</a:t>
             </a:fld>
             <a:endParaRPr lang="en-US"/>
           </a:p>
@@ -988,7 +993,7 @@
           <a:p>
             <a:fld id="{51A6E329-1FAF-DA41-AFB6-CE80DCBD6FF0}" type="datetimeFigureOut">
               <a:rPr lang="en-US" smtClean="0"/>
-              <a:t>20/1/28</a:t>
+              <a:t>20/1/29</a:t>
             </a:fld>
             <a:endParaRPr lang="en-US"/>
           </a:p>
@@ -1163,7 +1168,7 @@
           <a:p>
             <a:fld id="{51A6E329-1FAF-DA41-AFB6-CE80DCBD6FF0}" type="datetimeFigureOut">
               <a:rPr lang="en-US" smtClean="0"/>
-              <a:t>20/1/28</a:t>
+              <a:t>20/1/29</a:t>
             </a:fld>
             <a:endParaRPr lang="en-US"/>
           </a:p>
@@ -1328,7 +1333,7 @@
           <a:p>
             <a:fld id="{51A6E329-1FAF-DA41-AFB6-CE80DCBD6FF0}" type="datetimeFigureOut">
               <a:rPr lang="en-US" smtClean="0"/>
-              <a:t>20/1/28</a:t>
+              <a:t>20/1/29</a:t>
             </a:fld>
             <a:endParaRPr lang="en-US"/>
           </a:p>
@@ -1576,7 +1581,7 @@
           <a:p>
             <a:fld id="{51A6E329-1FAF-DA41-AFB6-CE80DCBD6FF0}" type="datetimeFigureOut">
               <a:rPr lang="en-US" smtClean="0"/>
-              <a:t>20/1/28</a:t>
+              <a:t>20/1/29</a:t>
             </a:fld>
             <a:endParaRPr lang="en-US"/>
           </a:p>
@@ -1894,7 +1899,7 @@
           <a:p>
             <a:fld id="{51A6E329-1FAF-DA41-AFB6-CE80DCBD6FF0}" type="datetimeFigureOut">
               <a:rPr lang="en-US" smtClean="0"/>
-              <a:t>20/1/28</a:t>
+              <a:t>20/1/29</a:t>
             </a:fld>
             <a:endParaRPr lang="en-US"/>
           </a:p>
@@ -2360,7 +2365,7 @@
           <a:p>
             <a:fld id="{51A6E329-1FAF-DA41-AFB6-CE80DCBD6FF0}" type="datetimeFigureOut">
               <a:rPr lang="en-US" smtClean="0"/>
-              <a:t>20/1/28</a:t>
+              <a:t>20/1/29</a:t>
             </a:fld>
             <a:endParaRPr lang="en-US"/>
           </a:p>
@@ -2508,7 +2513,7 @@
           <a:p>
             <a:fld id="{51A6E329-1FAF-DA41-AFB6-CE80DCBD6FF0}" type="datetimeFigureOut">
               <a:rPr lang="en-US" smtClean="0"/>
-              <a:t>20/1/28</a:t>
+              <a:t>20/1/29</a:t>
             </a:fld>
             <a:endParaRPr lang="en-US"/>
           </a:p>
@@ -2598,7 +2603,7 @@
           <a:p>
             <a:fld id="{51A6E329-1FAF-DA41-AFB6-CE80DCBD6FF0}" type="datetimeFigureOut">
               <a:rPr lang="en-US" smtClean="0"/>
-              <a:t>20/1/28</a:t>
+              <a:t>20/1/29</a:t>
             </a:fld>
             <a:endParaRPr lang="en-US"/>
           </a:p>
@@ -2872,7 +2877,7 @@
           <a:p>
             <a:fld id="{51A6E329-1FAF-DA41-AFB6-CE80DCBD6FF0}" type="datetimeFigureOut">
               <a:rPr lang="en-US" smtClean="0"/>
-              <a:t>20/1/28</a:t>
+              <a:t>20/1/29</a:t>
             </a:fld>
             <a:endParaRPr lang="en-US"/>
           </a:p>
@@ -3178,7 +3183,7 @@
           <a:p>
             <a:fld id="{51A6E329-1FAF-DA41-AFB6-CE80DCBD6FF0}" type="datetimeFigureOut">
               <a:rPr lang="en-US" smtClean="0"/>
-              <a:t>20/1/28</a:t>
+              <a:t>20/1/29</a:t>
             </a:fld>
             <a:endParaRPr lang="en-US"/>
           </a:p>
@@ -3476,7 +3481,7 @@
           <a:p>
             <a:fld id="{51A6E329-1FAF-DA41-AFB6-CE80DCBD6FF0}" type="datetimeFigureOut">
               <a:rPr lang="en-US" smtClean="0"/>
-              <a:t>20/1/28</a:t>
+              <a:t>20/1/29</a:t>
             </a:fld>
             <a:endParaRPr lang="en-US"/>
           </a:p>
@@ -3989,14 +3994,19 @@
         </p:nvSpPr>
         <p:spPr>
           <a:xfrm>
-            <a:off x="457200" y="2110505"/>
+            <a:off x="457200" y="1771155"/>
             <a:ext cx="8229600" cy="688746"/>
           </a:xfrm>
         </p:spPr>
         <p:txBody>
-          <a:bodyPr/>
+          <a:bodyPr>
+            <a:normAutofit fontScale="92500" lnSpcReduction="20000"/>
+          </a:bodyPr>
           <a:lstStyle/>
           <a:p>
+            <a:pPr marL="0" indent="0">
+              <a:buNone/>
+            </a:pPr>
             <a:r>
               <a:rPr lang="en-US" dirty="0" smtClean="0"/>
               <a:t>Ideally, every individual is </a:t>
@@ -4007,8 +4017,13 @@
             </a:r>
             <a:r>
               <a:rPr lang="en-US" dirty="0" smtClean="0"/>
-              <a:t>except 1 thing:</a:t>
-            </a:r>
+              <a:t>except </a:t>
+            </a:r>
+            <a:r>
+              <a:rPr lang="en-US" dirty="0" smtClean="0"/>
+              <a:t>1 thing. Multiple regression captures this effect.</a:t>
+            </a:r>
+            <a:endParaRPr lang="en-US" dirty="0" smtClean="0"/>
           </a:p>
           <a:p>
             <a:endParaRPr lang="en-US" dirty="0"/>
@@ -4039,141 +4054,238 @@
           <a:lstStyle/>
           <a:p>
             <a:r>
+              <a:rPr lang="en-US" sz="3500" dirty="0" smtClean="0"/>
+              <a:t>Multiple regression control </a:t>
+            </a:r>
+            <a:r>
               <a:rPr lang="en-US" sz="3500" dirty="0"/>
-              <a:t>Easy to be mislead when one </a:t>
-            </a:r>
-            <a:r>
-              <a:rPr lang="en-US" sz="3500" dirty="0" smtClean="0"/>
-              <a:t>does not </a:t>
-            </a:r>
-            <a:r>
-              <a:rPr lang="en-US" sz="3500" dirty="0"/>
-              <a:t>control for confounding</a:t>
-            </a:r>
-            <a:endParaRPr lang="en-US" sz="3500" dirty="0"/>
+              <a:t>for confounding</a:t>
+            </a:r>
+          </a:p>
+        </p:txBody>
+      </p:sp>
+      <p:sp>
+        <p:nvSpPr>
+          <p:cNvPr id="6" name="TextBox 5"/>
+          <p:cNvSpPr txBox="1"/>
+          <p:nvPr/>
+        </p:nvSpPr>
+        <p:spPr>
+          <a:xfrm>
+            <a:off x="310691" y="2977573"/>
+            <a:ext cx="1070012" cy="369332"/>
+          </a:xfrm>
+          <a:prstGeom prst="rect">
+            <a:avLst/>
+          </a:prstGeom>
+          <a:noFill/>
+        </p:spPr>
+        <p:txBody>
+          <a:bodyPr wrap="none" rtlCol="0">
+            <a:spAutoFit/>
+          </a:bodyPr>
+          <a:lstStyle/>
+          <a:p>
+            <a:r>
+              <a:rPr lang="en-US" dirty="0" smtClean="0"/>
+              <a:t>Model 1:</a:t>
+            </a:r>
+            <a:endParaRPr lang="en-US" dirty="0"/>
+          </a:p>
+        </p:txBody>
+      </p:sp>
+      <p:sp>
+        <p:nvSpPr>
+          <p:cNvPr id="7" name="TextBox 6"/>
+          <p:cNvSpPr txBox="1"/>
+          <p:nvPr/>
+        </p:nvSpPr>
+        <p:spPr>
+          <a:xfrm>
+            <a:off x="310691" y="3560632"/>
+            <a:ext cx="1070012" cy="369332"/>
+          </a:xfrm>
+          <a:prstGeom prst="rect">
+            <a:avLst/>
+          </a:prstGeom>
+          <a:noFill/>
+        </p:spPr>
+        <p:txBody>
+          <a:bodyPr wrap="none" rtlCol="0">
+            <a:spAutoFit/>
+          </a:bodyPr>
+          <a:lstStyle/>
+          <a:p>
+            <a:r>
+              <a:rPr lang="en-US" dirty="0" smtClean="0"/>
+              <a:t>Model 2:</a:t>
+            </a:r>
+            <a:endParaRPr lang="en-US" dirty="0"/>
+          </a:p>
+        </p:txBody>
+      </p:sp>
+      <p:sp>
+        <p:nvSpPr>
+          <p:cNvPr id="8" name="TextBox 7"/>
+          <p:cNvSpPr txBox="1"/>
+          <p:nvPr/>
+        </p:nvSpPr>
+        <p:spPr>
+          <a:xfrm>
+            <a:off x="801440" y="4558319"/>
+            <a:ext cx="184666" cy="369332"/>
+          </a:xfrm>
+          <a:prstGeom prst="rect">
+            <a:avLst/>
+          </a:prstGeom>
+          <a:noFill/>
+        </p:spPr>
+        <p:txBody>
+          <a:bodyPr wrap="none" rtlCol="0">
+            <a:spAutoFit/>
+          </a:bodyPr>
+          <a:lstStyle/>
+          <a:p>
+            <a:endParaRPr lang="en-US" dirty="0"/>
+          </a:p>
+        </p:txBody>
+      </p:sp>
+      <p:sp>
+        <p:nvSpPr>
+          <p:cNvPr id="14" name="TextBox 13"/>
+          <p:cNvSpPr txBox="1"/>
+          <p:nvPr/>
+        </p:nvSpPr>
+        <p:spPr>
+          <a:xfrm>
+            <a:off x="457200" y="4578310"/>
+            <a:ext cx="8023316" cy="1938992"/>
+          </a:xfrm>
+          <a:prstGeom prst="rect">
+            <a:avLst/>
+          </a:prstGeom>
+          <a:noFill/>
+        </p:spPr>
+        <p:txBody>
+          <a:bodyPr wrap="square" rtlCol="0">
+            <a:spAutoFit/>
+          </a:bodyPr>
+          <a:lstStyle/>
+          <a:p>
+            <a:pPr algn="ctr"/>
+            <a:r>
+              <a:rPr lang="en-US" sz="3000" b="1" dirty="0" smtClean="0"/>
+              <a:t>Message of the talk</a:t>
+            </a:r>
+            <a:r>
+              <a:rPr lang="en-US" sz="3000" dirty="0" smtClean="0"/>
+              <a:t>: Multiple regressions measure covariate </a:t>
+            </a:r>
+            <a:r>
+              <a:rPr lang="en-US" sz="3000" dirty="0" smtClean="0"/>
+              <a:t>effects </a:t>
+            </a:r>
+            <a:r>
+              <a:rPr lang="en-US" sz="3000" b="1" dirty="0" smtClean="0">
+                <a:solidFill>
+                  <a:srgbClr val="FF0000"/>
+                </a:solidFill>
+              </a:rPr>
+              <a:t>as if other </a:t>
+            </a:r>
+            <a:r>
+              <a:rPr lang="en-US" sz="3000" b="1" dirty="0" smtClean="0">
+                <a:solidFill>
+                  <a:srgbClr val="FF0000"/>
+                </a:solidFill>
+              </a:rPr>
+              <a:t>covariates are </a:t>
+            </a:r>
+            <a:r>
+              <a:rPr lang="en-US" sz="3000" b="1" dirty="0" smtClean="0">
+                <a:solidFill>
+                  <a:srgbClr val="FF0000"/>
+                </a:solidFill>
+              </a:rPr>
+              <a:t>fixed</a:t>
+            </a:r>
+            <a:r>
+              <a:rPr lang="en-US" sz="3000" dirty="0" smtClean="0"/>
+              <a:t>, solving the problem of </a:t>
+            </a:r>
+            <a:r>
+              <a:rPr lang="en-US" sz="3000" b="1" i="1" dirty="0" smtClean="0">
+                <a:solidFill>
+                  <a:srgbClr val="FF0000"/>
+                </a:solidFill>
+              </a:rPr>
+              <a:t>unbalanced data </a:t>
+            </a:r>
+          </a:p>
+        </p:txBody>
+      </p:sp>
+      <p:sp>
+        <p:nvSpPr>
+          <p:cNvPr id="15" name="Frame 14"/>
+          <p:cNvSpPr/>
+          <p:nvPr/>
+        </p:nvSpPr>
+        <p:spPr>
+          <a:xfrm>
+            <a:off x="584029" y="4492431"/>
+            <a:ext cx="7963195" cy="2024871"/>
+          </a:xfrm>
+          <a:prstGeom prst="frame">
+            <a:avLst>
+              <a:gd name="adj1" fmla="val 675"/>
+            </a:avLst>
+          </a:prstGeom>
+          <a:solidFill>
+            <a:srgbClr val="FF0000"/>
+          </a:solidFill>
+          <a:ln>
+            <a:solidFill>
+              <a:srgbClr val="FF0000"/>
+            </a:solidFill>
+          </a:ln>
+        </p:spPr>
+        <p:style>
+          <a:lnRef idx="1">
+            <a:schemeClr val="accent1"/>
+          </a:lnRef>
+          <a:fillRef idx="3">
+            <a:schemeClr val="accent1"/>
+          </a:fillRef>
+          <a:effectRef idx="2">
+            <a:schemeClr val="accent1"/>
+          </a:effectRef>
+          <a:fontRef idx="minor">
+            <a:schemeClr val="lt1"/>
+          </a:fontRef>
+        </p:style>
+        <p:txBody>
+          <a:bodyPr rtlCol="0" anchor="ctr"/>
+          <a:lstStyle/>
+          <a:p>
+            <a:pPr algn="ctr"/>
+            <a:endParaRPr lang="en-US">
+              <a:solidFill>
+                <a:srgbClr val="FF0000"/>
+              </a:solidFill>
+            </a:endParaRPr>
           </a:p>
         </p:txBody>
       </p:sp>
       <p:pic>
         <p:nvPicPr>
-          <p:cNvPr id="5" name="Picture 4"/>
+          <p:cNvPr id="2" name="Picture 1" descr="text_blood_press.pdf"/>
           <p:cNvPicPr>
             <a:picLocks noChangeAspect="1"/>
           </p:cNvPicPr>
           <p:nvPr/>
         </p:nvPicPr>
         <p:blipFill>
-          <a:blip r:embed="rId3"/>
-          <a:stretch>
-            <a:fillRect/>
-          </a:stretch>
-        </p:blipFill>
-        <p:spPr>
-          <a:xfrm flipH="1">
-            <a:off x="7844763" y="1873429"/>
-            <a:ext cx="191549" cy="925821"/>
-          </a:xfrm>
-          <a:prstGeom prst="rect">
-            <a:avLst/>
-          </a:prstGeom>
-        </p:spPr>
-      </p:pic>
-      <p:sp>
-        <p:nvSpPr>
-          <p:cNvPr id="6" name="TextBox 5"/>
-          <p:cNvSpPr txBox="1"/>
-          <p:nvPr/>
-        </p:nvSpPr>
-        <p:spPr>
-          <a:xfrm>
-            <a:off x="310691" y="3164662"/>
-            <a:ext cx="1070012" cy="369332"/>
-          </a:xfrm>
-          <a:prstGeom prst="rect">
-            <a:avLst/>
-          </a:prstGeom>
-          <a:noFill/>
-        </p:spPr>
-        <p:txBody>
-          <a:bodyPr wrap="none" rtlCol="0">
-            <a:spAutoFit/>
-          </a:bodyPr>
-          <a:lstStyle/>
-          <a:p>
-            <a:r>
-              <a:rPr lang="en-US" dirty="0" smtClean="0"/>
-              <a:t>Model 1:</a:t>
-            </a:r>
-            <a:endParaRPr lang="en-US" dirty="0"/>
-          </a:p>
-        </p:txBody>
-      </p:sp>
-      <p:sp>
-        <p:nvSpPr>
-          <p:cNvPr id="7" name="TextBox 6"/>
-          <p:cNvSpPr txBox="1"/>
-          <p:nvPr/>
-        </p:nvSpPr>
-        <p:spPr>
-          <a:xfrm>
-            <a:off x="310691" y="3747721"/>
-            <a:ext cx="1070012" cy="369332"/>
-          </a:xfrm>
-          <a:prstGeom prst="rect">
-            <a:avLst/>
-          </a:prstGeom>
-          <a:noFill/>
-        </p:spPr>
-        <p:txBody>
-          <a:bodyPr wrap="none" rtlCol="0">
-            <a:spAutoFit/>
-          </a:bodyPr>
-          <a:lstStyle/>
-          <a:p>
-            <a:r>
-              <a:rPr lang="en-US" dirty="0" smtClean="0"/>
-              <a:t>Model 2:</a:t>
-            </a:r>
-            <a:endParaRPr lang="en-US" dirty="0"/>
-          </a:p>
-        </p:txBody>
-      </p:sp>
-      <p:sp>
-        <p:nvSpPr>
-          <p:cNvPr id="8" name="TextBox 7"/>
-          <p:cNvSpPr txBox="1"/>
-          <p:nvPr/>
-        </p:nvSpPr>
-        <p:spPr>
-          <a:xfrm>
-            <a:off x="801440" y="4858839"/>
-            <a:ext cx="184666" cy="369332"/>
-          </a:xfrm>
-          <a:prstGeom prst="rect">
-            <a:avLst/>
-          </a:prstGeom>
-          <a:noFill/>
-        </p:spPr>
-        <p:txBody>
-          <a:bodyPr wrap="none" rtlCol="0">
-            <a:spAutoFit/>
-          </a:bodyPr>
-          <a:lstStyle/>
-          <a:p>
-            <a:endParaRPr lang="en-US" dirty="0"/>
-          </a:p>
-        </p:txBody>
-      </p:sp>
-      <p:pic>
-        <p:nvPicPr>
-          <p:cNvPr id="9" name="Picture 8" descr="text_blood_press.pdf"/>
-          <p:cNvPicPr>
-            <a:picLocks noChangeAspect="1"/>
-          </p:cNvPicPr>
-          <p:nvPr/>
-        </p:nvPicPr>
-        <p:blipFill>
-          <a:blip r:embed="rId4">
+          <a:blip r:embed="rId3">
             <a:extLst>
               <a:ext uri="{28A0092B-C50C-407E-A947-70E740481C1C}">
                 <a14:useLocalDpi xmlns:a14="http://schemas.microsoft.com/office/drawing/2010/main" val="0"/>
@@ -4186,8 +4298,8 @@
         </p:blipFill>
         <p:spPr>
           <a:xfrm>
-            <a:off x="1508595" y="3127578"/>
-            <a:ext cx="6197600" cy="419100"/>
+            <a:off x="1441887" y="3560632"/>
+            <a:ext cx="7038629" cy="377069"/>
           </a:xfrm>
           <a:prstGeom prst="rect">
             <a:avLst/>
@@ -4196,7 +4308,31 @@
       </p:pic>
       <p:pic>
         <p:nvPicPr>
-          <p:cNvPr id="10" name="Picture 9" descr="text_blood_press.pdf"/>
+          <p:cNvPr id="13" name="Picture 12"/>
+          <p:cNvPicPr>
+            <a:picLocks noChangeAspect="1"/>
+          </p:cNvPicPr>
+          <p:nvPr/>
+        </p:nvPicPr>
+        <p:blipFill>
+          <a:blip r:embed="rId4"/>
+          <a:stretch>
+            <a:fillRect/>
+          </a:stretch>
+        </p:blipFill>
+        <p:spPr>
+          <a:xfrm>
+            <a:off x="5741398" y="3489863"/>
+            <a:ext cx="121933" cy="589340"/>
+          </a:xfrm>
+          <a:prstGeom prst="rect">
+            <a:avLst/>
+          </a:prstGeom>
+        </p:spPr>
+      </p:pic>
+      <p:pic>
+        <p:nvPicPr>
+          <p:cNvPr id="11" name="Picture 10" descr="text_blood_press.pdf"/>
           <p:cNvPicPr>
             <a:picLocks noChangeAspect="1"/>
           </p:cNvPicPr>
@@ -4216,109 +4352,71 @@
         </p:blipFill>
         <p:spPr>
           <a:xfrm>
-            <a:off x="1527212" y="3747721"/>
-            <a:ext cx="7530316" cy="410745"/>
+            <a:off x="1441887" y="2930394"/>
+            <a:ext cx="5658018" cy="374177"/>
           </a:xfrm>
           <a:prstGeom prst="rect">
             <a:avLst/>
           </a:prstGeom>
         </p:spPr>
       </p:pic>
-      <p:sp>
-        <p:nvSpPr>
-          <p:cNvPr id="14" name="TextBox 13"/>
-          <p:cNvSpPr txBox="1"/>
+      <p:pic>
+        <p:nvPicPr>
+          <p:cNvPr id="16" name="Picture 15"/>
+          <p:cNvPicPr>
+            <a:picLocks noChangeAspect="1"/>
+          </p:cNvPicPr>
           <p:nvPr/>
-        </p:nvSpPr>
+        </p:nvPicPr>
+        <p:blipFill>
+          <a:blip r:embed="rId4"/>
+          <a:stretch>
+            <a:fillRect/>
+          </a:stretch>
+        </p:blipFill>
         <p:spPr>
           <a:xfrm>
-            <a:off x="457200" y="4878830"/>
-            <a:ext cx="8023316" cy="1477328"/>
+            <a:off x="5741398" y="2825834"/>
+            <a:ext cx="121933" cy="589340"/>
           </a:xfrm>
           <a:prstGeom prst="rect">
             <a:avLst/>
           </a:prstGeom>
-          <a:noFill/>
-        </p:spPr>
-        <p:txBody>
-          <a:bodyPr wrap="square" rtlCol="0">
-            <a:spAutoFit/>
-          </a:bodyPr>
+        </p:spPr>
+      </p:pic>
+      <p:sp>
+        <p:nvSpPr>
+          <p:cNvPr id="18" name="Slide Number Placeholder 4"/>
+          <p:cNvSpPr>
+            <a:spLocks noGrp="1"/>
+          </p:cNvSpPr>
+          <p:nvPr>
+            <p:ph type="sldNum" sz="quarter" idx="12"/>
+          </p:nvPr>
+        </p:nvSpPr>
+        <p:spPr>
+          <a:xfrm>
+            <a:off x="7620000" y="18288"/>
+            <a:ext cx="1066800" cy="329184"/>
+          </a:xfrm>
+        </p:spPr>
+        <p:txBody>
+          <a:bodyPr/>
           <a:lstStyle/>
           <a:p>
-            <a:pPr algn="ctr"/>
-            <a:r>
-              <a:rPr lang="en-US" sz="3000" b="1" dirty="0" smtClean="0"/>
-              <a:t>Message of the talk</a:t>
-            </a:r>
-            <a:r>
-              <a:rPr lang="en-US" sz="3000" dirty="0" smtClean="0"/>
-              <a:t>: Multiple regressions measure covariate effects, </a:t>
-            </a:r>
-            <a:r>
-              <a:rPr lang="en-US" sz="3000" b="1" dirty="0" smtClean="0">
-                <a:solidFill>
-                  <a:srgbClr val="FF0000"/>
-                </a:solidFill>
-              </a:rPr>
-              <a:t>as if other covariate effects are fixed</a:t>
-            </a:r>
-            <a:r>
-              <a:rPr lang="en-US" sz="3000" dirty="0" smtClean="0"/>
-              <a:t>.</a:t>
-            </a:r>
-          </a:p>
-        </p:txBody>
-      </p:sp>
-      <p:sp>
-        <p:nvSpPr>
-          <p:cNvPr id="15" name="Frame 14"/>
-          <p:cNvSpPr/>
-          <p:nvPr/>
-        </p:nvSpPr>
-        <p:spPr>
-          <a:xfrm>
-            <a:off x="584029" y="4792951"/>
-            <a:ext cx="7963195" cy="1724351"/>
-          </a:xfrm>
-          <a:prstGeom prst="frame">
-            <a:avLst>
-              <a:gd name="adj1" fmla="val 675"/>
-            </a:avLst>
-          </a:prstGeom>
-          <a:solidFill>
-            <a:srgbClr val="FF0000"/>
-          </a:solidFill>
-          <a:ln>
-            <a:solidFill>
-              <a:srgbClr val="FF0000"/>
-            </a:solidFill>
-          </a:ln>
-        </p:spPr>
-        <p:style>
-          <a:lnRef idx="1">
-            <a:schemeClr val="accent1"/>
-          </a:lnRef>
-          <a:fillRef idx="3">
-            <a:schemeClr val="accent1"/>
-          </a:fillRef>
-          <a:effectRef idx="2">
-            <a:schemeClr val="accent1"/>
-          </a:effectRef>
-          <a:fontRef idx="minor">
-            <a:schemeClr val="lt1"/>
-          </a:fontRef>
-        </p:style>
-        <p:txBody>
-          <a:bodyPr rtlCol="0" anchor="ctr"/>
-          <a:lstStyle/>
-          <a:p>
-            <a:pPr algn="ctr"/>
-            <a:endParaRPr lang="en-US">
-              <a:solidFill>
-                <a:srgbClr val="FF0000"/>
-              </a:solidFill>
-            </a:endParaRPr>
+            <a:fld id="{4C958359-9322-6441-8715-055CBE9441BE}" type="slidenum">
+              <a:rPr lang="en-US" sz="1600" smtClean="0"/>
+              <a:t>10</a:t>
+            </a:fld>
+            <a:r>
+              <a:rPr lang="en-US" sz="1600" dirty="0" smtClean="0"/>
+              <a:t>/</a:t>
+            </a:r>
+            <a:r>
+              <a:rPr lang="en-US" sz="1600" dirty="0" smtClean="0"/>
+              <a:t>17</a:t>
+            </a:r>
+            <a:endParaRPr lang="en-US" sz="1600" dirty="0"/>
           </a:p>
         </p:txBody>
       </p:sp>
@@ -4468,18 +4566,39 @@
             <p:ph type="title"/>
           </p:nvPr>
         </p:nvSpPr>
-        <p:spPr/>
+        <p:spPr>
+          <a:xfrm>
+            <a:off x="408819" y="533400"/>
+            <a:ext cx="8229600" cy="990600"/>
+          </a:xfrm>
+        </p:spPr>
         <p:txBody>
           <a:bodyPr>
-            <a:normAutofit fontScale="90000"/>
+            <a:normAutofit/>
           </a:bodyPr>
           <a:lstStyle/>
           <a:p>
             <a:r>
-              <a:rPr lang="en-US" dirty="0" smtClean="0"/>
-              <a:t>What are some multiple regression methods and do they work in GWAS?</a:t>
-            </a:r>
-            <a:endParaRPr lang="en-US" dirty="0"/>
+              <a:rPr lang="en-US" sz="3200" dirty="0" smtClean="0"/>
+              <a:t>Did people attempt </a:t>
+            </a:r>
+            <a:r>
+              <a:rPr lang="en-US" sz="3200" dirty="0" smtClean="0"/>
+              <a:t>multiple </a:t>
+            </a:r>
+            <a:r>
+              <a:rPr lang="en-US" sz="3200" dirty="0" smtClean="0"/>
+              <a:t>regression </a:t>
+            </a:r>
+            <a:r>
+              <a:rPr lang="en-US" sz="3200" dirty="0" smtClean="0"/>
+              <a:t>GWAS</a:t>
+            </a:r>
+            <a:r>
+              <a:rPr lang="en-US" sz="3200" dirty="0" smtClean="0"/>
+              <a:t>?</a:t>
+            </a:r>
+            <a:endParaRPr lang="en-US" sz="3200" dirty="0"/>
           </a:p>
         </p:txBody>
       </p:sp>
@@ -4499,17 +4618,77 @@
         </p:blipFill>
         <p:spPr>
           <a:xfrm>
-            <a:off x="742868" y="2003579"/>
-            <a:ext cx="8401132" cy="1111377"/>
+            <a:off x="2430858" y="1767264"/>
+            <a:ext cx="6713142" cy="888074"/>
           </a:xfrm>
           <a:prstGeom prst="rect">
             <a:avLst/>
           </a:prstGeom>
         </p:spPr>
       </p:pic>
+      <p:sp>
+        <p:nvSpPr>
+          <p:cNvPr id="4" name="TextBox 3"/>
+          <p:cNvSpPr txBox="1"/>
+          <p:nvPr/>
+        </p:nvSpPr>
+        <p:spPr>
+          <a:xfrm>
+            <a:off x="193868" y="2001762"/>
+            <a:ext cx="1365315" cy="369332"/>
+          </a:xfrm>
+          <a:prstGeom prst="rect">
+            <a:avLst/>
+          </a:prstGeom>
+          <a:noFill/>
+        </p:spPr>
+        <p:txBody>
+          <a:bodyPr wrap="none" rtlCol="0">
+            <a:spAutoFit/>
+          </a:bodyPr>
+          <a:lstStyle/>
+          <a:p>
+            <a:r>
+              <a:rPr lang="en-US" dirty="0" smtClean="0"/>
+              <a:t>2009: lasso</a:t>
+            </a:r>
+            <a:endParaRPr lang="en-US" dirty="0"/>
+          </a:p>
+        </p:txBody>
+      </p:sp>
+      <p:sp>
+        <p:nvSpPr>
+          <p:cNvPr id="5" name="TextBox 4"/>
+          <p:cNvSpPr txBox="1"/>
+          <p:nvPr/>
+        </p:nvSpPr>
+        <p:spPr>
+          <a:xfrm>
+            <a:off x="193868" y="3008565"/>
+            <a:ext cx="2128418" cy="646331"/>
+          </a:xfrm>
+          <a:prstGeom prst="rect">
+            <a:avLst/>
+          </a:prstGeom>
+          <a:noFill/>
+        </p:spPr>
+        <p:txBody>
+          <a:bodyPr wrap="square" rtlCol="0">
+            <a:spAutoFit/>
+          </a:bodyPr>
+          <a:lstStyle/>
+          <a:p>
+            <a:r>
+              <a:rPr lang="en-US" dirty="0" smtClean="0"/>
+              <a:t>2011: stability selection lasso</a:t>
+            </a:r>
+            <a:endParaRPr lang="en-US" dirty="0"/>
+          </a:p>
+        </p:txBody>
+      </p:sp>
       <p:pic>
         <p:nvPicPr>
-          <p:cNvPr id="12" name="Picture 11"/>
+          <p:cNvPr id="14" name="Picture 13"/>
           <p:cNvPicPr>
             <a:picLocks noChangeAspect="1"/>
           </p:cNvPicPr>
@@ -4523,38 +4702,118 @@
         </p:blipFill>
         <p:spPr>
           <a:xfrm>
-            <a:off x="837804" y="5358465"/>
-            <a:ext cx="8025132" cy="1221216"/>
+            <a:off x="2430858" y="2996473"/>
+            <a:ext cx="5402661" cy="759667"/>
           </a:xfrm>
           <a:prstGeom prst="rect">
             <a:avLst/>
           </a:prstGeom>
         </p:spPr>
       </p:pic>
-      <p:pic>
-        <p:nvPicPr>
-          <p:cNvPr id="13" name="Picture 12"/>
-          <p:cNvPicPr>
-            <a:picLocks noChangeAspect="1"/>
-          </p:cNvPicPr>
+      <p:sp>
+        <p:nvSpPr>
+          <p:cNvPr id="18" name="TextBox 17"/>
+          <p:cNvSpPr txBox="1"/>
           <p:nvPr/>
-        </p:nvPicPr>
-        <p:blipFill>
-          <a:blip r:embed="rId4"/>
-          <a:stretch>
-            <a:fillRect/>
-          </a:stretch>
-        </p:blipFill>
+        </p:nvSpPr>
         <p:spPr>
           <a:xfrm>
-            <a:off x="661668" y="3357028"/>
-            <a:ext cx="7685085" cy="1573182"/>
+            <a:off x="892629" y="4656313"/>
+            <a:ext cx="6596678" cy="369332"/>
           </a:xfrm>
           <a:prstGeom prst="rect">
             <a:avLst/>
           </a:prstGeom>
-        </p:spPr>
-      </p:pic>
+          <a:noFill/>
+        </p:spPr>
+        <p:txBody>
+          <a:bodyPr wrap="none" rtlCol="0">
+            <a:spAutoFit/>
+          </a:bodyPr>
+          <a:lstStyle/>
+          <a:p>
+            <a:pPr marL="285750" indent="-285750">
+              <a:buFont typeface="Arial"/>
+              <a:buChar char="•"/>
+            </a:pPr>
+            <a:r>
+              <a:rPr lang="en-US" b="1" dirty="0" smtClean="0"/>
+              <a:t>Their conclusion: less power than marginal association</a:t>
+            </a:r>
+            <a:endParaRPr lang="en-US" b="1" dirty="0"/>
+          </a:p>
+        </p:txBody>
+      </p:sp>
+      <p:sp>
+        <p:nvSpPr>
+          <p:cNvPr id="20" name="TextBox 19"/>
+          <p:cNvSpPr txBox="1"/>
+          <p:nvPr/>
+        </p:nvSpPr>
+        <p:spPr>
+          <a:xfrm>
+            <a:off x="892629" y="5164667"/>
+            <a:ext cx="7886095" cy="646331"/>
+          </a:xfrm>
+          <a:prstGeom prst="rect">
+            <a:avLst/>
+          </a:prstGeom>
+          <a:noFill/>
+        </p:spPr>
+        <p:txBody>
+          <a:bodyPr wrap="square" rtlCol="0">
+            <a:spAutoFit/>
+          </a:bodyPr>
+          <a:lstStyle/>
+          <a:p>
+            <a:pPr marL="285750" indent="-285750">
+              <a:buFont typeface="Arial"/>
+              <a:buChar char="•"/>
+            </a:pPr>
+            <a:r>
+              <a:rPr lang="en-US" dirty="0" smtClean="0"/>
+              <a:t>We propose IHT as new multiple regression method for GWAS, but we need to understand why lasso didn’t work. </a:t>
+            </a:r>
+            <a:endParaRPr lang="en-US" dirty="0"/>
+          </a:p>
+        </p:txBody>
+      </p:sp>
+      <p:sp>
+        <p:nvSpPr>
+          <p:cNvPr id="21" name="Slide Number Placeholder 4"/>
+          <p:cNvSpPr>
+            <a:spLocks noGrp="1"/>
+          </p:cNvSpPr>
+          <p:nvPr>
+            <p:ph type="sldNum" sz="quarter" idx="12"/>
+          </p:nvPr>
+        </p:nvSpPr>
+        <p:spPr>
+          <a:xfrm>
+            <a:off x="7620000" y="18288"/>
+            <a:ext cx="1066800" cy="329184"/>
+          </a:xfrm>
+        </p:spPr>
+        <p:txBody>
+          <a:bodyPr/>
+          <a:lstStyle/>
+          <a:p>
+            <a:fld id="{4C958359-9322-6441-8715-055CBE9441BE}" type="slidenum">
+              <a:rPr lang="en-US" sz="1600" smtClean="0"/>
+              <a:t>11</a:t>
+            </a:fld>
+            <a:r>
+              <a:rPr lang="en-US" sz="1600" dirty="0" smtClean="0"/>
+              <a:t>/</a:t>
+            </a:r>
+            <a:r>
+              <a:rPr lang="en-US" sz="1600" dirty="0" smtClean="0"/>
+              <a:t>17</a:t>
+            </a:r>
+            <a:endParaRPr lang="en-US" sz="1600" dirty="0"/>
+          </a:p>
+        </p:txBody>
+      </p:sp>
     </p:spTree>
     <p:extLst>
       <p:ext uri="{BB962C8B-B14F-4D97-AF65-F5344CB8AC3E}">
@@ -4611,28 +4870,1549 @@
           <a:p>
             <a:r>
               <a:rPr lang="en-US" dirty="0" smtClean="0"/>
-              <a:t>Lasso finds too many false positives because of shrinkage</a:t>
+              <a:t>Case study: Lasso </a:t>
+            </a:r>
+            <a:r>
+              <a:rPr lang="en-US" dirty="0" err="1"/>
+              <a:t>vs</a:t>
+            </a:r>
+            <a:r>
+              <a:rPr lang="en-US" dirty="0"/>
+              <a:t> Marginal testing</a:t>
             </a:r>
             <a:endParaRPr lang="en-US" dirty="0"/>
           </a:p>
         </p:txBody>
       </p:sp>
-      <p:sp>
-        <p:nvSpPr>
-          <p:cNvPr id="3" name="Content Placeholder 2"/>
+      <p:graphicFrame>
+        <p:nvGraphicFramePr>
+          <p:cNvPr id="4" name="Content Placeholder 4"/>
+          <p:cNvGraphicFramePr>
+            <a:graphicFrameLocks noGrp="1"/>
+          </p:cNvGraphicFramePr>
+          <p:nvPr>
+            <p:ph idx="1"/>
+            <p:extLst>
+              <p:ext uri="{D42A27DB-BD31-4B8C-83A1-F6EECF244321}">
+                <p14:modId xmlns:p14="http://schemas.microsoft.com/office/powerpoint/2010/main" val="2633249417"/>
+              </p:ext>
+            </p:extLst>
+          </p:nvPr>
+        </p:nvGraphicFramePr>
+        <p:xfrm>
+          <a:off x="759582" y="1848252"/>
+          <a:ext cx="6636656" cy="1981200"/>
+        </p:xfrm>
+        <a:graphic>
+          <a:graphicData uri="http://schemas.openxmlformats.org/drawingml/2006/table">
+            <a:tbl>
+              <a:tblPr firstRow="1" bandRow="1">
+                <a:tableStyleId>{2D5ABB26-0587-4C30-8999-92F81FD0307C}</a:tableStyleId>
+              </a:tblPr>
+              <a:tblGrid>
+                <a:gridCol w="1919927"/>
+                <a:gridCol w="2582454"/>
+                <a:gridCol w="2134275"/>
+              </a:tblGrid>
+              <a:tr h="364531">
+                <a:tc>
+                  <a:txBody>
+                    <a:bodyPr/>
+                    <a:lstStyle/>
+                    <a:p>
+                      <a:endParaRPr lang="en-US" sz="2000" dirty="0"/>
+                    </a:p>
+                  </a:txBody>
+                  <a:tcPr>
+                    <a:lnL w="12700" cap="flat" cmpd="sng" algn="ctr">
+                      <a:solidFill>
+                        <a:scrgbClr r="0" g="0" b="0"/>
+                      </a:solidFill>
+                      <a:prstDash val="solid"/>
+                      <a:round/>
+                      <a:headEnd type="none" w="med" len="med"/>
+                      <a:tailEnd type="none" w="med" len="med"/>
+                    </a:lnL>
+                    <a:lnR w="12700" cap="flat" cmpd="sng" algn="ctr">
+                      <a:solidFill>
+                        <a:scrgbClr r="0" g="0" b="0"/>
+                      </a:solidFill>
+                      <a:prstDash val="solid"/>
+                      <a:round/>
+                      <a:headEnd type="none" w="med" len="med"/>
+                      <a:tailEnd type="none" w="med" len="med"/>
+                    </a:lnR>
+                    <a:lnT w="12700" cap="flat" cmpd="sng" algn="ctr">
+                      <a:solidFill>
+                        <a:scrgbClr r="0" g="0" b="0"/>
+                      </a:solidFill>
+                      <a:prstDash val="solid"/>
+                      <a:round/>
+                      <a:headEnd type="none" w="med" len="med"/>
+                      <a:tailEnd type="none" w="med" len="med"/>
+                    </a:lnT>
+                    <a:lnB w="12700" cap="flat" cmpd="sng" algn="ctr">
+                      <a:solidFill>
+                        <a:scrgbClr r="0" g="0" b="0"/>
+                      </a:solidFill>
+                      <a:prstDash val="solid"/>
+                      <a:round/>
+                      <a:headEnd type="none" w="med" len="med"/>
+                      <a:tailEnd type="none" w="med" len="med"/>
+                    </a:lnB>
+                  </a:tcPr>
+                </a:tc>
+                <a:tc>
+                  <a:txBody>
+                    <a:bodyPr/>
+                    <a:lstStyle/>
+                    <a:p>
+                      <a:pPr algn="ctr"/>
+                      <a:r>
+                        <a:rPr lang="en-US" sz="2000" dirty="0" smtClean="0"/>
+                        <a:t>Quantitative trait</a:t>
+                      </a:r>
+                      <a:endParaRPr lang="en-US" sz="2000" dirty="0"/>
+                    </a:p>
+                  </a:txBody>
+                  <a:tcPr>
+                    <a:lnL w="12700" cap="flat" cmpd="sng" algn="ctr">
+                      <a:solidFill>
+                        <a:scrgbClr r="0" g="0" b="0"/>
+                      </a:solidFill>
+                      <a:prstDash val="solid"/>
+                      <a:round/>
+                      <a:headEnd type="none" w="med" len="med"/>
+                      <a:tailEnd type="none" w="med" len="med"/>
+                    </a:lnL>
+                    <a:lnR w="12700" cap="flat" cmpd="sng" algn="ctr">
+                      <a:solidFill>
+                        <a:scrgbClr r="0" g="0" b="0"/>
+                      </a:solidFill>
+                      <a:prstDash val="solid"/>
+                      <a:round/>
+                      <a:headEnd type="none" w="med" len="med"/>
+                      <a:tailEnd type="none" w="med" len="med"/>
+                    </a:lnR>
+                    <a:lnT w="12700" cap="flat" cmpd="sng" algn="ctr">
+                      <a:solidFill>
+                        <a:scrgbClr r="0" g="0" b="0"/>
+                      </a:solidFill>
+                      <a:prstDash val="solid"/>
+                      <a:round/>
+                      <a:headEnd type="none" w="med" len="med"/>
+                      <a:tailEnd type="none" w="med" len="med"/>
+                    </a:lnT>
+                    <a:lnB w="12700" cap="flat" cmpd="sng" algn="ctr">
+                      <a:solidFill>
+                        <a:scrgbClr r="0" g="0" b="0"/>
+                      </a:solidFill>
+                      <a:prstDash val="solid"/>
+                      <a:round/>
+                      <a:headEnd type="none" w="med" len="med"/>
+                      <a:tailEnd type="none" w="med" len="med"/>
+                    </a:lnB>
+                  </a:tcPr>
+                </a:tc>
+                <a:tc>
+                  <a:txBody>
+                    <a:bodyPr/>
+                    <a:lstStyle/>
+                    <a:p>
+                      <a:pPr algn="ctr"/>
+                      <a:r>
+                        <a:rPr lang="en-US" sz="2000" dirty="0" smtClean="0"/>
+                        <a:t>Binary trait</a:t>
+                      </a:r>
+                      <a:endParaRPr lang="en-US" sz="2000" dirty="0"/>
+                    </a:p>
+                  </a:txBody>
+                  <a:tcPr>
+                    <a:lnL w="12700" cap="flat" cmpd="sng" algn="ctr">
+                      <a:solidFill>
+                        <a:scrgbClr r="0" g="0" b="0"/>
+                      </a:solidFill>
+                      <a:prstDash val="solid"/>
+                      <a:round/>
+                      <a:headEnd type="none" w="med" len="med"/>
+                      <a:tailEnd type="none" w="med" len="med"/>
+                    </a:lnL>
+                    <a:lnR w="12700" cap="flat" cmpd="sng" algn="ctr">
+                      <a:solidFill>
+                        <a:scrgbClr r="0" g="0" b="0"/>
+                      </a:solidFill>
+                      <a:prstDash val="solid"/>
+                      <a:round/>
+                      <a:headEnd type="none" w="med" len="med"/>
+                      <a:tailEnd type="none" w="med" len="med"/>
+                    </a:lnR>
+                    <a:lnT w="12700" cap="flat" cmpd="sng" algn="ctr">
+                      <a:solidFill>
+                        <a:scrgbClr r="0" g="0" b="0"/>
+                      </a:solidFill>
+                      <a:prstDash val="solid"/>
+                      <a:round/>
+                      <a:headEnd type="none" w="med" len="med"/>
+                      <a:tailEnd type="none" w="med" len="med"/>
+                    </a:lnT>
+                    <a:lnB w="12700" cap="flat" cmpd="sng" algn="ctr">
+                      <a:solidFill>
+                        <a:scrgbClr r="0" g="0" b="0"/>
+                      </a:solidFill>
+                      <a:prstDash val="solid"/>
+                      <a:round/>
+                      <a:headEnd type="none" w="med" len="med"/>
+                      <a:tailEnd type="none" w="med" len="med"/>
+                    </a:lnB>
+                  </a:tcPr>
+                </a:tc>
+              </a:tr>
+              <a:tr h="364531">
+                <a:tc>
+                  <a:txBody>
+                    <a:bodyPr/>
+                    <a:lstStyle/>
+                    <a:p>
+                      <a:r>
+                        <a:rPr lang="en-US" sz="2000" dirty="0" smtClean="0"/>
+                        <a:t>Lasso TP</a:t>
+                      </a:r>
+                      <a:endParaRPr lang="en-US" sz="2000" dirty="0"/>
+                    </a:p>
+                  </a:txBody>
+                  <a:tcPr>
+                    <a:lnL w="12700" cap="flat" cmpd="sng" algn="ctr">
+                      <a:solidFill>
+                        <a:scrgbClr r="0" g="0" b="0"/>
+                      </a:solidFill>
+                      <a:prstDash val="solid"/>
+                      <a:round/>
+                      <a:headEnd type="none" w="med" len="med"/>
+                      <a:tailEnd type="none" w="med" len="med"/>
+                    </a:lnL>
+                    <a:lnR w="12700" cap="flat" cmpd="sng" algn="ctr">
+                      <a:solidFill>
+                        <a:scrgbClr r="0" g="0" b="0"/>
+                      </a:solidFill>
+                      <a:prstDash val="solid"/>
+                      <a:round/>
+                      <a:headEnd type="none" w="med" len="med"/>
+                      <a:tailEnd type="none" w="med" len="med"/>
+                    </a:lnR>
+                    <a:lnT w="12700" cap="flat" cmpd="sng" algn="ctr">
+                      <a:solidFill>
+                        <a:scrgbClr r="0" g="0" b="0"/>
+                      </a:solidFill>
+                      <a:prstDash val="solid"/>
+                      <a:round/>
+                      <a:headEnd type="none" w="med" len="med"/>
+                      <a:tailEnd type="none" w="med" len="med"/>
+                    </a:lnT>
+                    <a:lnB w="12700" cap="flat" cmpd="sng" algn="ctr">
+                      <a:solidFill>
+                        <a:scrgbClr r="0" g="0" b="0"/>
+                      </a:solidFill>
+                      <a:prstDash val="solid"/>
+                      <a:round/>
+                      <a:headEnd type="none" w="med" len="med"/>
+                      <a:tailEnd type="none" w="med" len="med"/>
+                    </a:lnB>
+                    <a:solidFill>
+                      <a:srgbClr val="E7E5BA"/>
+                    </a:solidFill>
+                  </a:tcPr>
+                </a:tc>
+                <a:tc>
+                  <a:txBody>
+                    <a:bodyPr/>
+                    <a:lstStyle/>
+                    <a:p>
+                      <a:pPr algn="ctr"/>
+                      <a:r>
+                        <a:rPr lang="en-US" sz="2000" dirty="0" smtClean="0"/>
+                        <a:t>9.52</a:t>
+                      </a:r>
+                      <a:endParaRPr lang="en-US" sz="2000" dirty="0"/>
+                    </a:p>
+                  </a:txBody>
+                  <a:tcPr>
+                    <a:lnL w="12700" cap="flat" cmpd="sng" algn="ctr">
+                      <a:solidFill>
+                        <a:scrgbClr r="0" g="0" b="0"/>
+                      </a:solidFill>
+                      <a:prstDash val="solid"/>
+                      <a:round/>
+                      <a:headEnd type="none" w="med" len="med"/>
+                      <a:tailEnd type="none" w="med" len="med"/>
+                    </a:lnL>
+                    <a:lnR w="12700" cap="flat" cmpd="sng" algn="ctr">
+                      <a:solidFill>
+                        <a:scrgbClr r="0" g="0" b="0"/>
+                      </a:solidFill>
+                      <a:prstDash val="solid"/>
+                      <a:round/>
+                      <a:headEnd type="none" w="med" len="med"/>
+                      <a:tailEnd type="none" w="med" len="med"/>
+                    </a:lnR>
+                    <a:lnT w="12700" cap="flat" cmpd="sng" algn="ctr">
+                      <a:solidFill>
+                        <a:scrgbClr r="0" g="0" b="0"/>
+                      </a:solidFill>
+                      <a:prstDash val="solid"/>
+                      <a:round/>
+                      <a:headEnd type="none" w="med" len="med"/>
+                      <a:tailEnd type="none" w="med" len="med"/>
+                    </a:lnT>
+                    <a:lnB w="12700" cap="flat" cmpd="sng" algn="ctr">
+                      <a:solidFill>
+                        <a:scrgbClr r="0" g="0" b="0"/>
+                      </a:solidFill>
+                      <a:prstDash val="solid"/>
+                      <a:round/>
+                      <a:headEnd type="none" w="med" len="med"/>
+                      <a:tailEnd type="none" w="med" len="med"/>
+                    </a:lnB>
+                    <a:solidFill>
+                      <a:srgbClr val="E7E5BA"/>
+                    </a:solidFill>
+                  </a:tcPr>
+                </a:tc>
+                <a:tc>
+                  <a:txBody>
+                    <a:bodyPr/>
+                    <a:lstStyle/>
+                    <a:p>
+                      <a:pPr algn="ctr"/>
+                      <a:r>
+                        <a:rPr lang="en-US" sz="2000" dirty="0" smtClean="0"/>
+                        <a:t>8.16</a:t>
+                      </a:r>
+                      <a:endParaRPr lang="en-US" sz="2000" dirty="0"/>
+                    </a:p>
+                  </a:txBody>
+                  <a:tcPr>
+                    <a:lnL w="12700" cap="flat" cmpd="sng" algn="ctr">
+                      <a:solidFill>
+                        <a:scrgbClr r="0" g="0" b="0"/>
+                      </a:solidFill>
+                      <a:prstDash val="solid"/>
+                      <a:round/>
+                      <a:headEnd type="none" w="med" len="med"/>
+                      <a:tailEnd type="none" w="med" len="med"/>
+                    </a:lnL>
+                    <a:lnR w="12700" cap="flat" cmpd="sng" algn="ctr">
+                      <a:solidFill>
+                        <a:scrgbClr r="0" g="0" b="0"/>
+                      </a:solidFill>
+                      <a:prstDash val="solid"/>
+                      <a:round/>
+                      <a:headEnd type="none" w="med" len="med"/>
+                      <a:tailEnd type="none" w="med" len="med"/>
+                    </a:lnR>
+                    <a:lnT w="12700" cap="flat" cmpd="sng" algn="ctr">
+                      <a:solidFill>
+                        <a:scrgbClr r="0" g="0" b="0"/>
+                      </a:solidFill>
+                      <a:prstDash val="solid"/>
+                      <a:round/>
+                      <a:headEnd type="none" w="med" len="med"/>
+                      <a:tailEnd type="none" w="med" len="med"/>
+                    </a:lnT>
+                    <a:lnB w="12700" cap="flat" cmpd="sng" algn="ctr">
+                      <a:solidFill>
+                        <a:scrgbClr r="0" g="0" b="0"/>
+                      </a:solidFill>
+                      <a:prstDash val="solid"/>
+                      <a:round/>
+                      <a:headEnd type="none" w="med" len="med"/>
+                      <a:tailEnd type="none" w="med" len="med"/>
+                    </a:lnB>
+                    <a:solidFill>
+                      <a:srgbClr val="E7E5BA"/>
+                    </a:solidFill>
+                  </a:tcPr>
+                </a:tc>
+              </a:tr>
+              <a:tr h="364531">
+                <a:tc>
+                  <a:txBody>
+                    <a:bodyPr/>
+                    <a:lstStyle/>
+                    <a:p>
+                      <a:r>
+                        <a:rPr lang="en-US" sz="2000" dirty="0" smtClean="0"/>
+                        <a:t>Lasso FP</a:t>
+                      </a:r>
+                      <a:endParaRPr lang="en-US" sz="2000" dirty="0"/>
+                    </a:p>
+                  </a:txBody>
+                  <a:tcPr>
+                    <a:lnL w="12700" cap="flat" cmpd="sng" algn="ctr">
+                      <a:solidFill>
+                        <a:scrgbClr r="0" g="0" b="0"/>
+                      </a:solidFill>
+                      <a:prstDash val="solid"/>
+                      <a:round/>
+                      <a:headEnd type="none" w="med" len="med"/>
+                      <a:tailEnd type="none" w="med" len="med"/>
+                    </a:lnL>
+                    <a:lnR w="12700" cap="flat" cmpd="sng" algn="ctr">
+                      <a:solidFill>
+                        <a:scrgbClr r="0" g="0" b="0"/>
+                      </a:solidFill>
+                      <a:prstDash val="solid"/>
+                      <a:round/>
+                      <a:headEnd type="none" w="med" len="med"/>
+                      <a:tailEnd type="none" w="med" len="med"/>
+                    </a:lnR>
+                    <a:lnT w="12700" cap="flat" cmpd="sng" algn="ctr">
+                      <a:solidFill>
+                        <a:scrgbClr r="0" g="0" b="0"/>
+                      </a:solidFill>
+                      <a:prstDash val="solid"/>
+                      <a:round/>
+                      <a:headEnd type="none" w="med" len="med"/>
+                      <a:tailEnd type="none" w="med" len="med"/>
+                    </a:lnT>
+                    <a:lnB w="12700" cap="flat" cmpd="sng" algn="ctr">
+                      <a:solidFill>
+                        <a:scrgbClr r="0" g="0" b="0"/>
+                      </a:solidFill>
+                      <a:prstDash val="solid"/>
+                      <a:round/>
+                      <a:headEnd type="none" w="med" len="med"/>
+                      <a:tailEnd type="none" w="med" len="med"/>
+                    </a:lnB>
+                  </a:tcPr>
+                </a:tc>
+                <a:tc>
+                  <a:txBody>
+                    <a:bodyPr/>
+                    <a:lstStyle/>
+                    <a:p>
+                      <a:pPr algn="ctr"/>
+                      <a:r>
+                        <a:rPr lang="en-US" sz="2000" dirty="0" smtClean="0"/>
+                        <a:t>31.26</a:t>
+                      </a:r>
+                      <a:endParaRPr lang="en-US" sz="2000" dirty="0"/>
+                    </a:p>
+                  </a:txBody>
+                  <a:tcPr>
+                    <a:lnL w="12700" cap="flat" cmpd="sng" algn="ctr">
+                      <a:solidFill>
+                        <a:scrgbClr r="0" g="0" b="0"/>
+                      </a:solidFill>
+                      <a:prstDash val="solid"/>
+                      <a:round/>
+                      <a:headEnd type="none" w="med" len="med"/>
+                      <a:tailEnd type="none" w="med" len="med"/>
+                    </a:lnL>
+                    <a:lnR w="12700" cap="flat" cmpd="sng" algn="ctr">
+                      <a:solidFill>
+                        <a:scrgbClr r="0" g="0" b="0"/>
+                      </a:solidFill>
+                      <a:prstDash val="solid"/>
+                      <a:round/>
+                      <a:headEnd type="none" w="med" len="med"/>
+                      <a:tailEnd type="none" w="med" len="med"/>
+                    </a:lnR>
+                    <a:lnT w="12700" cap="flat" cmpd="sng" algn="ctr">
+                      <a:solidFill>
+                        <a:scrgbClr r="0" g="0" b="0"/>
+                      </a:solidFill>
+                      <a:prstDash val="solid"/>
+                      <a:round/>
+                      <a:headEnd type="none" w="med" len="med"/>
+                      <a:tailEnd type="none" w="med" len="med"/>
+                    </a:lnT>
+                    <a:lnB w="12700" cap="flat" cmpd="sng" algn="ctr">
+                      <a:solidFill>
+                        <a:scrgbClr r="0" g="0" b="0"/>
+                      </a:solidFill>
+                      <a:prstDash val="solid"/>
+                      <a:round/>
+                      <a:headEnd type="none" w="med" len="med"/>
+                      <a:tailEnd type="none" w="med" len="med"/>
+                    </a:lnB>
+                  </a:tcPr>
+                </a:tc>
+                <a:tc>
+                  <a:txBody>
+                    <a:bodyPr/>
+                    <a:lstStyle/>
+                    <a:p>
+                      <a:pPr algn="ctr"/>
+                      <a:r>
+                        <a:rPr lang="en-US" sz="2000" dirty="0" smtClean="0"/>
+                        <a:t>45.76</a:t>
+                      </a:r>
+                      <a:endParaRPr lang="en-US" sz="2000" dirty="0"/>
+                    </a:p>
+                  </a:txBody>
+                  <a:tcPr>
+                    <a:lnL w="12700" cap="flat" cmpd="sng" algn="ctr">
+                      <a:solidFill>
+                        <a:scrgbClr r="0" g="0" b="0"/>
+                      </a:solidFill>
+                      <a:prstDash val="solid"/>
+                      <a:round/>
+                      <a:headEnd type="none" w="med" len="med"/>
+                      <a:tailEnd type="none" w="med" len="med"/>
+                    </a:lnL>
+                    <a:lnR w="12700" cap="flat" cmpd="sng" algn="ctr">
+                      <a:solidFill>
+                        <a:scrgbClr r="0" g="0" b="0"/>
+                      </a:solidFill>
+                      <a:prstDash val="solid"/>
+                      <a:round/>
+                      <a:headEnd type="none" w="med" len="med"/>
+                      <a:tailEnd type="none" w="med" len="med"/>
+                    </a:lnR>
+                    <a:lnT w="12700" cap="flat" cmpd="sng" algn="ctr">
+                      <a:solidFill>
+                        <a:scrgbClr r="0" g="0" b="0"/>
+                      </a:solidFill>
+                      <a:prstDash val="solid"/>
+                      <a:round/>
+                      <a:headEnd type="none" w="med" len="med"/>
+                      <a:tailEnd type="none" w="med" len="med"/>
+                    </a:lnT>
+                    <a:lnB w="12700" cap="flat" cmpd="sng" algn="ctr">
+                      <a:solidFill>
+                        <a:scrgbClr r="0" g="0" b="0"/>
+                      </a:solidFill>
+                      <a:prstDash val="solid"/>
+                      <a:round/>
+                      <a:headEnd type="none" w="med" len="med"/>
+                      <a:tailEnd type="none" w="med" len="med"/>
+                    </a:lnB>
+                  </a:tcPr>
+                </a:tc>
+              </a:tr>
+              <a:tr h="364531">
+                <a:tc>
+                  <a:txBody>
+                    <a:bodyPr/>
+                    <a:lstStyle/>
+                    <a:p>
+                      <a:r>
+                        <a:rPr lang="en-US" sz="2000" dirty="0" smtClean="0"/>
+                        <a:t>Marginal TP</a:t>
+                      </a:r>
+                      <a:endParaRPr lang="en-US" sz="2000" dirty="0"/>
+                    </a:p>
+                  </a:txBody>
+                  <a:tcPr>
+                    <a:lnL w="12700" cap="flat" cmpd="sng" algn="ctr">
+                      <a:solidFill>
+                        <a:scrgbClr r="0" g="0" b="0"/>
+                      </a:solidFill>
+                      <a:prstDash val="solid"/>
+                      <a:round/>
+                      <a:headEnd type="none" w="med" len="med"/>
+                      <a:tailEnd type="none" w="med" len="med"/>
+                    </a:lnL>
+                    <a:lnR w="12700" cap="flat" cmpd="sng" algn="ctr">
+                      <a:solidFill>
+                        <a:scrgbClr r="0" g="0" b="0"/>
+                      </a:solidFill>
+                      <a:prstDash val="solid"/>
+                      <a:round/>
+                      <a:headEnd type="none" w="med" len="med"/>
+                      <a:tailEnd type="none" w="med" len="med"/>
+                    </a:lnR>
+                    <a:lnT w="12700" cap="flat" cmpd="sng" algn="ctr">
+                      <a:solidFill>
+                        <a:scrgbClr r="0" g="0" b="0"/>
+                      </a:solidFill>
+                      <a:prstDash val="solid"/>
+                      <a:round/>
+                      <a:headEnd type="none" w="med" len="med"/>
+                      <a:tailEnd type="none" w="med" len="med"/>
+                    </a:lnT>
+                    <a:lnB w="12700" cap="flat" cmpd="sng" algn="ctr">
+                      <a:solidFill>
+                        <a:scrgbClr r="0" g="0" b="0"/>
+                      </a:solidFill>
+                      <a:prstDash val="solid"/>
+                      <a:round/>
+                      <a:headEnd type="none" w="med" len="med"/>
+                      <a:tailEnd type="none" w="med" len="med"/>
+                    </a:lnB>
+                    <a:solidFill>
+                      <a:srgbClr val="E7E5BA"/>
+                    </a:solidFill>
+                  </a:tcPr>
+                </a:tc>
+                <a:tc>
+                  <a:txBody>
+                    <a:bodyPr/>
+                    <a:lstStyle/>
+                    <a:p>
+                      <a:pPr algn="ctr"/>
+                      <a:r>
+                        <a:rPr lang="en-US" sz="2000" dirty="0" smtClean="0"/>
+                        <a:t>7.18</a:t>
+                      </a:r>
+                      <a:endParaRPr lang="en-US" sz="2000" dirty="0"/>
+                    </a:p>
+                  </a:txBody>
+                  <a:tcPr>
+                    <a:lnL w="12700" cap="flat" cmpd="sng" algn="ctr">
+                      <a:solidFill>
+                        <a:scrgbClr r="0" g="0" b="0"/>
+                      </a:solidFill>
+                      <a:prstDash val="solid"/>
+                      <a:round/>
+                      <a:headEnd type="none" w="med" len="med"/>
+                      <a:tailEnd type="none" w="med" len="med"/>
+                    </a:lnL>
+                    <a:lnR w="12700" cap="flat" cmpd="sng" algn="ctr">
+                      <a:solidFill>
+                        <a:scrgbClr r="0" g="0" b="0"/>
+                      </a:solidFill>
+                      <a:prstDash val="solid"/>
+                      <a:round/>
+                      <a:headEnd type="none" w="med" len="med"/>
+                      <a:tailEnd type="none" w="med" len="med"/>
+                    </a:lnR>
+                    <a:lnT w="12700" cap="flat" cmpd="sng" algn="ctr">
+                      <a:solidFill>
+                        <a:scrgbClr r="0" g="0" b="0"/>
+                      </a:solidFill>
+                      <a:prstDash val="solid"/>
+                      <a:round/>
+                      <a:headEnd type="none" w="med" len="med"/>
+                      <a:tailEnd type="none" w="med" len="med"/>
+                    </a:lnT>
+                    <a:lnB w="12700" cap="flat" cmpd="sng" algn="ctr">
+                      <a:solidFill>
+                        <a:scrgbClr r="0" g="0" b="0"/>
+                      </a:solidFill>
+                      <a:prstDash val="solid"/>
+                      <a:round/>
+                      <a:headEnd type="none" w="med" len="med"/>
+                      <a:tailEnd type="none" w="med" len="med"/>
+                    </a:lnB>
+                    <a:solidFill>
+                      <a:srgbClr val="E7E5BA"/>
+                    </a:solidFill>
+                  </a:tcPr>
+                </a:tc>
+                <a:tc>
+                  <a:txBody>
+                    <a:bodyPr/>
+                    <a:lstStyle/>
+                    <a:p>
+                      <a:pPr algn="ctr"/>
+                      <a:r>
+                        <a:rPr lang="en-US" sz="2000" dirty="0" smtClean="0"/>
+                        <a:t>5.76</a:t>
+                      </a:r>
+                      <a:endParaRPr lang="en-US" sz="2000" dirty="0"/>
+                    </a:p>
+                  </a:txBody>
+                  <a:tcPr>
+                    <a:lnL w="12700" cap="flat" cmpd="sng" algn="ctr">
+                      <a:solidFill>
+                        <a:scrgbClr r="0" g="0" b="0"/>
+                      </a:solidFill>
+                      <a:prstDash val="solid"/>
+                      <a:round/>
+                      <a:headEnd type="none" w="med" len="med"/>
+                      <a:tailEnd type="none" w="med" len="med"/>
+                    </a:lnL>
+                    <a:lnR w="12700" cap="flat" cmpd="sng" algn="ctr">
+                      <a:solidFill>
+                        <a:scrgbClr r="0" g="0" b="0"/>
+                      </a:solidFill>
+                      <a:prstDash val="solid"/>
+                      <a:round/>
+                      <a:headEnd type="none" w="med" len="med"/>
+                      <a:tailEnd type="none" w="med" len="med"/>
+                    </a:lnR>
+                    <a:lnT w="12700" cap="flat" cmpd="sng" algn="ctr">
+                      <a:solidFill>
+                        <a:scrgbClr r="0" g="0" b="0"/>
+                      </a:solidFill>
+                      <a:prstDash val="solid"/>
+                      <a:round/>
+                      <a:headEnd type="none" w="med" len="med"/>
+                      <a:tailEnd type="none" w="med" len="med"/>
+                    </a:lnT>
+                    <a:lnB w="12700" cap="flat" cmpd="sng" algn="ctr">
+                      <a:solidFill>
+                        <a:scrgbClr r="0" g="0" b="0"/>
+                      </a:solidFill>
+                      <a:prstDash val="solid"/>
+                      <a:round/>
+                      <a:headEnd type="none" w="med" len="med"/>
+                      <a:tailEnd type="none" w="med" len="med"/>
+                    </a:lnB>
+                    <a:solidFill>
+                      <a:srgbClr val="E7E5BA"/>
+                    </a:solidFill>
+                  </a:tcPr>
+                </a:tc>
+              </a:tr>
+              <a:tr h="364531">
+                <a:tc>
+                  <a:txBody>
+                    <a:bodyPr/>
+                    <a:lstStyle/>
+                    <a:p>
+                      <a:r>
+                        <a:rPr lang="en-US" sz="2000" dirty="0" smtClean="0"/>
+                        <a:t>Marginal FP</a:t>
+                      </a:r>
+                      <a:endParaRPr lang="en-US" sz="2000" dirty="0"/>
+                    </a:p>
+                  </a:txBody>
+                  <a:tcPr>
+                    <a:lnL w="12700" cap="flat" cmpd="sng" algn="ctr">
+                      <a:solidFill>
+                        <a:scrgbClr r="0" g="0" b="0"/>
+                      </a:solidFill>
+                      <a:prstDash val="solid"/>
+                      <a:round/>
+                      <a:headEnd type="none" w="med" len="med"/>
+                      <a:tailEnd type="none" w="med" len="med"/>
+                    </a:lnL>
+                    <a:lnR w="12700" cap="flat" cmpd="sng" algn="ctr">
+                      <a:solidFill>
+                        <a:scrgbClr r="0" g="0" b="0"/>
+                      </a:solidFill>
+                      <a:prstDash val="solid"/>
+                      <a:round/>
+                      <a:headEnd type="none" w="med" len="med"/>
+                      <a:tailEnd type="none" w="med" len="med"/>
+                    </a:lnR>
+                    <a:lnT w="12700" cap="flat" cmpd="sng" algn="ctr">
+                      <a:solidFill>
+                        <a:scrgbClr r="0" g="0" b="0"/>
+                      </a:solidFill>
+                      <a:prstDash val="solid"/>
+                      <a:round/>
+                      <a:headEnd type="none" w="med" len="med"/>
+                      <a:tailEnd type="none" w="med" len="med"/>
+                    </a:lnT>
+                    <a:lnB w="12700" cap="flat" cmpd="sng" algn="ctr">
+                      <a:solidFill>
+                        <a:scrgbClr r="0" g="0" b="0"/>
+                      </a:solidFill>
+                      <a:prstDash val="solid"/>
+                      <a:round/>
+                      <a:headEnd type="none" w="med" len="med"/>
+                      <a:tailEnd type="none" w="med" len="med"/>
+                    </a:lnB>
+                  </a:tcPr>
+                </a:tc>
+                <a:tc>
+                  <a:txBody>
+                    <a:bodyPr/>
+                    <a:lstStyle/>
+                    <a:p>
+                      <a:pPr algn="ctr"/>
+                      <a:r>
+                        <a:rPr lang="en-US" sz="2000" dirty="0" smtClean="0"/>
+                        <a:t>0.06</a:t>
+                      </a:r>
+                      <a:endParaRPr lang="en-US" sz="2000" dirty="0"/>
+                    </a:p>
+                  </a:txBody>
+                  <a:tcPr>
+                    <a:lnL w="12700" cap="flat" cmpd="sng" algn="ctr">
+                      <a:solidFill>
+                        <a:scrgbClr r="0" g="0" b="0"/>
+                      </a:solidFill>
+                      <a:prstDash val="solid"/>
+                      <a:round/>
+                      <a:headEnd type="none" w="med" len="med"/>
+                      <a:tailEnd type="none" w="med" len="med"/>
+                    </a:lnL>
+                    <a:lnR w="12700" cap="flat" cmpd="sng" algn="ctr">
+                      <a:solidFill>
+                        <a:scrgbClr r="0" g="0" b="0"/>
+                      </a:solidFill>
+                      <a:prstDash val="solid"/>
+                      <a:round/>
+                      <a:headEnd type="none" w="med" len="med"/>
+                      <a:tailEnd type="none" w="med" len="med"/>
+                    </a:lnR>
+                    <a:lnT w="12700" cap="flat" cmpd="sng" algn="ctr">
+                      <a:solidFill>
+                        <a:scrgbClr r="0" g="0" b="0"/>
+                      </a:solidFill>
+                      <a:prstDash val="solid"/>
+                      <a:round/>
+                      <a:headEnd type="none" w="med" len="med"/>
+                      <a:tailEnd type="none" w="med" len="med"/>
+                    </a:lnT>
+                    <a:lnB w="12700" cap="flat" cmpd="sng" algn="ctr">
+                      <a:solidFill>
+                        <a:scrgbClr r="0" g="0" b="0"/>
+                      </a:solidFill>
+                      <a:prstDash val="solid"/>
+                      <a:round/>
+                      <a:headEnd type="none" w="med" len="med"/>
+                      <a:tailEnd type="none" w="med" len="med"/>
+                    </a:lnB>
+                  </a:tcPr>
+                </a:tc>
+                <a:tc>
+                  <a:txBody>
+                    <a:bodyPr/>
+                    <a:lstStyle/>
+                    <a:p>
+                      <a:pPr algn="ctr"/>
+                      <a:r>
+                        <a:rPr lang="en-US" sz="2000" dirty="0" smtClean="0"/>
+                        <a:t>0.02</a:t>
+                      </a:r>
+                      <a:endParaRPr lang="en-US" sz="2000" dirty="0"/>
+                    </a:p>
+                  </a:txBody>
+                  <a:tcPr>
+                    <a:lnL w="12700" cap="flat" cmpd="sng" algn="ctr">
+                      <a:solidFill>
+                        <a:scrgbClr r="0" g="0" b="0"/>
+                      </a:solidFill>
+                      <a:prstDash val="solid"/>
+                      <a:round/>
+                      <a:headEnd type="none" w="med" len="med"/>
+                      <a:tailEnd type="none" w="med" len="med"/>
+                    </a:lnL>
+                    <a:lnR w="12700" cap="flat" cmpd="sng" algn="ctr">
+                      <a:solidFill>
+                        <a:scrgbClr r="0" g="0" b="0"/>
+                      </a:solidFill>
+                      <a:prstDash val="solid"/>
+                      <a:round/>
+                      <a:headEnd type="none" w="med" len="med"/>
+                      <a:tailEnd type="none" w="med" len="med"/>
+                    </a:lnR>
+                    <a:lnT w="12700" cap="flat" cmpd="sng" algn="ctr">
+                      <a:solidFill>
+                        <a:scrgbClr r="0" g="0" b="0"/>
+                      </a:solidFill>
+                      <a:prstDash val="solid"/>
+                      <a:round/>
+                      <a:headEnd type="none" w="med" len="med"/>
+                      <a:tailEnd type="none" w="med" len="med"/>
+                    </a:lnT>
+                    <a:lnB w="12700" cap="flat" cmpd="sng" algn="ctr">
+                      <a:solidFill>
+                        <a:scrgbClr r="0" g="0" b="0"/>
+                      </a:solidFill>
+                      <a:prstDash val="solid"/>
+                      <a:round/>
+                      <a:headEnd type="none" w="med" len="med"/>
+                      <a:tailEnd type="none" w="med" len="med"/>
+                    </a:lnB>
+                  </a:tcPr>
+                </a:tc>
+              </a:tr>
+            </a:tbl>
+          </a:graphicData>
+        </a:graphic>
+      </p:graphicFrame>
+      <p:sp>
+        <p:nvSpPr>
+          <p:cNvPr id="5" name="TextBox 4"/>
+          <p:cNvSpPr txBox="1"/>
+          <p:nvPr/>
+        </p:nvSpPr>
+        <p:spPr>
+          <a:xfrm>
+            <a:off x="1908706" y="4523881"/>
+            <a:ext cx="4971103" cy="369332"/>
+          </a:xfrm>
+          <a:prstGeom prst="rect">
+            <a:avLst/>
+          </a:prstGeom>
+          <a:noFill/>
+        </p:spPr>
+        <p:txBody>
+          <a:bodyPr wrap="square" rtlCol="0">
+            <a:spAutoFit/>
+          </a:bodyPr>
+          <a:lstStyle/>
+          <a:p>
+            <a:r>
+              <a:rPr lang="en-US" dirty="0" smtClean="0"/>
+              <a:t>      = </a:t>
+            </a:r>
+            <a:r>
+              <a:rPr lang="en-US" dirty="0" smtClean="0"/>
+              <a:t>false positives (lower means good</a:t>
+            </a:r>
+            <a:r>
+              <a:rPr lang="en-US" dirty="0" smtClean="0"/>
+              <a:t>)</a:t>
+            </a:r>
+          </a:p>
+        </p:txBody>
+      </p:sp>
+      <p:sp>
+        <p:nvSpPr>
+          <p:cNvPr id="8" name="Rectangle 7"/>
+          <p:cNvSpPr/>
+          <p:nvPr/>
+        </p:nvSpPr>
+        <p:spPr>
+          <a:xfrm>
+            <a:off x="2280234" y="4014836"/>
+            <a:ext cx="3937722" cy="369332"/>
+          </a:xfrm>
+          <a:prstGeom prst="rect">
+            <a:avLst/>
+          </a:prstGeom>
+        </p:spPr>
+        <p:txBody>
+          <a:bodyPr wrap="none">
+            <a:spAutoFit/>
+          </a:bodyPr>
+          <a:lstStyle/>
+          <a:p>
+            <a:r>
+              <a:rPr lang="en-US" dirty="0"/>
+              <a:t>= true positives (higher means good)</a:t>
+            </a:r>
+          </a:p>
+        </p:txBody>
+      </p:sp>
+      <p:graphicFrame>
+        <p:nvGraphicFramePr>
+          <p:cNvPr id="12" name="Table 11"/>
+          <p:cNvGraphicFramePr>
+            <a:graphicFrameLocks noGrp="1"/>
+          </p:cNvGraphicFramePr>
+          <p:nvPr>
+            <p:extLst>
+              <p:ext uri="{D42A27DB-BD31-4B8C-83A1-F6EECF244321}">
+                <p14:modId xmlns:p14="http://schemas.microsoft.com/office/powerpoint/2010/main" val="2284265513"/>
+              </p:ext>
+            </p:extLst>
+          </p:nvPr>
+        </p:nvGraphicFramePr>
+        <p:xfrm>
+          <a:off x="1787715" y="3990482"/>
+          <a:ext cx="374952" cy="370840"/>
+        </p:xfrm>
+        <a:graphic>
+          <a:graphicData uri="http://schemas.openxmlformats.org/drawingml/2006/table">
+            <a:tbl>
+              <a:tblPr firstRow="1" bandRow="1">
+                <a:tableStyleId>{2D5ABB26-0587-4C30-8999-92F81FD0307C}</a:tableStyleId>
+              </a:tblPr>
+              <a:tblGrid>
+                <a:gridCol w="374952"/>
+              </a:tblGrid>
+              <a:tr h="370840">
+                <a:tc>
+                  <a:txBody>
+                    <a:bodyPr/>
+                    <a:lstStyle/>
+                    <a:p>
+                      <a:endParaRPr lang="en-US" dirty="0"/>
+                    </a:p>
+                  </a:txBody>
+                  <a:tcPr>
+                    <a:solidFill>
+                      <a:srgbClr val="E7E5BA"/>
+                    </a:solidFill>
+                  </a:tcPr>
+                </a:tc>
+              </a:tr>
+            </a:tbl>
+          </a:graphicData>
+        </a:graphic>
+      </p:graphicFrame>
+      <p:sp>
+        <p:nvSpPr>
+          <p:cNvPr id="13" name="Rectangle 12"/>
+          <p:cNvSpPr/>
+          <p:nvPr/>
+        </p:nvSpPr>
+        <p:spPr>
+          <a:xfrm>
+            <a:off x="1343777" y="4548235"/>
+            <a:ext cx="184666" cy="369332"/>
+          </a:xfrm>
+          <a:prstGeom prst="rect">
+            <a:avLst/>
+          </a:prstGeom>
+        </p:spPr>
+        <p:txBody>
+          <a:bodyPr wrap="none">
+            <a:spAutoFit/>
+          </a:bodyPr>
+          <a:lstStyle/>
+          <a:p>
+            <a:r>
+              <a:rPr lang="en-US" dirty="0" smtClean="0"/>
+              <a:t>  </a:t>
+            </a:r>
+            <a:endParaRPr lang="en-US" dirty="0"/>
+          </a:p>
+        </p:txBody>
+      </p:sp>
+      <p:graphicFrame>
+        <p:nvGraphicFramePr>
+          <p:cNvPr id="14" name="Table 13"/>
+          <p:cNvGraphicFramePr>
+            <a:graphicFrameLocks noGrp="1"/>
+          </p:cNvGraphicFramePr>
+          <p:nvPr>
+            <p:extLst>
+              <p:ext uri="{D42A27DB-BD31-4B8C-83A1-F6EECF244321}">
+                <p14:modId xmlns:p14="http://schemas.microsoft.com/office/powerpoint/2010/main" val="1578876751"/>
+              </p:ext>
+            </p:extLst>
+          </p:nvPr>
+        </p:nvGraphicFramePr>
+        <p:xfrm>
+          <a:off x="1815533" y="4523881"/>
+          <a:ext cx="347134" cy="370840"/>
+        </p:xfrm>
+        <a:graphic>
+          <a:graphicData uri="http://schemas.openxmlformats.org/drawingml/2006/table">
+            <a:tbl>
+              <a:tblPr firstRow="1" bandRow="1">
+                <a:tableStyleId>{2D5ABB26-0587-4C30-8999-92F81FD0307C}</a:tableStyleId>
+              </a:tblPr>
+              <a:tblGrid>
+                <a:gridCol w="347134"/>
+              </a:tblGrid>
+              <a:tr h="370840">
+                <a:tc>
+                  <a:txBody>
+                    <a:bodyPr/>
+                    <a:lstStyle/>
+                    <a:p>
+                      <a:r>
+                        <a:rPr lang="en-US" dirty="0" smtClean="0"/>
+                        <a:t> </a:t>
+                      </a:r>
+                      <a:endParaRPr lang="en-US" dirty="0"/>
+                    </a:p>
+                  </a:txBody>
+                  <a:tcPr>
+                    <a:lnL w="12700" cap="flat" cmpd="sng" algn="ctr">
+                      <a:solidFill>
+                        <a:scrgbClr r="0" g="0" b="0"/>
+                      </a:solidFill>
+                      <a:prstDash val="solid"/>
+                      <a:round/>
+                      <a:headEnd type="none" w="med" len="med"/>
+                      <a:tailEnd type="none" w="med" len="med"/>
+                    </a:lnL>
+                    <a:lnR w="12700" cap="flat" cmpd="sng" algn="ctr">
+                      <a:solidFill>
+                        <a:scrgbClr r="0" g="0" b="0"/>
+                      </a:solidFill>
+                      <a:prstDash val="solid"/>
+                      <a:round/>
+                      <a:headEnd type="none" w="med" len="med"/>
+                      <a:tailEnd type="none" w="med" len="med"/>
+                    </a:lnR>
+                    <a:lnT w="12700" cap="flat" cmpd="sng" algn="ctr">
+                      <a:solidFill>
+                        <a:scrgbClr r="0" g="0" b="0"/>
+                      </a:solidFill>
+                      <a:prstDash val="solid"/>
+                      <a:round/>
+                      <a:headEnd type="none" w="med" len="med"/>
+                      <a:tailEnd type="none" w="med" len="med"/>
+                    </a:lnT>
+                    <a:lnB w="12700" cap="flat" cmpd="sng" algn="ctr">
+                      <a:solidFill>
+                        <a:scrgbClr r="0" g="0" b="0"/>
+                      </a:solidFill>
+                      <a:prstDash val="solid"/>
+                      <a:round/>
+                      <a:headEnd type="none" w="med" len="med"/>
+                      <a:tailEnd type="none" w="med" len="med"/>
+                    </a:lnB>
+                  </a:tcPr>
+                </a:tc>
+              </a:tr>
+            </a:tbl>
+          </a:graphicData>
+        </a:graphic>
+      </p:graphicFrame>
+      <p:sp>
+        <p:nvSpPr>
+          <p:cNvPr id="16" name="TextBox 15"/>
+          <p:cNvSpPr txBox="1"/>
+          <p:nvPr/>
+        </p:nvSpPr>
+        <p:spPr>
+          <a:xfrm>
+            <a:off x="1908706" y="5006222"/>
+            <a:ext cx="3507616" cy="369332"/>
+          </a:xfrm>
+          <a:prstGeom prst="rect">
+            <a:avLst/>
+          </a:prstGeom>
+          <a:noFill/>
+        </p:spPr>
+        <p:txBody>
+          <a:bodyPr wrap="none" rtlCol="0">
+            <a:spAutoFit/>
+          </a:bodyPr>
+          <a:lstStyle/>
+          <a:p>
+            <a:r>
+              <a:rPr lang="en-US" dirty="0" smtClean="0"/>
+              <a:t>Simulation with 10 causal SNPs.</a:t>
+            </a:r>
+            <a:endParaRPr lang="en-US" dirty="0"/>
+          </a:p>
+        </p:txBody>
+      </p:sp>
+      <p:sp>
+        <p:nvSpPr>
+          <p:cNvPr id="17" name="TextBox 16"/>
+          <p:cNvSpPr txBox="1"/>
+          <p:nvPr/>
+        </p:nvSpPr>
+        <p:spPr>
+          <a:xfrm>
+            <a:off x="647097" y="5776777"/>
+            <a:ext cx="7330240" cy="477054"/>
+          </a:xfrm>
+          <a:prstGeom prst="rect">
+            <a:avLst/>
+          </a:prstGeom>
+          <a:noFill/>
+        </p:spPr>
+        <p:txBody>
+          <a:bodyPr wrap="none" rtlCol="0">
+            <a:spAutoFit/>
+          </a:bodyPr>
+          <a:lstStyle/>
+          <a:p>
+            <a:r>
+              <a:rPr lang="en-US" sz="2500" dirty="0" smtClean="0"/>
+              <a:t>Conclusion: False positive rate very high for lasso.</a:t>
+            </a:r>
+            <a:endParaRPr lang="en-US" sz="2500" dirty="0"/>
+          </a:p>
+        </p:txBody>
+      </p:sp>
+      <p:sp>
+        <p:nvSpPr>
+          <p:cNvPr id="18" name="Frame 17"/>
+          <p:cNvSpPr/>
+          <p:nvPr/>
+        </p:nvSpPr>
+        <p:spPr>
+          <a:xfrm>
+            <a:off x="532192" y="5685637"/>
+            <a:ext cx="7505094" cy="620590"/>
+          </a:xfrm>
+          <a:prstGeom prst="frame">
+            <a:avLst>
+              <a:gd name="adj1" fmla="val 4973"/>
+            </a:avLst>
+          </a:prstGeom>
+          <a:solidFill>
+            <a:srgbClr val="FF0000"/>
+          </a:solidFill>
+          <a:ln>
+            <a:solidFill>
+              <a:srgbClr val="FF0000"/>
+            </a:solidFill>
+          </a:ln>
+        </p:spPr>
+        <p:style>
+          <a:lnRef idx="1">
+            <a:schemeClr val="accent1"/>
+          </a:lnRef>
+          <a:fillRef idx="3">
+            <a:schemeClr val="accent1"/>
+          </a:fillRef>
+          <a:effectRef idx="2">
+            <a:schemeClr val="accent1"/>
+          </a:effectRef>
+          <a:fontRef idx="minor">
+            <a:schemeClr val="lt1"/>
+          </a:fontRef>
+        </p:style>
+        <p:txBody>
+          <a:bodyPr rtlCol="0" anchor="ctr"/>
+          <a:lstStyle/>
+          <a:p>
+            <a:pPr algn="ctr"/>
+            <a:endParaRPr lang="en-US">
+              <a:solidFill>
+                <a:schemeClr val="tx1"/>
+              </a:solidFill>
+            </a:endParaRPr>
+          </a:p>
+        </p:txBody>
+      </p:sp>
+      <p:sp>
+        <p:nvSpPr>
+          <p:cNvPr id="20" name="Rectangle 19"/>
+          <p:cNvSpPr/>
+          <p:nvPr/>
+        </p:nvSpPr>
+        <p:spPr>
+          <a:xfrm>
+            <a:off x="0" y="6581001"/>
+            <a:ext cx="6340324" cy="276999"/>
+          </a:xfrm>
+          <a:prstGeom prst="rect">
+            <a:avLst/>
+          </a:prstGeom>
+        </p:spPr>
+        <p:txBody>
+          <a:bodyPr wrap="square">
+            <a:spAutoFit/>
+          </a:bodyPr>
+          <a:lstStyle/>
+          <a:p>
+            <a:r>
+              <a:rPr lang="en-US" sz="1200" dirty="0" smtClean="0"/>
+              <a:t>Code: https</a:t>
+            </a:r>
+            <a:r>
+              <a:rPr lang="en-US" sz="1200" dirty="0"/>
+              <a:t>://</a:t>
+            </a:r>
+            <a:r>
+              <a:rPr lang="en-US" sz="1200" dirty="0" err="1"/>
+              <a:t>github.com</a:t>
+            </a:r>
+            <a:r>
+              <a:rPr lang="en-US" sz="1200" dirty="0"/>
+              <a:t>/</a:t>
+            </a:r>
+            <a:r>
+              <a:rPr lang="en-US" sz="1200" dirty="0" err="1"/>
+              <a:t>OpenMendel</a:t>
+            </a:r>
+            <a:r>
+              <a:rPr lang="en-US" sz="1200" dirty="0"/>
+              <a:t>/</a:t>
+            </a:r>
+            <a:r>
+              <a:rPr lang="en-US" sz="1200" dirty="0" err="1"/>
+              <a:t>MendelIHT.jl</a:t>
+            </a:r>
+            <a:r>
+              <a:rPr lang="en-US" sz="1200" dirty="0"/>
+              <a:t>/tree/master/figures/repeats</a:t>
+            </a:r>
+          </a:p>
+        </p:txBody>
+      </p:sp>
+      <p:sp>
+        <p:nvSpPr>
+          <p:cNvPr id="21" name="Slide Number Placeholder 4"/>
           <p:cNvSpPr>
             <a:spLocks noGrp="1"/>
           </p:cNvSpPr>
           <p:nvPr>
-            <p:ph idx="1"/>
+            <p:ph type="sldNum" sz="quarter" idx="12"/>
           </p:nvPr>
         </p:nvSpPr>
-        <p:spPr/>
+        <p:spPr>
+          <a:xfrm>
+            <a:off x="7620000" y="24336"/>
+            <a:ext cx="1066800" cy="329184"/>
+          </a:xfrm>
+        </p:spPr>
         <p:txBody>
           <a:bodyPr/>
           <a:lstStyle/>
           <a:p>
+            <a:fld id="{4C958359-9322-6441-8715-055CBE9441BE}" type="slidenum">
+              <a:rPr lang="en-US" sz="1600" smtClean="0"/>
+              <a:t>12</a:t>
+            </a:fld>
+            <a:r>
+              <a:rPr lang="en-US" sz="1600" dirty="0" smtClean="0"/>
+              <a:t>/</a:t>
+            </a:r>
+            <a:r>
+              <a:rPr lang="en-US" sz="1600" dirty="0" smtClean="0"/>
+              <a:t>17</a:t>
+            </a:r>
+            <a:endParaRPr lang="en-US" sz="1600" dirty="0"/>
+          </a:p>
+        </p:txBody>
+      </p:sp>
+    </p:spTree>
+    <p:extLst>
+      <p:ext uri="{BB962C8B-B14F-4D97-AF65-F5344CB8AC3E}">
+        <p14:creationId xmlns:p14="http://schemas.microsoft.com/office/powerpoint/2010/main" val="1262810071"/>
+      </p:ext>
+    </p:extLst>
+  </p:cSld>
+  <p:clrMapOvr>
+    <a:masterClrMapping/>
+  </p:clrMapOvr>
+  <p:timing>
+    <p:tnLst>
+      <p:par>
+        <p:cTn xmlns:p14="http://schemas.microsoft.com/office/powerpoint/2010/main" id="1" dur="indefinite" restart="never" nodeType="tmRoot"/>
+      </p:par>
+    </p:tnLst>
+  </p:timing>
+</p:sld>
+</file>
+
+<file path=ppt/slides/slide13.xml><?xml version="1.0" encoding="utf-8"?>
+<p:sld xmlns:a="http://schemas.openxmlformats.org/drawingml/2006/main" xmlns:r="http://schemas.openxmlformats.org/officeDocument/2006/relationships" xmlns:p="http://schemas.openxmlformats.org/presentationml/2006/main">
+  <p:cSld>
+    <p:spTree>
+      <p:nvGrpSpPr>
+        <p:cNvPr id="1" name=""/>
+        <p:cNvGrpSpPr/>
+        <p:nvPr/>
+      </p:nvGrpSpPr>
+      <p:grpSpPr>
+        <a:xfrm>
+          <a:off x="0" y="0"/>
+          <a:ext cx="0" cy="0"/>
+          <a:chOff x="0" y="0"/>
+          <a:chExt cx="0" cy="0"/>
+        </a:xfrm>
+      </p:grpSpPr>
+      <p:sp>
+        <p:nvSpPr>
+          <p:cNvPr id="2" name="Title 1"/>
+          <p:cNvSpPr>
+            <a:spLocks noGrp="1"/>
+          </p:cNvSpPr>
+          <p:nvPr>
+            <p:ph type="title"/>
+          </p:nvPr>
+        </p:nvSpPr>
+        <p:spPr>
+          <a:xfrm>
+            <a:off x="457199" y="533400"/>
+            <a:ext cx="8644468" cy="990600"/>
+          </a:xfrm>
+        </p:spPr>
+        <p:txBody>
+          <a:bodyPr>
+            <a:noAutofit/>
+          </a:bodyPr>
+          <a:lstStyle/>
+          <a:p>
+            <a:r>
+              <a:rPr lang="en-US" sz="3000" dirty="0" smtClean="0"/>
+              <a:t>Lasso’s high false positives are</a:t>
+            </a:r>
+            <a:r>
+              <a:rPr lang="en-US" sz="3000" dirty="0" smtClean="0"/>
+              <a:t> due to shrinkage</a:t>
+            </a:r>
+            <a:endParaRPr lang="en-US" sz="3000" dirty="0"/>
+          </a:p>
+        </p:txBody>
+      </p:sp>
+      <p:pic>
+        <p:nvPicPr>
+          <p:cNvPr id="4" name="Picture 3" descr="shrinkage2.png"/>
+          <p:cNvPicPr>
+            <a:picLocks noChangeAspect="1"/>
+          </p:cNvPicPr>
+          <p:nvPr/>
+        </p:nvPicPr>
+        <p:blipFill>
+          <a:blip r:embed="rId2">
+            <a:extLst>
+              <a:ext uri="{28A0092B-C50C-407E-A947-70E740481C1C}">
+                <a14:useLocalDpi xmlns:a14="http://schemas.microsoft.com/office/drawing/2010/main" val="0"/>
+              </a:ext>
+            </a:extLst>
+          </a:blip>
+          <a:stretch>
+            <a:fillRect/>
+          </a:stretch>
+        </p:blipFill>
+        <p:spPr>
+          <a:xfrm>
+            <a:off x="622905" y="1931938"/>
+            <a:ext cx="7813524" cy="2384082"/>
+          </a:xfrm>
+          <a:prstGeom prst="rect">
+            <a:avLst/>
+          </a:prstGeom>
+        </p:spPr>
+      </p:pic>
+      <p:sp>
+        <p:nvSpPr>
+          <p:cNvPr id="5" name="TextBox 4"/>
+          <p:cNvSpPr txBox="1"/>
+          <p:nvPr/>
+        </p:nvSpPr>
+        <p:spPr>
+          <a:xfrm>
+            <a:off x="708198" y="4649855"/>
+            <a:ext cx="6933246" cy="923330"/>
+          </a:xfrm>
+          <a:prstGeom prst="rect">
+            <a:avLst/>
+          </a:prstGeom>
+          <a:noFill/>
+        </p:spPr>
+        <p:txBody>
+          <a:bodyPr wrap="none" rtlCol="0">
+            <a:spAutoFit/>
+          </a:bodyPr>
+          <a:lstStyle/>
+          <a:p>
+            <a:r>
+              <a:rPr lang="en-US" dirty="0" smtClean="0"/>
+              <a:t>Lasso (left): All parameters are shrunk towards 0 (biased for all)</a:t>
+            </a:r>
+          </a:p>
+          <a:p>
+            <a:r>
+              <a:rPr lang="en-US" dirty="0" smtClean="0"/>
+              <a:t>MCP  (mid): Unbiased for </a:t>
+            </a:r>
+            <a:r>
+              <a:rPr lang="en-US" i="1" dirty="0" smtClean="0"/>
+              <a:t>large </a:t>
+            </a:r>
+            <a:r>
+              <a:rPr lang="en-US" dirty="0" smtClean="0"/>
+              <a:t>effects but biased for small effects. </a:t>
+            </a:r>
+          </a:p>
+          <a:p>
+            <a:r>
+              <a:rPr lang="en-US" dirty="0" smtClean="0"/>
+              <a:t>IHT   (right): Unbiased for all non-zero effects</a:t>
+            </a:r>
             <a:endParaRPr lang="en-US" dirty="0"/>
+          </a:p>
+        </p:txBody>
+      </p:sp>
+      <p:sp>
+        <p:nvSpPr>
+          <p:cNvPr id="6" name="TextBox 5"/>
+          <p:cNvSpPr txBox="1"/>
+          <p:nvPr/>
+        </p:nvSpPr>
+        <p:spPr>
+          <a:xfrm>
+            <a:off x="1088571" y="5817809"/>
+            <a:ext cx="6307667" cy="646331"/>
+          </a:xfrm>
+          <a:prstGeom prst="rect">
+            <a:avLst/>
+          </a:prstGeom>
+          <a:noFill/>
+        </p:spPr>
+        <p:txBody>
+          <a:bodyPr wrap="square" rtlCol="0">
+            <a:spAutoFit/>
+          </a:bodyPr>
+          <a:lstStyle/>
+          <a:p>
+            <a:pPr algn="ctr"/>
+            <a:r>
+              <a:rPr lang="en-US" dirty="0" smtClean="0"/>
+              <a:t>Lasso’s shrinkage leaves much trait variance unexplained, which are filled by false positives. </a:t>
+            </a:r>
+            <a:endParaRPr lang="en-US" dirty="0"/>
+          </a:p>
+        </p:txBody>
+      </p:sp>
+      <p:sp>
+        <p:nvSpPr>
+          <p:cNvPr id="7" name="Frame 6"/>
+          <p:cNvSpPr/>
+          <p:nvPr/>
+        </p:nvSpPr>
+        <p:spPr>
+          <a:xfrm>
+            <a:off x="1088571" y="5745238"/>
+            <a:ext cx="6513285" cy="852714"/>
+          </a:xfrm>
+          <a:prstGeom prst="frame">
+            <a:avLst>
+              <a:gd name="adj1" fmla="val 2571"/>
+            </a:avLst>
+          </a:prstGeom>
+          <a:solidFill>
+            <a:srgbClr val="FF0000"/>
+          </a:solidFill>
+          <a:ln>
+            <a:solidFill>
+              <a:srgbClr val="FF0000"/>
+            </a:solidFill>
+          </a:ln>
+        </p:spPr>
+        <p:style>
+          <a:lnRef idx="1">
+            <a:schemeClr val="accent1"/>
+          </a:lnRef>
+          <a:fillRef idx="3">
+            <a:schemeClr val="accent1"/>
+          </a:fillRef>
+          <a:effectRef idx="2">
+            <a:schemeClr val="accent1"/>
+          </a:effectRef>
+          <a:fontRef idx="minor">
+            <a:schemeClr val="lt1"/>
+          </a:fontRef>
+        </p:style>
+        <p:txBody>
+          <a:bodyPr rtlCol="0" anchor="ctr"/>
+          <a:lstStyle/>
+          <a:p>
+            <a:pPr algn="ctr"/>
+            <a:endParaRPr lang="en-US">
+              <a:solidFill>
+                <a:schemeClr val="tx1"/>
+              </a:solidFill>
+            </a:endParaRPr>
+          </a:p>
+        </p:txBody>
+      </p:sp>
+      <p:sp>
+        <p:nvSpPr>
+          <p:cNvPr id="8" name="Slide Number Placeholder 4"/>
+          <p:cNvSpPr>
+            <a:spLocks noGrp="1"/>
+          </p:cNvSpPr>
+          <p:nvPr>
+            <p:ph type="sldNum" sz="quarter" idx="12"/>
+          </p:nvPr>
+        </p:nvSpPr>
+        <p:spPr>
+          <a:xfrm>
+            <a:off x="7620000" y="18288"/>
+            <a:ext cx="1066800" cy="329184"/>
+          </a:xfrm>
+        </p:spPr>
+        <p:txBody>
+          <a:bodyPr/>
+          <a:lstStyle/>
+          <a:p>
+            <a:fld id="{4C958359-9322-6441-8715-055CBE9441BE}" type="slidenum">
+              <a:rPr lang="en-US" sz="1600" smtClean="0"/>
+              <a:t>13</a:t>
+            </a:fld>
+            <a:r>
+              <a:rPr lang="en-US" sz="1600" dirty="0" smtClean="0"/>
+              <a:t>/</a:t>
+            </a:r>
+            <a:r>
+              <a:rPr lang="en-US" sz="1600" dirty="0" smtClean="0"/>
+              <a:t>17</a:t>
+            </a:r>
+            <a:endParaRPr lang="en-US" sz="1600" dirty="0"/>
           </a:p>
         </p:txBody>
       </p:sp>
@@ -4646,6 +6426,3853 @@
   <p:clrMapOvr>
     <a:masterClrMapping/>
   </p:clrMapOvr>
+  <p:timing>
+    <p:tnLst>
+      <p:par>
+        <p:cTn xmlns:p14="http://schemas.microsoft.com/office/powerpoint/2010/main" id="1" dur="indefinite" restart="never" nodeType="tmRoot"/>
+      </p:par>
+    </p:tnLst>
+  </p:timing>
+</p:sld>
+</file>
+
+<file path=ppt/slides/slide14.xml><?xml version="1.0" encoding="utf-8"?>
+<p:sld xmlns:a="http://schemas.openxmlformats.org/drawingml/2006/main" xmlns:r="http://schemas.openxmlformats.org/officeDocument/2006/relationships" xmlns:p="http://schemas.openxmlformats.org/presentationml/2006/main">
+  <p:cSld>
+    <p:spTree>
+      <p:nvGrpSpPr>
+        <p:cNvPr id="1" name=""/>
+        <p:cNvGrpSpPr/>
+        <p:nvPr/>
+      </p:nvGrpSpPr>
+      <p:grpSpPr>
+        <a:xfrm>
+          <a:off x="0" y="0"/>
+          <a:ext cx="0" cy="0"/>
+          <a:chOff x="0" y="0"/>
+          <a:chExt cx="0" cy="0"/>
+        </a:xfrm>
+      </p:grpSpPr>
+      <p:sp>
+        <p:nvSpPr>
+          <p:cNvPr id="2" name="Title 1"/>
+          <p:cNvSpPr>
+            <a:spLocks noGrp="1"/>
+          </p:cNvSpPr>
+          <p:nvPr>
+            <p:ph type="title"/>
+          </p:nvPr>
+        </p:nvSpPr>
+        <p:spPr>
+          <a:xfrm>
+            <a:off x="457199" y="533400"/>
+            <a:ext cx="8481181" cy="990600"/>
+          </a:xfrm>
+        </p:spPr>
+        <p:txBody>
+          <a:bodyPr>
+            <a:noAutofit/>
+          </a:bodyPr>
+          <a:lstStyle/>
+          <a:p>
+            <a:r>
+              <a:rPr lang="en-US" sz="3200" dirty="0" smtClean="0"/>
+              <a:t>Case study: parameter estimates in IHT </a:t>
+            </a:r>
+            <a:r>
+              <a:rPr lang="en-US" sz="3200" dirty="0" err="1" smtClean="0"/>
+              <a:t>vs</a:t>
+            </a:r>
+            <a:r>
+              <a:rPr lang="en-US" sz="3200" dirty="0" smtClean="0"/>
+              <a:t> lasso</a:t>
+            </a:r>
+            <a:endParaRPr lang="en-US" sz="3200" dirty="0"/>
+          </a:p>
+        </p:txBody>
+      </p:sp>
+      <p:graphicFrame>
+        <p:nvGraphicFramePr>
+          <p:cNvPr id="5" name="Table 4"/>
+          <p:cNvGraphicFramePr>
+            <a:graphicFrameLocks noGrp="1"/>
+          </p:cNvGraphicFramePr>
+          <p:nvPr>
+            <p:extLst>
+              <p:ext uri="{D42A27DB-BD31-4B8C-83A1-F6EECF244321}">
+                <p14:modId xmlns:p14="http://schemas.microsoft.com/office/powerpoint/2010/main" val="2186695690"/>
+              </p:ext>
+            </p:extLst>
+          </p:nvPr>
+        </p:nvGraphicFramePr>
+        <p:xfrm>
+          <a:off x="393095" y="1974667"/>
+          <a:ext cx="8115904" cy="1097280"/>
+        </p:xfrm>
+        <a:graphic>
+          <a:graphicData uri="http://schemas.openxmlformats.org/drawingml/2006/table">
+            <a:tbl>
+              <a:tblPr firstRow="1" bandRow="1">
+                <a:tableStyleId>{F2DE63D5-997A-4646-A377-4702673A728D}</a:tableStyleId>
+              </a:tblPr>
+              <a:tblGrid>
+                <a:gridCol w="1501164"/>
+                <a:gridCol w="1322948"/>
+                <a:gridCol w="1322948"/>
+                <a:gridCol w="1322948"/>
+                <a:gridCol w="1322948"/>
+                <a:gridCol w="1322948"/>
+              </a:tblGrid>
+              <a:tr h="335523">
+                <a:tc>
+                  <a:txBody>
+                    <a:bodyPr/>
+                    <a:lstStyle/>
+                    <a:p>
+                      <a:pPr algn="ctr"/>
+                      <a:r>
+                        <a:rPr lang="en-US" dirty="0" smtClean="0"/>
+                        <a:t>True</a:t>
+                      </a:r>
+                      <a:r>
+                        <a:rPr lang="en-US" baseline="0" dirty="0" smtClean="0"/>
+                        <a:t> beta</a:t>
+                      </a:r>
+                      <a:endParaRPr lang="en-US" dirty="0"/>
+                    </a:p>
+                  </a:txBody>
+                  <a:tcPr/>
+                </a:tc>
+                <a:tc>
+                  <a:txBody>
+                    <a:bodyPr/>
+                    <a:lstStyle/>
+                    <a:p>
+                      <a:pPr algn="ctr"/>
+                      <a:r>
+                        <a:rPr lang="en-US" dirty="0" smtClean="0"/>
+                        <a:t>0.5</a:t>
+                      </a:r>
+                      <a:endParaRPr lang="en-US" dirty="0"/>
+                    </a:p>
+                  </a:txBody>
+                  <a:tcPr/>
+                </a:tc>
+                <a:tc>
+                  <a:txBody>
+                    <a:bodyPr/>
+                    <a:lstStyle/>
+                    <a:p>
+                      <a:pPr algn="ctr"/>
+                      <a:r>
+                        <a:rPr lang="en-US" dirty="0" smtClean="0"/>
+                        <a:t>0.25</a:t>
+                      </a:r>
+                      <a:endParaRPr lang="en-US" dirty="0"/>
+                    </a:p>
+                  </a:txBody>
+                  <a:tcPr/>
+                </a:tc>
+                <a:tc>
+                  <a:txBody>
+                    <a:bodyPr/>
+                    <a:lstStyle/>
+                    <a:p>
+                      <a:pPr algn="ctr"/>
+                      <a:r>
+                        <a:rPr lang="en-US" dirty="0" smtClean="0"/>
+                        <a:t>0.1</a:t>
+                      </a:r>
+                      <a:endParaRPr lang="en-US" dirty="0"/>
+                    </a:p>
+                  </a:txBody>
+                  <a:tcPr/>
+                </a:tc>
+                <a:tc>
+                  <a:txBody>
+                    <a:bodyPr/>
+                    <a:lstStyle/>
+                    <a:p>
+                      <a:pPr algn="ctr"/>
+                      <a:r>
+                        <a:rPr lang="en-US" dirty="0" smtClean="0"/>
+                        <a:t>0.05</a:t>
+                      </a:r>
+                      <a:endParaRPr lang="en-US" dirty="0"/>
+                    </a:p>
+                  </a:txBody>
+                  <a:tcPr/>
+                </a:tc>
+                <a:tc>
+                  <a:txBody>
+                    <a:bodyPr/>
+                    <a:lstStyle/>
+                    <a:p>
+                      <a:pPr algn="ctr"/>
+                      <a:r>
+                        <a:rPr lang="en-US" dirty="0" smtClean="0"/>
+                        <a:t>0.03</a:t>
+                      </a:r>
+                      <a:endParaRPr lang="en-US" dirty="0"/>
+                    </a:p>
+                  </a:txBody>
+                  <a:tcPr/>
+                </a:tc>
+              </a:tr>
+              <a:tr h="345602">
+                <a:tc>
+                  <a:txBody>
+                    <a:bodyPr/>
+                    <a:lstStyle/>
+                    <a:p>
+                      <a:pPr algn="ctr"/>
+                      <a:r>
+                        <a:rPr lang="en-US" dirty="0" smtClean="0"/>
+                        <a:t>IHT </a:t>
+                      </a:r>
+                      <a:endParaRPr lang="en-US" dirty="0"/>
+                    </a:p>
+                  </a:txBody>
+                  <a:tcPr/>
+                </a:tc>
+                <a:tc>
+                  <a:txBody>
+                    <a:bodyPr/>
+                    <a:lstStyle/>
+                    <a:p>
+                      <a:pPr algn="ctr"/>
+                      <a:r>
+                        <a:rPr lang="en-US" dirty="0" smtClean="0"/>
+                        <a:t>0.499</a:t>
+                      </a:r>
+                      <a:endParaRPr lang="en-US" dirty="0"/>
+                    </a:p>
+                  </a:txBody>
+                  <a:tcPr/>
+                </a:tc>
+                <a:tc>
+                  <a:txBody>
+                    <a:bodyPr/>
+                    <a:lstStyle/>
+                    <a:p>
+                      <a:pPr algn="ctr"/>
+                      <a:r>
+                        <a:rPr lang="en-US" dirty="0" smtClean="0"/>
+                        <a:t>0.25</a:t>
+                      </a:r>
+                      <a:endParaRPr lang="en-US" dirty="0"/>
+                    </a:p>
+                  </a:txBody>
+                  <a:tcPr/>
+                </a:tc>
+                <a:tc>
+                  <a:txBody>
+                    <a:bodyPr/>
+                    <a:lstStyle/>
+                    <a:p>
+                      <a:pPr algn="ctr"/>
+                      <a:r>
+                        <a:rPr lang="en-US" dirty="0" smtClean="0"/>
+                        <a:t>0.096</a:t>
+                      </a:r>
+                      <a:endParaRPr lang="en-US" dirty="0"/>
+                    </a:p>
+                  </a:txBody>
+                  <a:tcPr/>
+                </a:tc>
+                <a:tc>
+                  <a:txBody>
+                    <a:bodyPr/>
+                    <a:lstStyle/>
+                    <a:p>
+                      <a:pPr algn="ctr"/>
+                      <a:r>
+                        <a:rPr lang="en-US" dirty="0" smtClean="0"/>
+                        <a:t>0.062</a:t>
+                      </a:r>
+                      <a:endParaRPr lang="en-US" dirty="0"/>
+                    </a:p>
+                  </a:txBody>
+                  <a:tcPr/>
+                </a:tc>
+                <a:tc>
+                  <a:txBody>
+                    <a:bodyPr/>
+                    <a:lstStyle/>
+                    <a:p>
+                      <a:pPr algn="ctr"/>
+                      <a:r>
+                        <a:rPr lang="en-US" dirty="0" smtClean="0"/>
+                        <a:t>0.057</a:t>
+                      </a:r>
+                      <a:endParaRPr lang="en-US" dirty="0"/>
+                    </a:p>
+                  </a:txBody>
+                  <a:tcPr/>
+                </a:tc>
+              </a:tr>
+              <a:tr h="344714">
+                <a:tc>
+                  <a:txBody>
+                    <a:bodyPr/>
+                    <a:lstStyle/>
+                    <a:p>
+                      <a:pPr algn="ctr"/>
+                      <a:r>
+                        <a:rPr lang="en-US" dirty="0" smtClean="0"/>
+                        <a:t>lasso</a:t>
+                      </a:r>
+                      <a:endParaRPr lang="en-US" dirty="0"/>
+                    </a:p>
+                  </a:txBody>
+                  <a:tcPr/>
+                </a:tc>
+                <a:tc>
+                  <a:txBody>
+                    <a:bodyPr/>
+                    <a:lstStyle/>
+                    <a:p>
+                      <a:pPr algn="ctr"/>
+                      <a:r>
+                        <a:rPr lang="en-US" dirty="0" smtClean="0"/>
+                        <a:t>0.448</a:t>
+                      </a:r>
+                      <a:endParaRPr lang="en-US" dirty="0"/>
+                    </a:p>
+                  </a:txBody>
+                  <a:tcPr/>
+                </a:tc>
+                <a:tc>
+                  <a:txBody>
+                    <a:bodyPr/>
+                    <a:lstStyle/>
+                    <a:p>
+                      <a:pPr algn="ctr"/>
+                      <a:r>
+                        <a:rPr lang="en-US" dirty="0" smtClean="0"/>
+                        <a:t>0.199</a:t>
+                      </a:r>
+                      <a:endParaRPr lang="en-US" dirty="0"/>
+                    </a:p>
+                  </a:txBody>
+                  <a:tcPr/>
+                </a:tc>
+                <a:tc>
+                  <a:txBody>
+                    <a:bodyPr/>
+                    <a:lstStyle/>
+                    <a:p>
+                      <a:pPr algn="ctr"/>
+                      <a:r>
+                        <a:rPr lang="en-US" dirty="0" smtClean="0"/>
+                        <a:t>0.045</a:t>
+                      </a:r>
+                      <a:endParaRPr lang="en-US" dirty="0"/>
+                    </a:p>
+                  </a:txBody>
+                  <a:tcPr/>
+                </a:tc>
+                <a:tc>
+                  <a:txBody>
+                    <a:bodyPr/>
+                    <a:lstStyle/>
+                    <a:p>
+                      <a:pPr algn="ctr"/>
+                      <a:r>
+                        <a:rPr lang="en-US" dirty="0" smtClean="0"/>
+                        <a:t>0.01</a:t>
+                      </a:r>
+                      <a:endParaRPr lang="en-US" dirty="0"/>
+                    </a:p>
+                  </a:txBody>
+                  <a:tcPr/>
+                </a:tc>
+                <a:tc>
+                  <a:txBody>
+                    <a:bodyPr/>
+                    <a:lstStyle/>
+                    <a:p>
+                      <a:pPr algn="ctr"/>
+                      <a:r>
+                        <a:rPr lang="en-US" dirty="0" smtClean="0"/>
+                        <a:t>0.008</a:t>
+                      </a:r>
+                      <a:endParaRPr lang="en-US" dirty="0"/>
+                    </a:p>
+                  </a:txBody>
+                  <a:tcPr/>
+                </a:tc>
+              </a:tr>
+            </a:tbl>
+          </a:graphicData>
+        </a:graphic>
+      </p:graphicFrame>
+      <p:graphicFrame>
+        <p:nvGraphicFramePr>
+          <p:cNvPr id="6" name="Table 5"/>
+          <p:cNvGraphicFramePr>
+            <a:graphicFrameLocks noGrp="1"/>
+          </p:cNvGraphicFramePr>
+          <p:nvPr>
+            <p:extLst>
+              <p:ext uri="{D42A27DB-BD31-4B8C-83A1-F6EECF244321}">
+                <p14:modId xmlns:p14="http://schemas.microsoft.com/office/powerpoint/2010/main" val="1085641675"/>
+              </p:ext>
+            </p:extLst>
+          </p:nvPr>
+        </p:nvGraphicFramePr>
+        <p:xfrm>
+          <a:off x="393095" y="3811208"/>
+          <a:ext cx="8115904" cy="1097280"/>
+        </p:xfrm>
+        <a:graphic>
+          <a:graphicData uri="http://schemas.openxmlformats.org/drawingml/2006/table">
+            <a:tbl>
+              <a:tblPr firstRow="1" bandRow="1">
+                <a:tableStyleId>{F2DE63D5-997A-4646-A377-4702673A728D}</a:tableStyleId>
+              </a:tblPr>
+              <a:tblGrid>
+                <a:gridCol w="1501164"/>
+                <a:gridCol w="1322948"/>
+                <a:gridCol w="1322948"/>
+                <a:gridCol w="1322948"/>
+                <a:gridCol w="1322948"/>
+                <a:gridCol w="1322948"/>
+              </a:tblGrid>
+              <a:tr h="331411">
+                <a:tc>
+                  <a:txBody>
+                    <a:bodyPr/>
+                    <a:lstStyle/>
+                    <a:p>
+                      <a:pPr algn="ctr"/>
+                      <a:r>
+                        <a:rPr lang="en-US" dirty="0" smtClean="0"/>
+                        <a:t>True</a:t>
+                      </a:r>
+                      <a:r>
+                        <a:rPr lang="en-US" baseline="0" dirty="0" smtClean="0"/>
+                        <a:t> beta</a:t>
+                      </a:r>
+                      <a:endParaRPr lang="en-US" dirty="0"/>
+                    </a:p>
+                  </a:txBody>
+                  <a:tcPr/>
+                </a:tc>
+                <a:tc>
+                  <a:txBody>
+                    <a:bodyPr/>
+                    <a:lstStyle/>
+                    <a:p>
+                      <a:pPr algn="ctr"/>
+                      <a:r>
+                        <a:rPr lang="en-US" dirty="0" smtClean="0"/>
+                        <a:t>0.5</a:t>
+                      </a:r>
+                      <a:endParaRPr lang="en-US" dirty="0"/>
+                    </a:p>
+                  </a:txBody>
+                  <a:tcPr/>
+                </a:tc>
+                <a:tc>
+                  <a:txBody>
+                    <a:bodyPr/>
+                    <a:lstStyle/>
+                    <a:p>
+                      <a:pPr algn="ctr"/>
+                      <a:r>
+                        <a:rPr lang="en-US" dirty="0" smtClean="0"/>
+                        <a:t>0.25</a:t>
+                      </a:r>
+                      <a:endParaRPr lang="en-US" dirty="0"/>
+                    </a:p>
+                  </a:txBody>
+                  <a:tcPr/>
+                </a:tc>
+                <a:tc>
+                  <a:txBody>
+                    <a:bodyPr/>
+                    <a:lstStyle/>
+                    <a:p>
+                      <a:pPr algn="ctr"/>
+                      <a:r>
+                        <a:rPr lang="en-US" dirty="0" smtClean="0"/>
+                        <a:t>0.1</a:t>
+                      </a:r>
+                      <a:endParaRPr lang="en-US" dirty="0"/>
+                    </a:p>
+                  </a:txBody>
+                  <a:tcPr/>
+                </a:tc>
+                <a:tc>
+                  <a:txBody>
+                    <a:bodyPr/>
+                    <a:lstStyle/>
+                    <a:p>
+                      <a:pPr algn="ctr"/>
+                      <a:r>
+                        <a:rPr lang="en-US" dirty="0" smtClean="0"/>
+                        <a:t>0.05</a:t>
+                      </a:r>
+                      <a:endParaRPr lang="en-US" dirty="0"/>
+                    </a:p>
+                  </a:txBody>
+                  <a:tcPr/>
+                </a:tc>
+                <a:tc>
+                  <a:txBody>
+                    <a:bodyPr/>
+                    <a:lstStyle/>
+                    <a:p>
+                      <a:pPr algn="ctr"/>
+                      <a:r>
+                        <a:rPr lang="en-US" dirty="0" smtClean="0"/>
+                        <a:t>0.03</a:t>
+                      </a:r>
+                      <a:endParaRPr lang="en-US" dirty="0"/>
+                    </a:p>
+                  </a:txBody>
+                  <a:tcPr/>
+                </a:tc>
+              </a:tr>
+              <a:tr h="334556">
+                <a:tc>
+                  <a:txBody>
+                    <a:bodyPr/>
+                    <a:lstStyle/>
+                    <a:p>
+                      <a:pPr algn="ctr"/>
+                      <a:r>
+                        <a:rPr lang="en-US" dirty="0" smtClean="0"/>
+                        <a:t>IHT </a:t>
+                      </a:r>
+                      <a:endParaRPr lang="en-US" dirty="0"/>
+                    </a:p>
+                  </a:txBody>
+                  <a:tcPr/>
+                </a:tc>
+                <a:tc>
+                  <a:txBody>
+                    <a:bodyPr/>
+                    <a:lstStyle/>
+                    <a:p>
+                      <a:pPr algn="ctr"/>
+                      <a:r>
+                        <a:rPr lang="en-US" dirty="0" smtClean="0"/>
+                        <a:t>0.504</a:t>
+                      </a:r>
+                      <a:endParaRPr lang="en-US" dirty="0"/>
+                    </a:p>
+                  </a:txBody>
+                  <a:tcPr/>
+                </a:tc>
+                <a:tc>
+                  <a:txBody>
+                    <a:bodyPr/>
+                    <a:lstStyle/>
+                    <a:p>
+                      <a:pPr algn="ctr"/>
+                      <a:r>
+                        <a:rPr lang="en-US" dirty="0" smtClean="0"/>
+                        <a:t>0.256</a:t>
+                      </a:r>
+                      <a:endParaRPr lang="en-US" dirty="0"/>
+                    </a:p>
+                  </a:txBody>
+                  <a:tcPr/>
+                </a:tc>
+                <a:tc>
+                  <a:txBody>
+                    <a:bodyPr/>
+                    <a:lstStyle/>
+                    <a:p>
+                      <a:pPr algn="ctr"/>
+                      <a:r>
+                        <a:rPr lang="en-US" dirty="0" smtClean="0"/>
+                        <a:t>0.128</a:t>
+                      </a:r>
+                      <a:endParaRPr lang="en-US" dirty="0"/>
+                    </a:p>
+                  </a:txBody>
+                  <a:tcPr/>
+                </a:tc>
+                <a:tc>
+                  <a:txBody>
+                    <a:bodyPr/>
+                    <a:lstStyle/>
+                    <a:p>
+                      <a:pPr algn="ctr"/>
+                      <a:r>
+                        <a:rPr lang="en-US" dirty="0" smtClean="0"/>
+                        <a:t>0.114</a:t>
+                      </a:r>
+                    </a:p>
+                  </a:txBody>
+                  <a:tcPr/>
+                </a:tc>
+                <a:tc>
+                  <a:txBody>
+                    <a:bodyPr/>
+                    <a:lstStyle/>
+                    <a:p>
+                      <a:pPr algn="ctr"/>
+                      <a:r>
+                        <a:rPr lang="en-US" dirty="0" smtClean="0"/>
+                        <a:t>NA</a:t>
+                      </a:r>
+                      <a:endParaRPr lang="en-US" dirty="0"/>
+                    </a:p>
+                  </a:txBody>
+                  <a:tcPr/>
+                </a:tc>
+              </a:tr>
+              <a:tr h="323426">
+                <a:tc>
+                  <a:txBody>
+                    <a:bodyPr/>
+                    <a:lstStyle/>
+                    <a:p>
+                      <a:pPr algn="ctr"/>
+                      <a:r>
+                        <a:rPr lang="en-US" dirty="0" smtClean="0"/>
+                        <a:t>lasso</a:t>
+                      </a:r>
+                      <a:endParaRPr lang="en-US" dirty="0"/>
+                    </a:p>
+                  </a:txBody>
+                  <a:tcPr/>
+                </a:tc>
+                <a:tc>
+                  <a:txBody>
+                    <a:bodyPr/>
+                    <a:lstStyle/>
+                    <a:p>
+                      <a:pPr algn="ctr"/>
+                      <a:r>
+                        <a:rPr lang="en-US" dirty="0" smtClean="0"/>
+                        <a:t>0.379</a:t>
+                      </a:r>
+                      <a:endParaRPr lang="en-US" dirty="0"/>
+                    </a:p>
+                  </a:txBody>
+                  <a:tcPr/>
+                </a:tc>
+                <a:tc>
+                  <a:txBody>
+                    <a:bodyPr/>
+                    <a:lstStyle/>
+                    <a:p>
+                      <a:pPr algn="ctr"/>
+                      <a:r>
+                        <a:rPr lang="en-US" dirty="0" smtClean="0"/>
+                        <a:t>0.142</a:t>
+                      </a:r>
+                      <a:endParaRPr lang="en-US" dirty="0"/>
+                    </a:p>
+                  </a:txBody>
+                  <a:tcPr/>
+                </a:tc>
+                <a:tc>
+                  <a:txBody>
+                    <a:bodyPr/>
+                    <a:lstStyle/>
+                    <a:p>
+                      <a:pPr algn="ctr"/>
+                      <a:r>
+                        <a:rPr lang="en-US" dirty="0" smtClean="0"/>
+                        <a:t>0.02</a:t>
+                      </a:r>
+                      <a:endParaRPr lang="en-US" dirty="0"/>
+                    </a:p>
+                  </a:txBody>
+                  <a:tcPr/>
+                </a:tc>
+                <a:tc>
+                  <a:txBody>
+                    <a:bodyPr/>
+                    <a:lstStyle/>
+                    <a:p>
+                      <a:pPr algn="ctr"/>
+                      <a:r>
+                        <a:rPr lang="en-US" dirty="0" smtClean="0"/>
+                        <a:t>0.01</a:t>
+                      </a:r>
+                      <a:endParaRPr lang="en-US" dirty="0"/>
+                    </a:p>
+                  </a:txBody>
+                  <a:tcPr/>
+                </a:tc>
+                <a:tc>
+                  <a:txBody>
+                    <a:bodyPr/>
+                    <a:lstStyle/>
+                    <a:p>
+                      <a:pPr algn="ctr"/>
+                      <a:r>
+                        <a:rPr lang="en-US" dirty="0" smtClean="0"/>
+                        <a:t>NA</a:t>
+                      </a:r>
+                      <a:endParaRPr lang="en-US" dirty="0"/>
+                    </a:p>
+                  </a:txBody>
+                  <a:tcPr/>
+                </a:tc>
+              </a:tr>
+            </a:tbl>
+          </a:graphicData>
+        </a:graphic>
+      </p:graphicFrame>
+      <p:sp>
+        <p:nvSpPr>
+          <p:cNvPr id="7" name="TextBox 6"/>
+          <p:cNvSpPr txBox="1"/>
+          <p:nvPr/>
+        </p:nvSpPr>
+        <p:spPr>
+          <a:xfrm>
+            <a:off x="393095" y="1626381"/>
+            <a:ext cx="2776008" cy="369332"/>
+          </a:xfrm>
+          <a:prstGeom prst="rect">
+            <a:avLst/>
+          </a:prstGeom>
+          <a:noFill/>
+        </p:spPr>
+        <p:txBody>
+          <a:bodyPr wrap="none" rtlCol="0">
+            <a:spAutoFit/>
+          </a:bodyPr>
+          <a:lstStyle/>
+          <a:p>
+            <a:r>
+              <a:rPr lang="en-US" dirty="0" smtClean="0"/>
+              <a:t>Normal (quantitative trait)</a:t>
+            </a:r>
+            <a:endParaRPr lang="en-US" dirty="0"/>
+          </a:p>
+        </p:txBody>
+      </p:sp>
+      <p:sp>
+        <p:nvSpPr>
+          <p:cNvPr id="8" name="TextBox 7"/>
+          <p:cNvSpPr txBox="1"/>
+          <p:nvPr/>
+        </p:nvSpPr>
+        <p:spPr>
+          <a:xfrm>
+            <a:off x="393095" y="3441876"/>
+            <a:ext cx="2262834" cy="369332"/>
+          </a:xfrm>
+          <a:prstGeom prst="rect">
+            <a:avLst/>
+          </a:prstGeom>
+          <a:noFill/>
+        </p:spPr>
+        <p:txBody>
+          <a:bodyPr wrap="none" rtlCol="0">
+            <a:spAutoFit/>
+          </a:bodyPr>
+          <a:lstStyle/>
+          <a:p>
+            <a:r>
+              <a:rPr lang="en-US" dirty="0" smtClean="0"/>
+              <a:t>Logistic (binary trait)</a:t>
+            </a:r>
+            <a:endParaRPr lang="en-US" dirty="0"/>
+          </a:p>
+        </p:txBody>
+      </p:sp>
+      <p:sp>
+        <p:nvSpPr>
+          <p:cNvPr id="9" name="TextBox 8"/>
+          <p:cNvSpPr txBox="1"/>
+          <p:nvPr/>
+        </p:nvSpPr>
+        <p:spPr>
+          <a:xfrm>
+            <a:off x="852715" y="5182810"/>
+            <a:ext cx="6792357" cy="369332"/>
+          </a:xfrm>
+          <a:prstGeom prst="rect">
+            <a:avLst/>
+          </a:prstGeom>
+          <a:noFill/>
+        </p:spPr>
+        <p:txBody>
+          <a:bodyPr wrap="none" rtlCol="0">
+            <a:spAutoFit/>
+          </a:bodyPr>
+          <a:lstStyle/>
+          <a:p>
+            <a:r>
+              <a:rPr lang="en-US" dirty="0" smtClean="0"/>
+              <a:t>Both simulations have 5k samples, 10k SNPs, run 100 replicates.</a:t>
+            </a:r>
+            <a:endParaRPr lang="en-US" dirty="0"/>
+          </a:p>
+        </p:txBody>
+      </p:sp>
+      <p:sp>
+        <p:nvSpPr>
+          <p:cNvPr id="10" name="TextBox 9"/>
+          <p:cNvSpPr txBox="1"/>
+          <p:nvPr/>
+        </p:nvSpPr>
+        <p:spPr>
+          <a:xfrm>
+            <a:off x="719667" y="5896855"/>
+            <a:ext cx="7306288" cy="477054"/>
+          </a:xfrm>
+          <a:prstGeom prst="rect">
+            <a:avLst/>
+          </a:prstGeom>
+          <a:noFill/>
+        </p:spPr>
+        <p:txBody>
+          <a:bodyPr wrap="none" rtlCol="0">
+            <a:spAutoFit/>
+          </a:bodyPr>
+          <a:lstStyle/>
+          <a:p>
+            <a:r>
+              <a:rPr lang="en-US" sz="2500" dirty="0" smtClean="0"/>
+              <a:t>Conclusion: IHT is better at estimating parameters</a:t>
+            </a:r>
+            <a:endParaRPr lang="en-US" sz="2500" dirty="0"/>
+          </a:p>
+        </p:txBody>
+      </p:sp>
+      <p:sp>
+        <p:nvSpPr>
+          <p:cNvPr id="11" name="Frame 10"/>
+          <p:cNvSpPr/>
+          <p:nvPr/>
+        </p:nvSpPr>
+        <p:spPr>
+          <a:xfrm>
+            <a:off x="604762" y="5805714"/>
+            <a:ext cx="7505094" cy="755953"/>
+          </a:xfrm>
+          <a:prstGeom prst="frame">
+            <a:avLst>
+              <a:gd name="adj1" fmla="val 4973"/>
+            </a:avLst>
+          </a:prstGeom>
+          <a:solidFill>
+            <a:srgbClr val="FF0000"/>
+          </a:solidFill>
+          <a:ln>
+            <a:solidFill>
+              <a:srgbClr val="FF0000"/>
+            </a:solidFill>
+          </a:ln>
+        </p:spPr>
+        <p:style>
+          <a:lnRef idx="1">
+            <a:schemeClr val="accent1"/>
+          </a:lnRef>
+          <a:fillRef idx="3">
+            <a:schemeClr val="accent1"/>
+          </a:fillRef>
+          <a:effectRef idx="2">
+            <a:schemeClr val="accent1"/>
+          </a:effectRef>
+          <a:fontRef idx="minor">
+            <a:schemeClr val="lt1"/>
+          </a:fontRef>
+        </p:style>
+        <p:txBody>
+          <a:bodyPr rtlCol="0" anchor="ctr"/>
+          <a:lstStyle/>
+          <a:p>
+            <a:pPr algn="ctr"/>
+            <a:endParaRPr lang="en-US">
+              <a:solidFill>
+                <a:schemeClr val="tx1"/>
+              </a:solidFill>
+            </a:endParaRPr>
+          </a:p>
+        </p:txBody>
+      </p:sp>
+      <p:sp>
+        <p:nvSpPr>
+          <p:cNvPr id="12" name="Slide Number Placeholder 4"/>
+          <p:cNvSpPr>
+            <a:spLocks noGrp="1"/>
+          </p:cNvSpPr>
+          <p:nvPr>
+            <p:ph type="sldNum" sz="quarter" idx="12"/>
+          </p:nvPr>
+        </p:nvSpPr>
+        <p:spPr>
+          <a:xfrm>
+            <a:off x="7620000" y="18288"/>
+            <a:ext cx="1066800" cy="329184"/>
+          </a:xfrm>
+        </p:spPr>
+        <p:txBody>
+          <a:bodyPr/>
+          <a:lstStyle/>
+          <a:p>
+            <a:fld id="{4C958359-9322-6441-8715-055CBE9441BE}" type="slidenum">
+              <a:rPr lang="en-US" sz="1600" smtClean="0"/>
+              <a:t>14</a:t>
+            </a:fld>
+            <a:r>
+              <a:rPr lang="en-US" sz="1600" dirty="0" smtClean="0"/>
+              <a:t>/</a:t>
+            </a:r>
+            <a:r>
+              <a:rPr lang="en-US" sz="1600" dirty="0" smtClean="0"/>
+              <a:t>17</a:t>
+            </a:r>
+            <a:endParaRPr lang="en-US" sz="1600" dirty="0"/>
+          </a:p>
+        </p:txBody>
+      </p:sp>
+    </p:spTree>
+    <p:extLst>
+      <p:ext uri="{BB962C8B-B14F-4D97-AF65-F5344CB8AC3E}">
+        <p14:creationId xmlns:p14="http://schemas.microsoft.com/office/powerpoint/2010/main" val="2860349374"/>
+      </p:ext>
+    </p:extLst>
+  </p:cSld>
+  <p:clrMapOvr>
+    <a:masterClrMapping/>
+  </p:clrMapOvr>
+</p:sld>
+</file>
+
+<file path=ppt/slides/slide15.xml><?xml version="1.0" encoding="utf-8"?>
+<p:sld xmlns:a="http://schemas.openxmlformats.org/drawingml/2006/main" xmlns:r="http://schemas.openxmlformats.org/officeDocument/2006/relationships" xmlns:p="http://schemas.openxmlformats.org/presentationml/2006/main">
+  <p:cSld>
+    <p:spTree>
+      <p:nvGrpSpPr>
+        <p:cNvPr id="1" name=""/>
+        <p:cNvGrpSpPr/>
+        <p:nvPr/>
+      </p:nvGrpSpPr>
+      <p:grpSpPr>
+        <a:xfrm>
+          <a:off x="0" y="0"/>
+          <a:ext cx="0" cy="0"/>
+          <a:chOff x="0" y="0"/>
+          <a:chExt cx="0" cy="0"/>
+        </a:xfrm>
+      </p:grpSpPr>
+      <p:sp>
+        <p:nvSpPr>
+          <p:cNvPr id="2" name="Title 1"/>
+          <p:cNvSpPr>
+            <a:spLocks noGrp="1"/>
+          </p:cNvSpPr>
+          <p:nvPr>
+            <p:ph type="title"/>
+          </p:nvPr>
+        </p:nvSpPr>
+        <p:spPr>
+          <a:xfrm>
+            <a:off x="457199" y="533400"/>
+            <a:ext cx="8868229" cy="990600"/>
+          </a:xfrm>
+        </p:spPr>
+        <p:txBody>
+          <a:bodyPr>
+            <a:normAutofit/>
+          </a:bodyPr>
+          <a:lstStyle/>
+          <a:p>
+            <a:r>
+              <a:rPr lang="en-US" sz="3000" dirty="0"/>
+              <a:t>Case study: </a:t>
+            </a:r>
+            <a:r>
+              <a:rPr lang="en-US" sz="3000" dirty="0" smtClean="0"/>
+              <a:t>IHT </a:t>
+            </a:r>
+            <a:r>
+              <a:rPr lang="en-US" sz="3000" dirty="0" err="1" smtClean="0"/>
+              <a:t>vs</a:t>
+            </a:r>
+            <a:r>
+              <a:rPr lang="en-US" sz="3000" dirty="0" smtClean="0"/>
+              <a:t> Lasso </a:t>
+            </a:r>
+            <a:r>
+              <a:rPr lang="en-US" sz="3000" dirty="0" err="1"/>
+              <a:t>vs</a:t>
+            </a:r>
+            <a:r>
+              <a:rPr lang="en-US" sz="3000" dirty="0"/>
+              <a:t> Marginal testing</a:t>
+            </a:r>
+          </a:p>
+        </p:txBody>
+      </p:sp>
+      <p:graphicFrame>
+        <p:nvGraphicFramePr>
+          <p:cNvPr id="5" name="Table 4"/>
+          <p:cNvGraphicFramePr>
+            <a:graphicFrameLocks noGrp="1"/>
+          </p:cNvGraphicFramePr>
+          <p:nvPr>
+            <p:extLst>
+              <p:ext uri="{D42A27DB-BD31-4B8C-83A1-F6EECF244321}">
+                <p14:modId xmlns:p14="http://schemas.microsoft.com/office/powerpoint/2010/main" val="857937153"/>
+              </p:ext>
+            </p:extLst>
+          </p:nvPr>
+        </p:nvGraphicFramePr>
+        <p:xfrm>
+          <a:off x="457200" y="1751390"/>
+          <a:ext cx="8229600" cy="2595880"/>
+        </p:xfrm>
+        <a:graphic>
+          <a:graphicData uri="http://schemas.openxmlformats.org/drawingml/2006/table">
+            <a:tbl>
+              <a:tblPr firstRow="1" bandRow="1">
+                <a:tableStyleId>{2D5ABB26-0587-4C30-8999-92F81FD0307C}</a:tableStyleId>
+              </a:tblPr>
+              <a:tblGrid>
+                <a:gridCol w="1645920"/>
+                <a:gridCol w="1645920"/>
+                <a:gridCol w="1645920"/>
+                <a:gridCol w="1645920"/>
+                <a:gridCol w="1645920"/>
+              </a:tblGrid>
+              <a:tr h="370840">
+                <a:tc>
+                  <a:txBody>
+                    <a:bodyPr/>
+                    <a:lstStyle/>
+                    <a:p>
+                      <a:endParaRPr lang="en-US" dirty="0"/>
+                    </a:p>
+                  </a:txBody>
+                  <a:tcPr>
+                    <a:lnL w="12700" cap="flat" cmpd="sng" algn="ctr">
+                      <a:solidFill>
+                        <a:scrgbClr r="0" g="0" b="0"/>
+                      </a:solidFill>
+                      <a:prstDash val="solid"/>
+                      <a:round/>
+                      <a:headEnd type="none" w="med" len="med"/>
+                      <a:tailEnd type="none" w="med" len="med"/>
+                    </a:lnL>
+                    <a:lnR w="12700" cap="flat" cmpd="sng" algn="ctr">
+                      <a:solidFill>
+                        <a:scrgbClr r="0" g="0" b="0"/>
+                      </a:solidFill>
+                      <a:prstDash val="solid"/>
+                      <a:round/>
+                      <a:headEnd type="none" w="med" len="med"/>
+                      <a:tailEnd type="none" w="med" len="med"/>
+                    </a:lnR>
+                    <a:lnT w="12700" cap="flat" cmpd="sng" algn="ctr">
+                      <a:solidFill>
+                        <a:scrgbClr r="0" g="0" b="0"/>
+                      </a:solidFill>
+                      <a:prstDash val="solid"/>
+                      <a:round/>
+                      <a:headEnd type="none" w="med" len="med"/>
+                      <a:tailEnd type="none" w="med" len="med"/>
+                    </a:lnT>
+                    <a:lnB w="12700" cap="flat" cmpd="sng" algn="ctr">
+                      <a:solidFill>
+                        <a:scrgbClr r="0" g="0" b="0"/>
+                      </a:solidFill>
+                      <a:prstDash val="solid"/>
+                      <a:round/>
+                      <a:headEnd type="none" w="med" len="med"/>
+                      <a:tailEnd type="none" w="med" len="med"/>
+                    </a:lnB>
+                  </a:tcPr>
+                </a:tc>
+                <a:tc>
+                  <a:txBody>
+                    <a:bodyPr/>
+                    <a:lstStyle/>
+                    <a:p>
+                      <a:pPr algn="ctr"/>
+                      <a:r>
+                        <a:rPr lang="en-US" dirty="0" smtClean="0"/>
+                        <a:t>Normal</a:t>
+                      </a:r>
+                      <a:endParaRPr lang="en-US" dirty="0"/>
+                    </a:p>
+                  </a:txBody>
+                  <a:tcPr>
+                    <a:lnL w="12700" cap="flat" cmpd="sng" algn="ctr">
+                      <a:solidFill>
+                        <a:scrgbClr r="0" g="0" b="0"/>
+                      </a:solidFill>
+                      <a:prstDash val="solid"/>
+                      <a:round/>
+                      <a:headEnd type="none" w="med" len="med"/>
+                      <a:tailEnd type="none" w="med" len="med"/>
+                    </a:lnL>
+                    <a:lnR w="12700" cap="flat" cmpd="sng" algn="ctr">
+                      <a:solidFill>
+                        <a:scrgbClr r="0" g="0" b="0"/>
+                      </a:solidFill>
+                      <a:prstDash val="solid"/>
+                      <a:round/>
+                      <a:headEnd type="none" w="med" len="med"/>
+                      <a:tailEnd type="none" w="med" len="med"/>
+                    </a:lnR>
+                    <a:lnT w="12700" cap="flat" cmpd="sng" algn="ctr">
+                      <a:solidFill>
+                        <a:scrgbClr r="0" g="0" b="0"/>
+                      </a:solidFill>
+                      <a:prstDash val="solid"/>
+                      <a:round/>
+                      <a:headEnd type="none" w="med" len="med"/>
+                      <a:tailEnd type="none" w="med" len="med"/>
+                    </a:lnT>
+                    <a:lnB w="12700" cap="flat" cmpd="sng" algn="ctr">
+                      <a:solidFill>
+                        <a:scrgbClr r="0" g="0" b="0"/>
+                      </a:solidFill>
+                      <a:prstDash val="solid"/>
+                      <a:round/>
+                      <a:headEnd type="none" w="med" len="med"/>
+                      <a:tailEnd type="none" w="med" len="med"/>
+                    </a:lnB>
+                  </a:tcPr>
+                </a:tc>
+                <a:tc>
+                  <a:txBody>
+                    <a:bodyPr/>
+                    <a:lstStyle/>
+                    <a:p>
+                      <a:pPr algn="ctr"/>
+                      <a:r>
+                        <a:rPr lang="en-US" dirty="0" smtClean="0"/>
+                        <a:t>Logistic</a:t>
+                      </a:r>
+                      <a:endParaRPr lang="en-US" dirty="0"/>
+                    </a:p>
+                  </a:txBody>
+                  <a:tcPr>
+                    <a:lnL w="12700" cap="flat" cmpd="sng" algn="ctr">
+                      <a:solidFill>
+                        <a:scrgbClr r="0" g="0" b="0"/>
+                      </a:solidFill>
+                      <a:prstDash val="solid"/>
+                      <a:round/>
+                      <a:headEnd type="none" w="med" len="med"/>
+                      <a:tailEnd type="none" w="med" len="med"/>
+                    </a:lnL>
+                    <a:lnR w="12700" cap="flat" cmpd="sng" algn="ctr">
+                      <a:solidFill>
+                        <a:scrgbClr r="0" g="0" b="0"/>
+                      </a:solidFill>
+                      <a:prstDash val="solid"/>
+                      <a:round/>
+                      <a:headEnd type="none" w="med" len="med"/>
+                      <a:tailEnd type="none" w="med" len="med"/>
+                    </a:lnR>
+                    <a:lnT w="12700" cap="flat" cmpd="sng" algn="ctr">
+                      <a:solidFill>
+                        <a:scrgbClr r="0" g="0" b="0"/>
+                      </a:solidFill>
+                      <a:prstDash val="solid"/>
+                      <a:round/>
+                      <a:headEnd type="none" w="med" len="med"/>
+                      <a:tailEnd type="none" w="med" len="med"/>
+                    </a:lnT>
+                    <a:lnB w="12700" cap="flat" cmpd="sng" algn="ctr">
+                      <a:solidFill>
+                        <a:scrgbClr r="0" g="0" b="0"/>
+                      </a:solidFill>
+                      <a:prstDash val="solid"/>
+                      <a:round/>
+                      <a:headEnd type="none" w="med" len="med"/>
+                      <a:tailEnd type="none" w="med" len="med"/>
+                    </a:lnB>
+                  </a:tcPr>
+                </a:tc>
+                <a:tc>
+                  <a:txBody>
+                    <a:bodyPr/>
+                    <a:lstStyle/>
+                    <a:p>
+                      <a:pPr algn="ctr"/>
+                      <a:r>
+                        <a:rPr lang="en-US" dirty="0" smtClean="0"/>
+                        <a:t>Poisson</a:t>
+                      </a:r>
+                      <a:endParaRPr lang="en-US" dirty="0"/>
+                    </a:p>
+                  </a:txBody>
+                  <a:tcPr>
+                    <a:lnL w="12700" cap="flat" cmpd="sng" algn="ctr">
+                      <a:solidFill>
+                        <a:scrgbClr r="0" g="0" b="0"/>
+                      </a:solidFill>
+                      <a:prstDash val="solid"/>
+                      <a:round/>
+                      <a:headEnd type="none" w="med" len="med"/>
+                      <a:tailEnd type="none" w="med" len="med"/>
+                    </a:lnL>
+                    <a:lnR w="12700" cap="flat" cmpd="sng" algn="ctr">
+                      <a:solidFill>
+                        <a:scrgbClr r="0" g="0" b="0"/>
+                      </a:solidFill>
+                      <a:prstDash val="solid"/>
+                      <a:round/>
+                      <a:headEnd type="none" w="med" len="med"/>
+                      <a:tailEnd type="none" w="med" len="med"/>
+                    </a:lnR>
+                    <a:lnT w="12700" cap="flat" cmpd="sng" algn="ctr">
+                      <a:solidFill>
+                        <a:scrgbClr r="0" g="0" b="0"/>
+                      </a:solidFill>
+                      <a:prstDash val="solid"/>
+                      <a:round/>
+                      <a:headEnd type="none" w="med" len="med"/>
+                      <a:tailEnd type="none" w="med" len="med"/>
+                    </a:lnT>
+                    <a:lnB w="12700" cap="flat" cmpd="sng" algn="ctr">
+                      <a:solidFill>
+                        <a:scrgbClr r="0" g="0" b="0"/>
+                      </a:solidFill>
+                      <a:prstDash val="solid"/>
+                      <a:round/>
+                      <a:headEnd type="none" w="med" len="med"/>
+                      <a:tailEnd type="none" w="med" len="med"/>
+                    </a:lnB>
+                  </a:tcPr>
+                </a:tc>
+                <a:tc>
+                  <a:txBody>
+                    <a:bodyPr/>
+                    <a:lstStyle/>
+                    <a:p>
+                      <a:pPr algn="ctr"/>
+                      <a:r>
+                        <a:rPr lang="en-US" dirty="0" err="1" smtClean="0"/>
+                        <a:t>Neg</a:t>
+                      </a:r>
+                      <a:r>
+                        <a:rPr lang="en-US" baseline="0" dirty="0" smtClean="0"/>
+                        <a:t> Binomial</a:t>
+                      </a:r>
+                      <a:endParaRPr lang="en-US" dirty="0"/>
+                    </a:p>
+                  </a:txBody>
+                  <a:tcPr>
+                    <a:lnL w="12700" cap="flat" cmpd="sng" algn="ctr">
+                      <a:solidFill>
+                        <a:scrgbClr r="0" g="0" b="0"/>
+                      </a:solidFill>
+                      <a:prstDash val="solid"/>
+                      <a:round/>
+                      <a:headEnd type="none" w="med" len="med"/>
+                      <a:tailEnd type="none" w="med" len="med"/>
+                    </a:lnL>
+                    <a:lnR w="12700" cap="flat" cmpd="sng" algn="ctr">
+                      <a:solidFill>
+                        <a:scrgbClr r="0" g="0" b="0"/>
+                      </a:solidFill>
+                      <a:prstDash val="solid"/>
+                      <a:round/>
+                      <a:headEnd type="none" w="med" len="med"/>
+                      <a:tailEnd type="none" w="med" len="med"/>
+                    </a:lnR>
+                    <a:lnT w="12700" cap="flat" cmpd="sng" algn="ctr">
+                      <a:solidFill>
+                        <a:scrgbClr r="0" g="0" b="0"/>
+                      </a:solidFill>
+                      <a:prstDash val="solid"/>
+                      <a:round/>
+                      <a:headEnd type="none" w="med" len="med"/>
+                      <a:tailEnd type="none" w="med" len="med"/>
+                    </a:lnT>
+                    <a:lnB w="12700" cap="flat" cmpd="sng" algn="ctr">
+                      <a:solidFill>
+                        <a:scrgbClr r="0" g="0" b="0"/>
+                      </a:solidFill>
+                      <a:prstDash val="solid"/>
+                      <a:round/>
+                      <a:headEnd type="none" w="med" len="med"/>
+                      <a:tailEnd type="none" w="med" len="med"/>
+                    </a:lnB>
+                  </a:tcPr>
+                </a:tc>
+              </a:tr>
+              <a:tr h="370840">
+                <a:tc>
+                  <a:txBody>
+                    <a:bodyPr/>
+                    <a:lstStyle/>
+                    <a:p>
+                      <a:r>
+                        <a:rPr lang="en-US" dirty="0" smtClean="0"/>
+                        <a:t>IHT </a:t>
+                      </a:r>
+                      <a:r>
+                        <a:rPr lang="en-US" dirty="0" smtClean="0"/>
+                        <a:t>TP</a:t>
+                      </a:r>
+                      <a:endParaRPr lang="en-US" dirty="0"/>
+                    </a:p>
+                  </a:txBody>
+                  <a:tcPr>
+                    <a:lnL w="12700" cap="flat" cmpd="sng" algn="ctr">
+                      <a:solidFill>
+                        <a:scrgbClr r="0" g="0" b="0"/>
+                      </a:solidFill>
+                      <a:prstDash val="solid"/>
+                      <a:round/>
+                      <a:headEnd type="none" w="med" len="med"/>
+                      <a:tailEnd type="none" w="med" len="med"/>
+                    </a:lnL>
+                    <a:lnR w="12700" cap="flat" cmpd="sng" algn="ctr">
+                      <a:solidFill>
+                        <a:scrgbClr r="0" g="0" b="0"/>
+                      </a:solidFill>
+                      <a:prstDash val="solid"/>
+                      <a:round/>
+                      <a:headEnd type="none" w="med" len="med"/>
+                      <a:tailEnd type="none" w="med" len="med"/>
+                    </a:lnR>
+                    <a:lnT w="12700" cap="flat" cmpd="sng" algn="ctr">
+                      <a:solidFill>
+                        <a:scrgbClr r="0" g="0" b="0"/>
+                      </a:solidFill>
+                      <a:prstDash val="solid"/>
+                      <a:round/>
+                      <a:headEnd type="none" w="med" len="med"/>
+                      <a:tailEnd type="none" w="med" len="med"/>
+                    </a:lnT>
+                    <a:lnB w="12700" cap="flat" cmpd="sng" algn="ctr">
+                      <a:solidFill>
+                        <a:scrgbClr r="0" g="0" b="0"/>
+                      </a:solidFill>
+                      <a:prstDash val="solid"/>
+                      <a:round/>
+                      <a:headEnd type="none" w="med" len="med"/>
+                      <a:tailEnd type="none" w="med" len="med"/>
+                    </a:lnB>
+                    <a:solidFill>
+                      <a:srgbClr val="E7E5BA"/>
+                    </a:solidFill>
+                  </a:tcPr>
+                </a:tc>
+                <a:tc>
+                  <a:txBody>
+                    <a:bodyPr/>
+                    <a:lstStyle/>
+                    <a:p>
+                      <a:pPr algn="ctr"/>
+                      <a:r>
+                        <a:rPr lang="en-US" dirty="0" smtClean="0"/>
+                        <a:t>8.84</a:t>
+                      </a:r>
+                      <a:endParaRPr lang="en-US" dirty="0"/>
+                    </a:p>
+                  </a:txBody>
+                  <a:tcPr>
+                    <a:lnL w="12700" cap="flat" cmpd="sng" algn="ctr">
+                      <a:solidFill>
+                        <a:scrgbClr r="0" g="0" b="0"/>
+                      </a:solidFill>
+                      <a:prstDash val="solid"/>
+                      <a:round/>
+                      <a:headEnd type="none" w="med" len="med"/>
+                      <a:tailEnd type="none" w="med" len="med"/>
+                    </a:lnL>
+                    <a:lnR w="12700" cap="flat" cmpd="sng" algn="ctr">
+                      <a:solidFill>
+                        <a:scrgbClr r="0" g="0" b="0"/>
+                      </a:solidFill>
+                      <a:prstDash val="solid"/>
+                      <a:round/>
+                      <a:headEnd type="none" w="med" len="med"/>
+                      <a:tailEnd type="none" w="med" len="med"/>
+                    </a:lnR>
+                    <a:lnT w="12700" cap="flat" cmpd="sng" algn="ctr">
+                      <a:solidFill>
+                        <a:scrgbClr r="0" g="0" b="0"/>
+                      </a:solidFill>
+                      <a:prstDash val="solid"/>
+                      <a:round/>
+                      <a:headEnd type="none" w="med" len="med"/>
+                      <a:tailEnd type="none" w="med" len="med"/>
+                    </a:lnT>
+                    <a:lnB w="12700" cap="flat" cmpd="sng" algn="ctr">
+                      <a:solidFill>
+                        <a:scrgbClr r="0" g="0" b="0"/>
+                      </a:solidFill>
+                      <a:prstDash val="solid"/>
+                      <a:round/>
+                      <a:headEnd type="none" w="med" len="med"/>
+                      <a:tailEnd type="none" w="med" len="med"/>
+                    </a:lnB>
+                    <a:solidFill>
+                      <a:srgbClr val="E7E5BA"/>
+                    </a:solidFill>
+                  </a:tcPr>
+                </a:tc>
+                <a:tc>
+                  <a:txBody>
+                    <a:bodyPr/>
+                    <a:lstStyle/>
+                    <a:p>
+                      <a:pPr algn="ctr"/>
+                      <a:r>
+                        <a:rPr lang="en-US" dirty="0" smtClean="0"/>
+                        <a:t>6.28</a:t>
+                      </a:r>
+                      <a:endParaRPr lang="en-US" dirty="0"/>
+                    </a:p>
+                  </a:txBody>
+                  <a:tcPr>
+                    <a:lnL w="12700" cap="flat" cmpd="sng" algn="ctr">
+                      <a:solidFill>
+                        <a:scrgbClr r="0" g="0" b="0"/>
+                      </a:solidFill>
+                      <a:prstDash val="solid"/>
+                      <a:round/>
+                      <a:headEnd type="none" w="med" len="med"/>
+                      <a:tailEnd type="none" w="med" len="med"/>
+                    </a:lnL>
+                    <a:lnR w="12700" cap="flat" cmpd="sng" algn="ctr">
+                      <a:solidFill>
+                        <a:scrgbClr r="0" g="0" b="0"/>
+                      </a:solidFill>
+                      <a:prstDash val="solid"/>
+                      <a:round/>
+                      <a:headEnd type="none" w="med" len="med"/>
+                      <a:tailEnd type="none" w="med" len="med"/>
+                    </a:lnR>
+                    <a:lnT w="12700" cap="flat" cmpd="sng" algn="ctr">
+                      <a:solidFill>
+                        <a:scrgbClr r="0" g="0" b="0"/>
+                      </a:solidFill>
+                      <a:prstDash val="solid"/>
+                      <a:round/>
+                      <a:headEnd type="none" w="med" len="med"/>
+                      <a:tailEnd type="none" w="med" len="med"/>
+                    </a:lnT>
+                    <a:lnB w="12700" cap="flat" cmpd="sng" algn="ctr">
+                      <a:solidFill>
+                        <a:scrgbClr r="0" g="0" b="0"/>
+                      </a:solidFill>
+                      <a:prstDash val="solid"/>
+                      <a:round/>
+                      <a:headEnd type="none" w="med" len="med"/>
+                      <a:tailEnd type="none" w="med" len="med"/>
+                    </a:lnB>
+                    <a:solidFill>
+                      <a:srgbClr val="E7E5BA"/>
+                    </a:solidFill>
+                  </a:tcPr>
+                </a:tc>
+                <a:tc>
+                  <a:txBody>
+                    <a:bodyPr/>
+                    <a:lstStyle/>
+                    <a:p>
+                      <a:pPr algn="ctr"/>
+                      <a:r>
+                        <a:rPr lang="en-US" dirty="0" smtClean="0"/>
+                        <a:t>7.2</a:t>
+                      </a:r>
+                      <a:endParaRPr lang="en-US" dirty="0"/>
+                    </a:p>
+                  </a:txBody>
+                  <a:tcPr>
+                    <a:lnL w="12700" cap="flat" cmpd="sng" algn="ctr">
+                      <a:solidFill>
+                        <a:scrgbClr r="0" g="0" b="0"/>
+                      </a:solidFill>
+                      <a:prstDash val="solid"/>
+                      <a:round/>
+                      <a:headEnd type="none" w="med" len="med"/>
+                      <a:tailEnd type="none" w="med" len="med"/>
+                    </a:lnL>
+                    <a:lnR w="12700" cap="flat" cmpd="sng" algn="ctr">
+                      <a:solidFill>
+                        <a:scrgbClr r="0" g="0" b="0"/>
+                      </a:solidFill>
+                      <a:prstDash val="solid"/>
+                      <a:round/>
+                      <a:headEnd type="none" w="med" len="med"/>
+                      <a:tailEnd type="none" w="med" len="med"/>
+                    </a:lnR>
+                    <a:lnT w="12700" cap="flat" cmpd="sng" algn="ctr">
+                      <a:solidFill>
+                        <a:scrgbClr r="0" g="0" b="0"/>
+                      </a:solidFill>
+                      <a:prstDash val="solid"/>
+                      <a:round/>
+                      <a:headEnd type="none" w="med" len="med"/>
+                      <a:tailEnd type="none" w="med" len="med"/>
+                    </a:lnT>
+                    <a:lnB w="12700" cap="flat" cmpd="sng" algn="ctr">
+                      <a:solidFill>
+                        <a:scrgbClr r="0" g="0" b="0"/>
+                      </a:solidFill>
+                      <a:prstDash val="solid"/>
+                      <a:round/>
+                      <a:headEnd type="none" w="med" len="med"/>
+                      <a:tailEnd type="none" w="med" len="med"/>
+                    </a:lnB>
+                    <a:solidFill>
+                      <a:srgbClr val="E7E5BA"/>
+                    </a:solidFill>
+                  </a:tcPr>
+                </a:tc>
+                <a:tc>
+                  <a:txBody>
+                    <a:bodyPr/>
+                    <a:lstStyle/>
+                    <a:p>
+                      <a:pPr algn="ctr"/>
+                      <a:r>
+                        <a:rPr lang="en-US" dirty="0" smtClean="0"/>
+                        <a:t>9.0</a:t>
+                      </a:r>
+                      <a:endParaRPr lang="en-US" dirty="0"/>
+                    </a:p>
+                  </a:txBody>
+                  <a:tcPr>
+                    <a:lnL w="12700" cap="flat" cmpd="sng" algn="ctr">
+                      <a:solidFill>
+                        <a:scrgbClr r="0" g="0" b="0"/>
+                      </a:solidFill>
+                      <a:prstDash val="solid"/>
+                      <a:round/>
+                      <a:headEnd type="none" w="med" len="med"/>
+                      <a:tailEnd type="none" w="med" len="med"/>
+                    </a:lnL>
+                    <a:lnR w="12700" cap="flat" cmpd="sng" algn="ctr">
+                      <a:solidFill>
+                        <a:scrgbClr r="0" g="0" b="0"/>
+                      </a:solidFill>
+                      <a:prstDash val="solid"/>
+                      <a:round/>
+                      <a:headEnd type="none" w="med" len="med"/>
+                      <a:tailEnd type="none" w="med" len="med"/>
+                    </a:lnR>
+                    <a:lnT w="12700" cap="flat" cmpd="sng" algn="ctr">
+                      <a:solidFill>
+                        <a:scrgbClr r="0" g="0" b="0"/>
+                      </a:solidFill>
+                      <a:prstDash val="solid"/>
+                      <a:round/>
+                      <a:headEnd type="none" w="med" len="med"/>
+                      <a:tailEnd type="none" w="med" len="med"/>
+                    </a:lnT>
+                    <a:lnB w="12700" cap="flat" cmpd="sng" algn="ctr">
+                      <a:solidFill>
+                        <a:scrgbClr r="0" g="0" b="0"/>
+                      </a:solidFill>
+                      <a:prstDash val="solid"/>
+                      <a:round/>
+                      <a:headEnd type="none" w="med" len="med"/>
+                      <a:tailEnd type="none" w="med" len="med"/>
+                    </a:lnB>
+                    <a:solidFill>
+                      <a:srgbClr val="E7E5BA"/>
+                    </a:solidFill>
+                  </a:tcPr>
+                </a:tc>
+              </a:tr>
+              <a:tr h="370840">
+                <a:tc>
+                  <a:txBody>
+                    <a:bodyPr/>
+                    <a:lstStyle/>
+                    <a:p>
+                      <a:r>
+                        <a:rPr lang="en-US" dirty="0" smtClean="0"/>
+                        <a:t>IHT FP</a:t>
+                      </a:r>
+                      <a:endParaRPr lang="en-US" dirty="0"/>
+                    </a:p>
+                  </a:txBody>
+                  <a:tcPr>
+                    <a:lnL w="12700" cap="flat" cmpd="sng" algn="ctr">
+                      <a:solidFill>
+                        <a:scrgbClr r="0" g="0" b="0"/>
+                      </a:solidFill>
+                      <a:prstDash val="solid"/>
+                      <a:round/>
+                      <a:headEnd type="none" w="med" len="med"/>
+                      <a:tailEnd type="none" w="med" len="med"/>
+                    </a:lnL>
+                    <a:lnR w="12700" cap="flat" cmpd="sng" algn="ctr">
+                      <a:solidFill>
+                        <a:scrgbClr r="0" g="0" b="0"/>
+                      </a:solidFill>
+                      <a:prstDash val="solid"/>
+                      <a:round/>
+                      <a:headEnd type="none" w="med" len="med"/>
+                      <a:tailEnd type="none" w="med" len="med"/>
+                    </a:lnR>
+                    <a:lnT w="12700" cap="flat" cmpd="sng" algn="ctr">
+                      <a:solidFill>
+                        <a:scrgbClr r="0" g="0" b="0"/>
+                      </a:solidFill>
+                      <a:prstDash val="solid"/>
+                      <a:round/>
+                      <a:headEnd type="none" w="med" len="med"/>
+                      <a:tailEnd type="none" w="med" len="med"/>
+                    </a:lnT>
+                    <a:lnB w="12700" cap="flat" cmpd="sng" algn="ctr">
+                      <a:solidFill>
+                        <a:scrgbClr r="0" g="0" b="0"/>
+                      </a:solidFill>
+                      <a:prstDash val="solid"/>
+                      <a:round/>
+                      <a:headEnd type="none" w="med" len="med"/>
+                      <a:tailEnd type="none" w="med" len="med"/>
+                    </a:lnB>
+                  </a:tcPr>
+                </a:tc>
+                <a:tc>
+                  <a:txBody>
+                    <a:bodyPr/>
+                    <a:lstStyle/>
+                    <a:p>
+                      <a:pPr algn="ctr"/>
+                      <a:r>
+                        <a:rPr lang="en-US" dirty="0" smtClean="0"/>
+                        <a:t>0.02</a:t>
+                      </a:r>
+                      <a:endParaRPr lang="en-US" dirty="0"/>
+                    </a:p>
+                  </a:txBody>
+                  <a:tcPr>
+                    <a:lnL w="12700" cap="flat" cmpd="sng" algn="ctr">
+                      <a:solidFill>
+                        <a:scrgbClr r="0" g="0" b="0"/>
+                      </a:solidFill>
+                      <a:prstDash val="solid"/>
+                      <a:round/>
+                      <a:headEnd type="none" w="med" len="med"/>
+                      <a:tailEnd type="none" w="med" len="med"/>
+                    </a:lnL>
+                    <a:lnR w="12700" cap="flat" cmpd="sng" algn="ctr">
+                      <a:solidFill>
+                        <a:scrgbClr r="0" g="0" b="0"/>
+                      </a:solidFill>
+                      <a:prstDash val="solid"/>
+                      <a:round/>
+                      <a:headEnd type="none" w="med" len="med"/>
+                      <a:tailEnd type="none" w="med" len="med"/>
+                    </a:lnR>
+                    <a:lnT w="12700" cap="flat" cmpd="sng" algn="ctr">
+                      <a:solidFill>
+                        <a:scrgbClr r="0" g="0" b="0"/>
+                      </a:solidFill>
+                      <a:prstDash val="solid"/>
+                      <a:round/>
+                      <a:headEnd type="none" w="med" len="med"/>
+                      <a:tailEnd type="none" w="med" len="med"/>
+                    </a:lnT>
+                    <a:lnB w="12700" cap="flat" cmpd="sng" algn="ctr">
+                      <a:solidFill>
+                        <a:scrgbClr r="0" g="0" b="0"/>
+                      </a:solidFill>
+                      <a:prstDash val="solid"/>
+                      <a:round/>
+                      <a:headEnd type="none" w="med" len="med"/>
+                      <a:tailEnd type="none" w="med" len="med"/>
+                    </a:lnB>
+                  </a:tcPr>
+                </a:tc>
+                <a:tc>
+                  <a:txBody>
+                    <a:bodyPr/>
+                    <a:lstStyle/>
+                    <a:p>
+                      <a:pPr algn="ctr"/>
+                      <a:r>
+                        <a:rPr lang="en-US" dirty="0" smtClean="0"/>
+                        <a:t>0.1</a:t>
+                      </a:r>
+                      <a:endParaRPr lang="en-US" dirty="0"/>
+                    </a:p>
+                  </a:txBody>
+                  <a:tcPr>
+                    <a:lnL w="12700" cap="flat" cmpd="sng" algn="ctr">
+                      <a:solidFill>
+                        <a:scrgbClr r="0" g="0" b="0"/>
+                      </a:solidFill>
+                      <a:prstDash val="solid"/>
+                      <a:round/>
+                      <a:headEnd type="none" w="med" len="med"/>
+                      <a:tailEnd type="none" w="med" len="med"/>
+                    </a:lnL>
+                    <a:lnR w="12700" cap="flat" cmpd="sng" algn="ctr">
+                      <a:solidFill>
+                        <a:scrgbClr r="0" g="0" b="0"/>
+                      </a:solidFill>
+                      <a:prstDash val="solid"/>
+                      <a:round/>
+                      <a:headEnd type="none" w="med" len="med"/>
+                      <a:tailEnd type="none" w="med" len="med"/>
+                    </a:lnR>
+                    <a:lnT w="12700" cap="flat" cmpd="sng" algn="ctr">
+                      <a:solidFill>
+                        <a:scrgbClr r="0" g="0" b="0"/>
+                      </a:solidFill>
+                      <a:prstDash val="solid"/>
+                      <a:round/>
+                      <a:headEnd type="none" w="med" len="med"/>
+                      <a:tailEnd type="none" w="med" len="med"/>
+                    </a:lnT>
+                    <a:lnB w="12700" cap="flat" cmpd="sng" algn="ctr">
+                      <a:solidFill>
+                        <a:scrgbClr r="0" g="0" b="0"/>
+                      </a:solidFill>
+                      <a:prstDash val="solid"/>
+                      <a:round/>
+                      <a:headEnd type="none" w="med" len="med"/>
+                      <a:tailEnd type="none" w="med" len="med"/>
+                    </a:lnB>
+                  </a:tcPr>
+                </a:tc>
+                <a:tc>
+                  <a:txBody>
+                    <a:bodyPr/>
+                    <a:lstStyle/>
+                    <a:p>
+                      <a:pPr algn="ctr"/>
+                      <a:r>
+                        <a:rPr lang="en-US" dirty="0" smtClean="0"/>
+                        <a:t>1.28</a:t>
+                      </a:r>
+                      <a:endParaRPr lang="en-US" dirty="0"/>
+                    </a:p>
+                  </a:txBody>
+                  <a:tcPr>
+                    <a:lnL w="12700" cap="flat" cmpd="sng" algn="ctr">
+                      <a:solidFill>
+                        <a:scrgbClr r="0" g="0" b="0"/>
+                      </a:solidFill>
+                      <a:prstDash val="solid"/>
+                      <a:round/>
+                      <a:headEnd type="none" w="med" len="med"/>
+                      <a:tailEnd type="none" w="med" len="med"/>
+                    </a:lnL>
+                    <a:lnR w="12700" cap="flat" cmpd="sng" algn="ctr">
+                      <a:solidFill>
+                        <a:scrgbClr r="0" g="0" b="0"/>
+                      </a:solidFill>
+                      <a:prstDash val="solid"/>
+                      <a:round/>
+                      <a:headEnd type="none" w="med" len="med"/>
+                      <a:tailEnd type="none" w="med" len="med"/>
+                    </a:lnR>
+                    <a:lnT w="12700" cap="flat" cmpd="sng" algn="ctr">
+                      <a:solidFill>
+                        <a:scrgbClr r="0" g="0" b="0"/>
+                      </a:solidFill>
+                      <a:prstDash val="solid"/>
+                      <a:round/>
+                      <a:headEnd type="none" w="med" len="med"/>
+                      <a:tailEnd type="none" w="med" len="med"/>
+                    </a:lnT>
+                    <a:lnB w="12700" cap="flat" cmpd="sng" algn="ctr">
+                      <a:solidFill>
+                        <a:scrgbClr r="0" g="0" b="0"/>
+                      </a:solidFill>
+                      <a:prstDash val="solid"/>
+                      <a:round/>
+                      <a:headEnd type="none" w="med" len="med"/>
+                      <a:tailEnd type="none" w="med" len="med"/>
+                    </a:lnB>
+                  </a:tcPr>
+                </a:tc>
+                <a:tc>
+                  <a:txBody>
+                    <a:bodyPr/>
+                    <a:lstStyle/>
+                    <a:p>
+                      <a:pPr algn="ctr"/>
+                      <a:r>
+                        <a:rPr lang="en-US" dirty="0" smtClean="0"/>
+                        <a:t>0.98</a:t>
+                      </a:r>
+                      <a:endParaRPr lang="en-US" dirty="0"/>
+                    </a:p>
+                  </a:txBody>
+                  <a:tcPr>
+                    <a:lnL w="12700" cap="flat" cmpd="sng" algn="ctr">
+                      <a:solidFill>
+                        <a:scrgbClr r="0" g="0" b="0"/>
+                      </a:solidFill>
+                      <a:prstDash val="solid"/>
+                      <a:round/>
+                      <a:headEnd type="none" w="med" len="med"/>
+                      <a:tailEnd type="none" w="med" len="med"/>
+                    </a:lnL>
+                    <a:lnR w="12700" cap="flat" cmpd="sng" algn="ctr">
+                      <a:solidFill>
+                        <a:scrgbClr r="0" g="0" b="0"/>
+                      </a:solidFill>
+                      <a:prstDash val="solid"/>
+                      <a:round/>
+                      <a:headEnd type="none" w="med" len="med"/>
+                      <a:tailEnd type="none" w="med" len="med"/>
+                    </a:lnR>
+                    <a:lnT w="12700" cap="flat" cmpd="sng" algn="ctr">
+                      <a:solidFill>
+                        <a:scrgbClr r="0" g="0" b="0"/>
+                      </a:solidFill>
+                      <a:prstDash val="solid"/>
+                      <a:round/>
+                      <a:headEnd type="none" w="med" len="med"/>
+                      <a:tailEnd type="none" w="med" len="med"/>
+                    </a:lnT>
+                    <a:lnB w="12700" cap="flat" cmpd="sng" algn="ctr">
+                      <a:solidFill>
+                        <a:scrgbClr r="0" g="0" b="0"/>
+                      </a:solidFill>
+                      <a:prstDash val="solid"/>
+                      <a:round/>
+                      <a:headEnd type="none" w="med" len="med"/>
+                      <a:tailEnd type="none" w="med" len="med"/>
+                    </a:lnB>
+                  </a:tcPr>
+                </a:tc>
+              </a:tr>
+              <a:tr h="370840">
+                <a:tc>
+                  <a:txBody>
+                    <a:bodyPr/>
+                    <a:lstStyle/>
+                    <a:p>
+                      <a:r>
+                        <a:rPr lang="en-US" dirty="0" smtClean="0"/>
+                        <a:t>Lasso TP</a:t>
+                      </a:r>
+                      <a:endParaRPr lang="en-US" dirty="0"/>
+                    </a:p>
+                  </a:txBody>
+                  <a:tcPr>
+                    <a:lnL w="12700" cap="flat" cmpd="sng" algn="ctr">
+                      <a:solidFill>
+                        <a:scrgbClr r="0" g="0" b="0"/>
+                      </a:solidFill>
+                      <a:prstDash val="solid"/>
+                      <a:round/>
+                      <a:headEnd type="none" w="med" len="med"/>
+                      <a:tailEnd type="none" w="med" len="med"/>
+                    </a:lnL>
+                    <a:lnR w="12700" cap="flat" cmpd="sng" algn="ctr">
+                      <a:solidFill>
+                        <a:scrgbClr r="0" g="0" b="0"/>
+                      </a:solidFill>
+                      <a:prstDash val="solid"/>
+                      <a:round/>
+                      <a:headEnd type="none" w="med" len="med"/>
+                      <a:tailEnd type="none" w="med" len="med"/>
+                    </a:lnR>
+                    <a:lnT w="12700" cap="flat" cmpd="sng" algn="ctr">
+                      <a:solidFill>
+                        <a:scrgbClr r="0" g="0" b="0"/>
+                      </a:solidFill>
+                      <a:prstDash val="solid"/>
+                      <a:round/>
+                      <a:headEnd type="none" w="med" len="med"/>
+                      <a:tailEnd type="none" w="med" len="med"/>
+                    </a:lnT>
+                    <a:lnB w="12700" cap="flat" cmpd="sng" algn="ctr">
+                      <a:solidFill>
+                        <a:scrgbClr r="0" g="0" b="0"/>
+                      </a:solidFill>
+                      <a:prstDash val="solid"/>
+                      <a:round/>
+                      <a:headEnd type="none" w="med" len="med"/>
+                      <a:tailEnd type="none" w="med" len="med"/>
+                    </a:lnB>
+                    <a:solidFill>
+                      <a:srgbClr val="E7E5BA"/>
+                    </a:solidFill>
+                  </a:tcPr>
+                </a:tc>
+                <a:tc>
+                  <a:txBody>
+                    <a:bodyPr/>
+                    <a:lstStyle/>
+                    <a:p>
+                      <a:pPr algn="ctr"/>
+                      <a:r>
+                        <a:rPr lang="en-US" dirty="0" smtClean="0"/>
+                        <a:t>9.52</a:t>
+                      </a:r>
+                      <a:endParaRPr lang="en-US" dirty="0"/>
+                    </a:p>
+                  </a:txBody>
+                  <a:tcPr>
+                    <a:lnL w="12700" cap="flat" cmpd="sng" algn="ctr">
+                      <a:solidFill>
+                        <a:scrgbClr r="0" g="0" b="0"/>
+                      </a:solidFill>
+                      <a:prstDash val="solid"/>
+                      <a:round/>
+                      <a:headEnd type="none" w="med" len="med"/>
+                      <a:tailEnd type="none" w="med" len="med"/>
+                    </a:lnL>
+                    <a:lnR w="12700" cap="flat" cmpd="sng" algn="ctr">
+                      <a:solidFill>
+                        <a:scrgbClr r="0" g="0" b="0"/>
+                      </a:solidFill>
+                      <a:prstDash val="solid"/>
+                      <a:round/>
+                      <a:headEnd type="none" w="med" len="med"/>
+                      <a:tailEnd type="none" w="med" len="med"/>
+                    </a:lnR>
+                    <a:lnT w="12700" cap="flat" cmpd="sng" algn="ctr">
+                      <a:solidFill>
+                        <a:scrgbClr r="0" g="0" b="0"/>
+                      </a:solidFill>
+                      <a:prstDash val="solid"/>
+                      <a:round/>
+                      <a:headEnd type="none" w="med" len="med"/>
+                      <a:tailEnd type="none" w="med" len="med"/>
+                    </a:lnT>
+                    <a:lnB w="12700" cap="flat" cmpd="sng" algn="ctr">
+                      <a:solidFill>
+                        <a:scrgbClr r="0" g="0" b="0"/>
+                      </a:solidFill>
+                      <a:prstDash val="solid"/>
+                      <a:round/>
+                      <a:headEnd type="none" w="med" len="med"/>
+                      <a:tailEnd type="none" w="med" len="med"/>
+                    </a:lnB>
+                    <a:solidFill>
+                      <a:srgbClr val="E7E5BA"/>
+                    </a:solidFill>
+                  </a:tcPr>
+                </a:tc>
+                <a:tc>
+                  <a:txBody>
+                    <a:bodyPr/>
+                    <a:lstStyle/>
+                    <a:p>
+                      <a:pPr algn="ctr"/>
+                      <a:r>
+                        <a:rPr lang="en-US" dirty="0" smtClean="0"/>
+                        <a:t>8.16</a:t>
+                      </a:r>
+                      <a:endParaRPr lang="en-US" dirty="0"/>
+                    </a:p>
+                  </a:txBody>
+                  <a:tcPr>
+                    <a:lnL w="12700" cap="flat" cmpd="sng" algn="ctr">
+                      <a:solidFill>
+                        <a:scrgbClr r="0" g="0" b="0"/>
+                      </a:solidFill>
+                      <a:prstDash val="solid"/>
+                      <a:round/>
+                      <a:headEnd type="none" w="med" len="med"/>
+                      <a:tailEnd type="none" w="med" len="med"/>
+                    </a:lnL>
+                    <a:lnR w="12700" cap="flat" cmpd="sng" algn="ctr">
+                      <a:solidFill>
+                        <a:scrgbClr r="0" g="0" b="0"/>
+                      </a:solidFill>
+                      <a:prstDash val="solid"/>
+                      <a:round/>
+                      <a:headEnd type="none" w="med" len="med"/>
+                      <a:tailEnd type="none" w="med" len="med"/>
+                    </a:lnR>
+                    <a:lnT w="12700" cap="flat" cmpd="sng" algn="ctr">
+                      <a:solidFill>
+                        <a:scrgbClr r="0" g="0" b="0"/>
+                      </a:solidFill>
+                      <a:prstDash val="solid"/>
+                      <a:round/>
+                      <a:headEnd type="none" w="med" len="med"/>
+                      <a:tailEnd type="none" w="med" len="med"/>
+                    </a:lnT>
+                    <a:lnB w="12700" cap="flat" cmpd="sng" algn="ctr">
+                      <a:solidFill>
+                        <a:scrgbClr r="0" g="0" b="0"/>
+                      </a:solidFill>
+                      <a:prstDash val="solid"/>
+                      <a:round/>
+                      <a:headEnd type="none" w="med" len="med"/>
+                      <a:tailEnd type="none" w="med" len="med"/>
+                    </a:lnB>
+                    <a:solidFill>
+                      <a:srgbClr val="E7E5BA"/>
+                    </a:solidFill>
+                  </a:tcPr>
+                </a:tc>
+                <a:tc>
+                  <a:txBody>
+                    <a:bodyPr/>
+                    <a:lstStyle/>
+                    <a:p>
+                      <a:pPr algn="ctr"/>
+                      <a:r>
+                        <a:rPr lang="en-US" dirty="0" smtClean="0"/>
+                        <a:t>9.28</a:t>
+                      </a:r>
+                      <a:endParaRPr lang="en-US" dirty="0"/>
+                    </a:p>
+                  </a:txBody>
+                  <a:tcPr>
+                    <a:lnL w="12700" cap="flat" cmpd="sng" algn="ctr">
+                      <a:solidFill>
+                        <a:scrgbClr r="0" g="0" b="0"/>
+                      </a:solidFill>
+                      <a:prstDash val="solid"/>
+                      <a:round/>
+                      <a:headEnd type="none" w="med" len="med"/>
+                      <a:tailEnd type="none" w="med" len="med"/>
+                    </a:lnL>
+                    <a:lnR w="12700" cap="flat" cmpd="sng" algn="ctr">
+                      <a:solidFill>
+                        <a:scrgbClr r="0" g="0" b="0"/>
+                      </a:solidFill>
+                      <a:prstDash val="solid"/>
+                      <a:round/>
+                      <a:headEnd type="none" w="med" len="med"/>
+                      <a:tailEnd type="none" w="med" len="med"/>
+                    </a:lnR>
+                    <a:lnT w="12700" cap="flat" cmpd="sng" algn="ctr">
+                      <a:solidFill>
+                        <a:scrgbClr r="0" g="0" b="0"/>
+                      </a:solidFill>
+                      <a:prstDash val="solid"/>
+                      <a:round/>
+                      <a:headEnd type="none" w="med" len="med"/>
+                      <a:tailEnd type="none" w="med" len="med"/>
+                    </a:lnT>
+                    <a:lnB w="12700" cap="flat" cmpd="sng" algn="ctr">
+                      <a:solidFill>
+                        <a:scrgbClr r="0" g="0" b="0"/>
+                      </a:solidFill>
+                      <a:prstDash val="solid"/>
+                      <a:round/>
+                      <a:headEnd type="none" w="med" len="med"/>
+                      <a:tailEnd type="none" w="med" len="med"/>
+                    </a:lnB>
+                    <a:solidFill>
+                      <a:srgbClr val="E7E5BA"/>
+                    </a:solidFill>
+                  </a:tcPr>
+                </a:tc>
+                <a:tc>
+                  <a:txBody>
+                    <a:bodyPr/>
+                    <a:lstStyle/>
+                    <a:p>
+                      <a:pPr algn="ctr"/>
+                      <a:r>
+                        <a:rPr lang="en-US" dirty="0" smtClean="0"/>
+                        <a:t>NA</a:t>
+                      </a:r>
+                      <a:endParaRPr lang="en-US" dirty="0"/>
+                    </a:p>
+                  </a:txBody>
+                  <a:tcPr>
+                    <a:lnL w="12700" cap="flat" cmpd="sng" algn="ctr">
+                      <a:solidFill>
+                        <a:scrgbClr r="0" g="0" b="0"/>
+                      </a:solidFill>
+                      <a:prstDash val="solid"/>
+                      <a:round/>
+                      <a:headEnd type="none" w="med" len="med"/>
+                      <a:tailEnd type="none" w="med" len="med"/>
+                    </a:lnL>
+                    <a:lnR w="12700" cap="flat" cmpd="sng" algn="ctr">
+                      <a:solidFill>
+                        <a:scrgbClr r="0" g="0" b="0"/>
+                      </a:solidFill>
+                      <a:prstDash val="solid"/>
+                      <a:round/>
+                      <a:headEnd type="none" w="med" len="med"/>
+                      <a:tailEnd type="none" w="med" len="med"/>
+                    </a:lnR>
+                    <a:lnT w="12700" cap="flat" cmpd="sng" algn="ctr">
+                      <a:solidFill>
+                        <a:scrgbClr r="0" g="0" b="0"/>
+                      </a:solidFill>
+                      <a:prstDash val="solid"/>
+                      <a:round/>
+                      <a:headEnd type="none" w="med" len="med"/>
+                      <a:tailEnd type="none" w="med" len="med"/>
+                    </a:lnT>
+                    <a:lnB w="12700" cap="flat" cmpd="sng" algn="ctr">
+                      <a:solidFill>
+                        <a:scrgbClr r="0" g="0" b="0"/>
+                      </a:solidFill>
+                      <a:prstDash val="solid"/>
+                      <a:round/>
+                      <a:headEnd type="none" w="med" len="med"/>
+                      <a:tailEnd type="none" w="med" len="med"/>
+                    </a:lnB>
+                    <a:solidFill>
+                      <a:srgbClr val="E7E5BA"/>
+                    </a:solidFill>
+                  </a:tcPr>
+                </a:tc>
+              </a:tr>
+              <a:tr h="370840">
+                <a:tc>
+                  <a:txBody>
+                    <a:bodyPr/>
+                    <a:lstStyle/>
+                    <a:p>
+                      <a:r>
+                        <a:rPr lang="en-US" dirty="0" smtClean="0"/>
+                        <a:t>Lasso FP</a:t>
+                      </a:r>
+                      <a:endParaRPr lang="en-US" dirty="0"/>
+                    </a:p>
+                  </a:txBody>
+                  <a:tcPr>
+                    <a:lnL w="12700" cap="flat" cmpd="sng" algn="ctr">
+                      <a:solidFill>
+                        <a:scrgbClr r="0" g="0" b="0"/>
+                      </a:solidFill>
+                      <a:prstDash val="solid"/>
+                      <a:round/>
+                      <a:headEnd type="none" w="med" len="med"/>
+                      <a:tailEnd type="none" w="med" len="med"/>
+                    </a:lnL>
+                    <a:lnR w="12700" cap="flat" cmpd="sng" algn="ctr">
+                      <a:solidFill>
+                        <a:scrgbClr r="0" g="0" b="0"/>
+                      </a:solidFill>
+                      <a:prstDash val="solid"/>
+                      <a:round/>
+                      <a:headEnd type="none" w="med" len="med"/>
+                      <a:tailEnd type="none" w="med" len="med"/>
+                    </a:lnR>
+                    <a:lnT w="12700" cap="flat" cmpd="sng" algn="ctr">
+                      <a:solidFill>
+                        <a:scrgbClr r="0" g="0" b="0"/>
+                      </a:solidFill>
+                      <a:prstDash val="solid"/>
+                      <a:round/>
+                      <a:headEnd type="none" w="med" len="med"/>
+                      <a:tailEnd type="none" w="med" len="med"/>
+                    </a:lnT>
+                    <a:lnB w="12700" cap="flat" cmpd="sng" algn="ctr">
+                      <a:solidFill>
+                        <a:scrgbClr r="0" g="0" b="0"/>
+                      </a:solidFill>
+                      <a:prstDash val="solid"/>
+                      <a:round/>
+                      <a:headEnd type="none" w="med" len="med"/>
+                      <a:tailEnd type="none" w="med" len="med"/>
+                    </a:lnB>
+                  </a:tcPr>
+                </a:tc>
+                <a:tc>
+                  <a:txBody>
+                    <a:bodyPr/>
+                    <a:lstStyle/>
+                    <a:p>
+                      <a:pPr algn="ctr"/>
+                      <a:r>
+                        <a:rPr lang="en-US" dirty="0" smtClean="0"/>
+                        <a:t>31.26</a:t>
+                      </a:r>
+                      <a:endParaRPr lang="en-US" dirty="0"/>
+                    </a:p>
+                  </a:txBody>
+                  <a:tcPr>
+                    <a:lnL w="12700" cap="flat" cmpd="sng" algn="ctr">
+                      <a:solidFill>
+                        <a:scrgbClr r="0" g="0" b="0"/>
+                      </a:solidFill>
+                      <a:prstDash val="solid"/>
+                      <a:round/>
+                      <a:headEnd type="none" w="med" len="med"/>
+                      <a:tailEnd type="none" w="med" len="med"/>
+                    </a:lnL>
+                    <a:lnR w="12700" cap="flat" cmpd="sng" algn="ctr">
+                      <a:solidFill>
+                        <a:scrgbClr r="0" g="0" b="0"/>
+                      </a:solidFill>
+                      <a:prstDash val="solid"/>
+                      <a:round/>
+                      <a:headEnd type="none" w="med" len="med"/>
+                      <a:tailEnd type="none" w="med" len="med"/>
+                    </a:lnR>
+                    <a:lnT w="12700" cap="flat" cmpd="sng" algn="ctr">
+                      <a:solidFill>
+                        <a:scrgbClr r="0" g="0" b="0"/>
+                      </a:solidFill>
+                      <a:prstDash val="solid"/>
+                      <a:round/>
+                      <a:headEnd type="none" w="med" len="med"/>
+                      <a:tailEnd type="none" w="med" len="med"/>
+                    </a:lnT>
+                    <a:lnB w="12700" cap="flat" cmpd="sng" algn="ctr">
+                      <a:solidFill>
+                        <a:scrgbClr r="0" g="0" b="0"/>
+                      </a:solidFill>
+                      <a:prstDash val="solid"/>
+                      <a:round/>
+                      <a:headEnd type="none" w="med" len="med"/>
+                      <a:tailEnd type="none" w="med" len="med"/>
+                    </a:lnB>
+                  </a:tcPr>
+                </a:tc>
+                <a:tc>
+                  <a:txBody>
+                    <a:bodyPr/>
+                    <a:lstStyle/>
+                    <a:p>
+                      <a:pPr algn="ctr"/>
+                      <a:r>
+                        <a:rPr lang="en-US" dirty="0" smtClean="0"/>
+                        <a:t>45.76</a:t>
+                      </a:r>
+                      <a:endParaRPr lang="en-US" dirty="0"/>
+                    </a:p>
+                  </a:txBody>
+                  <a:tcPr>
+                    <a:lnL w="12700" cap="flat" cmpd="sng" algn="ctr">
+                      <a:solidFill>
+                        <a:scrgbClr r="0" g="0" b="0"/>
+                      </a:solidFill>
+                      <a:prstDash val="solid"/>
+                      <a:round/>
+                      <a:headEnd type="none" w="med" len="med"/>
+                      <a:tailEnd type="none" w="med" len="med"/>
+                    </a:lnL>
+                    <a:lnR w="12700" cap="flat" cmpd="sng" algn="ctr">
+                      <a:solidFill>
+                        <a:scrgbClr r="0" g="0" b="0"/>
+                      </a:solidFill>
+                      <a:prstDash val="solid"/>
+                      <a:round/>
+                      <a:headEnd type="none" w="med" len="med"/>
+                      <a:tailEnd type="none" w="med" len="med"/>
+                    </a:lnR>
+                    <a:lnT w="12700" cap="flat" cmpd="sng" algn="ctr">
+                      <a:solidFill>
+                        <a:scrgbClr r="0" g="0" b="0"/>
+                      </a:solidFill>
+                      <a:prstDash val="solid"/>
+                      <a:round/>
+                      <a:headEnd type="none" w="med" len="med"/>
+                      <a:tailEnd type="none" w="med" len="med"/>
+                    </a:lnT>
+                    <a:lnB w="12700" cap="flat" cmpd="sng" algn="ctr">
+                      <a:solidFill>
+                        <a:scrgbClr r="0" g="0" b="0"/>
+                      </a:solidFill>
+                      <a:prstDash val="solid"/>
+                      <a:round/>
+                      <a:headEnd type="none" w="med" len="med"/>
+                      <a:tailEnd type="none" w="med" len="med"/>
+                    </a:lnB>
+                  </a:tcPr>
+                </a:tc>
+                <a:tc>
+                  <a:txBody>
+                    <a:bodyPr/>
+                    <a:lstStyle/>
+                    <a:p>
+                      <a:pPr algn="ctr"/>
+                      <a:r>
+                        <a:rPr lang="en-US" dirty="0" smtClean="0"/>
+                        <a:t>102.24</a:t>
+                      </a:r>
+                      <a:endParaRPr lang="en-US" dirty="0"/>
+                    </a:p>
+                  </a:txBody>
+                  <a:tcPr>
+                    <a:lnL w="12700" cap="flat" cmpd="sng" algn="ctr">
+                      <a:solidFill>
+                        <a:scrgbClr r="0" g="0" b="0"/>
+                      </a:solidFill>
+                      <a:prstDash val="solid"/>
+                      <a:round/>
+                      <a:headEnd type="none" w="med" len="med"/>
+                      <a:tailEnd type="none" w="med" len="med"/>
+                    </a:lnL>
+                    <a:lnR w="12700" cap="flat" cmpd="sng" algn="ctr">
+                      <a:solidFill>
+                        <a:scrgbClr r="0" g="0" b="0"/>
+                      </a:solidFill>
+                      <a:prstDash val="solid"/>
+                      <a:round/>
+                      <a:headEnd type="none" w="med" len="med"/>
+                      <a:tailEnd type="none" w="med" len="med"/>
+                    </a:lnR>
+                    <a:lnT w="12700" cap="flat" cmpd="sng" algn="ctr">
+                      <a:solidFill>
+                        <a:scrgbClr r="0" g="0" b="0"/>
+                      </a:solidFill>
+                      <a:prstDash val="solid"/>
+                      <a:round/>
+                      <a:headEnd type="none" w="med" len="med"/>
+                      <a:tailEnd type="none" w="med" len="med"/>
+                    </a:lnT>
+                    <a:lnB w="12700" cap="flat" cmpd="sng" algn="ctr">
+                      <a:solidFill>
+                        <a:scrgbClr r="0" g="0" b="0"/>
+                      </a:solidFill>
+                      <a:prstDash val="solid"/>
+                      <a:round/>
+                      <a:headEnd type="none" w="med" len="med"/>
+                      <a:tailEnd type="none" w="med" len="med"/>
+                    </a:lnB>
+                  </a:tcPr>
+                </a:tc>
+                <a:tc>
+                  <a:txBody>
+                    <a:bodyPr/>
+                    <a:lstStyle/>
+                    <a:p>
+                      <a:pPr algn="ctr"/>
+                      <a:r>
+                        <a:rPr lang="en-US" dirty="0" smtClean="0"/>
+                        <a:t>NA</a:t>
+                      </a:r>
+                      <a:endParaRPr lang="en-US" dirty="0"/>
+                    </a:p>
+                  </a:txBody>
+                  <a:tcPr>
+                    <a:lnL w="12700" cap="flat" cmpd="sng" algn="ctr">
+                      <a:solidFill>
+                        <a:scrgbClr r="0" g="0" b="0"/>
+                      </a:solidFill>
+                      <a:prstDash val="solid"/>
+                      <a:round/>
+                      <a:headEnd type="none" w="med" len="med"/>
+                      <a:tailEnd type="none" w="med" len="med"/>
+                    </a:lnL>
+                    <a:lnR w="12700" cap="flat" cmpd="sng" algn="ctr">
+                      <a:solidFill>
+                        <a:scrgbClr r="0" g="0" b="0"/>
+                      </a:solidFill>
+                      <a:prstDash val="solid"/>
+                      <a:round/>
+                      <a:headEnd type="none" w="med" len="med"/>
+                      <a:tailEnd type="none" w="med" len="med"/>
+                    </a:lnR>
+                    <a:lnT w="12700" cap="flat" cmpd="sng" algn="ctr">
+                      <a:solidFill>
+                        <a:scrgbClr r="0" g="0" b="0"/>
+                      </a:solidFill>
+                      <a:prstDash val="solid"/>
+                      <a:round/>
+                      <a:headEnd type="none" w="med" len="med"/>
+                      <a:tailEnd type="none" w="med" len="med"/>
+                    </a:lnT>
+                    <a:lnB w="12700" cap="flat" cmpd="sng" algn="ctr">
+                      <a:solidFill>
+                        <a:scrgbClr r="0" g="0" b="0"/>
+                      </a:solidFill>
+                      <a:prstDash val="solid"/>
+                      <a:round/>
+                      <a:headEnd type="none" w="med" len="med"/>
+                      <a:tailEnd type="none" w="med" len="med"/>
+                    </a:lnB>
+                  </a:tcPr>
+                </a:tc>
+              </a:tr>
+              <a:tr h="370840">
+                <a:tc>
+                  <a:txBody>
+                    <a:bodyPr/>
+                    <a:lstStyle/>
+                    <a:p>
+                      <a:r>
+                        <a:rPr lang="en-US" dirty="0" smtClean="0"/>
+                        <a:t>Marginal TP</a:t>
+                      </a:r>
+                      <a:endParaRPr lang="en-US" dirty="0"/>
+                    </a:p>
+                  </a:txBody>
+                  <a:tcPr>
+                    <a:lnL w="12700" cap="flat" cmpd="sng" algn="ctr">
+                      <a:solidFill>
+                        <a:scrgbClr r="0" g="0" b="0"/>
+                      </a:solidFill>
+                      <a:prstDash val="solid"/>
+                      <a:round/>
+                      <a:headEnd type="none" w="med" len="med"/>
+                      <a:tailEnd type="none" w="med" len="med"/>
+                    </a:lnL>
+                    <a:lnR w="12700" cap="flat" cmpd="sng" algn="ctr">
+                      <a:solidFill>
+                        <a:scrgbClr r="0" g="0" b="0"/>
+                      </a:solidFill>
+                      <a:prstDash val="solid"/>
+                      <a:round/>
+                      <a:headEnd type="none" w="med" len="med"/>
+                      <a:tailEnd type="none" w="med" len="med"/>
+                    </a:lnR>
+                    <a:lnT w="12700" cap="flat" cmpd="sng" algn="ctr">
+                      <a:solidFill>
+                        <a:scrgbClr r="0" g="0" b="0"/>
+                      </a:solidFill>
+                      <a:prstDash val="solid"/>
+                      <a:round/>
+                      <a:headEnd type="none" w="med" len="med"/>
+                      <a:tailEnd type="none" w="med" len="med"/>
+                    </a:lnT>
+                    <a:lnB w="12700" cap="flat" cmpd="sng" algn="ctr">
+                      <a:solidFill>
+                        <a:scrgbClr r="0" g="0" b="0"/>
+                      </a:solidFill>
+                      <a:prstDash val="solid"/>
+                      <a:round/>
+                      <a:headEnd type="none" w="med" len="med"/>
+                      <a:tailEnd type="none" w="med" len="med"/>
+                    </a:lnB>
+                    <a:solidFill>
+                      <a:srgbClr val="E7E5BA"/>
+                    </a:solidFill>
+                  </a:tcPr>
+                </a:tc>
+                <a:tc>
+                  <a:txBody>
+                    <a:bodyPr/>
+                    <a:lstStyle/>
+                    <a:p>
+                      <a:pPr algn="ctr"/>
+                      <a:r>
+                        <a:rPr lang="en-US" dirty="0" smtClean="0"/>
+                        <a:t>7.18</a:t>
+                      </a:r>
+                      <a:endParaRPr lang="en-US" dirty="0"/>
+                    </a:p>
+                  </a:txBody>
+                  <a:tcPr>
+                    <a:lnL w="12700" cap="flat" cmpd="sng" algn="ctr">
+                      <a:solidFill>
+                        <a:scrgbClr r="0" g="0" b="0"/>
+                      </a:solidFill>
+                      <a:prstDash val="solid"/>
+                      <a:round/>
+                      <a:headEnd type="none" w="med" len="med"/>
+                      <a:tailEnd type="none" w="med" len="med"/>
+                    </a:lnL>
+                    <a:lnR w="12700" cap="flat" cmpd="sng" algn="ctr">
+                      <a:solidFill>
+                        <a:scrgbClr r="0" g="0" b="0"/>
+                      </a:solidFill>
+                      <a:prstDash val="solid"/>
+                      <a:round/>
+                      <a:headEnd type="none" w="med" len="med"/>
+                      <a:tailEnd type="none" w="med" len="med"/>
+                    </a:lnR>
+                    <a:lnT w="12700" cap="flat" cmpd="sng" algn="ctr">
+                      <a:solidFill>
+                        <a:scrgbClr r="0" g="0" b="0"/>
+                      </a:solidFill>
+                      <a:prstDash val="solid"/>
+                      <a:round/>
+                      <a:headEnd type="none" w="med" len="med"/>
+                      <a:tailEnd type="none" w="med" len="med"/>
+                    </a:lnT>
+                    <a:lnB w="12700" cap="flat" cmpd="sng" algn="ctr">
+                      <a:solidFill>
+                        <a:scrgbClr r="0" g="0" b="0"/>
+                      </a:solidFill>
+                      <a:prstDash val="solid"/>
+                      <a:round/>
+                      <a:headEnd type="none" w="med" len="med"/>
+                      <a:tailEnd type="none" w="med" len="med"/>
+                    </a:lnB>
+                    <a:solidFill>
+                      <a:srgbClr val="E7E5BA"/>
+                    </a:solidFill>
+                  </a:tcPr>
+                </a:tc>
+                <a:tc>
+                  <a:txBody>
+                    <a:bodyPr/>
+                    <a:lstStyle/>
+                    <a:p>
+                      <a:pPr algn="ctr"/>
+                      <a:r>
+                        <a:rPr lang="en-US" dirty="0" smtClean="0"/>
+                        <a:t>5.76</a:t>
+                      </a:r>
+                      <a:endParaRPr lang="en-US" dirty="0"/>
+                    </a:p>
+                  </a:txBody>
+                  <a:tcPr>
+                    <a:lnL w="12700" cap="flat" cmpd="sng" algn="ctr">
+                      <a:solidFill>
+                        <a:scrgbClr r="0" g="0" b="0"/>
+                      </a:solidFill>
+                      <a:prstDash val="solid"/>
+                      <a:round/>
+                      <a:headEnd type="none" w="med" len="med"/>
+                      <a:tailEnd type="none" w="med" len="med"/>
+                    </a:lnL>
+                    <a:lnR w="12700" cap="flat" cmpd="sng" algn="ctr">
+                      <a:solidFill>
+                        <a:scrgbClr r="0" g="0" b="0"/>
+                      </a:solidFill>
+                      <a:prstDash val="solid"/>
+                      <a:round/>
+                      <a:headEnd type="none" w="med" len="med"/>
+                      <a:tailEnd type="none" w="med" len="med"/>
+                    </a:lnR>
+                    <a:lnT w="12700" cap="flat" cmpd="sng" algn="ctr">
+                      <a:solidFill>
+                        <a:scrgbClr r="0" g="0" b="0"/>
+                      </a:solidFill>
+                      <a:prstDash val="solid"/>
+                      <a:round/>
+                      <a:headEnd type="none" w="med" len="med"/>
+                      <a:tailEnd type="none" w="med" len="med"/>
+                    </a:lnT>
+                    <a:lnB w="12700" cap="flat" cmpd="sng" algn="ctr">
+                      <a:solidFill>
+                        <a:scrgbClr r="0" g="0" b="0"/>
+                      </a:solidFill>
+                      <a:prstDash val="solid"/>
+                      <a:round/>
+                      <a:headEnd type="none" w="med" len="med"/>
+                      <a:tailEnd type="none" w="med" len="med"/>
+                    </a:lnB>
+                    <a:solidFill>
+                      <a:srgbClr val="E7E5BA"/>
+                    </a:solidFill>
+                  </a:tcPr>
+                </a:tc>
+                <a:tc>
+                  <a:txBody>
+                    <a:bodyPr/>
+                    <a:lstStyle/>
+                    <a:p>
+                      <a:pPr algn="ctr"/>
+                      <a:r>
+                        <a:rPr lang="en-US" dirty="0" smtClean="0"/>
+                        <a:t>9.04 (5.94*)</a:t>
+                      </a:r>
+                      <a:endParaRPr lang="en-US" dirty="0"/>
+                    </a:p>
+                  </a:txBody>
+                  <a:tcPr>
+                    <a:lnL w="12700" cap="flat" cmpd="sng" algn="ctr">
+                      <a:solidFill>
+                        <a:scrgbClr r="0" g="0" b="0"/>
+                      </a:solidFill>
+                      <a:prstDash val="solid"/>
+                      <a:round/>
+                      <a:headEnd type="none" w="med" len="med"/>
+                      <a:tailEnd type="none" w="med" len="med"/>
+                    </a:lnL>
+                    <a:lnR w="12700" cap="flat" cmpd="sng" algn="ctr">
+                      <a:solidFill>
+                        <a:scrgbClr r="0" g="0" b="0"/>
+                      </a:solidFill>
+                      <a:prstDash val="solid"/>
+                      <a:round/>
+                      <a:headEnd type="none" w="med" len="med"/>
+                      <a:tailEnd type="none" w="med" len="med"/>
+                    </a:lnR>
+                    <a:lnT w="12700" cap="flat" cmpd="sng" algn="ctr">
+                      <a:solidFill>
+                        <a:scrgbClr r="0" g="0" b="0"/>
+                      </a:solidFill>
+                      <a:prstDash val="solid"/>
+                      <a:round/>
+                      <a:headEnd type="none" w="med" len="med"/>
+                      <a:tailEnd type="none" w="med" len="med"/>
+                    </a:lnT>
+                    <a:lnB w="12700" cap="flat" cmpd="sng" algn="ctr">
+                      <a:solidFill>
+                        <a:scrgbClr r="0" g="0" b="0"/>
+                      </a:solidFill>
+                      <a:prstDash val="solid"/>
+                      <a:round/>
+                      <a:headEnd type="none" w="med" len="med"/>
+                      <a:tailEnd type="none" w="med" len="med"/>
+                    </a:lnB>
+                    <a:solidFill>
+                      <a:srgbClr val="E7E5BA"/>
+                    </a:solidFill>
+                  </a:tcPr>
+                </a:tc>
+                <a:tc>
+                  <a:txBody>
+                    <a:bodyPr/>
+                    <a:lstStyle/>
+                    <a:p>
+                      <a:pPr algn="ctr"/>
+                      <a:r>
+                        <a:rPr lang="en-US" dirty="0" smtClean="0"/>
+                        <a:t>5.98</a:t>
+                      </a:r>
+                      <a:endParaRPr lang="en-US" dirty="0"/>
+                    </a:p>
+                  </a:txBody>
+                  <a:tcPr>
+                    <a:lnL w="12700" cap="flat" cmpd="sng" algn="ctr">
+                      <a:solidFill>
+                        <a:scrgbClr r="0" g="0" b="0"/>
+                      </a:solidFill>
+                      <a:prstDash val="solid"/>
+                      <a:round/>
+                      <a:headEnd type="none" w="med" len="med"/>
+                      <a:tailEnd type="none" w="med" len="med"/>
+                    </a:lnL>
+                    <a:lnR w="12700" cap="flat" cmpd="sng" algn="ctr">
+                      <a:solidFill>
+                        <a:scrgbClr r="0" g="0" b="0"/>
+                      </a:solidFill>
+                      <a:prstDash val="solid"/>
+                      <a:round/>
+                      <a:headEnd type="none" w="med" len="med"/>
+                      <a:tailEnd type="none" w="med" len="med"/>
+                    </a:lnR>
+                    <a:lnT w="12700" cap="flat" cmpd="sng" algn="ctr">
+                      <a:solidFill>
+                        <a:scrgbClr r="0" g="0" b="0"/>
+                      </a:solidFill>
+                      <a:prstDash val="solid"/>
+                      <a:round/>
+                      <a:headEnd type="none" w="med" len="med"/>
+                      <a:tailEnd type="none" w="med" len="med"/>
+                    </a:lnT>
+                    <a:lnB w="12700" cap="flat" cmpd="sng" algn="ctr">
+                      <a:solidFill>
+                        <a:scrgbClr r="0" g="0" b="0"/>
+                      </a:solidFill>
+                      <a:prstDash val="solid"/>
+                      <a:round/>
+                      <a:headEnd type="none" w="med" len="med"/>
+                      <a:tailEnd type="none" w="med" len="med"/>
+                    </a:lnB>
+                    <a:solidFill>
+                      <a:srgbClr val="E7E5BA"/>
+                    </a:solidFill>
+                  </a:tcPr>
+                </a:tc>
+              </a:tr>
+              <a:tr h="370840">
+                <a:tc>
+                  <a:txBody>
+                    <a:bodyPr/>
+                    <a:lstStyle/>
+                    <a:p>
+                      <a:r>
+                        <a:rPr lang="en-US" dirty="0" smtClean="0"/>
+                        <a:t>Marginal FP</a:t>
+                      </a:r>
+                      <a:endParaRPr lang="en-US" dirty="0"/>
+                    </a:p>
+                  </a:txBody>
+                  <a:tcPr>
+                    <a:lnL w="12700" cap="flat" cmpd="sng" algn="ctr">
+                      <a:solidFill>
+                        <a:scrgbClr r="0" g="0" b="0"/>
+                      </a:solidFill>
+                      <a:prstDash val="solid"/>
+                      <a:round/>
+                      <a:headEnd type="none" w="med" len="med"/>
+                      <a:tailEnd type="none" w="med" len="med"/>
+                    </a:lnL>
+                    <a:lnR w="12700" cap="flat" cmpd="sng" algn="ctr">
+                      <a:solidFill>
+                        <a:scrgbClr r="0" g="0" b="0"/>
+                      </a:solidFill>
+                      <a:prstDash val="solid"/>
+                      <a:round/>
+                      <a:headEnd type="none" w="med" len="med"/>
+                      <a:tailEnd type="none" w="med" len="med"/>
+                    </a:lnR>
+                    <a:lnT w="12700" cap="flat" cmpd="sng" algn="ctr">
+                      <a:solidFill>
+                        <a:scrgbClr r="0" g="0" b="0"/>
+                      </a:solidFill>
+                      <a:prstDash val="solid"/>
+                      <a:round/>
+                      <a:headEnd type="none" w="med" len="med"/>
+                      <a:tailEnd type="none" w="med" len="med"/>
+                    </a:lnT>
+                    <a:lnB w="12700" cap="flat" cmpd="sng" algn="ctr">
+                      <a:solidFill>
+                        <a:scrgbClr r="0" g="0" b="0"/>
+                      </a:solidFill>
+                      <a:prstDash val="solid"/>
+                      <a:round/>
+                      <a:headEnd type="none" w="med" len="med"/>
+                      <a:tailEnd type="none" w="med" len="med"/>
+                    </a:lnB>
+                  </a:tcPr>
+                </a:tc>
+                <a:tc>
+                  <a:txBody>
+                    <a:bodyPr/>
+                    <a:lstStyle/>
+                    <a:p>
+                      <a:pPr algn="ctr"/>
+                      <a:r>
+                        <a:rPr lang="en-US" dirty="0" smtClean="0"/>
+                        <a:t>0.06</a:t>
+                      </a:r>
+                      <a:endParaRPr lang="en-US" dirty="0"/>
+                    </a:p>
+                  </a:txBody>
+                  <a:tcPr>
+                    <a:lnL w="12700" cap="flat" cmpd="sng" algn="ctr">
+                      <a:solidFill>
+                        <a:scrgbClr r="0" g="0" b="0"/>
+                      </a:solidFill>
+                      <a:prstDash val="solid"/>
+                      <a:round/>
+                      <a:headEnd type="none" w="med" len="med"/>
+                      <a:tailEnd type="none" w="med" len="med"/>
+                    </a:lnL>
+                    <a:lnR w="12700" cap="flat" cmpd="sng" algn="ctr">
+                      <a:solidFill>
+                        <a:scrgbClr r="0" g="0" b="0"/>
+                      </a:solidFill>
+                      <a:prstDash val="solid"/>
+                      <a:round/>
+                      <a:headEnd type="none" w="med" len="med"/>
+                      <a:tailEnd type="none" w="med" len="med"/>
+                    </a:lnR>
+                    <a:lnT w="12700" cap="flat" cmpd="sng" algn="ctr">
+                      <a:solidFill>
+                        <a:scrgbClr r="0" g="0" b="0"/>
+                      </a:solidFill>
+                      <a:prstDash val="solid"/>
+                      <a:round/>
+                      <a:headEnd type="none" w="med" len="med"/>
+                      <a:tailEnd type="none" w="med" len="med"/>
+                    </a:lnT>
+                    <a:lnB w="12700" cap="flat" cmpd="sng" algn="ctr">
+                      <a:solidFill>
+                        <a:scrgbClr r="0" g="0" b="0"/>
+                      </a:solidFill>
+                      <a:prstDash val="solid"/>
+                      <a:round/>
+                      <a:headEnd type="none" w="med" len="med"/>
+                      <a:tailEnd type="none" w="med" len="med"/>
+                    </a:lnB>
+                  </a:tcPr>
+                </a:tc>
+                <a:tc>
+                  <a:txBody>
+                    <a:bodyPr/>
+                    <a:lstStyle/>
+                    <a:p>
+                      <a:pPr algn="ctr"/>
+                      <a:r>
+                        <a:rPr lang="en-US" dirty="0" smtClean="0"/>
+                        <a:t>0.02</a:t>
+                      </a:r>
+                      <a:endParaRPr lang="en-US" dirty="0"/>
+                    </a:p>
+                  </a:txBody>
+                  <a:tcPr>
+                    <a:lnL w="12700" cap="flat" cmpd="sng" algn="ctr">
+                      <a:solidFill>
+                        <a:scrgbClr r="0" g="0" b="0"/>
+                      </a:solidFill>
+                      <a:prstDash val="solid"/>
+                      <a:round/>
+                      <a:headEnd type="none" w="med" len="med"/>
+                      <a:tailEnd type="none" w="med" len="med"/>
+                    </a:lnL>
+                    <a:lnR w="12700" cap="flat" cmpd="sng" algn="ctr">
+                      <a:solidFill>
+                        <a:scrgbClr r="0" g="0" b="0"/>
+                      </a:solidFill>
+                      <a:prstDash val="solid"/>
+                      <a:round/>
+                      <a:headEnd type="none" w="med" len="med"/>
+                      <a:tailEnd type="none" w="med" len="med"/>
+                    </a:lnR>
+                    <a:lnT w="12700" cap="flat" cmpd="sng" algn="ctr">
+                      <a:solidFill>
+                        <a:scrgbClr r="0" g="0" b="0"/>
+                      </a:solidFill>
+                      <a:prstDash val="solid"/>
+                      <a:round/>
+                      <a:headEnd type="none" w="med" len="med"/>
+                      <a:tailEnd type="none" w="med" len="med"/>
+                    </a:lnT>
+                    <a:lnB w="12700" cap="flat" cmpd="sng" algn="ctr">
+                      <a:solidFill>
+                        <a:scrgbClr r="0" g="0" b="0"/>
+                      </a:solidFill>
+                      <a:prstDash val="solid"/>
+                      <a:round/>
+                      <a:headEnd type="none" w="med" len="med"/>
+                      <a:tailEnd type="none" w="med" len="med"/>
+                    </a:lnB>
+                  </a:tcPr>
+                </a:tc>
+                <a:tc>
+                  <a:txBody>
+                    <a:bodyPr/>
+                    <a:lstStyle/>
+                    <a:p>
+                      <a:pPr algn="ctr"/>
+                      <a:r>
+                        <a:rPr lang="en-US" dirty="0" smtClean="0"/>
+                        <a:t>1527.9 (0.0*)</a:t>
+                      </a:r>
+                      <a:endParaRPr lang="en-US" dirty="0"/>
+                    </a:p>
+                  </a:txBody>
+                  <a:tcPr>
+                    <a:lnL w="12700" cap="flat" cmpd="sng" algn="ctr">
+                      <a:solidFill>
+                        <a:scrgbClr r="0" g="0" b="0"/>
+                      </a:solidFill>
+                      <a:prstDash val="solid"/>
+                      <a:round/>
+                      <a:headEnd type="none" w="med" len="med"/>
+                      <a:tailEnd type="none" w="med" len="med"/>
+                    </a:lnL>
+                    <a:lnR w="12700" cap="flat" cmpd="sng" algn="ctr">
+                      <a:solidFill>
+                        <a:scrgbClr r="0" g="0" b="0"/>
+                      </a:solidFill>
+                      <a:prstDash val="solid"/>
+                      <a:round/>
+                      <a:headEnd type="none" w="med" len="med"/>
+                      <a:tailEnd type="none" w="med" len="med"/>
+                    </a:lnR>
+                    <a:lnT w="12700" cap="flat" cmpd="sng" algn="ctr">
+                      <a:solidFill>
+                        <a:scrgbClr r="0" g="0" b="0"/>
+                      </a:solidFill>
+                      <a:prstDash val="solid"/>
+                      <a:round/>
+                      <a:headEnd type="none" w="med" len="med"/>
+                      <a:tailEnd type="none" w="med" len="med"/>
+                    </a:lnT>
+                    <a:lnB w="12700" cap="flat" cmpd="sng" algn="ctr">
+                      <a:solidFill>
+                        <a:scrgbClr r="0" g="0" b="0"/>
+                      </a:solidFill>
+                      <a:prstDash val="solid"/>
+                      <a:round/>
+                      <a:headEnd type="none" w="med" len="med"/>
+                      <a:tailEnd type="none" w="med" len="med"/>
+                    </a:lnB>
+                  </a:tcPr>
+                </a:tc>
+                <a:tc>
+                  <a:txBody>
+                    <a:bodyPr/>
+                    <a:lstStyle/>
+                    <a:p>
+                      <a:pPr algn="ctr"/>
+                      <a:r>
+                        <a:rPr lang="en-US" dirty="0" smtClean="0"/>
+                        <a:t>0.0</a:t>
+                      </a:r>
+                      <a:endParaRPr lang="en-US" dirty="0"/>
+                    </a:p>
+                  </a:txBody>
+                  <a:tcPr>
+                    <a:lnL w="12700" cap="flat" cmpd="sng" algn="ctr">
+                      <a:solidFill>
+                        <a:scrgbClr r="0" g="0" b="0"/>
+                      </a:solidFill>
+                      <a:prstDash val="solid"/>
+                      <a:round/>
+                      <a:headEnd type="none" w="med" len="med"/>
+                      <a:tailEnd type="none" w="med" len="med"/>
+                    </a:lnL>
+                    <a:lnR w="12700" cap="flat" cmpd="sng" algn="ctr">
+                      <a:solidFill>
+                        <a:scrgbClr r="0" g="0" b="0"/>
+                      </a:solidFill>
+                      <a:prstDash val="solid"/>
+                      <a:round/>
+                      <a:headEnd type="none" w="med" len="med"/>
+                      <a:tailEnd type="none" w="med" len="med"/>
+                    </a:lnR>
+                    <a:lnT w="12700" cap="flat" cmpd="sng" algn="ctr">
+                      <a:solidFill>
+                        <a:scrgbClr r="0" g="0" b="0"/>
+                      </a:solidFill>
+                      <a:prstDash val="solid"/>
+                      <a:round/>
+                      <a:headEnd type="none" w="med" len="med"/>
+                      <a:tailEnd type="none" w="med" len="med"/>
+                    </a:lnT>
+                    <a:lnB w="12700" cap="flat" cmpd="sng" algn="ctr">
+                      <a:solidFill>
+                        <a:scrgbClr r="0" g="0" b="0"/>
+                      </a:solidFill>
+                      <a:prstDash val="solid"/>
+                      <a:round/>
+                      <a:headEnd type="none" w="med" len="med"/>
+                      <a:tailEnd type="none" w="med" len="med"/>
+                    </a:lnB>
+                  </a:tcPr>
+                </a:tc>
+              </a:tr>
+            </a:tbl>
+          </a:graphicData>
+        </a:graphic>
+      </p:graphicFrame>
+      <p:sp>
+        <p:nvSpPr>
+          <p:cNvPr id="6" name="TextBox 5"/>
+          <p:cNvSpPr txBox="1"/>
+          <p:nvPr/>
+        </p:nvSpPr>
+        <p:spPr>
+          <a:xfrm>
+            <a:off x="1364949" y="5127795"/>
+            <a:ext cx="4309250" cy="369332"/>
+          </a:xfrm>
+          <a:prstGeom prst="rect">
+            <a:avLst/>
+          </a:prstGeom>
+          <a:noFill/>
+        </p:spPr>
+        <p:txBody>
+          <a:bodyPr wrap="square" rtlCol="0">
+            <a:spAutoFit/>
+          </a:bodyPr>
+          <a:lstStyle/>
+          <a:p>
+            <a:r>
+              <a:rPr lang="en-US" dirty="0" smtClean="0"/>
+              <a:t>      = </a:t>
+            </a:r>
+            <a:r>
+              <a:rPr lang="en-US" dirty="0" smtClean="0"/>
+              <a:t>false positives (lower means good</a:t>
+            </a:r>
+            <a:r>
+              <a:rPr lang="en-US" dirty="0" smtClean="0"/>
+              <a:t>)</a:t>
+            </a:r>
+          </a:p>
+        </p:txBody>
+      </p:sp>
+      <p:sp>
+        <p:nvSpPr>
+          <p:cNvPr id="7" name="Rectangle 6"/>
+          <p:cNvSpPr/>
+          <p:nvPr/>
+        </p:nvSpPr>
+        <p:spPr>
+          <a:xfrm>
+            <a:off x="1736476" y="4618750"/>
+            <a:ext cx="3937722" cy="369332"/>
+          </a:xfrm>
+          <a:prstGeom prst="rect">
+            <a:avLst/>
+          </a:prstGeom>
+        </p:spPr>
+        <p:txBody>
+          <a:bodyPr wrap="none">
+            <a:spAutoFit/>
+          </a:bodyPr>
+          <a:lstStyle/>
+          <a:p>
+            <a:r>
+              <a:rPr lang="en-US" dirty="0"/>
+              <a:t>= true positives (higher means good)</a:t>
+            </a:r>
+          </a:p>
+        </p:txBody>
+      </p:sp>
+      <p:graphicFrame>
+        <p:nvGraphicFramePr>
+          <p:cNvPr id="8" name="Table 7"/>
+          <p:cNvGraphicFramePr>
+            <a:graphicFrameLocks noGrp="1"/>
+          </p:cNvGraphicFramePr>
+          <p:nvPr>
+            <p:extLst>
+              <p:ext uri="{D42A27DB-BD31-4B8C-83A1-F6EECF244321}">
+                <p14:modId xmlns:p14="http://schemas.microsoft.com/office/powerpoint/2010/main" val="3779877718"/>
+              </p:ext>
+            </p:extLst>
+          </p:nvPr>
+        </p:nvGraphicFramePr>
+        <p:xfrm>
+          <a:off x="1243957" y="4594396"/>
+          <a:ext cx="374952" cy="370840"/>
+        </p:xfrm>
+        <a:graphic>
+          <a:graphicData uri="http://schemas.openxmlformats.org/drawingml/2006/table">
+            <a:tbl>
+              <a:tblPr firstRow="1" bandRow="1">
+                <a:tableStyleId>{2D5ABB26-0587-4C30-8999-92F81FD0307C}</a:tableStyleId>
+              </a:tblPr>
+              <a:tblGrid>
+                <a:gridCol w="374952"/>
+              </a:tblGrid>
+              <a:tr h="370840">
+                <a:tc>
+                  <a:txBody>
+                    <a:bodyPr/>
+                    <a:lstStyle/>
+                    <a:p>
+                      <a:endParaRPr lang="en-US" dirty="0"/>
+                    </a:p>
+                  </a:txBody>
+                  <a:tcPr>
+                    <a:solidFill>
+                      <a:srgbClr val="E7E5BA"/>
+                    </a:solidFill>
+                  </a:tcPr>
+                </a:tc>
+              </a:tr>
+            </a:tbl>
+          </a:graphicData>
+        </a:graphic>
+      </p:graphicFrame>
+      <p:sp>
+        <p:nvSpPr>
+          <p:cNvPr id="9" name="Rectangle 8"/>
+          <p:cNvSpPr/>
+          <p:nvPr/>
+        </p:nvSpPr>
+        <p:spPr>
+          <a:xfrm>
+            <a:off x="800019" y="5152149"/>
+            <a:ext cx="184666" cy="369332"/>
+          </a:xfrm>
+          <a:prstGeom prst="rect">
+            <a:avLst/>
+          </a:prstGeom>
+        </p:spPr>
+        <p:txBody>
+          <a:bodyPr wrap="none">
+            <a:spAutoFit/>
+          </a:bodyPr>
+          <a:lstStyle/>
+          <a:p>
+            <a:r>
+              <a:rPr lang="en-US" dirty="0" smtClean="0"/>
+              <a:t>  </a:t>
+            </a:r>
+            <a:endParaRPr lang="en-US" dirty="0"/>
+          </a:p>
+        </p:txBody>
+      </p:sp>
+      <p:graphicFrame>
+        <p:nvGraphicFramePr>
+          <p:cNvPr id="10" name="Table 9"/>
+          <p:cNvGraphicFramePr>
+            <a:graphicFrameLocks noGrp="1"/>
+          </p:cNvGraphicFramePr>
+          <p:nvPr>
+            <p:extLst>
+              <p:ext uri="{D42A27DB-BD31-4B8C-83A1-F6EECF244321}">
+                <p14:modId xmlns:p14="http://schemas.microsoft.com/office/powerpoint/2010/main" val="3873458623"/>
+              </p:ext>
+            </p:extLst>
+          </p:nvPr>
+        </p:nvGraphicFramePr>
+        <p:xfrm>
+          <a:off x="1271775" y="5127795"/>
+          <a:ext cx="347134" cy="370840"/>
+        </p:xfrm>
+        <a:graphic>
+          <a:graphicData uri="http://schemas.openxmlformats.org/drawingml/2006/table">
+            <a:tbl>
+              <a:tblPr firstRow="1" bandRow="1">
+                <a:tableStyleId>{2D5ABB26-0587-4C30-8999-92F81FD0307C}</a:tableStyleId>
+              </a:tblPr>
+              <a:tblGrid>
+                <a:gridCol w="347134"/>
+              </a:tblGrid>
+              <a:tr h="370840">
+                <a:tc>
+                  <a:txBody>
+                    <a:bodyPr/>
+                    <a:lstStyle/>
+                    <a:p>
+                      <a:r>
+                        <a:rPr lang="en-US" dirty="0" smtClean="0"/>
+                        <a:t> </a:t>
+                      </a:r>
+                      <a:endParaRPr lang="en-US" dirty="0"/>
+                    </a:p>
+                  </a:txBody>
+                  <a:tcPr>
+                    <a:lnL w="12700" cap="flat" cmpd="sng" algn="ctr">
+                      <a:solidFill>
+                        <a:scrgbClr r="0" g="0" b="0"/>
+                      </a:solidFill>
+                      <a:prstDash val="solid"/>
+                      <a:round/>
+                      <a:headEnd type="none" w="med" len="med"/>
+                      <a:tailEnd type="none" w="med" len="med"/>
+                    </a:lnL>
+                    <a:lnR w="12700" cap="flat" cmpd="sng" algn="ctr">
+                      <a:solidFill>
+                        <a:scrgbClr r="0" g="0" b="0"/>
+                      </a:solidFill>
+                      <a:prstDash val="solid"/>
+                      <a:round/>
+                      <a:headEnd type="none" w="med" len="med"/>
+                      <a:tailEnd type="none" w="med" len="med"/>
+                    </a:lnR>
+                    <a:lnT w="12700" cap="flat" cmpd="sng" algn="ctr">
+                      <a:solidFill>
+                        <a:scrgbClr r="0" g="0" b="0"/>
+                      </a:solidFill>
+                      <a:prstDash val="solid"/>
+                      <a:round/>
+                      <a:headEnd type="none" w="med" len="med"/>
+                      <a:tailEnd type="none" w="med" len="med"/>
+                    </a:lnT>
+                    <a:lnB w="12700" cap="flat" cmpd="sng" algn="ctr">
+                      <a:solidFill>
+                        <a:scrgbClr r="0" g="0" b="0"/>
+                      </a:solidFill>
+                      <a:prstDash val="solid"/>
+                      <a:round/>
+                      <a:headEnd type="none" w="med" len="med"/>
+                      <a:tailEnd type="none" w="med" len="med"/>
+                    </a:lnB>
+                  </a:tcPr>
+                </a:tc>
+              </a:tr>
+            </a:tbl>
+          </a:graphicData>
+        </a:graphic>
+      </p:graphicFrame>
+      <p:sp>
+        <p:nvSpPr>
+          <p:cNvPr id="11" name="TextBox 10"/>
+          <p:cNvSpPr txBox="1"/>
+          <p:nvPr/>
+        </p:nvSpPr>
+        <p:spPr>
+          <a:xfrm>
+            <a:off x="1364948" y="5610136"/>
+            <a:ext cx="3507616" cy="369332"/>
+          </a:xfrm>
+          <a:prstGeom prst="rect">
+            <a:avLst/>
+          </a:prstGeom>
+          <a:noFill/>
+        </p:spPr>
+        <p:txBody>
+          <a:bodyPr wrap="none" rtlCol="0">
+            <a:spAutoFit/>
+          </a:bodyPr>
+          <a:lstStyle/>
+          <a:p>
+            <a:r>
+              <a:rPr lang="en-US" dirty="0" smtClean="0"/>
+              <a:t>Simulation with 10 causal SNPs.</a:t>
+            </a:r>
+            <a:endParaRPr lang="en-US" dirty="0"/>
+          </a:p>
+        </p:txBody>
+      </p:sp>
+      <p:sp>
+        <p:nvSpPr>
+          <p:cNvPr id="12" name="TextBox 11"/>
+          <p:cNvSpPr txBox="1"/>
+          <p:nvPr/>
+        </p:nvSpPr>
+        <p:spPr>
+          <a:xfrm>
+            <a:off x="587148" y="6175071"/>
+            <a:ext cx="8304877" cy="477054"/>
+          </a:xfrm>
+          <a:prstGeom prst="rect">
+            <a:avLst/>
+          </a:prstGeom>
+          <a:noFill/>
+        </p:spPr>
+        <p:txBody>
+          <a:bodyPr wrap="none" rtlCol="0">
+            <a:spAutoFit/>
+          </a:bodyPr>
+          <a:lstStyle/>
+          <a:p>
+            <a:r>
+              <a:rPr lang="en-US" sz="2500" dirty="0" smtClean="0"/>
+              <a:t>Conclusion: IHT is better than lasso and marginal testing.</a:t>
+            </a:r>
+            <a:endParaRPr lang="en-US" sz="2500" dirty="0"/>
+          </a:p>
+        </p:txBody>
+      </p:sp>
+      <p:sp>
+        <p:nvSpPr>
+          <p:cNvPr id="13" name="Frame 12"/>
+          <p:cNvSpPr/>
+          <p:nvPr/>
+        </p:nvSpPr>
+        <p:spPr>
+          <a:xfrm>
+            <a:off x="472243" y="6083931"/>
+            <a:ext cx="8419782" cy="620590"/>
+          </a:xfrm>
+          <a:prstGeom prst="frame">
+            <a:avLst>
+              <a:gd name="adj1" fmla="val 4973"/>
+            </a:avLst>
+          </a:prstGeom>
+          <a:solidFill>
+            <a:srgbClr val="FF0000"/>
+          </a:solidFill>
+          <a:ln>
+            <a:solidFill>
+              <a:srgbClr val="FF0000"/>
+            </a:solidFill>
+          </a:ln>
+        </p:spPr>
+        <p:style>
+          <a:lnRef idx="1">
+            <a:schemeClr val="accent1"/>
+          </a:lnRef>
+          <a:fillRef idx="3">
+            <a:schemeClr val="accent1"/>
+          </a:fillRef>
+          <a:effectRef idx="2">
+            <a:schemeClr val="accent1"/>
+          </a:effectRef>
+          <a:fontRef idx="minor">
+            <a:schemeClr val="lt1"/>
+          </a:fontRef>
+        </p:style>
+        <p:txBody>
+          <a:bodyPr rtlCol="0" anchor="ctr"/>
+          <a:lstStyle/>
+          <a:p>
+            <a:pPr algn="ctr"/>
+            <a:endParaRPr lang="en-US">
+              <a:solidFill>
+                <a:schemeClr val="tx1"/>
+              </a:solidFill>
+            </a:endParaRPr>
+          </a:p>
+        </p:txBody>
+      </p:sp>
+      <p:sp>
+        <p:nvSpPr>
+          <p:cNvPr id="14" name="TextBox 13"/>
+          <p:cNvSpPr txBox="1"/>
+          <p:nvPr/>
+        </p:nvSpPr>
+        <p:spPr>
+          <a:xfrm>
+            <a:off x="6882191" y="5252899"/>
+            <a:ext cx="1891113" cy="369332"/>
+          </a:xfrm>
+          <a:prstGeom prst="rect">
+            <a:avLst/>
+          </a:prstGeom>
+          <a:noFill/>
+        </p:spPr>
+        <p:txBody>
+          <a:bodyPr wrap="none" rtlCol="0">
+            <a:spAutoFit/>
+          </a:bodyPr>
+          <a:lstStyle/>
+          <a:p>
+            <a:r>
+              <a:rPr lang="en-US" dirty="0" smtClean="0"/>
+              <a:t>Our contribution!</a:t>
+            </a:r>
+            <a:endParaRPr lang="en-US" dirty="0"/>
+          </a:p>
+        </p:txBody>
+      </p:sp>
+      <p:cxnSp>
+        <p:nvCxnSpPr>
+          <p:cNvPr id="16" name="Straight Arrow Connector 15"/>
+          <p:cNvCxnSpPr/>
+          <p:nvPr/>
+        </p:nvCxnSpPr>
+        <p:spPr>
+          <a:xfrm flipV="1">
+            <a:off x="7511143" y="4426857"/>
+            <a:ext cx="187476" cy="826042"/>
+          </a:xfrm>
+          <a:prstGeom prst="straightConnector1">
+            <a:avLst/>
+          </a:prstGeom>
+          <a:ln>
+            <a:solidFill>
+              <a:schemeClr val="tx1"/>
+            </a:solidFill>
+            <a:tailEnd type="arrow"/>
+          </a:ln>
+        </p:spPr>
+        <p:style>
+          <a:lnRef idx="2">
+            <a:schemeClr val="accent1"/>
+          </a:lnRef>
+          <a:fillRef idx="0">
+            <a:schemeClr val="accent1"/>
+          </a:fillRef>
+          <a:effectRef idx="1">
+            <a:schemeClr val="accent1"/>
+          </a:effectRef>
+          <a:fontRef idx="minor">
+            <a:schemeClr val="tx1"/>
+          </a:fontRef>
+        </p:style>
+      </p:cxnSp>
+      <p:cxnSp>
+        <p:nvCxnSpPr>
+          <p:cNvPr id="17" name="Straight Arrow Connector 16"/>
+          <p:cNvCxnSpPr/>
+          <p:nvPr/>
+        </p:nvCxnSpPr>
+        <p:spPr>
+          <a:xfrm flipH="1" flipV="1">
+            <a:off x="6495143" y="4475238"/>
+            <a:ext cx="926495" cy="777661"/>
+          </a:xfrm>
+          <a:prstGeom prst="straightConnector1">
+            <a:avLst/>
+          </a:prstGeom>
+          <a:ln>
+            <a:solidFill>
+              <a:schemeClr val="tx1"/>
+            </a:solidFill>
+            <a:tailEnd type="arrow"/>
+          </a:ln>
+        </p:spPr>
+        <p:style>
+          <a:lnRef idx="2">
+            <a:schemeClr val="accent1"/>
+          </a:lnRef>
+          <a:fillRef idx="0">
+            <a:schemeClr val="accent1"/>
+          </a:fillRef>
+          <a:effectRef idx="1">
+            <a:schemeClr val="accent1"/>
+          </a:effectRef>
+          <a:fontRef idx="minor">
+            <a:schemeClr val="tx1"/>
+          </a:fontRef>
+        </p:style>
+      </p:cxnSp>
+      <p:sp>
+        <p:nvSpPr>
+          <p:cNvPr id="20" name="Slide Number Placeholder 4"/>
+          <p:cNvSpPr>
+            <a:spLocks noGrp="1"/>
+          </p:cNvSpPr>
+          <p:nvPr>
+            <p:ph type="sldNum" sz="quarter" idx="12"/>
+          </p:nvPr>
+        </p:nvSpPr>
+        <p:spPr>
+          <a:xfrm>
+            <a:off x="7620000" y="18288"/>
+            <a:ext cx="1066800" cy="329184"/>
+          </a:xfrm>
+        </p:spPr>
+        <p:txBody>
+          <a:bodyPr/>
+          <a:lstStyle/>
+          <a:p>
+            <a:fld id="{4C958359-9322-6441-8715-055CBE9441BE}" type="slidenum">
+              <a:rPr lang="en-US" sz="1600" smtClean="0"/>
+              <a:t>15</a:t>
+            </a:fld>
+            <a:r>
+              <a:rPr lang="en-US" sz="1600" dirty="0" smtClean="0"/>
+              <a:t>/</a:t>
+            </a:r>
+            <a:r>
+              <a:rPr lang="en-US" sz="1600" dirty="0" smtClean="0"/>
+              <a:t>17</a:t>
+            </a:r>
+            <a:endParaRPr lang="en-US" sz="1600" dirty="0"/>
+          </a:p>
+        </p:txBody>
+      </p:sp>
+    </p:spTree>
+    <p:extLst>
+      <p:ext uri="{BB962C8B-B14F-4D97-AF65-F5344CB8AC3E}">
+        <p14:creationId xmlns:p14="http://schemas.microsoft.com/office/powerpoint/2010/main" val="3445008696"/>
+      </p:ext>
+    </p:extLst>
+  </p:cSld>
+  <p:clrMapOvr>
+    <a:masterClrMapping/>
+  </p:clrMapOvr>
+  <p:timing>
+    <p:tnLst>
+      <p:par>
+        <p:cTn xmlns:p14="http://schemas.microsoft.com/office/powerpoint/2010/main" id="1" dur="indefinite" restart="never" nodeType="tmRoot"/>
+      </p:par>
+    </p:tnLst>
+  </p:timing>
+</p:sld>
+</file>
+
+<file path=ppt/slides/slide16.xml><?xml version="1.0" encoding="utf-8"?>
+<p:sld xmlns:a="http://schemas.openxmlformats.org/drawingml/2006/main" xmlns:r="http://schemas.openxmlformats.org/officeDocument/2006/relationships" xmlns:p="http://schemas.openxmlformats.org/presentationml/2006/main">
+  <p:cSld>
+    <p:spTree>
+      <p:nvGrpSpPr>
+        <p:cNvPr id="1" name=""/>
+        <p:cNvGrpSpPr/>
+        <p:nvPr/>
+      </p:nvGrpSpPr>
+      <p:grpSpPr>
+        <a:xfrm>
+          <a:off x="0" y="0"/>
+          <a:ext cx="0" cy="0"/>
+          <a:chOff x="0" y="0"/>
+          <a:chExt cx="0" cy="0"/>
+        </a:xfrm>
+      </p:grpSpPr>
+      <p:sp>
+        <p:nvSpPr>
+          <p:cNvPr id="2" name="Title 1"/>
+          <p:cNvSpPr>
+            <a:spLocks noGrp="1"/>
+          </p:cNvSpPr>
+          <p:nvPr>
+            <p:ph type="title"/>
+          </p:nvPr>
+        </p:nvSpPr>
+        <p:spPr/>
+        <p:txBody>
+          <a:bodyPr/>
+          <a:lstStyle/>
+          <a:p>
+            <a:r>
+              <a:rPr lang="en-US" dirty="0" smtClean="0"/>
+              <a:t>What are our contributions?</a:t>
+            </a:r>
+            <a:endParaRPr lang="en-US" dirty="0"/>
+          </a:p>
+        </p:txBody>
+      </p:sp>
+      <p:sp>
+        <p:nvSpPr>
+          <p:cNvPr id="3" name="Content Placeholder 2"/>
+          <p:cNvSpPr>
+            <a:spLocks noGrp="1"/>
+          </p:cNvSpPr>
+          <p:nvPr>
+            <p:ph idx="1"/>
+          </p:nvPr>
+        </p:nvSpPr>
+        <p:spPr>
+          <a:xfrm>
+            <a:off x="457200" y="1600199"/>
+            <a:ext cx="8229600" cy="4565105"/>
+          </a:xfrm>
+        </p:spPr>
+        <p:txBody>
+          <a:bodyPr>
+            <a:normAutofit/>
+          </a:bodyPr>
+          <a:lstStyle/>
+          <a:p>
+            <a:r>
+              <a:rPr lang="en-US" dirty="0" smtClean="0"/>
+              <a:t>Extend IHT to generalized linear models (previous slide)</a:t>
+            </a:r>
+          </a:p>
+          <a:p>
+            <a:endParaRPr lang="en-US" dirty="0" smtClean="0"/>
+          </a:p>
+          <a:p>
+            <a:r>
+              <a:rPr lang="en-US" dirty="0" smtClean="0"/>
+              <a:t>Extend IHT to double </a:t>
+            </a:r>
+            <a:r>
+              <a:rPr lang="en-US" dirty="0" err="1" smtClean="0"/>
+              <a:t>sparsity</a:t>
+            </a:r>
+            <a:r>
+              <a:rPr lang="en-US" dirty="0" smtClean="0"/>
+              <a:t>: limited groups and limited number of SNPs per group</a:t>
+            </a:r>
+          </a:p>
+          <a:p>
+            <a:endParaRPr lang="en-US" dirty="0" smtClean="0"/>
+          </a:p>
+          <a:p>
+            <a:r>
+              <a:rPr lang="en-US" dirty="0" smtClean="0"/>
+              <a:t>Enable prior weighting in IHT </a:t>
+            </a:r>
+          </a:p>
+          <a:p>
+            <a:endParaRPr lang="en-US" dirty="0" smtClean="0"/>
+          </a:p>
+          <a:p>
+            <a:r>
+              <a:rPr lang="en-US" b="1" dirty="0" smtClean="0"/>
+              <a:t>Efficient IHT implementation </a:t>
+            </a:r>
+          </a:p>
+          <a:p>
+            <a:pPr lvl="2"/>
+            <a:r>
+              <a:rPr lang="en-US" dirty="0" smtClean="0"/>
+              <a:t>Handles ~200k samples and ~500k SNPs (PLINK) </a:t>
+            </a:r>
+          </a:p>
+          <a:p>
+            <a:pPr lvl="2"/>
+            <a:r>
+              <a:rPr lang="en-US" dirty="0" smtClean="0"/>
+              <a:t>~50k samples and 100k dosages (VCF, </a:t>
+            </a:r>
+            <a:r>
+              <a:rPr lang="en-US" dirty="0"/>
+              <a:t>general matrices</a:t>
+            </a:r>
+            <a:r>
+              <a:rPr lang="en-US" dirty="0" smtClean="0"/>
+              <a:t>)</a:t>
+            </a:r>
+          </a:p>
+        </p:txBody>
+      </p:sp>
+      <p:sp>
+        <p:nvSpPr>
+          <p:cNvPr id="4" name="Slide Number Placeholder 4"/>
+          <p:cNvSpPr>
+            <a:spLocks noGrp="1"/>
+          </p:cNvSpPr>
+          <p:nvPr>
+            <p:ph type="sldNum" sz="quarter" idx="12"/>
+          </p:nvPr>
+        </p:nvSpPr>
+        <p:spPr>
+          <a:xfrm>
+            <a:off x="7620000" y="18288"/>
+            <a:ext cx="1066800" cy="329184"/>
+          </a:xfrm>
+        </p:spPr>
+        <p:txBody>
+          <a:bodyPr/>
+          <a:lstStyle/>
+          <a:p>
+            <a:fld id="{4C958359-9322-6441-8715-055CBE9441BE}" type="slidenum">
+              <a:rPr lang="en-US" sz="1600" smtClean="0"/>
+              <a:t>16</a:t>
+            </a:fld>
+            <a:r>
+              <a:rPr lang="en-US" sz="1600" dirty="0" smtClean="0"/>
+              <a:t>/</a:t>
+            </a:r>
+            <a:r>
+              <a:rPr lang="en-US" sz="1600" dirty="0" smtClean="0"/>
+              <a:t>17</a:t>
+            </a:r>
+            <a:endParaRPr lang="en-US" sz="1600" dirty="0"/>
+          </a:p>
+        </p:txBody>
+      </p:sp>
+    </p:spTree>
+    <p:extLst>
+      <p:ext uri="{BB962C8B-B14F-4D97-AF65-F5344CB8AC3E}">
+        <p14:creationId xmlns:p14="http://schemas.microsoft.com/office/powerpoint/2010/main" val="433656139"/>
+      </p:ext>
+    </p:extLst>
+  </p:cSld>
+  <p:clrMapOvr>
+    <a:masterClrMapping/>
+  </p:clrMapOvr>
+  <p:timing>
+    <p:tnLst>
+      <p:par>
+        <p:cTn xmlns:p14="http://schemas.microsoft.com/office/powerpoint/2010/main" id="1" dur="indefinite" restart="never" nodeType="tmRoot"/>
+      </p:par>
+    </p:tnLst>
+  </p:timing>
+</p:sld>
+</file>
+
+<file path=ppt/slides/slide17.xml><?xml version="1.0" encoding="utf-8"?>
+<p:sld xmlns:a="http://schemas.openxmlformats.org/drawingml/2006/main" xmlns:r="http://schemas.openxmlformats.org/officeDocument/2006/relationships" xmlns:p="http://schemas.openxmlformats.org/presentationml/2006/main">
+  <p:cSld>
+    <p:spTree>
+      <p:nvGrpSpPr>
+        <p:cNvPr id="1" name=""/>
+        <p:cNvGrpSpPr/>
+        <p:nvPr/>
+      </p:nvGrpSpPr>
+      <p:grpSpPr>
+        <a:xfrm>
+          <a:off x="0" y="0"/>
+          <a:ext cx="0" cy="0"/>
+          <a:chOff x="0" y="0"/>
+          <a:chExt cx="0" cy="0"/>
+        </a:xfrm>
+      </p:grpSpPr>
+      <p:sp>
+        <p:nvSpPr>
+          <p:cNvPr id="2" name="Title 1"/>
+          <p:cNvSpPr>
+            <a:spLocks noGrp="1"/>
+          </p:cNvSpPr>
+          <p:nvPr>
+            <p:ph type="title"/>
+          </p:nvPr>
+        </p:nvSpPr>
+        <p:spPr/>
+        <p:txBody>
+          <a:bodyPr/>
+          <a:lstStyle/>
+          <a:p>
+            <a:r>
+              <a:rPr lang="en-US" dirty="0" smtClean="0"/>
+              <a:t>Software showcase!</a:t>
+            </a:r>
+            <a:endParaRPr lang="en-US" dirty="0"/>
+          </a:p>
+        </p:txBody>
+      </p:sp>
+      <p:sp>
+        <p:nvSpPr>
+          <p:cNvPr id="3" name="Content Placeholder 2"/>
+          <p:cNvSpPr>
+            <a:spLocks noGrp="1"/>
+          </p:cNvSpPr>
+          <p:nvPr>
+            <p:ph idx="1"/>
+          </p:nvPr>
+        </p:nvSpPr>
+        <p:spPr>
+          <a:xfrm>
+            <a:off x="457200" y="1600200"/>
+            <a:ext cx="8229600" cy="3836610"/>
+          </a:xfrm>
+        </p:spPr>
+        <p:txBody>
+          <a:bodyPr>
+            <a:normAutofit/>
+          </a:bodyPr>
+          <a:lstStyle/>
+          <a:p>
+            <a:r>
+              <a:rPr lang="en-US" dirty="0" smtClean="0"/>
+              <a:t>Code </a:t>
+            </a:r>
+            <a:r>
+              <a:rPr lang="en-US" dirty="0"/>
+              <a:t>open source: </a:t>
+            </a:r>
+            <a:r>
+              <a:rPr lang="en-US" sz="2000" dirty="0">
+                <a:hlinkClick r:id="rId2"/>
+              </a:rPr>
+              <a:t>https://github.com/OpenMendel/</a:t>
+            </a:r>
+            <a:r>
+              <a:rPr lang="en-US" sz="2000" dirty="0" smtClean="0">
+                <a:hlinkClick r:id="rId2"/>
+              </a:rPr>
+              <a:t>MendelIHT.jl</a:t>
+            </a:r>
+            <a:endParaRPr lang="en-US" sz="2000" dirty="0" smtClean="0"/>
+          </a:p>
+          <a:p>
+            <a:pPr lvl="1"/>
+            <a:r>
+              <a:rPr lang="en-US" sz="1600" dirty="0" smtClean="0"/>
+              <a:t>Tested on Mac, Linux, Windows</a:t>
+            </a:r>
+            <a:endParaRPr lang="en-US" sz="1600" dirty="0"/>
+          </a:p>
+          <a:p>
+            <a:endParaRPr lang="en-US" dirty="0" smtClean="0"/>
+          </a:p>
+          <a:p>
+            <a:r>
+              <a:rPr lang="en-US" dirty="0" smtClean="0"/>
+              <a:t>Paper: </a:t>
+            </a:r>
+            <a:r>
+              <a:rPr lang="en-US" sz="2000" dirty="0" smtClean="0">
+                <a:hlinkClick r:id="rId3"/>
+              </a:rPr>
+              <a:t>https</a:t>
+            </a:r>
+            <a:r>
+              <a:rPr lang="en-US" sz="2000" dirty="0">
+                <a:hlinkClick r:id="rId3"/>
+              </a:rPr>
+              <a:t>://www.biorxiv.org/content/10.1101/</a:t>
+            </a:r>
+            <a:r>
+              <a:rPr lang="en-US" sz="2000" dirty="0" smtClean="0">
+                <a:hlinkClick r:id="rId3"/>
+              </a:rPr>
+              <a:t>697755v2</a:t>
+            </a:r>
+            <a:endParaRPr lang="en-US" sz="2000" dirty="0" smtClean="0"/>
+          </a:p>
+          <a:p>
+            <a:endParaRPr lang="en-US" sz="2000" dirty="0"/>
+          </a:p>
+          <a:p>
+            <a:r>
+              <a:rPr lang="en-US" dirty="0" smtClean="0"/>
+              <a:t>Code </a:t>
+            </a:r>
+            <a:r>
+              <a:rPr lang="en-US" dirty="0"/>
+              <a:t>for reproducing </a:t>
+            </a:r>
+            <a:r>
+              <a:rPr lang="en-US" dirty="0" smtClean="0"/>
+              <a:t>all figures in our paper</a:t>
+            </a:r>
+            <a:r>
+              <a:rPr lang="en-US" sz="2000" dirty="0" smtClean="0"/>
+              <a:t>: </a:t>
+            </a:r>
+            <a:r>
+              <a:rPr lang="en-US" sz="2000" dirty="0" smtClean="0">
+                <a:hlinkClick r:id="rId4"/>
+              </a:rPr>
+              <a:t>https</a:t>
+            </a:r>
+            <a:r>
+              <a:rPr lang="en-US" sz="2000" dirty="0">
+                <a:hlinkClick r:id="rId4"/>
+              </a:rPr>
+              <a:t>://</a:t>
+            </a:r>
+            <a:r>
+              <a:rPr lang="en-US" sz="2000" dirty="0" err="1">
+                <a:hlinkClick r:id="rId4"/>
+              </a:rPr>
+              <a:t>github.com</a:t>
+            </a:r>
+            <a:r>
+              <a:rPr lang="en-US" sz="2000" dirty="0">
+                <a:hlinkClick r:id="rId4"/>
+              </a:rPr>
+              <a:t>/</a:t>
+            </a:r>
+            <a:r>
+              <a:rPr lang="en-US" sz="2000" dirty="0" err="1">
+                <a:hlinkClick r:id="rId4"/>
+              </a:rPr>
+              <a:t>OpenMendel</a:t>
+            </a:r>
+            <a:r>
+              <a:rPr lang="en-US" sz="2000" dirty="0">
+                <a:hlinkClick r:id="rId4"/>
+              </a:rPr>
+              <a:t>/</a:t>
+            </a:r>
+            <a:r>
+              <a:rPr lang="en-US" sz="2000" dirty="0" err="1">
+                <a:hlinkClick r:id="rId4"/>
+              </a:rPr>
+              <a:t>MendelIHT.jl</a:t>
+            </a:r>
+            <a:r>
+              <a:rPr lang="en-US" sz="2000" dirty="0">
+                <a:hlinkClick r:id="rId4"/>
+              </a:rPr>
+              <a:t>/tree/master/figures</a:t>
+            </a:r>
+            <a:endParaRPr lang="en-US" sz="2000" dirty="0"/>
+          </a:p>
+          <a:p>
+            <a:pPr marL="0" indent="0">
+              <a:buNone/>
+            </a:pPr>
+            <a:endParaRPr lang="en-US" dirty="0" smtClean="0"/>
+          </a:p>
+          <a:p>
+            <a:r>
+              <a:rPr lang="en-US" dirty="0" smtClean="0"/>
+              <a:t>Documentation: </a:t>
+            </a:r>
+            <a:r>
+              <a:rPr lang="en-US" sz="2000" dirty="0" smtClean="0">
+                <a:hlinkClick r:id="rId5"/>
+              </a:rPr>
+              <a:t>https</a:t>
+            </a:r>
+            <a:r>
+              <a:rPr lang="en-US" sz="2000" dirty="0">
+                <a:hlinkClick r:id="rId5"/>
+              </a:rPr>
+              <a:t>://openmendel.github.io/MendelIHT.jl/latest</a:t>
+            </a:r>
+            <a:r>
+              <a:rPr lang="en-US" sz="2000" dirty="0" smtClean="0">
+                <a:hlinkClick r:id="rId5"/>
+              </a:rPr>
+              <a:t>/</a:t>
+            </a:r>
+            <a:endParaRPr lang="en-US" sz="2000" dirty="0" smtClean="0"/>
+          </a:p>
+        </p:txBody>
+      </p:sp>
+      <p:sp>
+        <p:nvSpPr>
+          <p:cNvPr id="7" name="Slide Number Placeholder 4"/>
+          <p:cNvSpPr>
+            <a:spLocks noGrp="1"/>
+          </p:cNvSpPr>
+          <p:nvPr>
+            <p:ph type="sldNum" sz="quarter" idx="12"/>
+          </p:nvPr>
+        </p:nvSpPr>
+        <p:spPr>
+          <a:xfrm>
+            <a:off x="7620000" y="18288"/>
+            <a:ext cx="1066800" cy="329184"/>
+          </a:xfrm>
+        </p:spPr>
+        <p:txBody>
+          <a:bodyPr/>
+          <a:lstStyle/>
+          <a:p>
+            <a:fld id="{4C958359-9322-6441-8715-055CBE9441BE}" type="slidenum">
+              <a:rPr lang="en-US" sz="1600" smtClean="0"/>
+              <a:t>17</a:t>
+            </a:fld>
+            <a:r>
+              <a:rPr lang="en-US" sz="1600" dirty="0" smtClean="0"/>
+              <a:t>/</a:t>
+            </a:r>
+            <a:r>
+              <a:rPr lang="en-US" sz="1600" dirty="0" smtClean="0"/>
+              <a:t>17</a:t>
+            </a:r>
+            <a:endParaRPr lang="en-US" sz="1600" dirty="0"/>
+          </a:p>
+        </p:txBody>
+      </p:sp>
+    </p:spTree>
+    <p:extLst>
+      <p:ext uri="{BB962C8B-B14F-4D97-AF65-F5344CB8AC3E}">
+        <p14:creationId xmlns:p14="http://schemas.microsoft.com/office/powerpoint/2010/main" val="2365565001"/>
+      </p:ext>
+    </p:extLst>
+  </p:cSld>
+  <p:clrMapOvr>
+    <a:masterClrMapping/>
+  </p:clrMapOvr>
+  <p:timing>
+    <p:tnLst>
+      <p:par>
+        <p:cTn xmlns:p14="http://schemas.microsoft.com/office/powerpoint/2010/main" id="1" dur="indefinite" restart="never" nodeType="tmRoot"/>
+      </p:par>
+    </p:tnLst>
+  </p:timing>
 </p:sld>
 </file>
 
@@ -4897,7 +10524,11 @@
             </a:fld>
             <a:r>
               <a:rPr lang="en-US" sz="1600" dirty="0" smtClean="0"/>
-              <a:t>/10</a:t>
+              <a:t>/</a:t>
+            </a:r>
+            <a:r>
+              <a:rPr lang="en-US" sz="1600" dirty="0" smtClean="0"/>
+              <a:t>17</a:t>
             </a:r>
             <a:endParaRPr lang="en-US" sz="1600" dirty="0"/>
           </a:p>
@@ -4956,8 +10587,8 @@
         </p:nvSpPr>
         <p:spPr>
           <a:xfrm>
-            <a:off x="911364" y="4348921"/>
-            <a:ext cx="6946583" cy="553998"/>
+            <a:off x="2719602" y="4348921"/>
+            <a:ext cx="3134504" cy="553998"/>
           </a:xfrm>
           <a:prstGeom prst="rect">
             <a:avLst/>
@@ -4976,7 +10607,7 @@
                   <a:srgbClr val="FF0000"/>
                 </a:solidFill>
               </a:rPr>
-              <a:t>Was going to talk about this package</a:t>
+              <a:t>Our focus today</a:t>
             </a:r>
             <a:endParaRPr lang="en-US" sz="3000" b="1" dirty="0">
               <a:solidFill>
@@ -5463,11 +11094,7 @@
           <a:p>
             <a:r>
               <a:rPr lang="en-US" dirty="0" smtClean="0"/>
-              <a:t>Pros and cons of “</a:t>
-            </a:r>
-            <a:r>
-              <a:rPr lang="en-US" dirty="0" smtClean="0"/>
-              <a:t>p-value methods” </a:t>
+              <a:t>Pros and cons of “p-value methods” </a:t>
             </a:r>
             <a:r>
               <a:rPr lang="en-US" dirty="0" err="1" smtClean="0"/>
@@ -5485,11 +11112,7 @@
           <a:p>
             <a:r>
               <a:rPr lang="en-US" dirty="0" smtClean="0"/>
-              <a:t>Maybe convince you to use </a:t>
-            </a:r>
-            <a:r>
-              <a:rPr lang="en-US" dirty="0" smtClean="0"/>
-              <a:t>Iterative hard </a:t>
+              <a:t>Maybe convince you to use Iterative hard </a:t>
             </a:r>
             <a:r>
               <a:rPr lang="en-US" dirty="0" err="1" smtClean="0"/>
@@ -5497,15 +11120,7 @@
             </a:r>
             <a:r>
               <a:rPr lang="en-US" dirty="0" smtClean="0"/>
-              <a:t> </a:t>
-            </a:r>
-            <a:r>
-              <a:rPr lang="en-US" dirty="0" smtClean="0"/>
-              <a:t>for your high dimensional </a:t>
-            </a:r>
-            <a:r>
-              <a:rPr lang="en-US" dirty="0" smtClean="0"/>
-              <a:t>data</a:t>
+              <a:t> for your high dimensional data</a:t>
             </a:r>
           </a:p>
         </p:txBody>
@@ -5587,6 +11202,42 @@
           </a:p>
           <a:p>
             <a:endParaRPr lang="en-US" sz="2200" b="1" dirty="0"/>
+          </a:p>
+        </p:txBody>
+      </p:sp>
+      <p:sp>
+        <p:nvSpPr>
+          <p:cNvPr id="5" name="Slide Number Placeholder 4"/>
+          <p:cNvSpPr>
+            <a:spLocks noGrp="1"/>
+          </p:cNvSpPr>
+          <p:nvPr>
+            <p:ph type="sldNum" sz="quarter" idx="12"/>
+          </p:nvPr>
+        </p:nvSpPr>
+        <p:spPr>
+          <a:xfrm>
+            <a:off x="7620000" y="18288"/>
+            <a:ext cx="1066800" cy="329184"/>
+          </a:xfrm>
+        </p:spPr>
+        <p:txBody>
+          <a:bodyPr/>
+          <a:lstStyle/>
+          <a:p>
+            <a:fld id="{4C958359-9322-6441-8715-055CBE9441BE}" type="slidenum">
+              <a:rPr lang="en-US" sz="1600" smtClean="0"/>
+              <a:t>3</a:t>
+            </a:fld>
+            <a:r>
+              <a:rPr lang="en-US" sz="1600" dirty="0" smtClean="0"/>
+              <a:t>/</a:t>
+            </a:r>
+            <a:r>
+              <a:rPr lang="en-US" sz="1600" dirty="0" smtClean="0"/>
+              <a:t>17</a:t>
+            </a:r>
+            <a:endParaRPr lang="en-US" sz="1600" dirty="0"/>
           </a:p>
         </p:txBody>
       </p:sp>
@@ -6317,6 +11968,42 @@
           </a:prstGeom>
         </p:spPr>
       </p:pic>
+      <p:sp>
+        <p:nvSpPr>
+          <p:cNvPr id="23" name="Slide Number Placeholder 4"/>
+          <p:cNvSpPr>
+            <a:spLocks noGrp="1"/>
+          </p:cNvSpPr>
+          <p:nvPr>
+            <p:ph type="sldNum" sz="quarter" idx="12"/>
+          </p:nvPr>
+        </p:nvSpPr>
+        <p:spPr>
+          <a:xfrm>
+            <a:off x="7620000" y="18288"/>
+            <a:ext cx="1066800" cy="329184"/>
+          </a:xfrm>
+        </p:spPr>
+        <p:txBody>
+          <a:bodyPr/>
+          <a:lstStyle/>
+          <a:p>
+            <a:fld id="{4C958359-9322-6441-8715-055CBE9441BE}" type="slidenum">
+              <a:rPr lang="en-US" sz="1600" smtClean="0"/>
+              <a:t>4</a:t>
+            </a:fld>
+            <a:r>
+              <a:rPr lang="en-US" sz="1600" dirty="0" smtClean="0"/>
+              <a:t>/</a:t>
+            </a:r>
+            <a:r>
+              <a:rPr lang="en-US" sz="1600" dirty="0" smtClean="0"/>
+              <a:t>17</a:t>
+            </a:r>
+            <a:endParaRPr lang="en-US" sz="1600" dirty="0"/>
+          </a:p>
+        </p:txBody>
+      </p:sp>
     </p:spTree>
     <p:extLst>
       <p:ext uri="{BB962C8B-B14F-4D97-AF65-F5344CB8AC3E}">
@@ -6983,8 +12670,8 @@
         </p:nvSpPr>
         <p:spPr>
           <a:xfrm>
-            <a:off x="457199" y="1600200"/>
-            <a:ext cx="8777515" cy="2017809"/>
+            <a:off x="457199" y="1600201"/>
+            <a:ext cx="8777515" cy="1834848"/>
           </a:xfrm>
         </p:spPr>
         <p:txBody>
@@ -6999,13 +12686,8 @@
             </a:r>
             <a:r>
               <a:rPr lang="en-US" sz="2300" dirty="0" smtClean="0"/>
-              <a:t>: 1000 images, each with 1 million </a:t>
-            </a:r>
-            <a:r>
-              <a:rPr lang="en-US" sz="2300" dirty="0" smtClean="0"/>
-              <a:t>pixel</a:t>
-            </a:r>
-            <a:endParaRPr lang="en-US" sz="2300" dirty="0" smtClean="0"/>
+              <a:t>: 1000 images, each with 1 million pixel</a:t>
+            </a:r>
           </a:p>
           <a:p>
             <a:r>
@@ -7021,41 +12703,12 @@
           <a:p>
             <a:r>
               <a:rPr lang="en-US" sz="2300" b="1" dirty="0" smtClean="0"/>
-              <a:t>Genome wide association </a:t>
-            </a:r>
-            <a:r>
-              <a:rPr lang="en-US" sz="2300" b="1" dirty="0" smtClean="0"/>
-              <a:t>study (GWAS)</a:t>
+              <a:t>Genome wide association study (GWAS)</a:t>
             </a:r>
             <a:r>
               <a:rPr lang="en-US" sz="2300" dirty="0" smtClean="0"/>
-              <a:t>: </a:t>
-            </a:r>
-            <a:r>
-              <a:rPr lang="en-US" sz="2300" dirty="0" smtClean="0"/>
-              <a:t>500,000 </a:t>
-            </a:r>
-            <a:r>
-              <a:rPr lang="en-US" sz="2300" dirty="0" smtClean="0"/>
-              <a:t>samples and </a:t>
-            </a:r>
-            <a:r>
-              <a:rPr lang="en-US" sz="2300" dirty="0" smtClean="0"/>
-              <a:t>10+ million single nucleotide </a:t>
-            </a:r>
-            <a:r>
-              <a:rPr lang="en-US" sz="2300" dirty="0" smtClean="0"/>
-              <a:t>polymorphisms (</a:t>
-            </a:r>
-            <a:r>
-              <a:rPr lang="en-US" sz="2300" dirty="0" smtClean="0"/>
-              <a:t>SNPs</a:t>
-            </a:r>
-            <a:r>
-              <a:rPr lang="en-US" sz="2300" dirty="0" smtClean="0"/>
-              <a:t>)</a:t>
-            </a:r>
-            <a:endParaRPr lang="en-US" sz="2300" dirty="0" smtClean="0"/>
+              <a:t>: 500,000 samples and 10+ million single nucleotide polymorphisms (SNPs)</a:t>
+            </a:r>
           </a:p>
         </p:txBody>
       </p:sp>
@@ -7126,6 +12779,42 @@
               <a:t>of an effect they exert</a:t>
             </a:r>
             <a:endParaRPr lang="en-US" dirty="0"/>
+          </a:p>
+        </p:txBody>
+      </p:sp>
+      <p:sp>
+        <p:nvSpPr>
+          <p:cNvPr id="5" name="Slide Number Placeholder 4"/>
+          <p:cNvSpPr>
+            <a:spLocks noGrp="1"/>
+          </p:cNvSpPr>
+          <p:nvPr>
+            <p:ph type="sldNum" sz="quarter" idx="12"/>
+          </p:nvPr>
+        </p:nvSpPr>
+        <p:spPr>
+          <a:xfrm>
+            <a:off x="7620000" y="18288"/>
+            <a:ext cx="1066800" cy="329184"/>
+          </a:xfrm>
+        </p:spPr>
+        <p:txBody>
+          <a:bodyPr/>
+          <a:lstStyle/>
+          <a:p>
+            <a:fld id="{4C958359-9322-6441-8715-055CBE9441BE}" type="slidenum">
+              <a:rPr lang="en-US" sz="1600" smtClean="0"/>
+              <a:t>5</a:t>
+            </a:fld>
+            <a:r>
+              <a:rPr lang="en-US" sz="1600" dirty="0" smtClean="0"/>
+              <a:t>/</a:t>
+            </a:r>
+            <a:r>
+              <a:rPr lang="en-US" sz="1600" dirty="0" smtClean="0"/>
+              <a:t>17</a:t>
+            </a:r>
+            <a:endParaRPr lang="en-US" sz="1600" dirty="0"/>
           </a:p>
         </p:txBody>
       </p:sp>
@@ -7208,8 +12897,8 @@
         </p:nvSpPr>
         <p:spPr>
           <a:xfrm>
-            <a:off x="457199" y="533400"/>
-            <a:ext cx="8577943" cy="990600"/>
+            <a:off x="362857" y="533400"/>
+            <a:ext cx="9107713" cy="990600"/>
           </a:xfrm>
         </p:spPr>
         <p:txBody>
@@ -7219,10 +12908,22 @@
           <a:lstStyle/>
           <a:p>
             <a:r>
-              <a:rPr lang="en-US" sz="3000" dirty="0" smtClean="0"/>
-              <a:t>Find causal covariates by p-values</a:t>
-            </a:r>
-            <a:endParaRPr lang="en-US" sz="3000" dirty="0"/>
+              <a:rPr lang="en-US" sz="2800" dirty="0" smtClean="0"/>
+              <a:t>Find causal </a:t>
+            </a:r>
+            <a:r>
+              <a:rPr lang="en-US" sz="2800" dirty="0" smtClean="0"/>
+              <a:t>SNPs via </a:t>
+            </a:r>
+            <a:r>
+              <a:rPr lang="en-US" sz="2800" dirty="0" err="1" smtClean="0"/>
+              <a:t>univariate</a:t>
+            </a:r>
+            <a:r>
+              <a:rPr lang="en-US" sz="2800" dirty="0" smtClean="0"/>
+              <a:t> regression</a:t>
+            </a:r>
+            <a:endParaRPr lang="en-US" sz="2800" dirty="0"/>
           </a:p>
         </p:txBody>
       </p:sp>
@@ -7499,6 +13200,42 @@
               <a:t> = 0.36 (boo)</a:t>
             </a:r>
             <a:endParaRPr lang="en-US" b="1" dirty="0"/>
+          </a:p>
+        </p:txBody>
+      </p:sp>
+      <p:sp>
+        <p:nvSpPr>
+          <p:cNvPr id="11" name="Slide Number Placeholder 4"/>
+          <p:cNvSpPr>
+            <a:spLocks noGrp="1"/>
+          </p:cNvSpPr>
+          <p:nvPr>
+            <p:ph type="sldNum" sz="quarter" idx="12"/>
+          </p:nvPr>
+        </p:nvSpPr>
+        <p:spPr>
+          <a:xfrm>
+            <a:off x="7620000" y="18288"/>
+            <a:ext cx="1066800" cy="329184"/>
+          </a:xfrm>
+        </p:spPr>
+        <p:txBody>
+          <a:bodyPr/>
+          <a:lstStyle/>
+          <a:p>
+            <a:fld id="{4C958359-9322-6441-8715-055CBE9441BE}" type="slidenum">
+              <a:rPr lang="en-US" sz="1600" smtClean="0"/>
+              <a:t>6</a:t>
+            </a:fld>
+            <a:r>
+              <a:rPr lang="en-US" sz="1600" dirty="0" smtClean="0"/>
+              <a:t>/</a:t>
+            </a:r>
+            <a:r>
+              <a:rPr lang="en-US" sz="1600" dirty="0" smtClean="0"/>
+              <a:t>17</a:t>
+            </a:r>
+            <a:endParaRPr lang="en-US" sz="1600" dirty="0"/>
           </a:p>
         </p:txBody>
       </p:sp>
@@ -8162,6 +13899,42 @@
           </a:p>
         </p:txBody>
       </p:sp>
+      <p:sp>
+        <p:nvSpPr>
+          <p:cNvPr id="9" name="Slide Number Placeholder 4"/>
+          <p:cNvSpPr>
+            <a:spLocks noGrp="1"/>
+          </p:cNvSpPr>
+          <p:nvPr>
+            <p:ph type="sldNum" sz="quarter" idx="12"/>
+          </p:nvPr>
+        </p:nvSpPr>
+        <p:spPr>
+          <a:xfrm>
+            <a:off x="7620000" y="18288"/>
+            <a:ext cx="1066800" cy="329184"/>
+          </a:xfrm>
+        </p:spPr>
+        <p:txBody>
+          <a:bodyPr/>
+          <a:lstStyle/>
+          <a:p>
+            <a:fld id="{4C958359-9322-6441-8715-055CBE9441BE}" type="slidenum">
+              <a:rPr lang="en-US" sz="1600" smtClean="0"/>
+              <a:t>7</a:t>
+            </a:fld>
+            <a:r>
+              <a:rPr lang="en-US" sz="1600" dirty="0" smtClean="0"/>
+              <a:t>/</a:t>
+            </a:r>
+            <a:r>
+              <a:rPr lang="en-US" sz="1600" dirty="0" smtClean="0"/>
+              <a:t>17</a:t>
+            </a:r>
+            <a:endParaRPr lang="en-US" sz="1600" dirty="0"/>
+          </a:p>
+        </p:txBody>
+      </p:sp>
     </p:spTree>
     <p:extLst>
       <p:ext uri="{BB962C8B-B14F-4D97-AF65-F5344CB8AC3E}">
@@ -8407,11 +14180,7 @@
           <a:p>
             <a:r>
               <a:rPr lang="en-US" dirty="0" smtClean="0"/>
-              <a:t>Pros and cons of p-values </a:t>
-            </a:r>
-            <a:r>
-              <a:rPr lang="en-US" dirty="0" smtClean="0"/>
-              <a:t>for GWAS</a:t>
+              <a:t>Pros and cons of p-values for GWAS</a:t>
             </a:r>
             <a:endParaRPr lang="en-US" dirty="0"/>
           </a:p>
@@ -8448,8 +14217,21 @@
             <a:pPr lvl="1"/>
             <a:r>
               <a:rPr lang="en-US" dirty="0" smtClean="0"/>
-              <a:t>Simple to compute (fitting least squares is easy)</a:t>
-            </a:r>
+              <a:t>Simple to compute </a:t>
+            </a:r>
+            <a:r>
+              <a:rPr lang="en-US" dirty="0" smtClean="0"/>
+              <a:t>(least </a:t>
+            </a:r>
+            <a:r>
+              <a:rPr lang="en-US" dirty="0" smtClean="0"/>
+              <a:t>squares </a:t>
+            </a:r>
+            <a:r>
+              <a:rPr lang="en-US" dirty="0" smtClean="0"/>
+              <a:t>or likelihood ratio tests)</a:t>
+            </a:r>
+            <a:endParaRPr lang="en-US" dirty="0" smtClean="0"/>
           </a:p>
           <a:p>
             <a:pPr lvl="1"/>
@@ -8492,11 +14274,7 @@
             </a:r>
             <a:r>
               <a:rPr lang="en-US" b="1" dirty="0" smtClean="0"/>
-              <a:t>independent </a:t>
-            </a:r>
-            <a:r>
-              <a:rPr lang="en-US" b="1" dirty="0" smtClean="0"/>
-              <a:t>effects. </a:t>
+              <a:t>independent effects. </a:t>
             </a:r>
             <a:r>
               <a:rPr lang="en-US" b="1" dirty="0" smtClean="0">
@@ -8504,29 +14282,44 @@
                   <a:srgbClr val="FF0000"/>
                 </a:solidFill>
               </a:rPr>
-              <a:t>Thus does not </a:t>
-            </a:r>
-            <a:r>
-              <a:rPr lang="en-US" b="1" dirty="0" smtClean="0">
-                <a:solidFill>
-                  <a:srgbClr val="FF0000"/>
-                </a:solidFill>
-              </a:rPr>
-              <a:t>c</a:t>
-            </a:r>
-            <a:r>
-              <a:rPr lang="en-US" b="1" dirty="0" smtClean="0">
-                <a:solidFill>
-                  <a:srgbClr val="FF0000"/>
-                </a:solidFill>
-              </a:rPr>
-              <a:t>ontrol for confounders.</a:t>
-            </a:r>
-            <a:endParaRPr lang="en-US" b="1" dirty="0" smtClean="0">
-              <a:solidFill>
-                <a:srgbClr val="FF0000"/>
-              </a:solidFill>
-            </a:endParaRPr>
+              <a:t>Thus does not control for confounders.</a:t>
+            </a:r>
+          </a:p>
+        </p:txBody>
+      </p:sp>
+      <p:sp>
+        <p:nvSpPr>
+          <p:cNvPr id="4" name="Slide Number Placeholder 4"/>
+          <p:cNvSpPr>
+            <a:spLocks noGrp="1"/>
+          </p:cNvSpPr>
+          <p:nvPr>
+            <p:ph type="sldNum" sz="quarter" idx="12"/>
+          </p:nvPr>
+        </p:nvSpPr>
+        <p:spPr>
+          <a:xfrm>
+            <a:off x="7620000" y="18288"/>
+            <a:ext cx="1066800" cy="329184"/>
+          </a:xfrm>
+        </p:spPr>
+        <p:txBody>
+          <a:bodyPr/>
+          <a:lstStyle/>
+          <a:p>
+            <a:fld id="{4C958359-9322-6441-8715-055CBE9441BE}" type="slidenum">
+              <a:rPr lang="en-US" sz="1600" smtClean="0"/>
+              <a:t>8</a:t>
+            </a:fld>
+            <a:r>
+              <a:rPr lang="en-US" sz="1600" dirty="0" smtClean="0"/>
+              <a:t>/</a:t>
+            </a:r>
+            <a:r>
+              <a:rPr lang="en-US" sz="1600" dirty="0" smtClean="0"/>
+              <a:t>17</a:t>
+            </a:r>
+            <a:endParaRPr lang="en-US" sz="1600" dirty="0"/>
           </a:p>
         </p:txBody>
       </p:sp>
@@ -8594,65 +14387,312 @@
       </p:sp>
       <p:pic>
         <p:nvPicPr>
-          <p:cNvPr id="4" name="Picture 3"/>
+          <p:cNvPr id="5" name="Picture 4" descr="plot2.pdf"/>
           <p:cNvPicPr>
             <a:picLocks noChangeAspect="1"/>
           </p:cNvPicPr>
           <p:nvPr/>
         </p:nvPicPr>
         <p:blipFill>
-          <a:blip r:embed="rId2"/>
+          <a:blip r:embed="rId2">
+            <a:extLst>
+              <a:ext uri="{28A0092B-C50C-407E-A947-70E740481C1C}">
+                <a14:useLocalDpi xmlns:a14="http://schemas.microsoft.com/office/drawing/2010/main" val="0"/>
+              </a:ext>
+            </a:extLst>
+          </a:blip>
           <a:stretch>
             <a:fillRect/>
           </a:stretch>
         </p:blipFill>
         <p:spPr>
           <a:xfrm>
-            <a:off x="1270064" y="1781595"/>
-            <a:ext cx="6516001" cy="4654287"/>
+            <a:off x="0" y="2340028"/>
+            <a:ext cx="3901316" cy="2600877"/>
           </a:xfrm>
           <a:prstGeom prst="rect">
             <a:avLst/>
           </a:prstGeom>
         </p:spPr>
       </p:pic>
-      <p:sp>
-        <p:nvSpPr>
-          <p:cNvPr id="6" name="Rectangle 5"/>
-          <p:cNvSpPr/>
+      <p:cxnSp>
+        <p:nvCxnSpPr>
+          <p:cNvPr id="7" name="Straight Connector 6"/>
+          <p:cNvCxnSpPr/>
           <p:nvPr/>
-        </p:nvSpPr>
+        </p:nvCxnSpPr>
+        <p:spPr>
+          <a:xfrm flipV="1">
+            <a:off x="361042" y="2918989"/>
+            <a:ext cx="3401181" cy="1251857"/>
+          </a:xfrm>
+          <a:prstGeom prst="line">
+            <a:avLst/>
+          </a:prstGeom>
+          <a:ln w="38100" cmpd="sng">
+            <a:solidFill>
+              <a:srgbClr val="0000FF"/>
+            </a:solidFill>
+          </a:ln>
+        </p:spPr>
+        <p:style>
+          <a:lnRef idx="2">
+            <a:schemeClr val="accent1"/>
+          </a:lnRef>
+          <a:fillRef idx="0">
+            <a:schemeClr val="accent1"/>
+          </a:fillRef>
+          <a:effectRef idx="1">
+            <a:schemeClr val="accent1"/>
+          </a:effectRef>
+          <a:fontRef idx="minor">
+            <a:schemeClr val="tx1"/>
+          </a:fontRef>
+        </p:style>
+      </p:cxnSp>
+      <p:pic>
+        <p:nvPicPr>
+          <p:cNvPr id="12" name="Picture 11" descr="plot1.pdf"/>
+          <p:cNvPicPr>
+            <a:picLocks noChangeAspect="1"/>
+          </p:cNvPicPr>
+          <p:nvPr/>
+        </p:nvPicPr>
+        <p:blipFill>
+          <a:blip r:embed="rId3">
+            <a:extLst>
+              <a:ext uri="{28A0092B-C50C-407E-A947-70E740481C1C}">
+                <a14:useLocalDpi xmlns:a14="http://schemas.microsoft.com/office/drawing/2010/main" val="0"/>
+              </a:ext>
+            </a:extLst>
+          </a:blip>
+          <a:stretch>
+            <a:fillRect/>
+          </a:stretch>
+        </p:blipFill>
         <p:spPr>
           <a:xfrm>
-            <a:off x="0" y="6592076"/>
-            <a:ext cx="8104650" cy="276999"/>
+            <a:off x="4702027" y="2348495"/>
+            <a:ext cx="3888615" cy="2592410"/>
           </a:xfrm>
           <a:prstGeom prst="rect">
             <a:avLst/>
           </a:prstGeom>
         </p:spPr>
-        <p:txBody>
-          <a:bodyPr wrap="square">
+      </p:pic>
+      <p:cxnSp>
+        <p:nvCxnSpPr>
+          <p:cNvPr id="13" name="Straight Connector 12"/>
+          <p:cNvCxnSpPr/>
+          <p:nvPr/>
+        </p:nvCxnSpPr>
+        <p:spPr>
+          <a:xfrm flipV="1">
+            <a:off x="5216070" y="3515685"/>
+            <a:ext cx="3193142" cy="42335"/>
+          </a:xfrm>
+          <a:prstGeom prst="line">
+            <a:avLst/>
+          </a:prstGeom>
+          <a:ln w="38100" cmpd="sng">
+            <a:solidFill>
+              <a:srgbClr val="0000FF"/>
+            </a:solidFill>
+          </a:ln>
+        </p:spPr>
+        <p:style>
+          <a:lnRef idx="2">
+            <a:schemeClr val="accent1"/>
+          </a:lnRef>
+          <a:fillRef idx="0">
+            <a:schemeClr val="accent1"/>
+          </a:fillRef>
+          <a:effectRef idx="1">
+            <a:schemeClr val="accent1"/>
+          </a:effectRef>
+          <a:fontRef idx="minor">
+            <a:schemeClr val="tx1"/>
+          </a:fontRef>
+        </p:style>
+      </p:cxnSp>
+      <p:sp>
+        <p:nvSpPr>
+          <p:cNvPr id="16" name="Curved Down Arrow 15"/>
+          <p:cNvSpPr/>
+          <p:nvPr/>
+        </p:nvSpPr>
+        <p:spPr>
+          <a:xfrm>
+            <a:off x="3586841" y="1693333"/>
+            <a:ext cx="1553634" cy="739828"/>
+          </a:xfrm>
+          <a:prstGeom prst="curvedDownArrow">
+            <a:avLst/>
+          </a:prstGeom>
+          <a:solidFill>
+            <a:srgbClr val="FF0000"/>
+          </a:solidFill>
+        </p:spPr>
+        <p:style>
+          <a:lnRef idx="1">
+            <a:schemeClr val="accent1"/>
+          </a:lnRef>
+          <a:fillRef idx="3">
+            <a:schemeClr val="accent1"/>
+          </a:fillRef>
+          <a:effectRef idx="2">
+            <a:schemeClr val="accent1"/>
+          </a:effectRef>
+          <a:fontRef idx="minor">
+            <a:schemeClr val="lt1"/>
+          </a:fontRef>
+        </p:style>
+        <p:txBody>
+          <a:bodyPr rtlCol="0" anchor="ctr"/>
+          <a:lstStyle/>
+          <a:p>
+            <a:pPr algn="ctr"/>
+            <a:endParaRPr lang="en-US">
+              <a:solidFill>
+                <a:schemeClr val="tx1"/>
+              </a:solidFill>
+            </a:endParaRPr>
+          </a:p>
+        </p:txBody>
+      </p:sp>
+      <p:sp>
+        <p:nvSpPr>
+          <p:cNvPr id="17" name="Curved Down Arrow 16"/>
+          <p:cNvSpPr/>
+          <p:nvPr/>
+        </p:nvSpPr>
+        <p:spPr>
+          <a:xfrm rot="10800000">
+            <a:off x="3586841" y="4570991"/>
+            <a:ext cx="1553634" cy="739828"/>
+          </a:xfrm>
+          <a:prstGeom prst="curvedDownArrow">
+            <a:avLst/>
+          </a:prstGeom>
+          <a:solidFill>
+            <a:srgbClr val="FF0000"/>
+          </a:solidFill>
+        </p:spPr>
+        <p:style>
+          <a:lnRef idx="1">
+            <a:schemeClr val="accent1"/>
+          </a:lnRef>
+          <a:fillRef idx="3">
+            <a:schemeClr val="accent1"/>
+          </a:fillRef>
+          <a:effectRef idx="2">
+            <a:schemeClr val="accent1"/>
+          </a:effectRef>
+          <a:fontRef idx="minor">
+            <a:schemeClr val="lt1"/>
+          </a:fontRef>
+        </p:style>
+        <p:txBody>
+          <a:bodyPr rtlCol="0" anchor="ctr"/>
+          <a:lstStyle/>
+          <a:p>
+            <a:pPr algn="ctr"/>
+            <a:endParaRPr lang="en-US">
+              <a:solidFill>
+                <a:schemeClr val="tx1"/>
+              </a:solidFill>
+            </a:endParaRPr>
+          </a:p>
+        </p:txBody>
+      </p:sp>
+      <p:sp>
+        <p:nvSpPr>
+          <p:cNvPr id="18" name="TextBox 17"/>
+          <p:cNvSpPr txBox="1"/>
+          <p:nvPr/>
+        </p:nvSpPr>
+        <p:spPr>
+          <a:xfrm>
+            <a:off x="1691493" y="5908525"/>
+            <a:ext cx="6021074" cy="369332"/>
+          </a:xfrm>
+          <a:prstGeom prst="rect">
+            <a:avLst/>
+          </a:prstGeom>
+          <a:noFill/>
+        </p:spPr>
+        <p:txBody>
+          <a:bodyPr wrap="none" rtlCol="0">
             <a:spAutoFit/>
           </a:bodyPr>
           <a:lstStyle/>
           <a:p>
-            <a:r>
-              <a:rPr lang="en-US" sz="1200" dirty="0" smtClean="0"/>
-              <a:t>Figure: https</a:t>
-            </a:r>
-            <a:r>
-              <a:rPr lang="en-US" sz="1200" dirty="0"/>
-              <a:t>://</a:t>
-            </a:r>
-            <a:r>
-              <a:rPr lang="en-US" sz="1200" dirty="0" err="1"/>
-              <a:t>www.r-bloggers.com</a:t>
-            </a:r>
-            <a:r>
-              <a:rPr lang="en-US" sz="1200" dirty="0"/>
-              <a:t>/confounders-and-colliders-modeling-spurious-correlations-in-r/</a:t>
-            </a:r>
+            <a:pPr algn="ctr"/>
+            <a:r>
+              <a:rPr lang="en-US" b="1" dirty="0" smtClean="0">
+                <a:solidFill>
+                  <a:srgbClr val="FF0000"/>
+                </a:solidFill>
+              </a:rPr>
+              <a:t>Adjusting for confounder </a:t>
+            </a:r>
+            <a:r>
+              <a:rPr lang="en-US" b="1" smtClean="0">
+                <a:solidFill>
+                  <a:srgbClr val="FF0000"/>
+                </a:solidFill>
+              </a:rPr>
+              <a:t>x2 can </a:t>
+            </a:r>
+            <a:r>
+              <a:rPr lang="en-US" b="1" dirty="0" smtClean="0">
+                <a:solidFill>
+                  <a:srgbClr val="FF0000"/>
+                </a:solidFill>
+              </a:rPr>
+              <a:t>reverse significance</a:t>
+            </a:r>
+            <a:endParaRPr lang="en-US" b="1" dirty="0">
+              <a:solidFill>
+                <a:srgbClr val="FF0000"/>
+              </a:solidFill>
+            </a:endParaRPr>
+          </a:p>
+        </p:txBody>
+      </p:sp>
+      <p:sp>
+        <p:nvSpPr>
+          <p:cNvPr id="19" name="Slide Number Placeholder 4"/>
+          <p:cNvSpPr>
+            <a:spLocks noGrp="1"/>
+          </p:cNvSpPr>
+          <p:nvPr>
+            <p:ph type="sldNum" sz="quarter" idx="12"/>
+          </p:nvPr>
+        </p:nvSpPr>
+        <p:spPr>
+          <a:xfrm>
+            <a:off x="7620000" y="18288"/>
+            <a:ext cx="1066800" cy="329184"/>
+          </a:xfrm>
+        </p:spPr>
+        <p:txBody>
+          <a:bodyPr/>
+          <a:lstStyle/>
+          <a:p>
+            <a:fld id="{4C958359-9322-6441-8715-055CBE9441BE}" type="slidenum">
+              <a:rPr lang="en-US" sz="1600" smtClean="0"/>
+              <a:t>9</a:t>
+            </a:fld>
+            <a:r>
+              <a:rPr lang="en-US" sz="1600" dirty="0" smtClean="0"/>
+              <a:t>/</a:t>
+            </a:r>
+            <a:r>
+              <a:rPr lang="en-US" sz="1600" dirty="0" smtClean="0"/>
+              <a:t>17</a:t>
+            </a:r>
+            <a:endParaRPr lang="en-US" sz="1600" dirty="0"/>
           </a:p>
         </p:txBody>
       </p:sp>

--- a/QCBio luncheon 2020/Presentation1.pptx
+++ b/QCBio luncheon 2020/Presentation1.pptx
@@ -208,7 +208,7 @@
           <a:p>
             <a:fld id="{C0637069-2E57-EC48-AEE9-D9084A574C9B}" type="datetimeFigureOut">
               <a:rPr lang="en-US" smtClean="0"/>
-              <a:t>20/1/29</a:t>
+              <a:t>20/1/30</a:t>
             </a:fld>
             <a:endParaRPr lang="en-US"/>
           </a:p>
@@ -792,7 +792,7 @@
           <a:p>
             <a:fld id="{51A6E329-1FAF-DA41-AFB6-CE80DCBD6FF0}" type="datetimeFigureOut">
               <a:rPr lang="en-US" smtClean="0"/>
-              <a:t>20/1/29</a:t>
+              <a:t>20/1/30</a:t>
             </a:fld>
             <a:endParaRPr lang="en-US"/>
           </a:p>
@@ -993,7 +993,7 @@
           <a:p>
             <a:fld id="{51A6E329-1FAF-DA41-AFB6-CE80DCBD6FF0}" type="datetimeFigureOut">
               <a:rPr lang="en-US" smtClean="0"/>
-              <a:t>20/1/29</a:t>
+              <a:t>20/1/30</a:t>
             </a:fld>
             <a:endParaRPr lang="en-US"/>
           </a:p>
@@ -1168,7 +1168,7 @@
           <a:p>
             <a:fld id="{51A6E329-1FAF-DA41-AFB6-CE80DCBD6FF0}" type="datetimeFigureOut">
               <a:rPr lang="en-US" smtClean="0"/>
-              <a:t>20/1/29</a:t>
+              <a:t>20/1/30</a:t>
             </a:fld>
             <a:endParaRPr lang="en-US"/>
           </a:p>
@@ -1333,7 +1333,7 @@
           <a:p>
             <a:fld id="{51A6E329-1FAF-DA41-AFB6-CE80DCBD6FF0}" type="datetimeFigureOut">
               <a:rPr lang="en-US" smtClean="0"/>
-              <a:t>20/1/29</a:t>
+              <a:t>20/1/30</a:t>
             </a:fld>
             <a:endParaRPr lang="en-US"/>
           </a:p>
@@ -1581,7 +1581,7 @@
           <a:p>
             <a:fld id="{51A6E329-1FAF-DA41-AFB6-CE80DCBD6FF0}" type="datetimeFigureOut">
               <a:rPr lang="en-US" smtClean="0"/>
-              <a:t>20/1/29</a:t>
+              <a:t>20/1/30</a:t>
             </a:fld>
             <a:endParaRPr lang="en-US"/>
           </a:p>
@@ -1899,7 +1899,7 @@
           <a:p>
             <a:fld id="{51A6E329-1FAF-DA41-AFB6-CE80DCBD6FF0}" type="datetimeFigureOut">
               <a:rPr lang="en-US" smtClean="0"/>
-              <a:t>20/1/29</a:t>
+              <a:t>20/1/30</a:t>
             </a:fld>
             <a:endParaRPr lang="en-US"/>
           </a:p>
@@ -2365,7 +2365,7 @@
           <a:p>
             <a:fld id="{51A6E329-1FAF-DA41-AFB6-CE80DCBD6FF0}" type="datetimeFigureOut">
               <a:rPr lang="en-US" smtClean="0"/>
-              <a:t>20/1/29</a:t>
+              <a:t>20/1/30</a:t>
             </a:fld>
             <a:endParaRPr lang="en-US"/>
           </a:p>
@@ -2513,7 +2513,7 @@
           <a:p>
             <a:fld id="{51A6E329-1FAF-DA41-AFB6-CE80DCBD6FF0}" type="datetimeFigureOut">
               <a:rPr lang="en-US" smtClean="0"/>
-              <a:t>20/1/29</a:t>
+              <a:t>20/1/30</a:t>
             </a:fld>
             <a:endParaRPr lang="en-US"/>
           </a:p>
@@ -2603,7 +2603,7 @@
           <a:p>
             <a:fld id="{51A6E329-1FAF-DA41-AFB6-CE80DCBD6FF0}" type="datetimeFigureOut">
               <a:rPr lang="en-US" smtClean="0"/>
-              <a:t>20/1/29</a:t>
+              <a:t>20/1/30</a:t>
             </a:fld>
             <a:endParaRPr lang="en-US"/>
           </a:p>
@@ -2877,7 +2877,7 @@
           <a:p>
             <a:fld id="{51A6E329-1FAF-DA41-AFB6-CE80DCBD6FF0}" type="datetimeFigureOut">
               <a:rPr lang="en-US" smtClean="0"/>
-              <a:t>20/1/29</a:t>
+              <a:t>20/1/30</a:t>
             </a:fld>
             <a:endParaRPr lang="en-US"/>
           </a:p>
@@ -3183,7 +3183,7 @@
           <a:p>
             <a:fld id="{51A6E329-1FAF-DA41-AFB6-CE80DCBD6FF0}" type="datetimeFigureOut">
               <a:rPr lang="en-US" smtClean="0"/>
-              <a:t>20/1/29</a:t>
+              <a:t>20/1/30</a:t>
             </a:fld>
             <a:endParaRPr lang="en-US"/>
           </a:p>
@@ -3481,7 +3481,7 @@
           <a:p>
             <a:fld id="{51A6E329-1FAF-DA41-AFB6-CE80DCBD6FF0}" type="datetimeFigureOut">
               <a:rPr lang="en-US" smtClean="0"/>
-              <a:t>20/1/29</a:t>
+              <a:t>20/1/30</a:t>
             </a:fld>
             <a:endParaRPr lang="en-US"/>
           </a:p>
@@ -4017,13 +4017,8 @@
             </a:r>
             <a:r>
               <a:rPr lang="en-US" dirty="0" smtClean="0"/>
-              <a:t>except </a:t>
-            </a:r>
-            <a:r>
-              <a:rPr lang="en-US" dirty="0" smtClean="0"/>
-              <a:t>1 thing. Multiple regression captures this effect.</a:t>
-            </a:r>
-            <a:endParaRPr lang="en-US" dirty="0" smtClean="0"/>
+              <a:t>except 1 thing. Multiple regression captures this effect.</a:t>
+            </a:r>
           </a:p>
           <a:p>
             <a:endParaRPr lang="en-US" dirty="0"/>
@@ -4179,11 +4174,7 @@
             </a:r>
             <a:r>
               <a:rPr lang="en-US" sz="3000" dirty="0" smtClean="0"/>
-              <a:t>: Multiple regressions measure covariate </a:t>
-            </a:r>
-            <a:r>
-              <a:rPr lang="en-US" sz="3000" dirty="0" smtClean="0"/>
-              <a:t>effects </a:t>
+              <a:t>: Multiple regressions measure covariate effects </a:t>
             </a:r>
             <a:r>
               <a:rPr lang="en-US" sz="3000" b="1" dirty="0" smtClean="0">
@@ -4191,23 +4182,7 @@
                   <a:srgbClr val="FF0000"/>
                 </a:solidFill>
               </a:rPr>
-              <a:t>as if other </a:t>
-            </a:r>
-            <a:r>
-              <a:rPr lang="en-US" sz="3000" b="1" dirty="0" smtClean="0">
-                <a:solidFill>
-                  <a:srgbClr val="FF0000"/>
-                </a:solidFill>
-              </a:rPr>
-              <a:t>covariates are </a:t>
-            </a:r>
-            <a:r>
-              <a:rPr lang="en-US" sz="3000" b="1" dirty="0" smtClean="0">
-                <a:solidFill>
-                  <a:srgbClr val="FF0000"/>
-                </a:solidFill>
-              </a:rPr>
-              <a:t>fixed</a:t>
+              <a:t>as if other covariates are fixed</a:t>
             </a:r>
             <a:r>
               <a:rPr lang="en-US" sz="3000" dirty="0" smtClean="0"/>
@@ -4410,11 +4385,7 @@
             </a:fld>
             <a:r>
               <a:rPr lang="en-US" sz="1600" dirty="0" smtClean="0"/>
-              <a:t>/</a:t>
-            </a:r>
-            <a:r>
-              <a:rPr lang="en-US" sz="1600" dirty="0" smtClean="0"/>
-              <a:t>17</a:t>
+              <a:t>/17</a:t>
             </a:r>
             <a:endParaRPr lang="en-US" sz="1600" dirty="0"/>
           </a:p>
@@ -4580,23 +4551,7 @@
           <a:p>
             <a:r>
               <a:rPr lang="en-US" sz="3200" dirty="0" smtClean="0"/>
-              <a:t>Did people attempt </a:t>
-            </a:r>
-            <a:r>
-              <a:rPr lang="en-US" sz="3200" dirty="0" smtClean="0"/>
-              <a:t>multiple </a:t>
-            </a:r>
-            <a:r>
-              <a:rPr lang="en-US" sz="3200" dirty="0" smtClean="0"/>
-              <a:t>regression </a:t>
-            </a:r>
-            <a:r>
-              <a:rPr lang="en-US" sz="3200" dirty="0" smtClean="0"/>
-              <a:t>GWAS</a:t>
-            </a:r>
-            <a:r>
-              <a:rPr lang="en-US" sz="3200" dirty="0" smtClean="0"/>
-              <a:t>?</a:t>
+              <a:t>Did people attempt multiple regression GWAS?</a:t>
             </a:r>
             <a:endParaRPr lang="en-US" sz="3200" dirty="0"/>
           </a:p>
@@ -4804,11 +4759,7 @@
             </a:fld>
             <a:r>
               <a:rPr lang="en-US" sz="1600" dirty="0" smtClean="0"/>
-              <a:t>/</a:t>
-            </a:r>
-            <a:r>
-              <a:rPr lang="en-US" sz="1600" dirty="0" smtClean="0"/>
-              <a:t>17</a:t>
+              <a:t>/17</a:t>
             </a:r>
             <a:endParaRPr lang="en-US" sz="1600" dirty="0"/>
           </a:p>
@@ -4880,7 +4831,6 @@
               <a:rPr lang="en-US" dirty="0"/>
               <a:t> Marginal testing</a:t>
             </a:r>
-            <a:endParaRPr lang="en-US" dirty="0"/>
           </a:p>
         </p:txBody>
       </p:sp>
@@ -5741,15 +5691,7 @@
           <a:p>
             <a:r>
               <a:rPr lang="en-US" dirty="0" smtClean="0"/>
-              <a:t>      = </a:t>
-            </a:r>
-            <a:r>
-              <a:rPr lang="en-US" dirty="0" smtClean="0"/>
-              <a:t>false positives (lower means good</a:t>
-            </a:r>
-            <a:r>
-              <a:rPr lang="en-US" dirty="0" smtClean="0"/>
-              <a:t>)</a:t>
+              <a:t>      = false positives (lower means good)</a:t>
             </a:r>
           </a:p>
         </p:txBody>
@@ -6136,11 +6078,7 @@
             </a:fld>
             <a:r>
               <a:rPr lang="en-US" sz="1600" dirty="0" smtClean="0"/>
-              <a:t>/</a:t>
-            </a:r>
-            <a:r>
-              <a:rPr lang="en-US" sz="1600" dirty="0" smtClean="0"/>
-              <a:t>17</a:t>
+              <a:t>/17</a:t>
             </a:r>
             <a:endParaRPr lang="en-US" sz="1600" dirty="0"/>
           </a:p>
@@ -6207,11 +6145,7 @@
           <a:p>
             <a:r>
               <a:rPr lang="en-US" sz="3000" dirty="0" smtClean="0"/>
-              <a:t>Lasso’s high false positives are</a:t>
-            </a:r>
-            <a:r>
-              <a:rPr lang="en-US" sz="3000" dirty="0" smtClean="0"/>
-              <a:t> due to shrinkage</a:t>
+              <a:t>Lasso’s high false positives are due to shrinkage</a:t>
             </a:r>
             <a:endParaRPr lang="en-US" sz="3000" dirty="0"/>
           </a:p>
@@ -6239,7 +6173,7 @@
         </p:blipFill>
         <p:spPr>
           <a:xfrm>
-            <a:off x="622905" y="1931938"/>
+            <a:off x="537612" y="3216753"/>
             <a:ext cx="7813524" cy="2384082"/>
           </a:xfrm>
           <a:prstGeom prst="rect">
@@ -6255,7 +6189,7 @@
         </p:nvSpPr>
         <p:spPr>
           <a:xfrm>
-            <a:off x="708198" y="4649855"/>
+            <a:off x="622905" y="5934670"/>
             <a:ext cx="6933246" cy="923330"/>
           </a:xfrm>
           <a:prstGeom prst="rect">
@@ -6305,7 +6239,7 @@
         </p:nvSpPr>
         <p:spPr>
           <a:xfrm>
-            <a:off x="1088571" y="5817809"/>
+            <a:off x="1120519" y="1889116"/>
             <a:ext cx="6307667" cy="646331"/>
           </a:xfrm>
           <a:prstGeom prst="rect">
@@ -6336,7 +6270,7 @@
         </p:nvSpPr>
         <p:spPr>
           <a:xfrm>
-            <a:off x="1088571" y="5745238"/>
+            <a:off x="1120519" y="1816545"/>
             <a:ext cx="6513285" cy="852714"/>
           </a:xfrm>
           <a:prstGeom prst="frame">
@@ -6406,11 +6340,7 @@
             </a:fld>
             <a:r>
               <a:rPr lang="en-US" sz="1600" dirty="0" smtClean="0"/>
-              <a:t>/</a:t>
-            </a:r>
-            <a:r>
-              <a:rPr lang="en-US" sz="1600" dirty="0" smtClean="0"/>
-              <a:t>17</a:t>
+              <a:t>/17</a:t>
             </a:r>
             <a:endParaRPr lang="en-US" sz="1600" dirty="0"/>
           </a:p>
@@ -7320,11 +7250,7 @@
             </a:fld>
             <a:r>
               <a:rPr lang="en-US" sz="1600" dirty="0" smtClean="0"/>
-              <a:t>/</a:t>
-            </a:r>
-            <a:r>
-              <a:rPr lang="en-US" sz="1600" dirty="0" smtClean="0"/>
-              <a:t>17</a:t>
+              <a:t>/17</a:t>
             </a:r>
             <a:endParaRPr lang="en-US" sz="1600" dirty="0"/>
           </a:p>
@@ -7340,6 +7266,13 @@
   <p:clrMapOvr>
     <a:masterClrMapping/>
   </p:clrMapOvr>
+  <p:timing>
+    <p:tnLst>
+      <p:par>
+        <p:cTn xmlns:p14="http://schemas.microsoft.com/office/powerpoint/2010/main" id="1" dur="indefinite" restart="never" nodeType="tmRoot"/>
+      </p:par>
+    </p:tnLst>
+  </p:timing>
 </p:sld>
 </file>
 
@@ -7709,11 +7642,7 @@
                     <a:p>
                       <a:r>
                         <a:rPr lang="en-US" dirty="0" smtClean="0"/>
-                        <a:t>IHT </a:t>
-                      </a:r>
-                      <a:r>
-                        <a:rPr lang="en-US" dirty="0" smtClean="0"/>
-                        <a:t>TP</a:t>
+                        <a:t>IHT TP</a:t>
                       </a:r>
                       <a:endParaRPr lang="en-US" dirty="0"/>
                     </a:p>
@@ -9344,15 +9273,7 @@
           <a:p>
             <a:r>
               <a:rPr lang="en-US" dirty="0" smtClean="0"/>
-              <a:t>      = </a:t>
-            </a:r>
-            <a:r>
-              <a:rPr lang="en-US" dirty="0" smtClean="0"/>
-              <a:t>false positives (lower means good</a:t>
-            </a:r>
-            <a:r>
-              <a:rPr lang="en-US" dirty="0" smtClean="0"/>
-              <a:t>)</a:t>
+              <a:t>      = false positives (lower means good)</a:t>
             </a:r>
           </a:p>
         </p:txBody>
@@ -9785,11 +9706,7 @@
             </a:fld>
             <a:r>
               <a:rPr lang="en-US" sz="1600" dirty="0" smtClean="0"/>
-              <a:t>/</a:t>
-            </a:r>
-            <a:r>
-              <a:rPr lang="en-US" sz="1600" dirty="0" smtClean="0"/>
-              <a:t>17</a:t>
+              <a:t>/17</a:t>
             </a:r>
             <a:endParaRPr lang="en-US" sz="1600" dirty="0"/>
           </a:p>
@@ -9967,11 +9884,7 @@
             </a:fld>
             <a:r>
               <a:rPr lang="en-US" sz="1600" dirty="0" smtClean="0"/>
-              <a:t>/</a:t>
-            </a:r>
-            <a:r>
-              <a:rPr lang="en-US" sz="1600" dirty="0" smtClean="0"/>
-              <a:t>17</a:t>
+              <a:t>/17</a:t>
             </a:r>
             <a:endParaRPr lang="en-US" sz="1600" dirty="0"/>
           </a:p>
@@ -10246,11 +10159,7 @@
             </a:fld>
             <a:r>
               <a:rPr lang="en-US" sz="1600" dirty="0" smtClean="0"/>
-              <a:t>/</a:t>
-            </a:r>
-            <a:r>
-              <a:rPr lang="en-US" sz="1600" dirty="0" smtClean="0"/>
-              <a:t>17</a:t>
+              <a:t>/17</a:t>
             </a:r>
             <a:endParaRPr lang="en-US" sz="1600" dirty="0"/>
           </a:p>
@@ -10524,11 +10433,7 @@
             </a:fld>
             <a:r>
               <a:rPr lang="en-US" sz="1600" dirty="0" smtClean="0"/>
-              <a:t>/</a:t>
-            </a:r>
-            <a:r>
-              <a:rPr lang="en-US" sz="1600" dirty="0" smtClean="0"/>
-              <a:t>17</a:t>
+              <a:t>/17</a:t>
             </a:r>
             <a:endParaRPr lang="en-US" sz="1600" dirty="0"/>
           </a:p>
@@ -11231,11 +11136,7 @@
             </a:fld>
             <a:r>
               <a:rPr lang="en-US" sz="1600" dirty="0" smtClean="0"/>
-              <a:t>/</a:t>
-            </a:r>
-            <a:r>
-              <a:rPr lang="en-US" sz="1600" dirty="0" smtClean="0"/>
-              <a:t>17</a:t>
+              <a:t>/17</a:t>
             </a:r>
             <a:endParaRPr lang="en-US" sz="1600" dirty="0"/>
           </a:p>
@@ -11994,11 +11895,7 @@
             </a:fld>
             <a:r>
               <a:rPr lang="en-US" sz="1600" dirty="0" smtClean="0"/>
-              <a:t>/</a:t>
-            </a:r>
-            <a:r>
-              <a:rPr lang="en-US" sz="1600" dirty="0" smtClean="0"/>
-              <a:t>17</a:t>
+              <a:t>/17</a:t>
             </a:r>
             <a:endParaRPr lang="en-US" sz="1600" dirty="0"/>
           </a:p>
@@ -12808,11 +12705,7 @@
             </a:fld>
             <a:r>
               <a:rPr lang="en-US" sz="1600" dirty="0" smtClean="0"/>
-              <a:t>/</a:t>
-            </a:r>
-            <a:r>
-              <a:rPr lang="en-US" sz="1600" dirty="0" smtClean="0"/>
-              <a:t>17</a:t>
+              <a:t>/17</a:t>
             </a:r>
             <a:endParaRPr lang="en-US" sz="1600" dirty="0"/>
           </a:p>
@@ -12909,11 +12802,7 @@
           <a:p>
             <a:r>
               <a:rPr lang="en-US" sz="2800" dirty="0" smtClean="0"/>
-              <a:t>Find causal </a:t>
-            </a:r>
-            <a:r>
-              <a:rPr lang="en-US" sz="2800" dirty="0" smtClean="0"/>
-              <a:t>SNPs via </a:t>
+              <a:t>Find causal SNPs via </a:t>
             </a:r>
             <a:r>
               <a:rPr lang="en-US" sz="2800" dirty="0" err="1" smtClean="0"/>
@@ -13229,11 +13118,7 @@
             </a:fld>
             <a:r>
               <a:rPr lang="en-US" sz="1600" dirty="0" smtClean="0"/>
-              <a:t>/</a:t>
-            </a:r>
-            <a:r>
-              <a:rPr lang="en-US" sz="1600" dirty="0" smtClean="0"/>
-              <a:t>17</a:t>
+              <a:t>/17</a:t>
             </a:r>
             <a:endParaRPr lang="en-US" sz="1600" dirty="0"/>
           </a:p>
@@ -13925,11 +13810,7 @@
             </a:fld>
             <a:r>
               <a:rPr lang="en-US" sz="1600" dirty="0" smtClean="0"/>
-              <a:t>/</a:t>
-            </a:r>
-            <a:r>
-              <a:rPr lang="en-US" sz="1600" dirty="0" smtClean="0"/>
-              <a:t>17</a:t>
+              <a:t>/17</a:t>
             </a:r>
             <a:endParaRPr lang="en-US" sz="1600" dirty="0"/>
           </a:p>
@@ -14217,21 +14098,8 @@
             <a:pPr lvl="1"/>
             <a:r>
               <a:rPr lang="en-US" dirty="0" smtClean="0"/>
-              <a:t>Simple to compute </a:t>
-            </a:r>
-            <a:r>
-              <a:rPr lang="en-US" dirty="0" smtClean="0"/>
-              <a:t>(least </a:t>
-            </a:r>
-            <a:r>
-              <a:rPr lang="en-US" dirty="0" smtClean="0"/>
-              <a:t>squares </a:t>
-            </a:r>
-            <a:r>
-              <a:rPr lang="en-US" dirty="0" smtClean="0"/>
-              <a:t>or likelihood ratio tests)</a:t>
-            </a:r>
-            <a:endParaRPr lang="en-US" dirty="0" smtClean="0"/>
+              <a:t>Simple to compute (least squares or likelihood ratio tests)</a:t>
+            </a:r>
           </a:p>
           <a:p>
             <a:pPr lvl="1"/>
@@ -14313,11 +14181,7 @@
             </a:fld>
             <a:r>
               <a:rPr lang="en-US" sz="1600" dirty="0" smtClean="0"/>
-              <a:t>/</a:t>
-            </a:r>
-            <a:r>
-              <a:rPr lang="en-US" sz="1600" dirty="0" smtClean="0"/>
-              <a:t>17</a:t>
+              <a:t>/17</a:t>
             </a:r>
             <a:endParaRPr lang="en-US" sz="1600" dirty="0"/>
           </a:p>
@@ -14634,23 +14498,7 @@
                   <a:srgbClr val="FF0000"/>
                 </a:solidFill>
               </a:rPr>
-              <a:t>Adjusting for confounder </a:t>
-            </a:r>
-            <a:r>
-              <a:rPr lang="en-US" b="1" smtClean="0">
-                <a:solidFill>
-                  <a:srgbClr val="FF0000"/>
-                </a:solidFill>
-              </a:rPr>
-              <a:t>x2 can </a:t>
-            </a:r>
-            <a:r>
-              <a:rPr lang="en-US" b="1" dirty="0" smtClean="0">
-                <a:solidFill>
-                  <a:srgbClr val="FF0000"/>
-                </a:solidFill>
-              </a:rPr>
-              <a:t>reverse significance</a:t>
+              <a:t>Adjusting for confounder x2 can reverse significance</a:t>
             </a:r>
             <a:endParaRPr lang="en-US" b="1" dirty="0">
               <a:solidFill>
@@ -14686,11 +14534,7 @@
             </a:fld>
             <a:r>
               <a:rPr lang="en-US" sz="1600" dirty="0" smtClean="0"/>
-              <a:t>/</a:t>
-            </a:r>
-            <a:r>
-              <a:rPr lang="en-US" sz="1600" dirty="0" smtClean="0"/>
-              <a:t>17</a:t>
+              <a:t>/17</a:t>
             </a:r>
             <a:endParaRPr lang="en-US" sz="1600" dirty="0"/>
           </a:p>

--- a/QCBio luncheon 2020/Presentation1.pptx
+++ b/QCBio luncheon 2020/Presentation1.pptx
@@ -208,7 +208,7 @@
           <a:p>
             <a:fld id="{C0637069-2E57-EC48-AEE9-D9084A574C9B}" type="datetimeFigureOut">
               <a:rPr lang="en-US" smtClean="0"/>
-              <a:t>20/1/30</a:t>
+              <a:t>20/1/31</a:t>
             </a:fld>
             <a:endParaRPr lang="en-US"/>
           </a:p>
@@ -792,7 +792,7 @@
           <a:p>
             <a:fld id="{51A6E329-1FAF-DA41-AFB6-CE80DCBD6FF0}" type="datetimeFigureOut">
               <a:rPr lang="en-US" smtClean="0"/>
-              <a:t>20/1/30</a:t>
+              <a:t>20/1/31</a:t>
             </a:fld>
             <a:endParaRPr lang="en-US"/>
           </a:p>
@@ -993,7 +993,7 @@
           <a:p>
             <a:fld id="{51A6E329-1FAF-DA41-AFB6-CE80DCBD6FF0}" type="datetimeFigureOut">
               <a:rPr lang="en-US" smtClean="0"/>
-              <a:t>20/1/30</a:t>
+              <a:t>20/1/31</a:t>
             </a:fld>
             <a:endParaRPr lang="en-US"/>
           </a:p>
@@ -1168,7 +1168,7 @@
           <a:p>
             <a:fld id="{51A6E329-1FAF-DA41-AFB6-CE80DCBD6FF0}" type="datetimeFigureOut">
               <a:rPr lang="en-US" smtClean="0"/>
-              <a:t>20/1/30</a:t>
+              <a:t>20/1/31</a:t>
             </a:fld>
             <a:endParaRPr lang="en-US"/>
           </a:p>
@@ -1333,7 +1333,7 @@
           <a:p>
             <a:fld id="{51A6E329-1FAF-DA41-AFB6-CE80DCBD6FF0}" type="datetimeFigureOut">
               <a:rPr lang="en-US" smtClean="0"/>
-              <a:t>20/1/30</a:t>
+              <a:t>20/1/31</a:t>
             </a:fld>
             <a:endParaRPr lang="en-US"/>
           </a:p>
@@ -1581,7 +1581,7 @@
           <a:p>
             <a:fld id="{51A6E329-1FAF-DA41-AFB6-CE80DCBD6FF0}" type="datetimeFigureOut">
               <a:rPr lang="en-US" smtClean="0"/>
-              <a:t>20/1/30</a:t>
+              <a:t>20/1/31</a:t>
             </a:fld>
             <a:endParaRPr lang="en-US"/>
           </a:p>
@@ -1899,7 +1899,7 @@
           <a:p>
             <a:fld id="{51A6E329-1FAF-DA41-AFB6-CE80DCBD6FF0}" type="datetimeFigureOut">
               <a:rPr lang="en-US" smtClean="0"/>
-              <a:t>20/1/30</a:t>
+              <a:t>20/1/31</a:t>
             </a:fld>
             <a:endParaRPr lang="en-US"/>
           </a:p>
@@ -2365,7 +2365,7 @@
           <a:p>
             <a:fld id="{51A6E329-1FAF-DA41-AFB6-CE80DCBD6FF0}" type="datetimeFigureOut">
               <a:rPr lang="en-US" smtClean="0"/>
-              <a:t>20/1/30</a:t>
+              <a:t>20/1/31</a:t>
             </a:fld>
             <a:endParaRPr lang="en-US"/>
           </a:p>
@@ -2513,7 +2513,7 @@
           <a:p>
             <a:fld id="{51A6E329-1FAF-DA41-AFB6-CE80DCBD6FF0}" type="datetimeFigureOut">
               <a:rPr lang="en-US" smtClean="0"/>
-              <a:t>20/1/30</a:t>
+              <a:t>20/1/31</a:t>
             </a:fld>
             <a:endParaRPr lang="en-US"/>
           </a:p>
@@ -2603,7 +2603,7 @@
           <a:p>
             <a:fld id="{51A6E329-1FAF-DA41-AFB6-CE80DCBD6FF0}" type="datetimeFigureOut">
               <a:rPr lang="en-US" smtClean="0"/>
-              <a:t>20/1/30</a:t>
+              <a:t>20/1/31</a:t>
             </a:fld>
             <a:endParaRPr lang="en-US"/>
           </a:p>
@@ -2877,7 +2877,7 @@
           <a:p>
             <a:fld id="{51A6E329-1FAF-DA41-AFB6-CE80DCBD6FF0}" type="datetimeFigureOut">
               <a:rPr lang="en-US" smtClean="0"/>
-              <a:t>20/1/30</a:t>
+              <a:t>20/1/31</a:t>
             </a:fld>
             <a:endParaRPr lang="en-US"/>
           </a:p>
@@ -3183,7 +3183,7 @@
           <a:p>
             <a:fld id="{51A6E329-1FAF-DA41-AFB6-CE80DCBD6FF0}" type="datetimeFigureOut">
               <a:rPr lang="en-US" smtClean="0"/>
-              <a:t>20/1/30</a:t>
+              <a:t>20/1/31</a:t>
             </a:fld>
             <a:endParaRPr lang="en-US"/>
           </a:p>
@@ -3481,7 +3481,7 @@
           <a:p>
             <a:fld id="{51A6E329-1FAF-DA41-AFB6-CE80DCBD6FF0}" type="datetimeFigureOut">
               <a:rPr lang="en-US" smtClean="0"/>
-              <a:t>20/1/30</a:t>
+              <a:t>20/1/31</a:t>
             </a:fld>
             <a:endParaRPr lang="en-US"/>
           </a:p>
@@ -10974,7 +10974,7 @@
         <p:spPr>
           <a:xfrm>
             <a:off x="457200" y="1600201"/>
-            <a:ext cx="8229600" cy="3342584"/>
+            <a:ext cx="8497204" cy="2904037"/>
           </a:xfrm>
         </p:spPr>
         <p:txBody>
@@ -10985,7 +10985,11 @@
           <a:p>
             <a:r>
               <a:rPr lang="en-US" dirty="0" smtClean="0"/>
-              <a:t>How simple scientific questions lead to a “</a:t>
+              <a:t>What is </a:t>
+            </a:r>
+            <a:r>
+              <a:rPr lang="en-US" dirty="0" smtClean="0"/>
+              <a:t>“</a:t>
             </a:r>
             <a:r>
               <a:rPr lang="en-US" dirty="0"/>
@@ -10998,8 +11002,12 @@
           </a:p>
           <a:p>
             <a:r>
+              <a:rPr lang="en-US" dirty="0" err="1" smtClean="0"/>
+              <a:t>Univariate</a:t>
+            </a:r>
+            <a:r>
               <a:rPr lang="en-US" dirty="0" smtClean="0"/>
-              <a:t>Pros and cons of “p-value methods” </a:t>
+              <a:t> </a:t>
             </a:r>
             <a:r>
               <a:rPr lang="en-US" dirty="0" err="1" smtClean="0"/>
@@ -11007,7 +11015,11 @@
             </a:r>
             <a:r>
               <a:rPr lang="en-US" dirty="0" smtClean="0"/>
-              <a:t> multiple regression methods. </a:t>
+              <a:t> multiple regression </a:t>
+            </a:r>
+            <a:r>
+              <a:rPr lang="en-US" dirty="0" smtClean="0"/>
+              <a:t>methods, focus on GWAS. </a:t>
             </a:r>
             <a:endParaRPr lang="en-US" dirty="0"/>
           </a:p>
@@ -11017,7 +11029,11 @@
           <a:p>
             <a:r>
               <a:rPr lang="en-US" dirty="0" smtClean="0"/>
-              <a:t>Maybe convince you to use Iterative hard </a:t>
+              <a:t>How </a:t>
+            </a:r>
+            <a:r>
+              <a:rPr lang="en-US" dirty="0" smtClean="0"/>
+              <a:t>Iterative hard </a:t>
             </a:r>
             <a:r>
               <a:rPr lang="en-US" dirty="0" err="1" smtClean="0"/>
@@ -11025,8 +11041,13 @@
             </a:r>
             <a:r>
               <a:rPr lang="en-US" dirty="0" smtClean="0"/>
-              <a:t> for your high dimensional data</a:t>
-            </a:r>
+              <a:t> </a:t>
+            </a:r>
+            <a:r>
+              <a:rPr lang="en-US" dirty="0" smtClean="0"/>
+              <a:t>overcome drawbacks of multiple regression in high dimensional data</a:t>
+            </a:r>
+            <a:endParaRPr lang="en-US" dirty="0" smtClean="0"/>
           </a:p>
         </p:txBody>
       </p:sp>
@@ -11038,7 +11059,7 @@
         </p:nvSpPr>
         <p:spPr>
           <a:xfrm>
-            <a:off x="1434875" y="5723451"/>
+            <a:off x="1115075" y="5093041"/>
             <a:ext cx="7341335" cy="1446550"/>
           </a:xfrm>
           <a:prstGeom prst="rect">
